--- a/Slides/PPTs/Ziyarat Warith.pptx
+++ b/Slides/PPTs/Ziyarat Warith.pptx
@@ -7,7 +7,7 @@
   <p:sldIdLst>
     <p:sldId id="5435" r:id="rId2"/>
     <p:sldId id="5216" r:id="rId3"/>
-    <p:sldId id="1715" r:id="rId4"/>
+    <p:sldId id="5557" r:id="rId4"/>
     <p:sldId id="5436" r:id="rId5"/>
     <p:sldId id="5437" r:id="rId6"/>
     <p:sldId id="5438" r:id="rId7"/>
@@ -232,7 +232,7 @@
         <p14:section name="al-Imam al-Husayn" id="{F99B426D-A7AA-43CA-B935-B2DCBB37DF73}">
           <p14:sldIdLst>
             <p14:sldId id="5216"/>
-            <p14:sldId id="1715"/>
+            <p14:sldId id="5557"/>
             <p14:sldId id="5436"/>
             <p14:sldId id="5437"/>
             <p14:sldId id="5438"/>
@@ -1067,6 +1067,132 @@
 </p:sldLayout>
 </file>
 
+<file path=ppt/slideLayouts/slideLayout12.xml><?xml version="1.0" encoding="utf-8"?>
+<p:sldLayout xmlns:a="http://schemas.openxmlformats.org/drawingml/2006/main" xmlns:r="http://schemas.openxmlformats.org/officeDocument/2006/relationships" xmlns:p="http://schemas.openxmlformats.org/presentationml/2006/main" userDrawn="1">
+  <p:cSld name="Custom Layout">
+    <p:spTree>
+      <p:nvGrpSpPr>
+        <p:cNvPr id="1" name=""/>
+        <p:cNvGrpSpPr/>
+        <p:nvPr/>
+      </p:nvGrpSpPr>
+      <p:grpSpPr>
+        <a:xfrm>
+          <a:off x="0" y="0"/>
+          <a:ext cx="0" cy="0"/>
+          <a:chOff x="0" y="0"/>
+          <a:chExt cx="0" cy="0"/>
+        </a:xfrm>
+      </p:grpSpPr>
+      <p:sp>
+        <p:nvSpPr>
+          <p:cNvPr id="2" name="Title 1">
+            <a:extLst>
+              <a:ext uri="{FF2B5EF4-FFF2-40B4-BE49-F238E27FC236}">
+                <a16:creationId xmlns:a16="http://schemas.microsoft.com/office/drawing/2014/main" id="{FDDDA0A2-AD51-881E-FFF7-C9FC09AB2BB4}"/>
+              </a:ext>
+            </a:extLst>
+          </p:cNvPr>
+          <p:cNvSpPr>
+            <a:spLocks noGrp="1"/>
+          </p:cNvSpPr>
+          <p:nvPr>
+            <p:ph type="title"/>
+          </p:nvPr>
+        </p:nvSpPr>
+        <p:spPr>
+          <a:xfrm>
+            <a:off x="0" y="1219199"/>
+            <a:ext cx="12192000" cy="1143000"/>
+          </a:xfrm>
+        </p:spPr>
+        <p:txBody>
+          <a:bodyPr/>
+          <a:lstStyle>
+            <a:lvl1pPr rtl="1">
+              <a:defRPr sz="8000">
+                <a:latin typeface="Arabic Typesetting" panose="03020402040406030203" pitchFamily="66" charset="-78"/>
+                <a:cs typeface="Arabic Typesetting" panose="03020402040406030203" pitchFamily="66" charset="-78"/>
+              </a:defRPr>
+            </a:lvl1pPr>
+          </a:lstStyle>
+          <a:p>
+            <a:r>
+              <a:rPr lang="en-US" dirty="0"/>
+              <a:t>Click to edit Master title style</a:t>
+            </a:r>
+            <a:endParaRPr lang="en-CA" dirty="0"/>
+          </a:p>
+        </p:txBody>
+      </p:sp>
+      <p:sp>
+        <p:nvSpPr>
+          <p:cNvPr id="9" name="Text Placeholder 8">
+            <a:extLst>
+              <a:ext uri="{FF2B5EF4-FFF2-40B4-BE49-F238E27FC236}">
+                <a16:creationId xmlns:a16="http://schemas.microsoft.com/office/drawing/2014/main" id="{0D278284-CF32-85B2-B743-5591E8373852}"/>
+              </a:ext>
+            </a:extLst>
+          </p:cNvPr>
+          <p:cNvSpPr>
+            <a:spLocks noGrp="1"/>
+          </p:cNvSpPr>
+          <p:nvPr>
+            <p:ph type="body" sz="quarter" idx="10"/>
+          </p:nvPr>
+        </p:nvSpPr>
+        <p:spPr>
+          <a:xfrm>
+            <a:off x="2171700" y="4495801"/>
+            <a:ext cx="7848600" cy="1905000"/>
+          </a:xfrm>
+        </p:spPr>
+        <p:txBody>
+          <a:bodyPr/>
+          <a:lstStyle>
+            <a:lvl1pPr marL="0" indent="0" algn="ctr">
+              <a:buNone/>
+              <a:defRPr sz="3200"/>
+            </a:lvl1pPr>
+            <a:lvl2pPr marL="457200" indent="0">
+              <a:buNone/>
+              <a:defRPr sz="3200"/>
+            </a:lvl2pPr>
+            <a:lvl3pPr>
+              <a:defRPr sz="3200"/>
+            </a:lvl3pPr>
+            <a:lvl4pPr>
+              <a:defRPr sz="3200"/>
+            </a:lvl4pPr>
+            <a:lvl5pPr>
+              <a:defRPr sz="3200"/>
+            </a:lvl5pPr>
+          </a:lstStyle>
+          <a:p>
+            <a:pPr lvl="0"/>
+            <a:r>
+              <a:rPr lang="en-US" dirty="0"/>
+              <a:t>Click to edit Master text styles</a:t>
+            </a:r>
+          </a:p>
+        </p:txBody>
+      </p:sp>
+    </p:spTree>
+    <p:extLst>
+      <p:ext uri="{BB962C8B-B14F-4D97-AF65-F5344CB8AC3E}">
+        <p14:creationId xmlns:p14="http://schemas.microsoft.com/office/powerpoint/2010/main" val="1977128239"/>
+      </p:ext>
+    </p:extLst>
+  </p:cSld>
+  <p:clrMapOvr>
+    <a:masterClrMapping/>
+  </p:clrMapOvr>
+  <p:transition>
+    <p:fade/>
+  </p:transition>
+</p:sldLayout>
+</file>
+
 <file path=ppt/slideLayouts/slideLayout2.xml><?xml version="1.0" encoding="utf-8"?>
 <p:sldLayout xmlns:a="http://schemas.openxmlformats.org/drawingml/2006/main" xmlns:r="http://schemas.openxmlformats.org/officeDocument/2006/relationships" xmlns:p="http://schemas.openxmlformats.org/presentationml/2006/main" type="obj" preserve="1">
   <p:cSld name="Title and Content">
@@ -3706,6 +3832,7 @@
     <p:sldLayoutId id="2147483669" r:id="rId9"/>
     <p:sldLayoutId id="2147483670" r:id="rId10"/>
     <p:sldLayoutId id="2147483671" r:id="rId11"/>
+    <p:sldLayoutId id="2147483672" r:id="rId12"/>
   </p:sldLayoutIdLst>
   <p:transition>
     <p:fade/>
@@ -4712,13 +4839,13 @@
             <a:spLocks noGrp="1" noChangeArrowheads="1"/>
           </p:cNvSpPr>
           <p:nvPr>
-            <p:ph type="ctrTitle"/>
-          </p:nvPr>
-        </p:nvSpPr>
-        <p:spPr>
-          <a:xfrm>
-            <a:off x="623392" y="1443306"/>
-            <a:ext cx="11089926" cy="1323439"/>
+            <p:ph type="title"/>
+          </p:nvPr>
+        </p:nvSpPr>
+        <p:spPr>
+          <a:xfrm>
+            <a:off x="0" y="1219199"/>
+            <a:ext cx="12192000" cy="1143000"/>
           </a:xfrm>
           <a:noFill/>
           <a:ln>
@@ -4764,39 +4891,23 @@
           </a:bodyPr>
           <a:lstStyle/>
           <a:p>
-            <a:pPr rtl="1"/>
-            <a:r>
-              <a:rPr lang="ar-SA" altLang="en-US" sz="8000" dirty="0">
-                <a:latin typeface="Arabic Typesetting" panose="03020402040406030203" pitchFamily="66" charset="-78"/>
-                <a:cs typeface="Arabic Typesetting" panose="03020402040406030203" pitchFamily="66" charset="-78"/>
-              </a:rPr>
+            <a:r>
+              <a:rPr lang="ar-SA" altLang="en-US" dirty="0"/>
               <a:t>اَلسَّلاَمُ عَلَيْكَ يَا وَارِثَ أَمِيرِ </a:t>
             </a:r>
             <a:r>
-              <a:rPr lang="ar-SA" altLang="en-US" sz="8000" dirty="0" err="1">
-                <a:latin typeface="Arabic Typesetting" panose="03020402040406030203" pitchFamily="66" charset="-78"/>
-                <a:cs typeface="Arabic Typesetting" panose="03020402040406030203" pitchFamily="66" charset="-78"/>
-              </a:rPr>
+              <a:rPr lang="ar-SA" altLang="en-US" dirty="0" err="1"/>
               <a:t>ٱلْمُؤْمِنِينَ</a:t>
             </a:r>
             <a:r>
-              <a:rPr lang="ar-SA" altLang="en-US" sz="8000" dirty="0">
-                <a:latin typeface="Arabic Typesetting" panose="03020402040406030203" pitchFamily="66" charset="-78"/>
-                <a:cs typeface="Arabic Typesetting" panose="03020402040406030203" pitchFamily="66" charset="-78"/>
-              </a:rPr>
+              <a:rPr lang="ar-SA" altLang="en-US" dirty="0"/>
               <a:t> عَلَيْهِ </a:t>
             </a:r>
             <a:r>
-              <a:rPr lang="ar-SA" altLang="en-US" sz="8000" dirty="0" err="1">
-                <a:latin typeface="Arabic Typesetting" panose="03020402040406030203" pitchFamily="66" charset="-78"/>
-                <a:cs typeface="Arabic Typesetting" panose="03020402040406030203" pitchFamily="66" charset="-78"/>
-              </a:rPr>
+              <a:rPr lang="ar-SA" altLang="en-US" dirty="0" err="1"/>
               <a:t>ٱلسَّلاَمُ</a:t>
             </a:r>
-            <a:endParaRPr lang="en-US" altLang="en-US" sz="8000" dirty="0">
-              <a:latin typeface="Arabic Typesetting" panose="03020402040406030203" pitchFamily="66" charset="-78"/>
-              <a:cs typeface="Arabic Typesetting" panose="03020402040406030203" pitchFamily="66" charset="-78"/>
-            </a:endParaRPr>
+            <a:endParaRPr lang="en-US" altLang="en-US" dirty="0"/>
           </a:p>
         </p:txBody>
       </p:sp>
@@ -4807,13 +4918,13 @@
             <a:spLocks noGrp="1" noChangeArrowheads="1"/>
           </p:cNvSpPr>
           <p:nvPr>
-            <p:ph type="subTitle" idx="1"/>
-          </p:nvPr>
-        </p:nvSpPr>
-        <p:spPr>
-          <a:xfrm>
-            <a:off x="1847851" y="3381375"/>
-            <a:ext cx="8424863" cy="1077218"/>
+            <p:ph type="body" sz="quarter" idx="10"/>
+          </p:nvPr>
+        </p:nvSpPr>
+        <p:spPr>
+          <a:xfrm>
+            <a:off x="2171700" y="4495801"/>
+            <a:ext cx="7848600" cy="1905000"/>
           </a:xfrm>
           <a:noFill/>
           <a:extLst>
@@ -4837,9 +4948,7 @@
           <a:lstStyle/>
           <a:p>
             <a:r>
-              <a:rPr lang="en-US" altLang="en-US" b="1" dirty="0">
-                <a:ea typeface="MS Mincho" charset="-128"/>
-              </a:rPr>
+              <a:rPr lang="en-US" altLang="en-US" dirty="0"/>
               <a:t>Peace be upon you, O inheritor of the Commander of the Faithful, peace be upon him.</a:t>
             </a:r>
           </a:p>
@@ -5389,13 +5498,13 @@
             <a:spLocks noGrp="1" noChangeArrowheads="1"/>
           </p:cNvSpPr>
           <p:nvPr>
-            <p:ph type="ctrTitle"/>
-          </p:nvPr>
-        </p:nvSpPr>
-        <p:spPr>
-          <a:xfrm>
-            <a:off x="0" y="1443306"/>
-            <a:ext cx="12192000" cy="1323439"/>
+            <p:ph type="title"/>
+          </p:nvPr>
+        </p:nvSpPr>
+        <p:spPr>
+          <a:xfrm>
+            <a:off x="0" y="1219199"/>
+            <a:ext cx="12192000" cy="1143000"/>
           </a:xfrm>
           <a:noFill/>
           <a:ln>
@@ -5441,39 +5550,23 @@
           </a:bodyPr>
           <a:lstStyle/>
           <a:p>
-            <a:pPr rtl="1"/>
-            <a:r>
-              <a:rPr lang="ar-SA" altLang="en-US" sz="8000" dirty="0">
-                <a:latin typeface="Arabic Typesetting" panose="03020402040406030203" pitchFamily="66" charset="-78"/>
-                <a:cs typeface="Arabic Typesetting" panose="03020402040406030203" pitchFamily="66" charset="-78"/>
-              </a:rPr>
+            <a:r>
+              <a:rPr lang="ar-SA" altLang="en-US" dirty="0"/>
               <a:t>اَلسَّلاَمُ عَلَيْكَ يَا </a:t>
             </a:r>
             <a:r>
-              <a:rPr lang="ar-SA" altLang="en-US" sz="8000" dirty="0" err="1">
-                <a:latin typeface="Arabic Typesetting" panose="03020402040406030203" pitchFamily="66" charset="-78"/>
-                <a:cs typeface="Arabic Typesetting" panose="03020402040406030203" pitchFamily="66" charset="-78"/>
-              </a:rPr>
+              <a:rPr lang="ar-SA" altLang="en-US" dirty="0" err="1"/>
               <a:t>ٱبْنَ</a:t>
             </a:r>
             <a:r>
-              <a:rPr lang="ar-SA" altLang="en-US" sz="8000" dirty="0">
-                <a:latin typeface="Arabic Typesetting" panose="03020402040406030203" pitchFamily="66" charset="-78"/>
-                <a:cs typeface="Arabic Typesetting" panose="03020402040406030203" pitchFamily="66" charset="-78"/>
-              </a:rPr>
+              <a:rPr lang="ar-SA" altLang="en-US" dirty="0"/>
               <a:t> مُحَمَّدٍ </a:t>
             </a:r>
             <a:r>
-              <a:rPr lang="ar-SA" altLang="en-US" sz="8000" dirty="0" err="1">
-                <a:latin typeface="Arabic Typesetting" panose="03020402040406030203" pitchFamily="66" charset="-78"/>
-                <a:cs typeface="Arabic Typesetting" panose="03020402040406030203" pitchFamily="66" charset="-78"/>
-              </a:rPr>
+              <a:rPr lang="ar-SA" altLang="en-US" dirty="0" err="1"/>
               <a:t>ٱلْمُصْطَفٰى</a:t>
             </a:r>
-            <a:endParaRPr lang="en-US" altLang="en-US" sz="8000" dirty="0">
-              <a:latin typeface="Arabic Typesetting" panose="03020402040406030203" pitchFamily="66" charset="-78"/>
-              <a:cs typeface="Arabic Typesetting" panose="03020402040406030203" pitchFamily="66" charset="-78"/>
-            </a:endParaRPr>
+            <a:endParaRPr lang="en-US" altLang="en-US" dirty="0"/>
           </a:p>
         </p:txBody>
       </p:sp>
@@ -5484,13 +5577,13 @@
             <a:spLocks noGrp="1" noChangeArrowheads="1"/>
           </p:cNvSpPr>
           <p:nvPr>
-            <p:ph type="subTitle" idx="1"/>
-          </p:nvPr>
-        </p:nvSpPr>
-        <p:spPr>
-          <a:xfrm>
-            <a:off x="1847851" y="3381375"/>
-            <a:ext cx="8424863" cy="1077218"/>
+            <p:ph type="body" sz="quarter" idx="10"/>
+          </p:nvPr>
+        </p:nvSpPr>
+        <p:spPr>
+          <a:xfrm>
+            <a:off x="2171700" y="4495801"/>
+            <a:ext cx="7848600" cy="1905000"/>
           </a:xfrm>
           <a:noFill/>
           <a:extLst>
@@ -5514,9 +5607,7 @@
           <a:lstStyle/>
           <a:p>
             <a:r>
-              <a:rPr lang="en-US" altLang="en-US" b="1" dirty="0">
-                <a:ea typeface="MS Mincho" charset="-128"/>
-              </a:rPr>
+              <a:rPr lang="en-US" altLang="en-US" dirty="0"/>
               <a:t>Peace be upon you, O son of Muhammad the well-chosen Prophet.</a:t>
             </a:r>
           </a:p>
@@ -5567,13 +5658,13 @@
             <a:spLocks noGrp="1" noChangeArrowheads="1"/>
           </p:cNvSpPr>
           <p:nvPr>
-            <p:ph type="ctrTitle"/>
-          </p:nvPr>
-        </p:nvSpPr>
-        <p:spPr>
-          <a:xfrm>
-            <a:off x="623392" y="1443306"/>
-            <a:ext cx="11089926" cy="1323439"/>
+            <p:ph type="title"/>
+          </p:nvPr>
+        </p:nvSpPr>
+        <p:spPr>
+          <a:xfrm>
+            <a:off x="0" y="1219199"/>
+            <a:ext cx="12192000" cy="1143000"/>
           </a:xfrm>
           <a:noFill/>
           <a:ln>
@@ -5619,39 +5710,23 @@
           </a:bodyPr>
           <a:lstStyle/>
           <a:p>
-            <a:pPr rtl="1"/>
-            <a:r>
-              <a:rPr lang="ar-SA" altLang="en-US" sz="8000" dirty="0">
-                <a:latin typeface="Arabic Typesetting" panose="03020402040406030203" pitchFamily="66" charset="-78"/>
-                <a:cs typeface="Arabic Typesetting" panose="03020402040406030203" pitchFamily="66" charset="-78"/>
-              </a:rPr>
+            <a:r>
+              <a:rPr lang="ar-SA" altLang="en-US" dirty="0"/>
               <a:t>اَلسَّلاَمُ عَلَيْكَ يَا </a:t>
             </a:r>
             <a:r>
-              <a:rPr lang="ar-SA" altLang="en-US" sz="8000" dirty="0" err="1">
-                <a:latin typeface="Arabic Typesetting" panose="03020402040406030203" pitchFamily="66" charset="-78"/>
-                <a:cs typeface="Arabic Typesetting" panose="03020402040406030203" pitchFamily="66" charset="-78"/>
-              </a:rPr>
+              <a:rPr lang="ar-SA" altLang="en-US" dirty="0" err="1"/>
               <a:t>ٱبْنَ</a:t>
             </a:r>
             <a:r>
-              <a:rPr lang="ar-SA" altLang="en-US" sz="8000" dirty="0">
-                <a:latin typeface="Arabic Typesetting" panose="03020402040406030203" pitchFamily="66" charset="-78"/>
-                <a:cs typeface="Arabic Typesetting" panose="03020402040406030203" pitchFamily="66" charset="-78"/>
-              </a:rPr>
+              <a:rPr lang="ar-SA" altLang="en-US" dirty="0"/>
               <a:t> عَلِيٍّ </a:t>
             </a:r>
             <a:r>
-              <a:rPr lang="ar-SA" altLang="en-US" sz="8000" dirty="0" err="1">
-                <a:latin typeface="Arabic Typesetting" panose="03020402040406030203" pitchFamily="66" charset="-78"/>
-                <a:cs typeface="Arabic Typesetting" panose="03020402040406030203" pitchFamily="66" charset="-78"/>
-              </a:rPr>
+              <a:rPr lang="ar-SA" altLang="en-US" dirty="0" err="1"/>
               <a:t>ٱلْمُرْتَضٰى</a:t>
             </a:r>
-            <a:endParaRPr lang="en-US" altLang="en-US" sz="8000" dirty="0">
-              <a:latin typeface="Arabic Typesetting" panose="03020402040406030203" pitchFamily="66" charset="-78"/>
-              <a:cs typeface="Arabic Typesetting" panose="03020402040406030203" pitchFamily="66" charset="-78"/>
-            </a:endParaRPr>
+            <a:endParaRPr lang="en-US" altLang="en-US" dirty="0"/>
           </a:p>
         </p:txBody>
       </p:sp>
@@ -5662,13 +5737,13 @@
             <a:spLocks noGrp="1" noChangeArrowheads="1"/>
           </p:cNvSpPr>
           <p:nvPr>
-            <p:ph type="subTitle" idx="1"/>
-          </p:nvPr>
-        </p:nvSpPr>
-        <p:spPr>
-          <a:xfrm>
-            <a:off x="1847851" y="3381375"/>
-            <a:ext cx="8424863" cy="584775"/>
+            <p:ph type="body" sz="quarter" idx="10"/>
+          </p:nvPr>
+        </p:nvSpPr>
+        <p:spPr>
+          <a:xfrm>
+            <a:off x="2171700" y="4495801"/>
+            <a:ext cx="7848600" cy="1905000"/>
           </a:xfrm>
           <a:noFill/>
           <a:extLst>
@@ -5692,9 +5767,7 @@
           <a:lstStyle/>
           <a:p>
             <a:r>
-              <a:rPr lang="en-US" altLang="en-US" b="1" dirty="0">
-                <a:ea typeface="MS Mincho" charset="-128"/>
-              </a:rPr>
+              <a:rPr lang="en-US" altLang="en-US" dirty="0"/>
               <a:t>Peace be upon you, O son of `Ali the well-pleased.</a:t>
             </a:r>
           </a:p>
@@ -5745,13 +5818,13 @@
             <a:spLocks noGrp="1" noChangeArrowheads="1"/>
           </p:cNvSpPr>
           <p:nvPr>
-            <p:ph type="ctrTitle"/>
-          </p:nvPr>
-        </p:nvSpPr>
-        <p:spPr>
-          <a:xfrm>
-            <a:off x="623392" y="1443306"/>
-            <a:ext cx="11089926" cy="1323439"/>
+            <p:ph type="title"/>
+          </p:nvPr>
+        </p:nvSpPr>
+        <p:spPr>
+          <a:xfrm>
+            <a:off x="0" y="1219199"/>
+            <a:ext cx="12192000" cy="1143000"/>
           </a:xfrm>
           <a:noFill/>
           <a:ln>
@@ -5797,39 +5870,23 @@
           </a:bodyPr>
           <a:lstStyle/>
           <a:p>
-            <a:pPr rtl="1"/>
-            <a:r>
-              <a:rPr lang="ar-SA" altLang="en-US" sz="8000" dirty="0">
-                <a:latin typeface="Arabic Typesetting" panose="03020402040406030203" pitchFamily="66" charset="-78"/>
-                <a:cs typeface="Arabic Typesetting" panose="03020402040406030203" pitchFamily="66" charset="-78"/>
-              </a:rPr>
+            <a:r>
+              <a:rPr lang="ar-SA" altLang="en-US" dirty="0"/>
               <a:t>اَلسَّلاَمُ عَلَيْكَ يَا </a:t>
             </a:r>
             <a:r>
-              <a:rPr lang="ar-SA" altLang="en-US" sz="8000" dirty="0" err="1">
-                <a:latin typeface="Arabic Typesetting" panose="03020402040406030203" pitchFamily="66" charset="-78"/>
-                <a:cs typeface="Arabic Typesetting" panose="03020402040406030203" pitchFamily="66" charset="-78"/>
-              </a:rPr>
+              <a:rPr lang="ar-SA" altLang="en-US" dirty="0" err="1"/>
               <a:t>ٱبْنَ</a:t>
             </a:r>
             <a:r>
-              <a:rPr lang="ar-SA" altLang="en-US" sz="8000" dirty="0">
-                <a:latin typeface="Arabic Typesetting" panose="03020402040406030203" pitchFamily="66" charset="-78"/>
-                <a:cs typeface="Arabic Typesetting" panose="03020402040406030203" pitchFamily="66" charset="-78"/>
-              </a:rPr>
+              <a:rPr lang="ar-SA" altLang="en-US" dirty="0"/>
               <a:t> فَاطِمَةَ </a:t>
             </a:r>
             <a:r>
-              <a:rPr lang="ar-SA" altLang="en-US" sz="8000" dirty="0" err="1">
-                <a:latin typeface="Arabic Typesetting" panose="03020402040406030203" pitchFamily="66" charset="-78"/>
-                <a:cs typeface="Arabic Typesetting" panose="03020402040406030203" pitchFamily="66" charset="-78"/>
-              </a:rPr>
+              <a:rPr lang="ar-SA" altLang="en-US" dirty="0" err="1"/>
               <a:t>ٱلزَّهْرَاءِ</a:t>
             </a:r>
-            <a:endParaRPr lang="en-US" altLang="en-US" sz="8000" dirty="0">
-              <a:latin typeface="Arabic Typesetting" panose="03020402040406030203" pitchFamily="66" charset="-78"/>
-              <a:cs typeface="Arabic Typesetting" panose="03020402040406030203" pitchFamily="66" charset="-78"/>
-            </a:endParaRPr>
+            <a:endParaRPr lang="en-US" altLang="en-US" dirty="0"/>
           </a:p>
         </p:txBody>
       </p:sp>
@@ -5840,13 +5897,13 @@
             <a:spLocks noGrp="1" noChangeArrowheads="1"/>
           </p:cNvSpPr>
           <p:nvPr>
-            <p:ph type="subTitle" idx="1"/>
-          </p:nvPr>
-        </p:nvSpPr>
-        <p:spPr>
-          <a:xfrm>
-            <a:off x="1847851" y="3381375"/>
-            <a:ext cx="8424863" cy="1077218"/>
+            <p:ph type="body" sz="quarter" idx="10"/>
+          </p:nvPr>
+        </p:nvSpPr>
+        <p:spPr>
+          <a:xfrm>
+            <a:off x="2171700" y="4495801"/>
+            <a:ext cx="7848600" cy="1905000"/>
           </a:xfrm>
           <a:noFill/>
           <a:extLst>
@@ -5870,9 +5927,7 @@
           <a:lstStyle/>
           <a:p>
             <a:r>
-              <a:rPr lang="en-US" altLang="en-US" b="1" dirty="0">
-                <a:ea typeface="MS Mincho" charset="-128"/>
-              </a:rPr>
+              <a:rPr lang="en-US" altLang="en-US" dirty="0"/>
               <a:t>Peace be upon you, O son of Fatimah the luminous lady.</a:t>
             </a:r>
           </a:p>
@@ -5923,13 +5978,13 @@
             <a:spLocks noGrp="1" noChangeArrowheads="1"/>
           </p:cNvSpPr>
           <p:nvPr>
-            <p:ph type="ctrTitle"/>
-          </p:nvPr>
-        </p:nvSpPr>
-        <p:spPr>
-          <a:xfrm>
-            <a:off x="623392" y="1443306"/>
-            <a:ext cx="11089926" cy="1323439"/>
+            <p:ph type="title"/>
+          </p:nvPr>
+        </p:nvSpPr>
+        <p:spPr>
+          <a:xfrm>
+            <a:off x="0" y="1219199"/>
+            <a:ext cx="12192000" cy="1143000"/>
           </a:xfrm>
           <a:noFill/>
           <a:ln>
@@ -5975,39 +6030,23 @@
           </a:bodyPr>
           <a:lstStyle/>
           <a:p>
-            <a:pPr rtl="1"/>
-            <a:r>
-              <a:rPr lang="ar-SA" altLang="en-US" sz="8000" dirty="0">
-                <a:latin typeface="Arabic Typesetting" panose="03020402040406030203" pitchFamily="66" charset="-78"/>
-                <a:cs typeface="Arabic Typesetting" panose="03020402040406030203" pitchFamily="66" charset="-78"/>
-              </a:rPr>
+            <a:r>
+              <a:rPr lang="ar-SA" altLang="en-US" dirty="0"/>
               <a:t>اَلسَّلاَمُ عَلَيْكَ يَا </a:t>
             </a:r>
             <a:r>
-              <a:rPr lang="ar-SA" altLang="en-US" sz="8000" dirty="0" err="1">
-                <a:latin typeface="Arabic Typesetting" panose="03020402040406030203" pitchFamily="66" charset="-78"/>
-                <a:cs typeface="Arabic Typesetting" panose="03020402040406030203" pitchFamily="66" charset="-78"/>
-              </a:rPr>
+              <a:rPr lang="ar-SA" altLang="en-US" dirty="0" err="1"/>
               <a:t>ٱبْن</a:t>
             </a:r>
             <a:r>
-              <a:rPr lang="ar-SA" altLang="en-US" sz="8000" dirty="0">
-                <a:latin typeface="Arabic Typesetting" panose="03020402040406030203" pitchFamily="66" charset="-78"/>
-                <a:cs typeface="Arabic Typesetting" panose="03020402040406030203" pitchFamily="66" charset="-78"/>
-              </a:rPr>
+              <a:rPr lang="ar-SA" altLang="en-US" dirty="0"/>
               <a:t> خَدِيـجَةَ </a:t>
             </a:r>
             <a:r>
-              <a:rPr lang="ar-SA" altLang="en-US" sz="8000" dirty="0" err="1">
-                <a:latin typeface="Arabic Typesetting" panose="03020402040406030203" pitchFamily="66" charset="-78"/>
-                <a:cs typeface="Arabic Typesetting" panose="03020402040406030203" pitchFamily="66" charset="-78"/>
-              </a:rPr>
+              <a:rPr lang="ar-SA" altLang="en-US" dirty="0" err="1"/>
               <a:t>ٱلْكُبْرٰى</a:t>
             </a:r>
-            <a:endParaRPr lang="en-US" altLang="en-US" sz="8000" dirty="0">
-              <a:latin typeface="Arabic Typesetting" panose="03020402040406030203" pitchFamily="66" charset="-78"/>
-              <a:cs typeface="Arabic Typesetting" panose="03020402040406030203" pitchFamily="66" charset="-78"/>
-            </a:endParaRPr>
+            <a:endParaRPr lang="en-US" altLang="en-US" dirty="0"/>
           </a:p>
         </p:txBody>
       </p:sp>
@@ -6018,13 +6057,13 @@
             <a:spLocks noGrp="1" noChangeArrowheads="1"/>
           </p:cNvSpPr>
           <p:nvPr>
-            <p:ph type="subTitle" idx="1"/>
-          </p:nvPr>
-        </p:nvSpPr>
-        <p:spPr>
-          <a:xfrm>
-            <a:off x="1847851" y="3381375"/>
-            <a:ext cx="8424863" cy="1077218"/>
+            <p:ph type="body" sz="quarter" idx="10"/>
+          </p:nvPr>
+        </p:nvSpPr>
+        <p:spPr>
+          <a:xfrm>
+            <a:off x="2171700" y="4495801"/>
+            <a:ext cx="7848600" cy="1905000"/>
           </a:xfrm>
           <a:noFill/>
           <a:extLst>
@@ -6048,9 +6087,7 @@
           <a:lstStyle/>
           <a:p>
             <a:r>
-              <a:rPr lang="en-US" altLang="en-US" b="1" dirty="0">
-                <a:ea typeface="MS Mincho" charset="-128"/>
-              </a:rPr>
+              <a:rPr lang="en-US" altLang="en-US" dirty="0"/>
               <a:t>Peace be upon you, O son of Khadijah the grand lady.</a:t>
             </a:r>
           </a:p>
@@ -6101,13 +6138,13 @@
             <a:spLocks noGrp="1" noChangeArrowheads="1"/>
           </p:cNvSpPr>
           <p:nvPr>
-            <p:ph type="ctrTitle"/>
-          </p:nvPr>
-        </p:nvSpPr>
-        <p:spPr>
-          <a:xfrm>
-            <a:off x="623392" y="1443306"/>
-            <a:ext cx="11089926" cy="1323439"/>
+            <p:ph type="title"/>
+          </p:nvPr>
+        </p:nvSpPr>
+        <p:spPr>
+          <a:xfrm>
+            <a:off x="0" y="1219199"/>
+            <a:ext cx="12192000" cy="1143000"/>
           </a:xfrm>
           <a:noFill/>
           <a:ln>
@@ -6153,53 +6190,31 @@
           </a:bodyPr>
           <a:lstStyle/>
           <a:p>
-            <a:pPr rtl="1"/>
-            <a:r>
-              <a:rPr lang="ar-SA" altLang="en-US" sz="8000" dirty="0">
-                <a:latin typeface="Arabic Typesetting" panose="03020402040406030203" pitchFamily="66" charset="-78"/>
-                <a:cs typeface="Arabic Typesetting" panose="03020402040406030203" pitchFamily="66" charset="-78"/>
-              </a:rPr>
+            <a:r>
+              <a:rPr lang="ar-SA" altLang="en-US" dirty="0"/>
               <a:t>اَلسَّلاَمُ عَلَيْكَ يَا ثَارَ </a:t>
             </a:r>
             <a:r>
-              <a:rPr lang="ar-SA" altLang="en-US" sz="8000" dirty="0" err="1">
-                <a:latin typeface="Arabic Typesetting" panose="03020402040406030203" pitchFamily="66" charset="-78"/>
-                <a:cs typeface="Arabic Typesetting" panose="03020402040406030203" pitchFamily="66" charset="-78"/>
-              </a:rPr>
+              <a:rPr lang="ar-SA" altLang="en-US" dirty="0" err="1"/>
               <a:t>ٱللَّهِ</a:t>
             </a:r>
             <a:r>
-              <a:rPr lang="ar-SA" altLang="en-US" sz="8000" dirty="0">
-                <a:latin typeface="Arabic Typesetting" panose="03020402040406030203" pitchFamily="66" charset="-78"/>
-                <a:cs typeface="Arabic Typesetting" panose="03020402040406030203" pitchFamily="66" charset="-78"/>
-              </a:rPr>
+              <a:rPr lang="ar-SA" altLang="en-US" dirty="0"/>
               <a:t> </a:t>
             </a:r>
             <a:r>
-              <a:rPr lang="ar-SA" altLang="en-US" sz="8000" dirty="0" err="1">
-                <a:latin typeface="Arabic Typesetting" panose="03020402040406030203" pitchFamily="66" charset="-78"/>
-                <a:cs typeface="Arabic Typesetting" panose="03020402040406030203" pitchFamily="66" charset="-78"/>
-              </a:rPr>
+              <a:rPr lang="ar-SA" altLang="en-US" dirty="0" err="1"/>
               <a:t>وَٱبْنَ</a:t>
             </a:r>
             <a:r>
-              <a:rPr lang="ar-SA" altLang="en-US" sz="8000" dirty="0">
-                <a:latin typeface="Arabic Typesetting" panose="03020402040406030203" pitchFamily="66" charset="-78"/>
-                <a:cs typeface="Arabic Typesetting" panose="03020402040406030203" pitchFamily="66" charset="-78"/>
-              </a:rPr>
+              <a:rPr lang="ar-SA" altLang="en-US" dirty="0"/>
               <a:t> </a:t>
             </a:r>
             <a:r>
-              <a:rPr lang="ar-SA" altLang="en-US" sz="8000" dirty="0" err="1">
-                <a:latin typeface="Arabic Typesetting" panose="03020402040406030203" pitchFamily="66" charset="-78"/>
-                <a:cs typeface="Arabic Typesetting" panose="03020402040406030203" pitchFamily="66" charset="-78"/>
-              </a:rPr>
+              <a:rPr lang="ar-SA" altLang="en-US" dirty="0" err="1"/>
               <a:t>ثَارِهِ</a:t>
             </a:r>
-            <a:endParaRPr lang="en-US" altLang="en-US" sz="8000" dirty="0">
-              <a:latin typeface="Arabic Typesetting" panose="03020402040406030203" pitchFamily="66" charset="-78"/>
-              <a:cs typeface="Arabic Typesetting" panose="03020402040406030203" pitchFamily="66" charset="-78"/>
-            </a:endParaRPr>
+            <a:endParaRPr lang="en-US" altLang="en-US" dirty="0"/>
           </a:p>
         </p:txBody>
       </p:sp>
@@ -6210,13 +6225,13 @@
             <a:spLocks noGrp="1" noChangeArrowheads="1"/>
           </p:cNvSpPr>
           <p:nvPr>
-            <p:ph type="subTitle" idx="1"/>
-          </p:nvPr>
-        </p:nvSpPr>
-        <p:spPr>
-          <a:xfrm>
-            <a:off x="1847851" y="3381375"/>
-            <a:ext cx="8424863" cy="1077218"/>
+            <p:ph type="body" sz="quarter" idx="10"/>
+          </p:nvPr>
+        </p:nvSpPr>
+        <p:spPr>
+          <a:xfrm>
+            <a:off x="2171700" y="4495801"/>
+            <a:ext cx="7848600" cy="1905000"/>
           </a:xfrm>
           <a:noFill/>
           <a:extLst>
@@ -6240,9 +6255,7 @@
           <a:lstStyle/>
           <a:p>
             <a:r>
-              <a:rPr lang="en-US" altLang="en-US" b="1" dirty="0">
-                <a:ea typeface="MS Mincho" charset="-128"/>
-              </a:rPr>
+              <a:rPr lang="en-US" altLang="en-US" dirty="0"/>
               <a:t>Peace be upon you, O vengeance of Allah, son of His vengeance,</a:t>
             </a:r>
           </a:p>
@@ -6293,13 +6306,13 @@
             <a:spLocks noGrp="1" noChangeArrowheads="1"/>
           </p:cNvSpPr>
           <p:nvPr>
-            <p:ph type="ctrTitle"/>
-          </p:nvPr>
-        </p:nvSpPr>
-        <p:spPr>
-          <a:xfrm>
-            <a:off x="623392" y="1443306"/>
-            <a:ext cx="11089926" cy="1323439"/>
+            <p:ph type="title"/>
+          </p:nvPr>
+        </p:nvSpPr>
+        <p:spPr>
+          <a:xfrm>
+            <a:off x="0" y="1219199"/>
+            <a:ext cx="12192000" cy="1143000"/>
           </a:xfrm>
           <a:noFill/>
           <a:ln>
@@ -6345,32 +6358,19 @@
           </a:bodyPr>
           <a:lstStyle/>
           <a:p>
-            <a:pPr rtl="1"/>
-            <a:r>
-              <a:rPr lang="ar-SA" altLang="en-US" sz="8000" dirty="0" err="1">
-                <a:latin typeface="Arabic Typesetting" panose="03020402040406030203" pitchFamily="66" charset="-78"/>
-                <a:cs typeface="Arabic Typesetting" panose="03020402040406030203" pitchFamily="66" charset="-78"/>
-              </a:rPr>
+            <a:r>
+              <a:rPr lang="ar-SA" altLang="en-US" dirty="0" err="1"/>
               <a:t>وَٱلْوِتْرَ</a:t>
             </a:r>
             <a:r>
-              <a:rPr lang="ar-SA" altLang="en-US" sz="8000" dirty="0">
-                <a:latin typeface="Arabic Typesetting" panose="03020402040406030203" pitchFamily="66" charset="-78"/>
-                <a:cs typeface="Arabic Typesetting" panose="03020402040406030203" pitchFamily="66" charset="-78"/>
-              </a:rPr>
+              <a:rPr lang="ar-SA" altLang="en-US" dirty="0"/>
               <a:t> </a:t>
             </a:r>
             <a:r>
-              <a:rPr lang="ar-SA" altLang="en-US" sz="8000" dirty="0" err="1">
-                <a:latin typeface="Arabic Typesetting" panose="03020402040406030203" pitchFamily="66" charset="-78"/>
-                <a:cs typeface="Arabic Typesetting" panose="03020402040406030203" pitchFamily="66" charset="-78"/>
-              </a:rPr>
+              <a:rPr lang="ar-SA" altLang="en-US" dirty="0" err="1"/>
               <a:t>ٱلْمَوْتُورَ</a:t>
             </a:r>
-            <a:endParaRPr lang="en-US" altLang="en-US" sz="8000" dirty="0">
-              <a:latin typeface="Arabic Typesetting" panose="03020402040406030203" pitchFamily="66" charset="-78"/>
-              <a:cs typeface="Arabic Typesetting" panose="03020402040406030203" pitchFamily="66" charset="-78"/>
-            </a:endParaRPr>
+            <a:endParaRPr lang="en-US" altLang="en-US" dirty="0"/>
           </a:p>
         </p:txBody>
       </p:sp>
@@ -6381,13 +6381,13 @@
             <a:spLocks noGrp="1" noChangeArrowheads="1"/>
           </p:cNvSpPr>
           <p:nvPr>
-            <p:ph type="subTitle" idx="1"/>
-          </p:nvPr>
-        </p:nvSpPr>
-        <p:spPr>
-          <a:xfrm>
-            <a:off x="1847851" y="3381375"/>
-            <a:ext cx="8424863" cy="584775"/>
+            <p:ph type="body" sz="quarter" idx="10"/>
+          </p:nvPr>
+        </p:nvSpPr>
+        <p:spPr>
+          <a:xfrm>
+            <a:off x="2171700" y="4495801"/>
+            <a:ext cx="7848600" cy="1905000"/>
           </a:xfrm>
           <a:noFill/>
           <a:extLst>
@@ -6411,9 +6411,7 @@
           <a:lstStyle/>
           <a:p>
             <a:r>
-              <a:rPr lang="en-US" altLang="en-US" b="1" dirty="0">
-                <a:ea typeface="MS Mincho" charset="-128"/>
-              </a:rPr>
+              <a:rPr lang="en-US" altLang="en-US" dirty="0"/>
               <a:t>and the unavenged so far.</a:t>
             </a:r>
           </a:p>
@@ -6464,13 +6462,13 @@
             <a:spLocks noGrp="1" noChangeArrowheads="1"/>
           </p:cNvSpPr>
           <p:nvPr>
-            <p:ph type="ctrTitle"/>
-          </p:nvPr>
-        </p:nvSpPr>
-        <p:spPr>
-          <a:xfrm>
-            <a:off x="623392" y="1443306"/>
-            <a:ext cx="11089926" cy="1323439"/>
+            <p:ph type="title"/>
+          </p:nvPr>
+        </p:nvSpPr>
+        <p:spPr>
+          <a:xfrm>
+            <a:off x="0" y="1219199"/>
+            <a:ext cx="12192000" cy="1143000"/>
           </a:xfrm>
           <a:noFill/>
           <a:ln>
@@ -6516,25 +6514,15 @@
           </a:bodyPr>
           <a:lstStyle/>
           <a:p>
-            <a:pPr rtl="1"/>
-            <a:r>
-              <a:rPr lang="ar-SA" altLang="en-US" sz="8000" dirty="0">
-                <a:latin typeface="Arabic Typesetting" panose="03020402040406030203" pitchFamily="66" charset="-78"/>
-                <a:cs typeface="Arabic Typesetting" panose="03020402040406030203" pitchFamily="66" charset="-78"/>
-              </a:rPr>
+            <a:r>
+              <a:rPr lang="ar-SA" altLang="en-US" dirty="0"/>
               <a:t>أَشْهَدُ أَنَّكَ قَدْ أَقَمْتَ </a:t>
             </a:r>
             <a:r>
-              <a:rPr lang="ar-SA" altLang="en-US" sz="8000" dirty="0" err="1">
-                <a:latin typeface="Arabic Typesetting" panose="03020402040406030203" pitchFamily="66" charset="-78"/>
-                <a:cs typeface="Arabic Typesetting" panose="03020402040406030203" pitchFamily="66" charset="-78"/>
-              </a:rPr>
+              <a:rPr lang="ar-SA" altLang="en-US" dirty="0" err="1"/>
               <a:t>ٱلصَّلاَةَ</a:t>
             </a:r>
-            <a:endParaRPr lang="en-US" altLang="en-US" sz="8000" dirty="0">
-              <a:latin typeface="Arabic Typesetting" panose="03020402040406030203" pitchFamily="66" charset="-78"/>
-              <a:cs typeface="Arabic Typesetting" panose="03020402040406030203" pitchFamily="66" charset="-78"/>
-            </a:endParaRPr>
+            <a:endParaRPr lang="en-US" altLang="en-US" dirty="0"/>
           </a:p>
         </p:txBody>
       </p:sp>
@@ -6545,13 +6533,13 @@
             <a:spLocks noGrp="1" noChangeArrowheads="1"/>
           </p:cNvSpPr>
           <p:nvPr>
-            <p:ph type="subTitle" idx="1"/>
-          </p:nvPr>
-        </p:nvSpPr>
-        <p:spPr>
-          <a:xfrm>
-            <a:off x="1847851" y="3381375"/>
-            <a:ext cx="8424863" cy="584775"/>
+            <p:ph type="body" sz="quarter" idx="10"/>
+          </p:nvPr>
+        </p:nvSpPr>
+        <p:spPr>
+          <a:xfrm>
+            <a:off x="2171700" y="4495801"/>
+            <a:ext cx="7848600" cy="1905000"/>
           </a:xfrm>
           <a:noFill/>
           <a:extLst>
@@ -6575,9 +6563,7 @@
           <a:lstStyle/>
           <a:p>
             <a:r>
-              <a:rPr lang="en-US" altLang="en-US" b="1" dirty="0">
-                <a:ea typeface="MS Mincho" charset="-128"/>
-              </a:rPr>
+              <a:rPr lang="en-US" altLang="en-US" dirty="0"/>
               <a:t>I bear witness that you performed the prayers,</a:t>
             </a:r>
           </a:p>
@@ -6628,13 +6614,13 @@
             <a:spLocks noGrp="1" noChangeArrowheads="1"/>
           </p:cNvSpPr>
           <p:nvPr>
-            <p:ph type="ctrTitle"/>
-          </p:nvPr>
-        </p:nvSpPr>
-        <p:spPr>
-          <a:xfrm>
-            <a:off x="623392" y="1443306"/>
-            <a:ext cx="11089926" cy="1323439"/>
+            <p:ph type="title"/>
+          </p:nvPr>
+        </p:nvSpPr>
+        <p:spPr>
+          <a:xfrm>
+            <a:off x="0" y="1219199"/>
+            <a:ext cx="12192000" cy="1143000"/>
           </a:xfrm>
           <a:noFill/>
           <a:ln>
@@ -6680,32 +6666,19 @@
           </a:bodyPr>
           <a:lstStyle/>
           <a:p>
-            <a:pPr rtl="1"/>
-            <a:r>
-              <a:rPr lang="ar-SA" altLang="en-US" sz="8000" dirty="0">
-                <a:latin typeface="Arabic Typesetting" panose="03020402040406030203" pitchFamily="66" charset="-78"/>
-                <a:cs typeface="Arabic Typesetting" panose="03020402040406030203" pitchFamily="66" charset="-78"/>
-              </a:rPr>
+            <a:r>
+              <a:rPr lang="ar-SA" altLang="en-US" dirty="0"/>
               <a:t>وَآتَيْتَ </a:t>
             </a:r>
             <a:r>
-              <a:rPr lang="ar-SA" altLang="en-US" sz="8000" dirty="0" err="1">
-                <a:latin typeface="Arabic Typesetting" panose="03020402040406030203" pitchFamily="66" charset="-78"/>
-                <a:cs typeface="Arabic Typesetting" panose="03020402040406030203" pitchFamily="66" charset="-78"/>
-              </a:rPr>
+              <a:rPr lang="ar-SA" altLang="en-US" dirty="0" err="1"/>
               <a:t>ٱلزَّكَاةَ</a:t>
             </a:r>
             <a:r>
-              <a:rPr lang="ar-SA" altLang="en-US" sz="8000" dirty="0">
-                <a:latin typeface="Arabic Typesetting" panose="03020402040406030203" pitchFamily="66" charset="-78"/>
-                <a:cs typeface="Arabic Typesetting" panose="03020402040406030203" pitchFamily="66" charset="-78"/>
-              </a:rPr>
+              <a:rPr lang="ar-SA" altLang="en-US" dirty="0"/>
               <a:t> </a:t>
             </a:r>
-            <a:endParaRPr lang="en-US" altLang="en-US" sz="8000" dirty="0">
-              <a:latin typeface="Arabic Typesetting" panose="03020402040406030203" pitchFamily="66" charset="-78"/>
-              <a:cs typeface="Arabic Typesetting" panose="03020402040406030203" pitchFamily="66" charset="-78"/>
-            </a:endParaRPr>
+            <a:endParaRPr lang="en-US" altLang="en-US" dirty="0"/>
           </a:p>
         </p:txBody>
       </p:sp>
@@ -6716,13 +6689,13 @@
             <a:spLocks noGrp="1" noChangeArrowheads="1"/>
           </p:cNvSpPr>
           <p:nvPr>
-            <p:ph type="subTitle" idx="1"/>
-          </p:nvPr>
-        </p:nvSpPr>
-        <p:spPr>
-          <a:xfrm>
-            <a:off x="1847851" y="3381375"/>
-            <a:ext cx="8424863" cy="584775"/>
+            <p:ph type="body" sz="quarter" idx="10"/>
+          </p:nvPr>
+        </p:nvSpPr>
+        <p:spPr>
+          <a:xfrm>
+            <a:off x="2171700" y="4495801"/>
+            <a:ext cx="7848600" cy="1905000"/>
           </a:xfrm>
           <a:noFill/>
           <a:extLst>
@@ -6746,9 +6719,7 @@
           <a:lstStyle/>
           <a:p>
             <a:r>
-              <a:rPr lang="en-US" altLang="en-US" b="1" dirty="0">
-                <a:ea typeface="MS Mincho" charset="-128"/>
-              </a:rPr>
+              <a:rPr lang="en-US" altLang="en-US" dirty="0"/>
               <a:t>defrayed the poor-rate,</a:t>
             </a:r>
           </a:p>
@@ -6799,13 +6770,13 @@
             <a:spLocks noGrp="1" noChangeArrowheads="1"/>
           </p:cNvSpPr>
           <p:nvPr>
-            <p:ph type="ctrTitle"/>
-          </p:nvPr>
-        </p:nvSpPr>
-        <p:spPr>
-          <a:xfrm>
-            <a:off x="623392" y="1443306"/>
-            <a:ext cx="11089926" cy="1323439"/>
+            <p:ph type="title"/>
+          </p:nvPr>
+        </p:nvSpPr>
+        <p:spPr>
+          <a:xfrm>
+            <a:off x="0" y="1219199"/>
+            <a:ext cx="12192000" cy="1143000"/>
           </a:xfrm>
           <a:noFill/>
           <a:ln>
@@ -6851,39 +6822,23 @@
           </a:bodyPr>
           <a:lstStyle/>
           <a:p>
-            <a:pPr rtl="1"/>
-            <a:r>
-              <a:rPr lang="ar-SA" altLang="en-US" sz="8000" dirty="0">
-                <a:latin typeface="Arabic Typesetting" panose="03020402040406030203" pitchFamily="66" charset="-78"/>
-                <a:cs typeface="Arabic Typesetting" panose="03020402040406030203" pitchFamily="66" charset="-78"/>
-              </a:rPr>
+            <a:r>
+              <a:rPr lang="ar-SA" altLang="en-US" dirty="0"/>
               <a:t>وَأَمَرْتَ </a:t>
             </a:r>
             <a:r>
-              <a:rPr lang="ar-SA" altLang="en-US" sz="8000" dirty="0" err="1">
-                <a:latin typeface="Arabic Typesetting" panose="03020402040406030203" pitchFamily="66" charset="-78"/>
-                <a:cs typeface="Arabic Typesetting" panose="03020402040406030203" pitchFamily="66" charset="-78"/>
-              </a:rPr>
+              <a:rPr lang="ar-SA" altLang="en-US" dirty="0" err="1"/>
               <a:t>بِٱلْمَعْرُوفِ</a:t>
             </a:r>
             <a:r>
-              <a:rPr lang="ar-SA" altLang="en-US" sz="8000" dirty="0">
-                <a:latin typeface="Arabic Typesetting" panose="03020402040406030203" pitchFamily="66" charset="-78"/>
-                <a:cs typeface="Arabic Typesetting" panose="03020402040406030203" pitchFamily="66" charset="-78"/>
-              </a:rPr>
+              <a:rPr lang="ar-SA" altLang="en-US" dirty="0"/>
               <a:t>، وَنَهَيْتَ عَنِ </a:t>
             </a:r>
             <a:r>
-              <a:rPr lang="ar-SA" altLang="en-US" sz="8000" dirty="0" err="1">
-                <a:latin typeface="Arabic Typesetting" panose="03020402040406030203" pitchFamily="66" charset="-78"/>
-                <a:cs typeface="Arabic Typesetting" panose="03020402040406030203" pitchFamily="66" charset="-78"/>
-              </a:rPr>
+              <a:rPr lang="ar-SA" altLang="en-US" dirty="0" err="1"/>
               <a:t>ٱلْمُنْكَرِ</a:t>
             </a:r>
-            <a:endParaRPr lang="en-US" altLang="en-US" sz="8000" dirty="0">
-              <a:latin typeface="Arabic Typesetting" panose="03020402040406030203" pitchFamily="66" charset="-78"/>
-              <a:cs typeface="Arabic Typesetting" panose="03020402040406030203" pitchFamily="66" charset="-78"/>
-            </a:endParaRPr>
+            <a:endParaRPr lang="en-US" altLang="en-US" dirty="0"/>
           </a:p>
         </p:txBody>
       </p:sp>
@@ -6894,13 +6849,13 @@
             <a:spLocks noGrp="1" noChangeArrowheads="1"/>
           </p:cNvSpPr>
           <p:nvPr>
-            <p:ph type="subTitle" idx="1"/>
-          </p:nvPr>
-        </p:nvSpPr>
-        <p:spPr>
-          <a:xfrm>
-            <a:off x="1847851" y="3381375"/>
-            <a:ext cx="8424863" cy="584775"/>
+            <p:ph type="body" sz="quarter" idx="10"/>
+          </p:nvPr>
+        </p:nvSpPr>
+        <p:spPr>
+          <a:xfrm>
+            <a:off x="2171700" y="4495801"/>
+            <a:ext cx="7848600" cy="1905000"/>
           </a:xfrm>
           <a:noFill/>
           <a:extLst>
@@ -6924,26 +6879,18 @@
           <a:lstStyle/>
           <a:p>
             <a:r>
-              <a:rPr lang="en-US" altLang="en-US" b="1" dirty="0">
-                <a:ea typeface="MS Mincho" charset="-128"/>
-              </a:rPr>
+              <a:rPr lang="en-US" altLang="en-US" dirty="0"/>
               <a:t>enjoined the right,</a:t>
             </a:r>
             <a:r>
-              <a:rPr lang="ar-SA" altLang="en-US" b="1" dirty="0">
-                <a:ea typeface="MS Mincho" charset="-128"/>
-              </a:rPr>
+              <a:rPr lang="ar-SA" altLang="en-US" dirty="0"/>
               <a:t> </a:t>
             </a:r>
             <a:r>
-              <a:rPr lang="en-CA" altLang="en-US" b="1" dirty="0">
-                <a:ea typeface="MS Mincho" charset="-128"/>
-              </a:rPr>
+              <a:rPr lang="en-CA" altLang="en-US" dirty="0"/>
               <a:t>forbade the wrong,</a:t>
             </a:r>
-            <a:endParaRPr lang="en-US" altLang="en-US" b="1" dirty="0">
-              <a:ea typeface="MS Mincho" charset="-128"/>
-            </a:endParaRPr>
+            <a:endParaRPr lang="en-US" altLang="en-US" dirty="0"/>
           </a:p>
         </p:txBody>
       </p:sp>
@@ -7129,13 +7076,13 @@
             <a:spLocks noGrp="1" noChangeArrowheads="1"/>
           </p:cNvSpPr>
           <p:nvPr>
-            <p:ph type="ctrTitle"/>
-          </p:nvPr>
-        </p:nvSpPr>
-        <p:spPr>
-          <a:xfrm>
-            <a:off x="623392" y="1443306"/>
-            <a:ext cx="11089926" cy="1323439"/>
+            <p:ph type="title"/>
+          </p:nvPr>
+        </p:nvSpPr>
+        <p:spPr>
+          <a:xfrm>
+            <a:off x="0" y="1219199"/>
+            <a:ext cx="12192000" cy="1143000"/>
           </a:xfrm>
           <a:noFill/>
           <a:ln>
@@ -7181,39 +7128,23 @@
           </a:bodyPr>
           <a:lstStyle/>
           <a:p>
-            <a:pPr rtl="1"/>
-            <a:r>
-              <a:rPr lang="ar-SA" altLang="en-US" sz="8000" dirty="0">
-                <a:latin typeface="Arabic Typesetting" panose="03020402040406030203" pitchFamily="66" charset="-78"/>
-                <a:cs typeface="Arabic Typesetting" panose="03020402040406030203" pitchFamily="66" charset="-78"/>
-              </a:rPr>
+            <a:r>
+              <a:rPr lang="ar-SA" altLang="en-US" dirty="0"/>
               <a:t>وَأَطَعْتَ </a:t>
             </a:r>
             <a:r>
-              <a:rPr lang="ar-SA" altLang="en-US" sz="8000" dirty="0" err="1">
-                <a:latin typeface="Arabic Typesetting" panose="03020402040406030203" pitchFamily="66" charset="-78"/>
-                <a:cs typeface="Arabic Typesetting" panose="03020402040406030203" pitchFamily="66" charset="-78"/>
-              </a:rPr>
+              <a:rPr lang="ar-SA" altLang="en-US" dirty="0" err="1"/>
               <a:t>ٱللَّهَ</a:t>
             </a:r>
             <a:r>
-              <a:rPr lang="ar-SA" altLang="en-US" sz="8000" dirty="0">
-                <a:latin typeface="Arabic Typesetting" panose="03020402040406030203" pitchFamily="66" charset="-78"/>
-                <a:cs typeface="Arabic Typesetting" panose="03020402040406030203" pitchFamily="66" charset="-78"/>
-              </a:rPr>
+              <a:rPr lang="ar-SA" altLang="en-US" dirty="0"/>
               <a:t> وَرَسُولَهُ حَتّٰى أَتَاكَ </a:t>
             </a:r>
             <a:r>
-              <a:rPr lang="ar-SA" altLang="en-US" sz="8000" dirty="0" err="1">
-                <a:latin typeface="Arabic Typesetting" panose="03020402040406030203" pitchFamily="66" charset="-78"/>
-                <a:cs typeface="Arabic Typesetting" panose="03020402040406030203" pitchFamily="66" charset="-78"/>
-              </a:rPr>
+              <a:rPr lang="ar-SA" altLang="en-US" dirty="0" err="1"/>
               <a:t>ٱلْيَقِينُ</a:t>
             </a:r>
-            <a:endParaRPr lang="en-US" altLang="en-US" sz="8000" dirty="0">
-              <a:latin typeface="Arabic Typesetting" panose="03020402040406030203" pitchFamily="66" charset="-78"/>
-              <a:cs typeface="Arabic Typesetting" panose="03020402040406030203" pitchFamily="66" charset="-78"/>
-            </a:endParaRPr>
+            <a:endParaRPr lang="en-US" altLang="en-US" dirty="0"/>
           </a:p>
         </p:txBody>
       </p:sp>
@@ -7224,13 +7155,13 @@
             <a:spLocks noGrp="1" noChangeArrowheads="1"/>
           </p:cNvSpPr>
           <p:nvPr>
-            <p:ph type="subTitle" idx="1"/>
-          </p:nvPr>
-        </p:nvSpPr>
-        <p:spPr>
-          <a:xfrm>
-            <a:off x="1847851" y="3381375"/>
-            <a:ext cx="8424863" cy="1077218"/>
+            <p:ph type="body" sz="quarter" idx="10"/>
+          </p:nvPr>
+        </p:nvSpPr>
+        <p:spPr>
+          <a:xfrm>
+            <a:off x="2171700" y="4495801"/>
+            <a:ext cx="7848600" cy="1905000"/>
           </a:xfrm>
           <a:noFill/>
           <a:extLst>
@@ -7254,9 +7185,7 @@
           <a:lstStyle/>
           <a:p>
             <a:r>
-              <a:rPr lang="en-US" altLang="en-US" b="1" dirty="0">
-                <a:ea typeface="MS Mincho" charset="-128"/>
-              </a:rPr>
+              <a:rPr lang="en-US" altLang="en-US" dirty="0"/>
               <a:t>and obeyed Allah and His Messenger until death came upon you.</a:t>
             </a:r>
           </a:p>
@@ -7307,13 +7236,13 @@
             <a:spLocks noGrp="1" noChangeArrowheads="1"/>
           </p:cNvSpPr>
           <p:nvPr>
-            <p:ph type="ctrTitle"/>
-          </p:nvPr>
-        </p:nvSpPr>
-        <p:spPr>
-          <a:xfrm>
-            <a:off x="623392" y="1443306"/>
-            <a:ext cx="11089926" cy="1323439"/>
+            <p:ph type="title"/>
+          </p:nvPr>
+        </p:nvSpPr>
+        <p:spPr>
+          <a:xfrm>
+            <a:off x="0" y="1219199"/>
+            <a:ext cx="12192000" cy="1143000"/>
           </a:xfrm>
           <a:noFill/>
           <a:ln>
@@ -7359,32 +7288,19 @@
           </a:bodyPr>
           <a:lstStyle/>
           <a:p>
-            <a:pPr rtl="1"/>
-            <a:r>
-              <a:rPr lang="ar-SA" altLang="en-US" sz="8000" dirty="0">
-                <a:latin typeface="Arabic Typesetting" panose="03020402040406030203" pitchFamily="66" charset="-78"/>
-                <a:cs typeface="Arabic Typesetting" panose="03020402040406030203" pitchFamily="66" charset="-78"/>
-              </a:rPr>
+            <a:r>
+              <a:rPr lang="ar-SA" altLang="en-US" dirty="0"/>
               <a:t>فَلَعَنَ </a:t>
             </a:r>
             <a:r>
-              <a:rPr lang="ar-SA" altLang="en-US" sz="8000" dirty="0" err="1">
-                <a:latin typeface="Arabic Typesetting" panose="03020402040406030203" pitchFamily="66" charset="-78"/>
-                <a:cs typeface="Arabic Typesetting" panose="03020402040406030203" pitchFamily="66" charset="-78"/>
-              </a:rPr>
+              <a:rPr lang="ar-SA" altLang="en-US" dirty="0" err="1"/>
               <a:t>ٱللَّهُ</a:t>
             </a:r>
             <a:r>
-              <a:rPr lang="ar-SA" altLang="en-US" sz="8000" dirty="0">
-                <a:latin typeface="Arabic Typesetting" panose="03020402040406030203" pitchFamily="66" charset="-78"/>
-                <a:cs typeface="Arabic Typesetting" panose="03020402040406030203" pitchFamily="66" charset="-78"/>
-              </a:rPr>
+              <a:rPr lang="ar-SA" altLang="en-US" dirty="0"/>
               <a:t> أُمَّةً قَتَلَتْكَ</a:t>
             </a:r>
-            <a:endParaRPr lang="en-US" altLang="en-US" sz="8000" dirty="0">
-              <a:latin typeface="Arabic Typesetting" panose="03020402040406030203" pitchFamily="66" charset="-78"/>
-              <a:cs typeface="Arabic Typesetting" panose="03020402040406030203" pitchFamily="66" charset="-78"/>
-            </a:endParaRPr>
+            <a:endParaRPr lang="en-US" altLang="en-US" dirty="0"/>
           </a:p>
         </p:txBody>
       </p:sp>
@@ -7395,13 +7311,13 @@
             <a:spLocks noGrp="1" noChangeArrowheads="1"/>
           </p:cNvSpPr>
           <p:nvPr>
-            <p:ph type="subTitle" idx="1"/>
-          </p:nvPr>
-        </p:nvSpPr>
-        <p:spPr>
-          <a:xfrm>
-            <a:off x="1847851" y="3381375"/>
-            <a:ext cx="8424863" cy="584775"/>
+            <p:ph type="body" sz="quarter" idx="10"/>
+          </p:nvPr>
+        </p:nvSpPr>
+        <p:spPr>
+          <a:xfrm>
+            <a:off x="2171700" y="4495801"/>
+            <a:ext cx="7848600" cy="1905000"/>
           </a:xfrm>
           <a:noFill/>
           <a:extLst>
@@ -7425,9 +7341,7 @@
           <a:lstStyle/>
           <a:p>
             <a:r>
-              <a:rPr lang="en-US" altLang="en-US" b="1" dirty="0">
-                <a:ea typeface="MS Mincho" charset="-128"/>
-              </a:rPr>
+              <a:rPr lang="en-US" altLang="en-US" dirty="0"/>
               <a:t>So, may Allah curse the people who slew you.</a:t>
             </a:r>
           </a:p>
@@ -7478,13 +7392,13 @@
             <a:spLocks noGrp="1" noChangeArrowheads="1"/>
           </p:cNvSpPr>
           <p:nvPr>
-            <p:ph type="ctrTitle"/>
-          </p:nvPr>
-        </p:nvSpPr>
-        <p:spPr>
-          <a:xfrm>
-            <a:off x="623392" y="1443306"/>
-            <a:ext cx="11089926" cy="1323439"/>
+            <p:ph type="title"/>
+          </p:nvPr>
+        </p:nvSpPr>
+        <p:spPr>
+          <a:xfrm>
+            <a:off x="0" y="1219199"/>
+            <a:ext cx="12192000" cy="1143000"/>
           </a:xfrm>
           <a:noFill/>
           <a:ln>
@@ -7530,32 +7444,19 @@
           </a:bodyPr>
           <a:lstStyle/>
           <a:p>
-            <a:pPr rtl="1"/>
-            <a:r>
-              <a:rPr lang="ar-SA" altLang="en-US" sz="8000" dirty="0">
-                <a:latin typeface="Arabic Typesetting" panose="03020402040406030203" pitchFamily="66" charset="-78"/>
-                <a:cs typeface="Arabic Typesetting" panose="03020402040406030203" pitchFamily="66" charset="-78"/>
-              </a:rPr>
+            <a:r>
+              <a:rPr lang="ar-SA" altLang="en-US" dirty="0"/>
               <a:t>وَلَعَنَ </a:t>
             </a:r>
             <a:r>
-              <a:rPr lang="ar-SA" altLang="en-US" sz="8000" dirty="0" err="1">
-                <a:latin typeface="Arabic Typesetting" panose="03020402040406030203" pitchFamily="66" charset="-78"/>
-                <a:cs typeface="Arabic Typesetting" panose="03020402040406030203" pitchFamily="66" charset="-78"/>
-              </a:rPr>
+              <a:rPr lang="ar-SA" altLang="en-US" dirty="0" err="1"/>
               <a:t>ٱللَّهُ</a:t>
             </a:r>
             <a:r>
-              <a:rPr lang="ar-SA" altLang="en-US" sz="8000" dirty="0">
-                <a:latin typeface="Arabic Typesetting" panose="03020402040406030203" pitchFamily="66" charset="-78"/>
-                <a:cs typeface="Arabic Typesetting" panose="03020402040406030203" pitchFamily="66" charset="-78"/>
-              </a:rPr>
+              <a:rPr lang="ar-SA" altLang="en-US" dirty="0"/>
               <a:t> أُمَّةً ظَلَمَتْكَ</a:t>
             </a:r>
-            <a:endParaRPr lang="en-US" altLang="en-US" sz="8000" dirty="0">
-              <a:latin typeface="Arabic Typesetting" panose="03020402040406030203" pitchFamily="66" charset="-78"/>
-              <a:cs typeface="Arabic Typesetting" panose="03020402040406030203" pitchFamily="66" charset="-78"/>
-            </a:endParaRPr>
+            <a:endParaRPr lang="en-US" altLang="en-US" dirty="0"/>
           </a:p>
         </p:txBody>
       </p:sp>
@@ -7566,13 +7467,13 @@
             <a:spLocks noGrp="1" noChangeArrowheads="1"/>
           </p:cNvSpPr>
           <p:nvPr>
-            <p:ph type="subTitle" idx="1"/>
-          </p:nvPr>
-        </p:nvSpPr>
-        <p:spPr>
-          <a:xfrm>
-            <a:off x="1847851" y="3381375"/>
-            <a:ext cx="8424863" cy="584775"/>
+            <p:ph type="body" sz="quarter" idx="10"/>
+          </p:nvPr>
+        </p:nvSpPr>
+        <p:spPr>
+          <a:xfrm>
+            <a:off x="2171700" y="4495801"/>
+            <a:ext cx="7848600" cy="1905000"/>
           </a:xfrm>
           <a:noFill/>
           <a:extLst>
@@ -7596,9 +7497,7 @@
           <a:lstStyle/>
           <a:p>
             <a:r>
-              <a:rPr lang="en-US" altLang="en-US" b="1" dirty="0">
-                <a:ea typeface="MS Mincho" charset="-128"/>
-              </a:rPr>
+              <a:rPr lang="en-US" altLang="en-US" dirty="0"/>
               <a:t>May Allah curse the people who persecuted you.</a:t>
             </a:r>
           </a:p>
@@ -7649,13 +7548,13 @@
             <a:spLocks noGrp="1" noChangeArrowheads="1"/>
           </p:cNvSpPr>
           <p:nvPr>
-            <p:ph type="ctrTitle"/>
-          </p:nvPr>
-        </p:nvSpPr>
-        <p:spPr>
-          <a:xfrm>
-            <a:off x="623392" y="1443306"/>
-            <a:ext cx="11089926" cy="1323439"/>
+            <p:ph type="title"/>
+          </p:nvPr>
+        </p:nvSpPr>
+        <p:spPr>
+          <a:xfrm>
+            <a:off x="0" y="1219199"/>
+            <a:ext cx="12192000" cy="1143000"/>
           </a:xfrm>
           <a:noFill/>
           <a:ln>
@@ -7701,32 +7600,19 @@
           </a:bodyPr>
           <a:lstStyle/>
           <a:p>
-            <a:pPr rtl="1"/>
-            <a:r>
-              <a:rPr lang="ar-SA" altLang="en-US" sz="8000" dirty="0">
-                <a:latin typeface="Arabic Typesetting" panose="03020402040406030203" pitchFamily="66" charset="-78"/>
-                <a:cs typeface="Arabic Typesetting" panose="03020402040406030203" pitchFamily="66" charset="-78"/>
-              </a:rPr>
+            <a:r>
+              <a:rPr lang="ar-SA" altLang="en-US" dirty="0"/>
               <a:t>وَلَعَنَ </a:t>
             </a:r>
             <a:r>
-              <a:rPr lang="ar-SA" altLang="en-US" sz="8000" dirty="0" err="1">
-                <a:latin typeface="Arabic Typesetting" panose="03020402040406030203" pitchFamily="66" charset="-78"/>
-                <a:cs typeface="Arabic Typesetting" panose="03020402040406030203" pitchFamily="66" charset="-78"/>
-              </a:rPr>
+              <a:rPr lang="ar-SA" altLang="en-US" dirty="0" err="1"/>
               <a:t>ٱللَّهُ</a:t>
             </a:r>
             <a:r>
-              <a:rPr lang="ar-SA" altLang="en-US" sz="8000" dirty="0">
-                <a:latin typeface="Arabic Typesetting" panose="03020402040406030203" pitchFamily="66" charset="-78"/>
-                <a:cs typeface="Arabic Typesetting" panose="03020402040406030203" pitchFamily="66" charset="-78"/>
-              </a:rPr>
+              <a:rPr lang="ar-SA" altLang="en-US" dirty="0"/>
               <a:t> أُمَّةً سَمِعَتْ بِذٰلِكَ فَرَضِيَتْ بِهِ</a:t>
             </a:r>
-            <a:endParaRPr lang="en-US" altLang="en-US" sz="8000" dirty="0">
-              <a:latin typeface="Arabic Typesetting" panose="03020402040406030203" pitchFamily="66" charset="-78"/>
-              <a:cs typeface="Arabic Typesetting" panose="03020402040406030203" pitchFamily="66" charset="-78"/>
-            </a:endParaRPr>
+            <a:endParaRPr lang="en-US" altLang="en-US" dirty="0"/>
           </a:p>
         </p:txBody>
       </p:sp>
@@ -7737,13 +7623,13 @@
             <a:spLocks noGrp="1" noChangeArrowheads="1"/>
           </p:cNvSpPr>
           <p:nvPr>
-            <p:ph type="subTitle" idx="1"/>
-          </p:nvPr>
-        </p:nvSpPr>
-        <p:spPr>
-          <a:xfrm>
-            <a:off x="1847851" y="3381375"/>
-            <a:ext cx="8424863" cy="1077218"/>
+            <p:ph type="body" sz="quarter" idx="10"/>
+          </p:nvPr>
+        </p:nvSpPr>
+        <p:spPr>
+          <a:xfrm>
+            <a:off x="2171700" y="4495801"/>
+            <a:ext cx="7848600" cy="1905000"/>
           </a:xfrm>
           <a:noFill/>
           <a:extLst>
@@ -7767,9 +7653,7 @@
           <a:lstStyle/>
           <a:p>
             <a:r>
-              <a:rPr lang="en-US" altLang="en-US" b="1" dirty="0">
-                <a:ea typeface="MS Mincho" charset="-128"/>
-              </a:rPr>
+              <a:rPr lang="en-US" altLang="en-US" dirty="0"/>
               <a:t>May Allah curse the people who were pleased when they had heard of that.</a:t>
             </a:r>
           </a:p>
@@ -7820,13 +7704,13 @@
             <a:spLocks noGrp="1" noChangeArrowheads="1"/>
           </p:cNvSpPr>
           <p:nvPr>
-            <p:ph type="ctrTitle"/>
-          </p:nvPr>
-        </p:nvSpPr>
-        <p:spPr>
-          <a:xfrm>
-            <a:off x="623392" y="1443306"/>
-            <a:ext cx="11089926" cy="1323439"/>
+            <p:ph type="title"/>
+          </p:nvPr>
+        </p:nvSpPr>
+        <p:spPr>
+          <a:xfrm>
+            <a:off x="0" y="1219199"/>
+            <a:ext cx="12192000" cy="1143000"/>
           </a:xfrm>
           <a:noFill/>
           <a:ln>
@@ -7872,25 +7756,15 @@
           </a:bodyPr>
           <a:lstStyle/>
           <a:p>
-            <a:pPr rtl="1"/>
-            <a:r>
-              <a:rPr lang="ar-SA" altLang="en-US" sz="8000" dirty="0">
-                <a:latin typeface="Arabic Typesetting" panose="03020402040406030203" pitchFamily="66" charset="-78"/>
-                <a:cs typeface="Arabic Typesetting" panose="03020402040406030203" pitchFamily="66" charset="-78"/>
-              </a:rPr>
+            <a:r>
+              <a:rPr lang="ar-SA" altLang="en-US" dirty="0"/>
               <a:t>يَا مَوْلاَيَ يَا أَبَا عَبْدِ </a:t>
             </a:r>
             <a:r>
-              <a:rPr lang="ar-SA" altLang="en-US" sz="8000" dirty="0" err="1">
-                <a:latin typeface="Arabic Typesetting" panose="03020402040406030203" pitchFamily="66" charset="-78"/>
-                <a:cs typeface="Arabic Typesetting" panose="03020402040406030203" pitchFamily="66" charset="-78"/>
-              </a:rPr>
+              <a:rPr lang="ar-SA" altLang="en-US" dirty="0" err="1"/>
               <a:t>ٱللَّهِ</a:t>
             </a:r>
-            <a:endParaRPr lang="en-US" altLang="en-US" sz="8000" dirty="0">
-              <a:latin typeface="Arabic Typesetting" panose="03020402040406030203" pitchFamily="66" charset="-78"/>
-              <a:cs typeface="Arabic Typesetting" panose="03020402040406030203" pitchFamily="66" charset="-78"/>
-            </a:endParaRPr>
+            <a:endParaRPr lang="en-US" altLang="en-US" dirty="0"/>
           </a:p>
         </p:txBody>
       </p:sp>
@@ -7901,13 +7775,13 @@
             <a:spLocks noGrp="1" noChangeArrowheads="1"/>
           </p:cNvSpPr>
           <p:nvPr>
-            <p:ph type="subTitle" idx="1"/>
-          </p:nvPr>
-        </p:nvSpPr>
-        <p:spPr>
-          <a:xfrm>
-            <a:off x="1847851" y="3381375"/>
-            <a:ext cx="8424863" cy="584775"/>
+            <p:ph type="body" sz="quarter" idx="10"/>
+          </p:nvPr>
+        </p:nvSpPr>
+        <p:spPr>
+          <a:xfrm>
+            <a:off x="2171700" y="4495801"/>
+            <a:ext cx="7848600" cy="1905000"/>
           </a:xfrm>
           <a:noFill/>
           <a:extLst>
@@ -7931,14 +7805,10 @@
           <a:lstStyle/>
           <a:p>
             <a:r>
-              <a:rPr lang="pl-PL" altLang="en-US" b="1" dirty="0">
-                <a:ea typeface="MS Mincho" charset="-128"/>
-              </a:rPr>
+              <a:rPr lang="pl-PL" altLang="en-US" dirty="0"/>
               <a:t>O my Master, O Abu-`Abdullah!</a:t>
             </a:r>
-            <a:endParaRPr lang="en-US" altLang="en-US" b="1" dirty="0">
-              <a:ea typeface="MS Mincho" charset="-128"/>
-            </a:endParaRPr>
+            <a:endParaRPr lang="en-US" altLang="en-US" dirty="0"/>
           </a:p>
         </p:txBody>
       </p:sp>
@@ -7987,13 +7857,13 @@
             <a:spLocks noGrp="1" noChangeArrowheads="1"/>
           </p:cNvSpPr>
           <p:nvPr>
-            <p:ph type="ctrTitle"/>
-          </p:nvPr>
-        </p:nvSpPr>
-        <p:spPr>
-          <a:xfrm>
-            <a:off x="623392" y="1443306"/>
-            <a:ext cx="11089926" cy="1323439"/>
+            <p:ph type="title"/>
+          </p:nvPr>
+        </p:nvSpPr>
+        <p:spPr>
+          <a:xfrm>
+            <a:off x="0" y="1219199"/>
+            <a:ext cx="12192000" cy="1143000"/>
           </a:xfrm>
           <a:noFill/>
           <a:ln>
@@ -8039,39 +7909,23 @@
           </a:bodyPr>
           <a:lstStyle/>
           <a:p>
-            <a:pPr rtl="1"/>
-            <a:r>
-              <a:rPr lang="ar-SA" altLang="en-US" sz="8000" dirty="0">
-                <a:latin typeface="Arabic Typesetting" panose="03020402040406030203" pitchFamily="66" charset="-78"/>
-                <a:cs typeface="Arabic Typesetting" panose="03020402040406030203" pitchFamily="66" charset="-78"/>
-              </a:rPr>
+            <a:r>
+              <a:rPr lang="ar-SA" altLang="en-US" dirty="0"/>
               <a:t>أَشْهَدُ أَنَّكَ كُنْتَ نُوراً فِي </a:t>
             </a:r>
             <a:r>
-              <a:rPr lang="ar-SA" altLang="en-US" sz="8000" dirty="0" err="1">
-                <a:latin typeface="Arabic Typesetting" panose="03020402040406030203" pitchFamily="66" charset="-78"/>
-                <a:cs typeface="Arabic Typesetting" panose="03020402040406030203" pitchFamily="66" charset="-78"/>
-              </a:rPr>
+              <a:rPr lang="ar-SA" altLang="en-US" dirty="0" err="1"/>
               <a:t>ٱلأَصْلاَبِ</a:t>
             </a:r>
             <a:r>
-              <a:rPr lang="ar-SA" altLang="en-US" sz="8000" dirty="0">
-                <a:latin typeface="Arabic Typesetting" panose="03020402040406030203" pitchFamily="66" charset="-78"/>
-                <a:cs typeface="Arabic Typesetting" panose="03020402040406030203" pitchFamily="66" charset="-78"/>
-              </a:rPr>
+              <a:rPr lang="ar-SA" altLang="en-US" dirty="0"/>
               <a:t> </a:t>
             </a:r>
             <a:r>
-              <a:rPr lang="ar-SA" altLang="en-US" sz="8000" dirty="0" err="1">
-                <a:latin typeface="Arabic Typesetting" panose="03020402040406030203" pitchFamily="66" charset="-78"/>
-                <a:cs typeface="Arabic Typesetting" panose="03020402040406030203" pitchFamily="66" charset="-78"/>
-              </a:rPr>
+              <a:rPr lang="ar-SA" altLang="en-US" dirty="0" err="1"/>
               <a:t>ٱلشَّامِخَةِ</a:t>
             </a:r>
-            <a:endParaRPr lang="en-US" altLang="en-US" sz="8000" dirty="0">
-              <a:latin typeface="Arabic Typesetting" panose="03020402040406030203" pitchFamily="66" charset="-78"/>
-              <a:cs typeface="Arabic Typesetting" panose="03020402040406030203" pitchFamily="66" charset="-78"/>
-            </a:endParaRPr>
+            <a:endParaRPr lang="en-US" altLang="en-US" dirty="0"/>
           </a:p>
         </p:txBody>
       </p:sp>
@@ -8082,13 +7936,13 @@
             <a:spLocks noGrp="1" noChangeArrowheads="1"/>
           </p:cNvSpPr>
           <p:nvPr>
-            <p:ph type="subTitle" idx="1"/>
-          </p:nvPr>
-        </p:nvSpPr>
-        <p:spPr>
-          <a:xfrm>
-            <a:off x="1847851" y="3381375"/>
-            <a:ext cx="8424863" cy="1077218"/>
+            <p:ph type="body" sz="quarter" idx="10"/>
+          </p:nvPr>
+        </p:nvSpPr>
+        <p:spPr>
+          <a:xfrm>
+            <a:off x="2171700" y="4495801"/>
+            <a:ext cx="7848600" cy="1905000"/>
           </a:xfrm>
           <a:noFill/>
           <a:extLst>
@@ -8112,9 +7966,7 @@
           <a:lstStyle/>
           <a:p>
             <a:r>
-              <a:rPr lang="en-US" altLang="en-US" b="1" dirty="0">
-                <a:ea typeface="MS Mincho" charset="-128"/>
-              </a:rPr>
+              <a:rPr lang="en-US" altLang="en-US" dirty="0"/>
               <a:t>I bear witness that you were light in the sublime loins</a:t>
             </a:r>
           </a:p>
@@ -8165,13 +8017,13 @@
             <a:spLocks noGrp="1" noChangeArrowheads="1"/>
           </p:cNvSpPr>
           <p:nvPr>
-            <p:ph type="ctrTitle"/>
-          </p:nvPr>
-        </p:nvSpPr>
-        <p:spPr>
-          <a:xfrm>
-            <a:off x="623392" y="1443306"/>
-            <a:ext cx="11089926" cy="1323439"/>
+            <p:ph type="title"/>
+          </p:nvPr>
+        </p:nvSpPr>
+        <p:spPr>
+          <a:xfrm>
+            <a:off x="0" y="1219199"/>
+            <a:ext cx="12192000" cy="1143000"/>
           </a:xfrm>
           <a:noFill/>
           <a:ln>
@@ -8217,32 +8069,19 @@
           </a:bodyPr>
           <a:lstStyle/>
           <a:p>
-            <a:pPr rtl="1"/>
-            <a:r>
-              <a:rPr lang="ar-SA" altLang="en-US" sz="8000" dirty="0" err="1">
-                <a:latin typeface="Arabic Typesetting" panose="03020402040406030203" pitchFamily="66" charset="-78"/>
-                <a:cs typeface="Arabic Typesetting" panose="03020402040406030203" pitchFamily="66" charset="-78"/>
-              </a:rPr>
+            <a:r>
+              <a:rPr lang="ar-SA" altLang="en-US" dirty="0" err="1"/>
               <a:t>وَٱلأَرْحَامِ</a:t>
             </a:r>
             <a:r>
-              <a:rPr lang="ar-SA" altLang="en-US" sz="8000" dirty="0">
-                <a:latin typeface="Arabic Typesetting" panose="03020402040406030203" pitchFamily="66" charset="-78"/>
-                <a:cs typeface="Arabic Typesetting" panose="03020402040406030203" pitchFamily="66" charset="-78"/>
-              </a:rPr>
+              <a:rPr lang="ar-SA" altLang="en-US" dirty="0"/>
               <a:t> </a:t>
             </a:r>
             <a:r>
-              <a:rPr lang="ar-SA" altLang="en-US" sz="8000" dirty="0" err="1">
-                <a:latin typeface="Arabic Typesetting" panose="03020402040406030203" pitchFamily="66" charset="-78"/>
-                <a:cs typeface="Arabic Typesetting" panose="03020402040406030203" pitchFamily="66" charset="-78"/>
-              </a:rPr>
+              <a:rPr lang="ar-SA" altLang="en-US" dirty="0" err="1"/>
               <a:t>ٱلْمُطَهَّرَةِ</a:t>
             </a:r>
-            <a:endParaRPr lang="en-US" altLang="en-US" sz="8000" dirty="0">
-              <a:latin typeface="Arabic Typesetting" panose="03020402040406030203" pitchFamily="66" charset="-78"/>
-              <a:cs typeface="Arabic Typesetting" panose="03020402040406030203" pitchFamily="66" charset="-78"/>
-            </a:endParaRPr>
+            <a:endParaRPr lang="en-US" altLang="en-US" dirty="0"/>
           </a:p>
         </p:txBody>
       </p:sp>
@@ -8253,13 +8092,13 @@
             <a:spLocks noGrp="1" noChangeArrowheads="1"/>
           </p:cNvSpPr>
           <p:nvPr>
-            <p:ph type="subTitle" idx="1"/>
-          </p:nvPr>
-        </p:nvSpPr>
-        <p:spPr>
-          <a:xfrm>
-            <a:off x="1847851" y="3381375"/>
-            <a:ext cx="8424863" cy="584775"/>
+            <p:ph type="body" sz="quarter" idx="10"/>
+          </p:nvPr>
+        </p:nvSpPr>
+        <p:spPr>
+          <a:xfrm>
+            <a:off x="2171700" y="4495801"/>
+            <a:ext cx="7848600" cy="1905000"/>
           </a:xfrm>
           <a:noFill/>
           <a:extLst>
@@ -8283,9 +8122,7 @@
           <a:lstStyle/>
           <a:p>
             <a:r>
-              <a:rPr lang="en-US" altLang="en-US" b="1" dirty="0">
-                <a:ea typeface="MS Mincho" charset="-128"/>
-              </a:rPr>
+              <a:rPr lang="en-US" altLang="en-US" dirty="0"/>
               <a:t>and purified wombs;</a:t>
             </a:r>
           </a:p>
@@ -8336,13 +8173,13 @@
             <a:spLocks noGrp="1" noChangeArrowheads="1"/>
           </p:cNvSpPr>
           <p:nvPr>
-            <p:ph type="ctrTitle"/>
-          </p:nvPr>
-        </p:nvSpPr>
-        <p:spPr>
-          <a:xfrm>
-            <a:off x="623392" y="1443306"/>
-            <a:ext cx="11089926" cy="1323439"/>
+            <p:ph type="title"/>
+          </p:nvPr>
+        </p:nvSpPr>
+        <p:spPr>
+          <a:xfrm>
+            <a:off x="0" y="1219199"/>
+            <a:ext cx="12192000" cy="1143000"/>
           </a:xfrm>
           <a:noFill/>
           <a:ln>
@@ -8388,39 +8225,23 @@
           </a:bodyPr>
           <a:lstStyle/>
           <a:p>
-            <a:pPr rtl="1"/>
-            <a:r>
-              <a:rPr lang="ar-SA" altLang="en-US" sz="8000" dirty="0">
-                <a:latin typeface="Arabic Typesetting" panose="03020402040406030203" pitchFamily="66" charset="-78"/>
-                <a:cs typeface="Arabic Typesetting" panose="03020402040406030203" pitchFamily="66" charset="-78"/>
-              </a:rPr>
+            <a:r>
+              <a:rPr lang="ar-SA" altLang="en-US" dirty="0"/>
               <a:t>لَمْ تُنَجِّسْكَ </a:t>
             </a:r>
             <a:r>
-              <a:rPr lang="ar-SA" altLang="en-US" sz="8000" dirty="0" err="1">
-                <a:latin typeface="Arabic Typesetting" panose="03020402040406030203" pitchFamily="66" charset="-78"/>
-                <a:cs typeface="Arabic Typesetting" panose="03020402040406030203" pitchFamily="66" charset="-78"/>
-              </a:rPr>
+              <a:rPr lang="ar-SA" altLang="en-US" dirty="0" err="1"/>
               <a:t>ٱلْجَاهِلِيَّةُ</a:t>
             </a:r>
             <a:r>
-              <a:rPr lang="ar-SA" altLang="en-US" sz="8000" dirty="0">
-                <a:latin typeface="Arabic Typesetting" panose="03020402040406030203" pitchFamily="66" charset="-78"/>
-                <a:cs typeface="Arabic Typesetting" panose="03020402040406030203" pitchFamily="66" charset="-78"/>
-              </a:rPr>
+              <a:rPr lang="ar-SA" altLang="en-US" dirty="0"/>
               <a:t> </a:t>
             </a:r>
             <a:r>
-              <a:rPr lang="ar-SA" altLang="en-US" sz="8000" dirty="0" err="1">
-                <a:latin typeface="Arabic Typesetting" panose="03020402040406030203" pitchFamily="66" charset="-78"/>
-                <a:cs typeface="Arabic Typesetting" panose="03020402040406030203" pitchFamily="66" charset="-78"/>
-              </a:rPr>
+              <a:rPr lang="ar-SA" altLang="en-US" dirty="0" err="1"/>
               <a:t>بِأَنْجَاسِهَا</a:t>
             </a:r>
-            <a:endParaRPr lang="en-US" altLang="en-US" sz="8000" dirty="0">
-              <a:latin typeface="Arabic Typesetting" panose="03020402040406030203" pitchFamily="66" charset="-78"/>
-              <a:cs typeface="Arabic Typesetting" panose="03020402040406030203" pitchFamily="66" charset="-78"/>
-            </a:endParaRPr>
+            <a:endParaRPr lang="en-US" altLang="en-US" dirty="0"/>
           </a:p>
         </p:txBody>
       </p:sp>
@@ -8431,13 +8252,13 @@
             <a:spLocks noGrp="1" noChangeArrowheads="1"/>
           </p:cNvSpPr>
           <p:nvPr>
-            <p:ph type="subTitle" idx="1"/>
-          </p:nvPr>
-        </p:nvSpPr>
-        <p:spPr>
-          <a:xfrm>
-            <a:off x="1847851" y="3381375"/>
-            <a:ext cx="8424863" cy="1077218"/>
+            <p:ph type="body" sz="quarter" idx="10"/>
+          </p:nvPr>
+        </p:nvSpPr>
+        <p:spPr>
+          <a:xfrm>
+            <a:off x="2171700" y="4495801"/>
+            <a:ext cx="7848600" cy="1905000"/>
           </a:xfrm>
           <a:noFill/>
           <a:extLst>
@@ -8461,9 +8282,7 @@
           <a:lstStyle/>
           <a:p>
             <a:r>
-              <a:rPr lang="en-US" altLang="en-US" b="1" dirty="0">
-                <a:ea typeface="MS Mincho" charset="-128"/>
-              </a:rPr>
+              <a:rPr lang="en-US" altLang="en-US" dirty="0"/>
               <a:t>the impurities of the Ignorance Era could not object you to filth</a:t>
             </a:r>
           </a:p>
@@ -8514,13 +8333,13 @@
             <a:spLocks noGrp="1" noChangeArrowheads="1"/>
           </p:cNvSpPr>
           <p:nvPr>
-            <p:ph type="ctrTitle"/>
-          </p:nvPr>
-        </p:nvSpPr>
-        <p:spPr>
-          <a:xfrm>
-            <a:off x="623392" y="1443306"/>
-            <a:ext cx="11089926" cy="1323439"/>
+            <p:ph type="title"/>
+          </p:nvPr>
+        </p:nvSpPr>
+        <p:spPr>
+          <a:xfrm>
+            <a:off x="0" y="1219199"/>
+            <a:ext cx="12192000" cy="1143000"/>
           </a:xfrm>
           <a:noFill/>
           <a:ln>
@@ -8566,18 +8385,11 @@
           </a:bodyPr>
           <a:lstStyle/>
           <a:p>
-            <a:pPr rtl="1"/>
-            <a:r>
-              <a:rPr lang="ar-SA" altLang="en-US" sz="8000" dirty="0">
-                <a:latin typeface="Arabic Typesetting" panose="03020402040406030203" pitchFamily="66" charset="-78"/>
-                <a:cs typeface="Arabic Typesetting" panose="03020402040406030203" pitchFamily="66" charset="-78"/>
-              </a:rPr>
+            <a:r>
+              <a:rPr lang="ar-SA" altLang="en-US" dirty="0"/>
               <a:t>وَلَمْ تُلْبِسْكَ مِنْ مُدْلَهِمَّاتِ ثِيَابِهَا</a:t>
             </a:r>
-            <a:endParaRPr lang="en-US" altLang="en-US" sz="8000" dirty="0">
-              <a:latin typeface="Arabic Typesetting" panose="03020402040406030203" pitchFamily="66" charset="-78"/>
-              <a:cs typeface="Arabic Typesetting" panose="03020402040406030203" pitchFamily="66" charset="-78"/>
-            </a:endParaRPr>
+            <a:endParaRPr lang="en-US" altLang="en-US" dirty="0"/>
           </a:p>
         </p:txBody>
       </p:sp>
@@ -8588,13 +8400,13 @@
             <a:spLocks noGrp="1" noChangeArrowheads="1"/>
           </p:cNvSpPr>
           <p:nvPr>
-            <p:ph type="subTitle" idx="1"/>
-          </p:nvPr>
-        </p:nvSpPr>
-        <p:spPr>
-          <a:xfrm>
-            <a:off x="1847851" y="3381375"/>
-            <a:ext cx="8424863" cy="584775"/>
+            <p:ph type="body" sz="quarter" idx="10"/>
+          </p:nvPr>
+        </p:nvSpPr>
+        <p:spPr>
+          <a:xfrm>
+            <a:off x="2171700" y="4495801"/>
+            <a:ext cx="7848600" cy="1905000"/>
           </a:xfrm>
           <a:noFill/>
           <a:extLst>
@@ -8618,9 +8430,7 @@
           <a:lstStyle/>
           <a:p>
             <a:r>
-              <a:rPr lang="en-US" altLang="en-US" b="1" dirty="0">
-                <a:ea typeface="MS Mincho" charset="-128"/>
-              </a:rPr>
+              <a:rPr lang="en-US" altLang="en-US" dirty="0"/>
               <a:t>nor could it dress you its murky clothes.</a:t>
             </a:r>
           </a:p>
@@ -8671,13 +8481,13 @@
             <a:spLocks noGrp="1" noChangeArrowheads="1"/>
           </p:cNvSpPr>
           <p:nvPr>
-            <p:ph type="ctrTitle"/>
-          </p:nvPr>
-        </p:nvSpPr>
-        <p:spPr>
-          <a:xfrm>
-            <a:off x="623392" y="1443306"/>
-            <a:ext cx="11089926" cy="1323439"/>
+            <p:ph type="title"/>
+          </p:nvPr>
+        </p:nvSpPr>
+        <p:spPr>
+          <a:xfrm>
+            <a:off x="0" y="1219199"/>
+            <a:ext cx="12192000" cy="1143000"/>
           </a:xfrm>
           <a:noFill/>
           <a:ln>
@@ -8723,25 +8533,15 @@
           </a:bodyPr>
           <a:lstStyle/>
           <a:p>
-            <a:pPr rtl="1"/>
-            <a:r>
-              <a:rPr lang="ar-SA" altLang="en-US" sz="8000" dirty="0">
-                <a:latin typeface="Arabic Typesetting" panose="03020402040406030203" pitchFamily="66" charset="-78"/>
-                <a:cs typeface="Arabic Typesetting" panose="03020402040406030203" pitchFamily="66" charset="-78"/>
-              </a:rPr>
+            <a:r>
+              <a:rPr lang="ar-SA" altLang="en-US" dirty="0"/>
               <a:t>وَأَشْهَدُ أَنَّكَ مِنْ دَعَائِمِ </a:t>
             </a:r>
             <a:r>
-              <a:rPr lang="ar-SA" altLang="en-US" sz="8000" dirty="0" err="1">
-                <a:latin typeface="Arabic Typesetting" panose="03020402040406030203" pitchFamily="66" charset="-78"/>
-                <a:cs typeface="Arabic Typesetting" panose="03020402040406030203" pitchFamily="66" charset="-78"/>
-              </a:rPr>
+              <a:rPr lang="ar-SA" altLang="en-US" dirty="0" err="1"/>
               <a:t>ٱلدِّينِ</a:t>
             </a:r>
-            <a:endParaRPr lang="en-US" altLang="en-US" sz="8000" dirty="0">
-              <a:latin typeface="Arabic Typesetting" panose="03020402040406030203" pitchFamily="66" charset="-78"/>
-              <a:cs typeface="Arabic Typesetting" panose="03020402040406030203" pitchFamily="66" charset="-78"/>
-            </a:endParaRPr>
+            <a:endParaRPr lang="en-US" altLang="en-US" dirty="0"/>
           </a:p>
         </p:txBody>
       </p:sp>
@@ -8752,13 +8552,13 @@
             <a:spLocks noGrp="1" noChangeArrowheads="1"/>
           </p:cNvSpPr>
           <p:nvPr>
-            <p:ph type="subTitle" idx="1"/>
-          </p:nvPr>
-        </p:nvSpPr>
-        <p:spPr>
-          <a:xfrm>
-            <a:off x="1847851" y="3381375"/>
-            <a:ext cx="8424863" cy="1077218"/>
+            <p:ph type="body" sz="quarter" idx="10"/>
+          </p:nvPr>
+        </p:nvSpPr>
+        <p:spPr>
+          <a:xfrm>
+            <a:off x="2171700" y="4495801"/>
+            <a:ext cx="7848600" cy="1905000"/>
           </a:xfrm>
           <a:noFill/>
           <a:extLst>
@@ -8782,9 +8582,7 @@
           <a:lstStyle/>
           <a:p>
             <a:r>
-              <a:rPr lang="en-US" altLang="en-US" b="1" dirty="0">
-                <a:ea typeface="MS Mincho" charset="-128"/>
-              </a:rPr>
+              <a:rPr lang="en-US" altLang="en-US" dirty="0"/>
               <a:t>I also bear witness that you are one of the mainstays of the religion</a:t>
             </a:r>
           </a:p>
@@ -8830,146 +8628,101 @@
       </p:grpSpPr>
       <p:sp>
         <p:nvSpPr>
-          <p:cNvPr id="4098" name="Rectangle 2"/>
-          <p:cNvSpPr>
-            <a:spLocks noGrp="1" noChangeArrowheads="1"/>
-          </p:cNvSpPr>
-          <p:nvPr>
-            <p:ph type="ctrTitle"/>
-          </p:nvPr>
-        </p:nvSpPr>
-        <p:spPr>
-          <a:xfrm>
-            <a:off x="1774826" y="1443306"/>
-            <a:ext cx="8569325" cy="1323439"/>
-          </a:xfrm>
-          <a:noFill/>
-          <a:ln>
-            <a:noFill/>
-          </a:ln>
-          <a:effectLst/>
-          <a:extLst>
-            <a:ext uri="{909E8E84-426E-40DD-AFC4-6F175D3DCCD1}">
-              <a14:hiddenFill xmlns:a14="http://schemas.microsoft.com/office/drawing/2010/main">
-                <a:solidFill>
-                  <a:schemeClr val="accent1"/>
-                </a:solidFill>
-              </a14:hiddenFill>
-            </a:ext>
-            <a:ext uri="{91240B29-F687-4F45-9708-019B960494DF}">
-              <a14:hiddenLine xmlns:a14="http://schemas.microsoft.com/office/drawing/2010/main" w="9525" cap="flat" cmpd="sng" algn="ctr">
-                <a:solidFill>
-                  <a:schemeClr val="tx1"/>
-                </a:solidFill>
-                <a:prstDash val="solid"/>
-                <a:miter lim="800000"/>
-                <a:headEnd/>
-                <a:tailEnd/>
-              </a14:hiddenLine>
-            </a:ext>
-            <a:ext uri="{AF507438-7753-43E0-B8FC-AC1667EBCBE1}">
-              <a14:hiddenEffects xmlns:a14="http://schemas.microsoft.com/office/drawing/2010/main">
-                <a:effectLst>
-                  <a:outerShdw dist="35921" dir="2700000" algn="ctr" rotWithShape="0">
-                    <a:schemeClr val="bg2"/>
-                  </a:outerShdw>
-                </a:effectLst>
-              </a14:hiddenEffects>
-            </a:ext>
-          </a:extLst>
-        </p:spPr>
-        <p:txBody>
-          <a:bodyPr vert="horz" wrap="square" lIns="91440" tIns="45720" rIns="91440" bIns="45720" numCol="1" anchor="ctr" anchorCtr="0" compatLnSpc="1">
-            <a:prstTxWarp prst="textNoShape">
-              <a:avLst/>
-            </a:prstTxWarp>
-            <a:spAutoFit/>
-          </a:bodyPr>
+          <p:cNvPr id="11" name="Title 3">
+            <a:extLst>
+              <a:ext uri="{FF2B5EF4-FFF2-40B4-BE49-F238E27FC236}">
+                <a16:creationId xmlns:a16="http://schemas.microsoft.com/office/drawing/2014/main" id="{4E604A7F-4B49-4FDE-B247-CED3E88C9DED}"/>
+              </a:ext>
+            </a:extLst>
+          </p:cNvPr>
+          <p:cNvSpPr>
+            <a:spLocks noGrp="1"/>
+          </p:cNvSpPr>
+          <p:nvPr>
+            <p:ph type="title"/>
+          </p:nvPr>
+        </p:nvSpPr>
+        <p:spPr>
+          <a:xfrm>
+            <a:off x="0" y="1219199"/>
+            <a:ext cx="12192000" cy="1143000"/>
+          </a:xfrm>
+        </p:spPr>
+        <p:txBody>
+          <a:bodyPr/>
           <a:lstStyle/>
           <a:p>
-            <a:pPr rtl="1"/>
-            <a:r>
-              <a:rPr lang="ar-SA" altLang="en-US" sz="8000" dirty="0">
-                <a:latin typeface="Arabic Typesetting" panose="03020402040406030203" pitchFamily="66" charset="-78"/>
-                <a:cs typeface="Arabic Typesetting" panose="03020402040406030203" pitchFamily="66" charset="-78"/>
-              </a:rPr>
-              <a:t>اَللَّهُمَّ صَلِّ عَلٰى مُحَمَّدٍ وَآلِ مُحَمَّدٍ</a:t>
-            </a:r>
-            <a:endParaRPr lang="en-US" altLang="en-US" sz="8000" dirty="0">
-              <a:latin typeface="Arabic Typesetting" panose="03020402040406030203" pitchFamily="66" charset="-78"/>
-              <a:cs typeface="Arabic Typesetting" panose="03020402040406030203" pitchFamily="66" charset="-78"/>
-            </a:endParaRPr>
-          </a:p>
-        </p:txBody>
-      </p:sp>
-      <p:sp>
-        <p:nvSpPr>
-          <p:cNvPr id="4099" name="Rectangle 3"/>
-          <p:cNvSpPr>
-            <a:spLocks noGrp="1" noChangeArrowheads="1"/>
-          </p:cNvSpPr>
-          <p:nvPr>
-            <p:ph type="subTitle" idx="1"/>
-          </p:nvPr>
-        </p:nvSpPr>
-        <p:spPr>
-          <a:xfrm>
-            <a:off x="1847851" y="3381375"/>
-            <a:ext cx="8424863" cy="1066800"/>
-          </a:xfrm>
-          <a:noFill/>
-          <a:extLst>
-            <a:ext uri="{91240B29-F687-4F45-9708-019B960494DF}">
-              <a14:hiddenLine xmlns:a14="http://schemas.microsoft.com/office/drawing/2010/main" w="9525" cap="flat" cmpd="sng" algn="ctr">
-                <a:solidFill>
-                  <a:schemeClr val="tx1"/>
-                </a:solidFill>
-                <a:prstDash val="solid"/>
-                <a:miter lim="800000"/>
-                <a:headEnd/>
-                <a:tailEnd/>
-              </a14:hiddenLine>
-            </a:ext>
-          </a:extLst>
-        </p:spPr>
-        <p:txBody>
-          <a:bodyPr>
-            <a:spAutoFit/>
-          </a:bodyPr>
+            <a:r>
+              <a:rPr lang="ar-SA" dirty="0"/>
+              <a:t>أَللّٰهُمَّ صَلِّ عَلٰى مُحَمَّدٍ وَآلِ مُحَمَّدٍ</a:t>
+            </a:r>
+            <a:endParaRPr lang="en-US" dirty="0"/>
+          </a:p>
+        </p:txBody>
+      </p:sp>
+      <p:sp>
+        <p:nvSpPr>
+          <p:cNvPr id="12" name="Subtitle 4">
+            <a:extLst>
+              <a:ext uri="{FF2B5EF4-FFF2-40B4-BE49-F238E27FC236}">
+                <a16:creationId xmlns:a16="http://schemas.microsoft.com/office/drawing/2014/main" id="{0A3FC473-E56A-4E2F-BE7C-7E2CF70D6289}"/>
+              </a:ext>
+            </a:extLst>
+          </p:cNvPr>
+          <p:cNvSpPr>
+            <a:spLocks noGrp="1"/>
+          </p:cNvSpPr>
+          <p:nvPr>
+            <p:ph type="body" sz="quarter" idx="10"/>
+          </p:nvPr>
+        </p:nvSpPr>
+        <p:spPr>
+          <a:xfrm>
+            <a:off x="2171700" y="4495801"/>
+            <a:ext cx="7848600" cy="1905000"/>
+          </a:xfrm>
+        </p:spPr>
+        <p:txBody>
+          <a:bodyPr/>
           <a:lstStyle/>
           <a:p>
             <a:r>
-              <a:rPr lang="en-US" altLang="en-US" b="1" dirty="0">
-                <a:ea typeface="MS Mincho" charset="-128"/>
-              </a:rPr>
-              <a:t>O </a:t>
-            </a:r>
-            <a:r>
-              <a:rPr lang="en-US" altLang="en-US" b="1" dirty="0" err="1">
-                <a:ea typeface="MS Mincho" charset="-128"/>
-              </a:rPr>
+              <a:rPr lang="en-US" dirty="0"/>
+              <a:t>O' </a:t>
+            </a:r>
+            <a:r>
+              <a:rPr lang="en-US" dirty="0" err="1"/>
               <a:t>Alláh</a:t>
             </a:r>
             <a:r>
-              <a:rPr lang="en-US" altLang="en-US" b="1" dirty="0">
-                <a:ea typeface="MS Mincho" charset="-128"/>
-              </a:rPr>
-              <a:t> bless Muhammad and the family of Muhammad.</a:t>
+              <a:rPr lang="en-US" dirty="0"/>
+              <a:t> send Your blessings on Muhammad</a:t>
+            </a:r>
+          </a:p>
+          <a:p>
+            <a:r>
+              <a:rPr lang="en-US" dirty="0"/>
+              <a:t>and the family of Muhammad.</a:t>
             </a:r>
           </a:p>
         </p:txBody>
       </p:sp>
     </p:spTree>
+    <p:extLst>
+      <p:ext uri="{BB962C8B-B14F-4D97-AF65-F5344CB8AC3E}">
+        <p14:creationId xmlns:p14="http://schemas.microsoft.com/office/powerpoint/2010/main" val="4202985038"/>
+      </p:ext>
+    </p:extLst>
   </p:cSld>
   <p:clrMapOvr>
     <a:masterClrMapping/>
   </p:clrMapOvr>
   <mc:AlternateContent xmlns:mc="http://schemas.openxmlformats.org/markup-compatibility/2006" xmlns:p14="http://schemas.microsoft.com/office/powerpoint/2010/main">
     <mc:Choice Requires="p14">
-      <p:transition p14:dur="0" advClick="0"/>
+      <p:transition p14:dur="0"/>
     </mc:Choice>
     <mc:Fallback xmlns="">
-      <p:transition advClick="0"/>
+      <p:transition/>
     </mc:Fallback>
   </mc:AlternateContent>
 </p:sld>
@@ -8999,13 +8752,13 @@
             <a:spLocks noGrp="1" noChangeArrowheads="1"/>
           </p:cNvSpPr>
           <p:nvPr>
-            <p:ph type="ctrTitle"/>
-          </p:nvPr>
-        </p:nvSpPr>
-        <p:spPr>
-          <a:xfrm>
-            <a:off x="623392" y="1443306"/>
-            <a:ext cx="11089926" cy="1323439"/>
+            <p:ph type="title"/>
+          </p:nvPr>
+        </p:nvSpPr>
+        <p:spPr>
+          <a:xfrm>
+            <a:off x="0" y="1219199"/>
+            <a:ext cx="12192000" cy="1143000"/>
           </a:xfrm>
           <a:noFill/>
           <a:ln>
@@ -9051,25 +8804,15 @@
           </a:bodyPr>
           <a:lstStyle/>
           <a:p>
-            <a:pPr rtl="1"/>
-            <a:r>
-              <a:rPr lang="ar-SA" altLang="en-US" sz="8000" dirty="0">
-                <a:latin typeface="Arabic Typesetting" panose="03020402040406030203" pitchFamily="66" charset="-78"/>
-                <a:cs typeface="Arabic Typesetting" panose="03020402040406030203" pitchFamily="66" charset="-78"/>
-              </a:rPr>
+            <a:r>
+              <a:rPr lang="ar-SA" altLang="en-US" dirty="0"/>
               <a:t>وَأَرْكَانِ </a:t>
             </a:r>
             <a:r>
-              <a:rPr lang="ar-SA" altLang="en-US" sz="8000" dirty="0" err="1">
-                <a:latin typeface="Arabic Typesetting" panose="03020402040406030203" pitchFamily="66" charset="-78"/>
-                <a:cs typeface="Arabic Typesetting" panose="03020402040406030203" pitchFamily="66" charset="-78"/>
-              </a:rPr>
+              <a:rPr lang="ar-SA" altLang="en-US" dirty="0" err="1"/>
               <a:t>ٱلْمُؤْمِنِينَ</a:t>
             </a:r>
-            <a:endParaRPr lang="en-US" altLang="en-US" sz="8000" dirty="0">
-              <a:latin typeface="Arabic Typesetting" panose="03020402040406030203" pitchFamily="66" charset="-78"/>
-              <a:cs typeface="Arabic Typesetting" panose="03020402040406030203" pitchFamily="66" charset="-78"/>
-            </a:endParaRPr>
+            <a:endParaRPr lang="en-US" altLang="en-US" dirty="0"/>
           </a:p>
         </p:txBody>
       </p:sp>
@@ -9080,13 +8823,13 @@
             <a:spLocks noGrp="1" noChangeArrowheads="1"/>
           </p:cNvSpPr>
           <p:nvPr>
-            <p:ph type="subTitle" idx="1"/>
-          </p:nvPr>
-        </p:nvSpPr>
-        <p:spPr>
-          <a:xfrm>
-            <a:off x="1847851" y="3381375"/>
-            <a:ext cx="8424863" cy="584775"/>
+            <p:ph type="body" sz="quarter" idx="10"/>
+          </p:nvPr>
+        </p:nvSpPr>
+        <p:spPr>
+          <a:xfrm>
+            <a:off x="2171700" y="4495801"/>
+            <a:ext cx="7848600" cy="1905000"/>
           </a:xfrm>
           <a:noFill/>
           <a:extLst>
@@ -9110,9 +8853,7 @@
           <a:lstStyle/>
           <a:p>
             <a:r>
-              <a:rPr lang="en-US" altLang="en-US" b="1" dirty="0">
-                <a:ea typeface="MS Mincho" charset="-128"/>
-              </a:rPr>
+              <a:rPr lang="en-US" altLang="en-US" dirty="0"/>
               <a:t>and the supports of the faithful believers.</a:t>
             </a:r>
           </a:p>
@@ -9163,13 +8904,13 @@
             <a:spLocks noGrp="1" noChangeArrowheads="1"/>
           </p:cNvSpPr>
           <p:nvPr>
-            <p:ph type="ctrTitle"/>
-          </p:nvPr>
-        </p:nvSpPr>
-        <p:spPr>
-          <a:xfrm>
-            <a:off x="623392" y="1443306"/>
-            <a:ext cx="11089926" cy="1323439"/>
+            <p:ph type="title"/>
+          </p:nvPr>
+        </p:nvSpPr>
+        <p:spPr>
+          <a:xfrm>
+            <a:off x="0" y="1219199"/>
+            <a:ext cx="12192000" cy="1143000"/>
           </a:xfrm>
           <a:noFill/>
           <a:ln>
@@ -9215,53 +8956,31 @@
           </a:bodyPr>
           <a:lstStyle/>
           <a:p>
-            <a:pPr rtl="1"/>
-            <a:r>
-              <a:rPr lang="ar-SA" altLang="en-US" sz="8000" dirty="0">
-                <a:latin typeface="Arabic Typesetting" panose="03020402040406030203" pitchFamily="66" charset="-78"/>
-                <a:cs typeface="Arabic Typesetting" panose="03020402040406030203" pitchFamily="66" charset="-78"/>
-              </a:rPr>
+            <a:r>
+              <a:rPr lang="ar-SA" altLang="en-US" dirty="0"/>
               <a:t>وَأَشْهَدُ أَنَّكَ </a:t>
             </a:r>
             <a:r>
-              <a:rPr lang="ar-SA" altLang="en-US" sz="8000" dirty="0" err="1">
-                <a:latin typeface="Arabic Typesetting" panose="03020402040406030203" pitchFamily="66" charset="-78"/>
-                <a:cs typeface="Arabic Typesetting" panose="03020402040406030203" pitchFamily="66" charset="-78"/>
-              </a:rPr>
+              <a:rPr lang="ar-SA" altLang="en-US" dirty="0" err="1"/>
               <a:t>ٱلإِمَامُ</a:t>
             </a:r>
             <a:r>
-              <a:rPr lang="ar-SA" altLang="en-US" sz="8000" dirty="0">
-                <a:latin typeface="Arabic Typesetting" panose="03020402040406030203" pitchFamily="66" charset="-78"/>
-                <a:cs typeface="Arabic Typesetting" panose="03020402040406030203" pitchFamily="66" charset="-78"/>
-              </a:rPr>
+              <a:rPr lang="ar-SA" altLang="en-US" dirty="0"/>
               <a:t> </a:t>
             </a:r>
             <a:r>
-              <a:rPr lang="ar-SA" altLang="en-US" sz="8000" dirty="0" err="1">
-                <a:latin typeface="Arabic Typesetting" panose="03020402040406030203" pitchFamily="66" charset="-78"/>
-                <a:cs typeface="Arabic Typesetting" panose="03020402040406030203" pitchFamily="66" charset="-78"/>
-              </a:rPr>
+              <a:rPr lang="ar-SA" altLang="en-US" dirty="0" err="1"/>
               <a:t>ٱلْبَرُّ</a:t>
             </a:r>
             <a:r>
-              <a:rPr lang="ar-SA" altLang="en-US" sz="8000" dirty="0">
-                <a:latin typeface="Arabic Typesetting" panose="03020402040406030203" pitchFamily="66" charset="-78"/>
-                <a:cs typeface="Arabic Typesetting" panose="03020402040406030203" pitchFamily="66" charset="-78"/>
-              </a:rPr>
+              <a:rPr lang="ar-SA" altLang="en-US" dirty="0"/>
               <a:t> </a:t>
             </a:r>
             <a:r>
-              <a:rPr lang="ar-SA" altLang="en-US" sz="8000" dirty="0" err="1">
-                <a:latin typeface="Arabic Typesetting" panose="03020402040406030203" pitchFamily="66" charset="-78"/>
-                <a:cs typeface="Arabic Typesetting" panose="03020402040406030203" pitchFamily="66" charset="-78"/>
-              </a:rPr>
+              <a:rPr lang="ar-SA" altLang="en-US" dirty="0" err="1"/>
               <a:t>ٱلتَّقِيُّ</a:t>
             </a:r>
-            <a:endParaRPr lang="en-US" altLang="en-US" sz="8000" dirty="0">
-              <a:latin typeface="Arabic Typesetting" panose="03020402040406030203" pitchFamily="66" charset="-78"/>
-              <a:cs typeface="Arabic Typesetting" panose="03020402040406030203" pitchFamily="66" charset="-78"/>
-            </a:endParaRPr>
+            <a:endParaRPr lang="en-US" altLang="en-US" dirty="0"/>
           </a:p>
         </p:txBody>
       </p:sp>
@@ -9272,13 +8991,13 @@
             <a:spLocks noGrp="1" noChangeArrowheads="1"/>
           </p:cNvSpPr>
           <p:nvPr>
-            <p:ph type="subTitle" idx="1"/>
-          </p:nvPr>
-        </p:nvSpPr>
-        <p:spPr>
-          <a:xfrm>
-            <a:off x="1847851" y="3381375"/>
-            <a:ext cx="8424863" cy="1077218"/>
+            <p:ph type="body" sz="quarter" idx="10"/>
+          </p:nvPr>
+        </p:nvSpPr>
+        <p:spPr>
+          <a:xfrm>
+            <a:off x="2171700" y="4495801"/>
+            <a:ext cx="7848600" cy="1905000"/>
           </a:xfrm>
           <a:noFill/>
           <a:extLst>
@@ -9302,9 +9021,7 @@
           <a:lstStyle/>
           <a:p>
             <a:r>
-              <a:rPr lang="en-US" altLang="en-US" b="1" dirty="0">
-                <a:ea typeface="MS Mincho" charset="-128"/>
-              </a:rPr>
+              <a:rPr lang="en-US" altLang="en-US" dirty="0"/>
               <a:t>I also bear witness that you are the God-fearing, pious,</a:t>
             </a:r>
           </a:p>
@@ -9355,13 +9072,13 @@
             <a:spLocks noGrp="1" noChangeArrowheads="1"/>
           </p:cNvSpPr>
           <p:nvPr>
-            <p:ph type="ctrTitle"/>
-          </p:nvPr>
-        </p:nvSpPr>
-        <p:spPr>
-          <a:xfrm>
-            <a:off x="623392" y="1443306"/>
-            <a:ext cx="11089926" cy="1323439"/>
+            <p:ph type="title"/>
+          </p:nvPr>
+        </p:nvSpPr>
+        <p:spPr>
+          <a:xfrm>
+            <a:off x="0" y="1219199"/>
+            <a:ext cx="12192000" cy="1143000"/>
           </a:xfrm>
           <a:noFill/>
           <a:ln>
@@ -9407,60 +9124,35 @@
           </a:bodyPr>
           <a:lstStyle/>
           <a:p>
-            <a:pPr rtl="1"/>
-            <a:r>
-              <a:rPr lang="ar-SA" altLang="en-US" sz="8000" dirty="0" err="1">
-                <a:latin typeface="Arabic Typesetting" panose="03020402040406030203" pitchFamily="66" charset="-78"/>
-                <a:cs typeface="Arabic Typesetting" panose="03020402040406030203" pitchFamily="66" charset="-78"/>
-              </a:rPr>
+            <a:r>
+              <a:rPr lang="ar-SA" altLang="en-US" dirty="0" err="1"/>
               <a:t>ٱلرَّضِيُّ</a:t>
             </a:r>
             <a:r>
-              <a:rPr lang="ar-SA" altLang="en-US" sz="8000" dirty="0">
-                <a:latin typeface="Arabic Typesetting" panose="03020402040406030203" pitchFamily="66" charset="-78"/>
-                <a:cs typeface="Arabic Typesetting" panose="03020402040406030203" pitchFamily="66" charset="-78"/>
-              </a:rPr>
+              <a:rPr lang="ar-SA" altLang="en-US" dirty="0"/>
               <a:t> </a:t>
             </a:r>
             <a:r>
-              <a:rPr lang="ar-SA" altLang="en-US" sz="8000" dirty="0" err="1">
-                <a:latin typeface="Arabic Typesetting" panose="03020402040406030203" pitchFamily="66" charset="-78"/>
-                <a:cs typeface="Arabic Typesetting" panose="03020402040406030203" pitchFamily="66" charset="-78"/>
-              </a:rPr>
+              <a:rPr lang="ar-SA" altLang="en-US" dirty="0" err="1"/>
               <a:t>ٱلزَّكِيُّ</a:t>
             </a:r>
             <a:r>
-              <a:rPr lang="ar-SA" altLang="en-US" sz="8000" dirty="0">
-                <a:latin typeface="Arabic Typesetting" panose="03020402040406030203" pitchFamily="66" charset="-78"/>
-                <a:cs typeface="Arabic Typesetting" panose="03020402040406030203" pitchFamily="66" charset="-78"/>
-              </a:rPr>
+              <a:rPr lang="ar-SA" altLang="en-US" dirty="0"/>
               <a:t> </a:t>
             </a:r>
             <a:r>
-              <a:rPr lang="ar-SA" altLang="en-US" sz="8000" dirty="0" err="1">
-                <a:latin typeface="Arabic Typesetting" panose="03020402040406030203" pitchFamily="66" charset="-78"/>
-                <a:cs typeface="Arabic Typesetting" panose="03020402040406030203" pitchFamily="66" charset="-78"/>
-              </a:rPr>
+              <a:rPr lang="ar-SA" altLang="en-US" dirty="0" err="1"/>
               <a:t>ٱلْهَادِي</a:t>
             </a:r>
             <a:r>
-              <a:rPr lang="ar-SA" altLang="en-US" sz="8000" dirty="0">
-                <a:latin typeface="Arabic Typesetting" panose="03020402040406030203" pitchFamily="66" charset="-78"/>
-                <a:cs typeface="Arabic Typesetting" panose="03020402040406030203" pitchFamily="66" charset="-78"/>
-              </a:rPr>
+              <a:rPr lang="ar-SA" altLang="en-US" dirty="0"/>
               <a:t> </a:t>
             </a:r>
             <a:r>
-              <a:rPr lang="ar-SA" altLang="en-US" sz="8000" dirty="0" err="1">
-                <a:latin typeface="Arabic Typesetting" panose="03020402040406030203" pitchFamily="66" charset="-78"/>
-                <a:cs typeface="Arabic Typesetting" panose="03020402040406030203" pitchFamily="66" charset="-78"/>
-              </a:rPr>
+              <a:rPr lang="ar-SA" altLang="en-US" dirty="0" err="1"/>
               <a:t>ٱلْمَهْدِيُّ</a:t>
             </a:r>
-            <a:endParaRPr lang="en-US" altLang="en-US" sz="8000" dirty="0">
-              <a:latin typeface="Arabic Typesetting" panose="03020402040406030203" pitchFamily="66" charset="-78"/>
-              <a:cs typeface="Arabic Typesetting" panose="03020402040406030203" pitchFamily="66" charset="-78"/>
-            </a:endParaRPr>
+            <a:endParaRPr lang="en-US" altLang="en-US" dirty="0"/>
           </a:p>
         </p:txBody>
       </p:sp>
@@ -9471,13 +9163,13 @@
             <a:spLocks noGrp="1" noChangeArrowheads="1"/>
           </p:cNvSpPr>
           <p:nvPr>
-            <p:ph type="subTitle" idx="1"/>
-          </p:nvPr>
-        </p:nvSpPr>
-        <p:spPr>
-          <a:xfrm>
-            <a:off x="1847851" y="3381375"/>
-            <a:ext cx="8424863" cy="1077218"/>
+            <p:ph type="body" sz="quarter" idx="10"/>
+          </p:nvPr>
+        </p:nvSpPr>
+        <p:spPr>
+          <a:xfrm>
+            <a:off x="2171700" y="4495801"/>
+            <a:ext cx="7848600" cy="1905000"/>
           </a:xfrm>
           <a:noFill/>
           <a:extLst>
@@ -9501,9 +9193,7 @@
           <a:lstStyle/>
           <a:p>
             <a:r>
-              <a:rPr lang="en-US" altLang="en-US" b="1" dirty="0">
-                <a:ea typeface="MS Mincho" charset="-128"/>
-              </a:rPr>
+              <a:rPr lang="en-US" altLang="en-US" dirty="0"/>
               <a:t>pleased, immaculate, guide, and well-guided Imam.</a:t>
             </a:r>
           </a:p>
@@ -9554,13 +9244,13 @@
             <a:spLocks noGrp="1" noChangeArrowheads="1"/>
           </p:cNvSpPr>
           <p:nvPr>
-            <p:ph type="ctrTitle"/>
-          </p:nvPr>
-        </p:nvSpPr>
-        <p:spPr>
-          <a:xfrm>
-            <a:off x="623392" y="1443306"/>
-            <a:ext cx="11089926" cy="1323439"/>
+            <p:ph type="title"/>
+          </p:nvPr>
+        </p:nvSpPr>
+        <p:spPr>
+          <a:xfrm>
+            <a:off x="0" y="1219199"/>
+            <a:ext cx="12192000" cy="1143000"/>
           </a:xfrm>
           <a:noFill/>
           <a:ln>
@@ -9606,39 +9296,23 @@
           </a:bodyPr>
           <a:lstStyle/>
           <a:p>
-            <a:pPr rtl="1"/>
-            <a:r>
-              <a:rPr lang="ar-SA" altLang="en-US" sz="8000" dirty="0">
-                <a:latin typeface="Arabic Typesetting" panose="03020402040406030203" pitchFamily="66" charset="-78"/>
-                <a:cs typeface="Arabic Typesetting" panose="03020402040406030203" pitchFamily="66" charset="-78"/>
-              </a:rPr>
+            <a:r>
+              <a:rPr lang="ar-SA" altLang="en-US" dirty="0"/>
               <a:t>وَأَشْهَدُ أَنَّ </a:t>
             </a:r>
             <a:r>
-              <a:rPr lang="ar-SA" altLang="en-US" sz="8000" dirty="0" err="1">
-                <a:latin typeface="Arabic Typesetting" panose="03020402040406030203" pitchFamily="66" charset="-78"/>
-                <a:cs typeface="Arabic Typesetting" panose="03020402040406030203" pitchFamily="66" charset="-78"/>
-              </a:rPr>
+              <a:rPr lang="ar-SA" altLang="en-US" dirty="0" err="1"/>
               <a:t>ٱلأَئِمَّةَ</a:t>
             </a:r>
             <a:r>
-              <a:rPr lang="ar-SA" altLang="en-US" sz="8000" dirty="0">
-                <a:latin typeface="Arabic Typesetting" panose="03020402040406030203" pitchFamily="66" charset="-78"/>
-                <a:cs typeface="Arabic Typesetting" panose="03020402040406030203" pitchFamily="66" charset="-78"/>
-              </a:rPr>
+              <a:rPr lang="ar-SA" altLang="en-US" dirty="0"/>
               <a:t> مِنْ وُلْدِكَ كَلِمَةُ </a:t>
             </a:r>
             <a:r>
-              <a:rPr lang="ar-SA" altLang="en-US" sz="8000" dirty="0" err="1">
-                <a:latin typeface="Arabic Typesetting" panose="03020402040406030203" pitchFamily="66" charset="-78"/>
-                <a:cs typeface="Arabic Typesetting" panose="03020402040406030203" pitchFamily="66" charset="-78"/>
-              </a:rPr>
+              <a:rPr lang="ar-SA" altLang="en-US" dirty="0" err="1"/>
               <a:t>ٱلتَّقْوٰى</a:t>
             </a:r>
-            <a:endParaRPr lang="en-US" altLang="en-US" sz="8000" dirty="0">
-              <a:latin typeface="Arabic Typesetting" panose="03020402040406030203" pitchFamily="66" charset="-78"/>
-              <a:cs typeface="Arabic Typesetting" panose="03020402040406030203" pitchFamily="66" charset="-78"/>
-            </a:endParaRPr>
+            <a:endParaRPr lang="en-US" altLang="en-US" dirty="0"/>
           </a:p>
         </p:txBody>
       </p:sp>
@@ -9649,13 +9323,13 @@
             <a:spLocks noGrp="1" noChangeArrowheads="1"/>
           </p:cNvSpPr>
           <p:nvPr>
-            <p:ph type="subTitle" idx="1"/>
-          </p:nvPr>
-        </p:nvSpPr>
-        <p:spPr>
-          <a:xfrm>
-            <a:off x="1847851" y="3381375"/>
-            <a:ext cx="8424863" cy="1077218"/>
+            <p:ph type="body" sz="quarter" idx="10"/>
+          </p:nvPr>
+        </p:nvSpPr>
+        <p:spPr>
+          <a:xfrm>
+            <a:off x="2171700" y="4495801"/>
+            <a:ext cx="7848600" cy="1905000"/>
           </a:xfrm>
           <a:noFill/>
           <a:extLst>
@@ -9679,9 +9353,7 @@
           <a:lstStyle/>
           <a:p>
             <a:r>
-              <a:rPr lang="en-US" altLang="en-US" b="1" dirty="0">
-                <a:ea typeface="MS Mincho" charset="-128"/>
-              </a:rPr>
+              <a:rPr lang="en-US" altLang="en-US" dirty="0"/>
               <a:t>And (I bear witness) that the Imams from your progeny are the spokesmen of piety,</a:t>
             </a:r>
           </a:p>
@@ -9732,13 +9404,13 @@
             <a:spLocks noGrp="1" noChangeArrowheads="1"/>
           </p:cNvSpPr>
           <p:nvPr>
-            <p:ph type="ctrTitle"/>
-          </p:nvPr>
-        </p:nvSpPr>
-        <p:spPr>
-          <a:xfrm>
-            <a:off x="623392" y="1443306"/>
-            <a:ext cx="11089926" cy="1323439"/>
+            <p:ph type="title"/>
+          </p:nvPr>
+        </p:nvSpPr>
+        <p:spPr>
+          <a:xfrm>
+            <a:off x="0" y="1219199"/>
+            <a:ext cx="12192000" cy="1143000"/>
           </a:xfrm>
           <a:noFill/>
           <a:ln>
@@ -9784,25 +9456,15 @@
           </a:bodyPr>
           <a:lstStyle/>
           <a:p>
-            <a:pPr rtl="1"/>
-            <a:r>
-              <a:rPr lang="ar-SA" altLang="en-US" sz="8000" dirty="0">
-                <a:latin typeface="Arabic Typesetting" panose="03020402040406030203" pitchFamily="66" charset="-78"/>
-                <a:cs typeface="Arabic Typesetting" panose="03020402040406030203" pitchFamily="66" charset="-78"/>
-              </a:rPr>
+            <a:r>
+              <a:rPr lang="ar-SA" altLang="en-US" dirty="0"/>
               <a:t>وَأَعْلاَمُ </a:t>
             </a:r>
             <a:r>
-              <a:rPr lang="ar-SA" altLang="en-US" sz="8000" dirty="0" err="1">
-                <a:latin typeface="Arabic Typesetting" panose="03020402040406030203" pitchFamily="66" charset="-78"/>
-                <a:cs typeface="Arabic Typesetting" panose="03020402040406030203" pitchFamily="66" charset="-78"/>
-              </a:rPr>
+              <a:rPr lang="ar-SA" altLang="en-US" dirty="0" err="1"/>
               <a:t>ٱلْهُدٰى</a:t>
             </a:r>
-            <a:endParaRPr lang="en-US" altLang="en-US" sz="8000" dirty="0">
-              <a:latin typeface="Arabic Typesetting" panose="03020402040406030203" pitchFamily="66" charset="-78"/>
-              <a:cs typeface="Arabic Typesetting" panose="03020402040406030203" pitchFamily="66" charset="-78"/>
-            </a:endParaRPr>
+            <a:endParaRPr lang="en-US" altLang="en-US" dirty="0"/>
           </a:p>
         </p:txBody>
       </p:sp>
@@ -9813,13 +9475,13 @@
             <a:spLocks noGrp="1" noChangeArrowheads="1"/>
           </p:cNvSpPr>
           <p:nvPr>
-            <p:ph type="subTitle" idx="1"/>
-          </p:nvPr>
-        </p:nvSpPr>
-        <p:spPr>
-          <a:xfrm>
-            <a:off x="1847851" y="3381375"/>
-            <a:ext cx="8424863" cy="584775"/>
+            <p:ph type="body" sz="quarter" idx="10"/>
+          </p:nvPr>
+        </p:nvSpPr>
+        <p:spPr>
+          <a:xfrm>
+            <a:off x="2171700" y="4495801"/>
+            <a:ext cx="7848600" cy="1905000"/>
           </a:xfrm>
           <a:noFill/>
           <a:extLst>
@@ -9843,9 +9505,7 @@
           <a:lstStyle/>
           <a:p>
             <a:r>
-              <a:rPr lang="en-US" altLang="en-US" b="1" dirty="0">
-                <a:ea typeface="MS Mincho" charset="-128"/>
-              </a:rPr>
+              <a:rPr lang="en-US" altLang="en-US" dirty="0"/>
               <a:t>the signs of guidance,</a:t>
             </a:r>
           </a:p>
@@ -9896,13 +9556,13 @@
             <a:spLocks noGrp="1" noChangeArrowheads="1"/>
           </p:cNvSpPr>
           <p:nvPr>
-            <p:ph type="ctrTitle"/>
-          </p:nvPr>
-        </p:nvSpPr>
-        <p:spPr>
-          <a:xfrm>
-            <a:off x="623392" y="1443306"/>
-            <a:ext cx="11089926" cy="1323439"/>
+            <p:ph type="title"/>
+          </p:nvPr>
+        </p:nvSpPr>
+        <p:spPr>
+          <a:xfrm>
+            <a:off x="0" y="1219199"/>
+            <a:ext cx="12192000" cy="1143000"/>
           </a:xfrm>
           <a:noFill/>
           <a:ln>
@@ -9948,32 +9608,19 @@
           </a:bodyPr>
           <a:lstStyle/>
           <a:p>
-            <a:pPr rtl="1"/>
-            <a:r>
-              <a:rPr lang="ar-SA" altLang="en-US" sz="8000" dirty="0" err="1">
-                <a:latin typeface="Arabic Typesetting" panose="03020402040406030203" pitchFamily="66" charset="-78"/>
-                <a:cs typeface="Arabic Typesetting" panose="03020402040406030203" pitchFamily="66" charset="-78"/>
-              </a:rPr>
+            <a:r>
+              <a:rPr lang="ar-SA" altLang="en-US" dirty="0" err="1"/>
               <a:t>وَٱلْعُروَةُ</a:t>
             </a:r>
             <a:r>
-              <a:rPr lang="ar-SA" altLang="en-US" sz="8000" dirty="0">
-                <a:latin typeface="Arabic Typesetting" panose="03020402040406030203" pitchFamily="66" charset="-78"/>
-                <a:cs typeface="Arabic Typesetting" panose="03020402040406030203" pitchFamily="66" charset="-78"/>
-              </a:rPr>
+              <a:rPr lang="ar-SA" altLang="en-US" dirty="0"/>
               <a:t> </a:t>
             </a:r>
             <a:r>
-              <a:rPr lang="ar-SA" altLang="en-US" sz="8000" dirty="0" err="1">
-                <a:latin typeface="Arabic Typesetting" panose="03020402040406030203" pitchFamily="66" charset="-78"/>
-                <a:cs typeface="Arabic Typesetting" panose="03020402040406030203" pitchFamily="66" charset="-78"/>
-              </a:rPr>
+              <a:rPr lang="ar-SA" altLang="en-US" dirty="0" err="1"/>
               <a:t>ٱلْوُثْقٰى</a:t>
             </a:r>
-            <a:endParaRPr lang="en-US" altLang="en-US" sz="8000" dirty="0">
-              <a:latin typeface="Arabic Typesetting" panose="03020402040406030203" pitchFamily="66" charset="-78"/>
-              <a:cs typeface="Arabic Typesetting" panose="03020402040406030203" pitchFamily="66" charset="-78"/>
-            </a:endParaRPr>
+            <a:endParaRPr lang="en-US" altLang="en-US" dirty="0"/>
           </a:p>
         </p:txBody>
       </p:sp>
@@ -9984,13 +9631,13 @@
             <a:spLocks noGrp="1" noChangeArrowheads="1"/>
           </p:cNvSpPr>
           <p:nvPr>
-            <p:ph type="subTitle" idx="1"/>
-          </p:nvPr>
-        </p:nvSpPr>
-        <p:spPr>
-          <a:xfrm>
-            <a:off x="1847851" y="3381375"/>
-            <a:ext cx="8424863" cy="584775"/>
+            <p:ph type="body" sz="quarter" idx="10"/>
+          </p:nvPr>
+        </p:nvSpPr>
+        <p:spPr>
+          <a:xfrm>
+            <a:off x="2171700" y="4495801"/>
+            <a:ext cx="7848600" cy="1905000"/>
           </a:xfrm>
           <a:noFill/>
           <a:extLst>
@@ -10014,9 +9661,7 @@
           <a:lstStyle/>
           <a:p>
             <a:r>
-              <a:rPr lang="en-US" altLang="en-US" b="1" dirty="0">
-                <a:ea typeface="MS Mincho" charset="-128"/>
-              </a:rPr>
+              <a:rPr lang="en-US" altLang="en-US" dirty="0"/>
               <a:t>the firmest handle (of Islam),</a:t>
             </a:r>
           </a:p>
@@ -10067,13 +9712,13 @@
             <a:spLocks noGrp="1" noChangeArrowheads="1"/>
           </p:cNvSpPr>
           <p:nvPr>
-            <p:ph type="ctrTitle"/>
-          </p:nvPr>
-        </p:nvSpPr>
-        <p:spPr>
-          <a:xfrm>
-            <a:off x="623392" y="1443306"/>
-            <a:ext cx="11089926" cy="1323439"/>
+            <p:ph type="title"/>
+          </p:nvPr>
+        </p:nvSpPr>
+        <p:spPr>
+          <a:xfrm>
+            <a:off x="0" y="1219199"/>
+            <a:ext cx="12192000" cy="1143000"/>
           </a:xfrm>
           <a:noFill/>
           <a:ln>
@@ -10119,32 +9764,19 @@
           </a:bodyPr>
           <a:lstStyle/>
           <a:p>
-            <a:pPr rtl="1"/>
-            <a:r>
-              <a:rPr lang="ar-SA" altLang="en-US" sz="8000" dirty="0" err="1">
-                <a:latin typeface="Arabic Typesetting" panose="03020402040406030203" pitchFamily="66" charset="-78"/>
-                <a:cs typeface="Arabic Typesetting" panose="03020402040406030203" pitchFamily="66" charset="-78"/>
-              </a:rPr>
+            <a:r>
+              <a:rPr lang="ar-SA" altLang="en-US" dirty="0" err="1"/>
               <a:t>وَٱلْحُجَّةُ</a:t>
             </a:r>
             <a:r>
-              <a:rPr lang="ar-SA" altLang="en-US" sz="8000" dirty="0">
-                <a:latin typeface="Arabic Typesetting" panose="03020402040406030203" pitchFamily="66" charset="-78"/>
-                <a:cs typeface="Arabic Typesetting" panose="03020402040406030203" pitchFamily="66" charset="-78"/>
-              </a:rPr>
+              <a:rPr lang="ar-SA" altLang="en-US" dirty="0"/>
               <a:t> عَلٰى أَهْلِ </a:t>
             </a:r>
             <a:r>
-              <a:rPr lang="ar-SA" altLang="en-US" sz="8000" dirty="0" err="1">
-                <a:latin typeface="Arabic Typesetting" panose="03020402040406030203" pitchFamily="66" charset="-78"/>
-                <a:cs typeface="Arabic Typesetting" panose="03020402040406030203" pitchFamily="66" charset="-78"/>
-              </a:rPr>
+              <a:rPr lang="ar-SA" altLang="en-US" dirty="0" err="1"/>
               <a:t>ٱلدُّنْيَا</a:t>
             </a:r>
-            <a:endParaRPr lang="en-US" altLang="en-US" sz="8000" dirty="0">
-              <a:latin typeface="Arabic Typesetting" panose="03020402040406030203" pitchFamily="66" charset="-78"/>
-              <a:cs typeface="Arabic Typesetting" panose="03020402040406030203" pitchFamily="66" charset="-78"/>
-            </a:endParaRPr>
+            <a:endParaRPr lang="en-US" altLang="en-US" dirty="0"/>
           </a:p>
         </p:txBody>
       </p:sp>
@@ -10155,13 +9787,13 @@
             <a:spLocks noGrp="1" noChangeArrowheads="1"/>
           </p:cNvSpPr>
           <p:nvPr>
-            <p:ph type="subTitle" idx="1"/>
-          </p:nvPr>
-        </p:nvSpPr>
-        <p:spPr>
-          <a:xfrm>
-            <a:off x="1847851" y="3381375"/>
-            <a:ext cx="8424863" cy="1077218"/>
+            <p:ph type="body" sz="quarter" idx="10"/>
+          </p:nvPr>
+        </p:nvSpPr>
+        <p:spPr>
+          <a:xfrm>
+            <a:off x="2171700" y="4495801"/>
+            <a:ext cx="7848600" cy="1905000"/>
           </a:xfrm>
           <a:noFill/>
           <a:extLst>
@@ -10185,9 +9817,7 @@
           <a:lstStyle/>
           <a:p>
             <a:r>
-              <a:rPr lang="en-US" altLang="en-US" b="1" dirty="0">
-                <a:ea typeface="MS Mincho" charset="-128"/>
-              </a:rPr>
+              <a:rPr lang="en-US" altLang="en-US" dirty="0"/>
               <a:t>and the decisive Argument against the inhabitants of the world.</a:t>
             </a:r>
           </a:p>
@@ -10238,13 +9868,13 @@
             <a:spLocks noGrp="1" noChangeArrowheads="1"/>
           </p:cNvSpPr>
           <p:nvPr>
-            <p:ph type="ctrTitle"/>
-          </p:nvPr>
-        </p:nvSpPr>
-        <p:spPr>
-          <a:xfrm>
-            <a:off x="623392" y="1443306"/>
-            <a:ext cx="11089926" cy="1323439"/>
+            <p:ph type="title"/>
+          </p:nvPr>
+        </p:nvSpPr>
+        <p:spPr>
+          <a:xfrm>
+            <a:off x="0" y="1219199"/>
+            <a:ext cx="12192000" cy="1143000"/>
           </a:xfrm>
           <a:noFill/>
           <a:ln>
@@ -10290,32 +9920,19 @@
           </a:bodyPr>
           <a:lstStyle/>
           <a:p>
-            <a:pPr rtl="1"/>
-            <a:r>
-              <a:rPr lang="ar-SA" altLang="en-US" sz="8000" dirty="0">
-                <a:latin typeface="Arabic Typesetting" panose="03020402040406030203" pitchFamily="66" charset="-78"/>
-                <a:cs typeface="Arabic Typesetting" panose="03020402040406030203" pitchFamily="66" charset="-78"/>
-              </a:rPr>
+            <a:r>
+              <a:rPr lang="ar-SA" altLang="en-US" dirty="0"/>
               <a:t>وَأُشْهِدُ </a:t>
             </a:r>
             <a:r>
-              <a:rPr lang="ar-SA" altLang="en-US" sz="8000" dirty="0" err="1">
-                <a:latin typeface="Arabic Typesetting" panose="03020402040406030203" pitchFamily="66" charset="-78"/>
-                <a:cs typeface="Arabic Typesetting" panose="03020402040406030203" pitchFamily="66" charset="-78"/>
-              </a:rPr>
+              <a:rPr lang="ar-SA" altLang="en-US" dirty="0" err="1"/>
               <a:t>ٱللَّهَ</a:t>
             </a:r>
             <a:r>
-              <a:rPr lang="ar-SA" altLang="en-US" sz="8000" dirty="0">
-                <a:latin typeface="Arabic Typesetting" panose="03020402040406030203" pitchFamily="66" charset="-78"/>
-                <a:cs typeface="Arabic Typesetting" panose="03020402040406030203" pitchFamily="66" charset="-78"/>
-              </a:rPr>
+              <a:rPr lang="ar-SA" altLang="en-US" dirty="0"/>
               <a:t> وَمَلاَئِكَتَهُ</a:t>
             </a:r>
-            <a:endParaRPr lang="en-US" altLang="en-US" sz="8000" dirty="0">
-              <a:latin typeface="Arabic Typesetting" panose="03020402040406030203" pitchFamily="66" charset="-78"/>
-              <a:cs typeface="Arabic Typesetting" panose="03020402040406030203" pitchFamily="66" charset="-78"/>
-            </a:endParaRPr>
+            <a:endParaRPr lang="en-US" altLang="en-US" dirty="0"/>
           </a:p>
         </p:txBody>
       </p:sp>
@@ -10326,13 +9943,13 @@
             <a:spLocks noGrp="1" noChangeArrowheads="1"/>
           </p:cNvSpPr>
           <p:nvPr>
-            <p:ph type="subTitle" idx="1"/>
-          </p:nvPr>
-        </p:nvSpPr>
-        <p:spPr>
-          <a:xfrm>
-            <a:off x="1847851" y="3381375"/>
-            <a:ext cx="8424863" cy="584775"/>
+            <p:ph type="body" sz="quarter" idx="10"/>
+          </p:nvPr>
+        </p:nvSpPr>
+        <p:spPr>
+          <a:xfrm>
+            <a:off x="2171700" y="4495801"/>
+            <a:ext cx="7848600" cy="1905000"/>
           </a:xfrm>
           <a:noFill/>
           <a:extLst>
@@ -10356,9 +9973,7 @@
           <a:lstStyle/>
           <a:p>
             <a:r>
-              <a:rPr lang="en-US" altLang="en-US" b="1" dirty="0">
-                <a:ea typeface="MS Mincho" charset="-128"/>
-              </a:rPr>
+              <a:rPr lang="en-US" altLang="en-US" dirty="0"/>
               <a:t>And I call Allah, His angels,</a:t>
             </a:r>
           </a:p>
@@ -10409,13 +10024,13 @@
             <a:spLocks noGrp="1" noChangeArrowheads="1"/>
           </p:cNvSpPr>
           <p:nvPr>
-            <p:ph type="ctrTitle"/>
-          </p:nvPr>
-        </p:nvSpPr>
-        <p:spPr>
-          <a:xfrm>
-            <a:off x="623392" y="1443306"/>
-            <a:ext cx="11089926" cy="1323439"/>
+            <p:ph type="title"/>
+          </p:nvPr>
+        </p:nvSpPr>
+        <p:spPr>
+          <a:xfrm>
+            <a:off x="0" y="1219199"/>
+            <a:ext cx="12192000" cy="1143000"/>
           </a:xfrm>
           <a:noFill/>
           <a:ln>
@@ -10461,18 +10076,11 @@
           </a:bodyPr>
           <a:lstStyle/>
           <a:p>
-            <a:pPr rtl="1"/>
-            <a:r>
-              <a:rPr lang="ar-SA" altLang="en-US" sz="8000" dirty="0">
-                <a:latin typeface="Arabic Typesetting" panose="03020402040406030203" pitchFamily="66" charset="-78"/>
-                <a:cs typeface="Arabic Typesetting" panose="03020402040406030203" pitchFamily="66" charset="-78"/>
-              </a:rPr>
+            <a:r>
+              <a:rPr lang="ar-SA" altLang="en-US" dirty="0"/>
               <a:t>وَأَنْبِيَاءَهُ وَرُسُلَهُ</a:t>
             </a:r>
-            <a:endParaRPr lang="en-US" altLang="en-US" sz="8000" dirty="0">
-              <a:latin typeface="Arabic Typesetting" panose="03020402040406030203" pitchFamily="66" charset="-78"/>
-              <a:cs typeface="Arabic Typesetting" panose="03020402040406030203" pitchFamily="66" charset="-78"/>
-            </a:endParaRPr>
+            <a:endParaRPr lang="en-US" altLang="en-US" dirty="0"/>
           </a:p>
         </p:txBody>
       </p:sp>
@@ -10483,13 +10091,13 @@
             <a:spLocks noGrp="1" noChangeArrowheads="1"/>
           </p:cNvSpPr>
           <p:nvPr>
-            <p:ph type="subTitle" idx="1"/>
-          </p:nvPr>
-        </p:nvSpPr>
-        <p:spPr>
-          <a:xfrm>
-            <a:off x="1847851" y="3381375"/>
-            <a:ext cx="8424863" cy="584775"/>
+            <p:ph type="body" sz="quarter" idx="10"/>
+          </p:nvPr>
+        </p:nvSpPr>
+        <p:spPr>
+          <a:xfrm>
+            <a:off x="2171700" y="4495801"/>
+            <a:ext cx="7848600" cy="1905000"/>
           </a:xfrm>
           <a:noFill/>
           <a:extLst>
@@ -10513,9 +10121,7 @@
           <a:lstStyle/>
           <a:p>
             <a:r>
-              <a:rPr lang="en-US" altLang="en-US" b="1" dirty="0">
-                <a:ea typeface="MS Mincho" charset="-128"/>
-              </a:rPr>
+              <a:rPr lang="en-US" altLang="en-US" dirty="0"/>
               <a:t>His Prophets, and His Messenger</a:t>
             </a:r>
           </a:p>
@@ -10566,13 +10172,13 @@
             <a:spLocks noGrp="1" noChangeArrowheads="1"/>
           </p:cNvSpPr>
           <p:nvPr>
-            <p:ph type="ctrTitle"/>
-          </p:nvPr>
-        </p:nvSpPr>
-        <p:spPr>
-          <a:xfrm>
-            <a:off x="623392" y="1443306"/>
-            <a:ext cx="11089926" cy="1323439"/>
+            <p:ph type="title"/>
+          </p:nvPr>
+        </p:nvSpPr>
+        <p:spPr>
+          <a:xfrm>
+            <a:off x="0" y="1219199"/>
+            <a:ext cx="12192000" cy="1143000"/>
           </a:xfrm>
           <a:noFill/>
           <a:ln>
@@ -10618,18 +10224,11 @@
           </a:bodyPr>
           <a:lstStyle/>
           <a:p>
-            <a:pPr rtl="1"/>
-            <a:r>
-              <a:rPr lang="ar-SA" altLang="en-US" sz="8000" dirty="0">
-                <a:latin typeface="Arabic Typesetting" panose="03020402040406030203" pitchFamily="66" charset="-78"/>
-                <a:cs typeface="Arabic Typesetting" panose="03020402040406030203" pitchFamily="66" charset="-78"/>
-              </a:rPr>
+            <a:r>
+              <a:rPr lang="ar-SA" altLang="en-US" dirty="0"/>
               <a:t>أَنِّي بِكُمْ مُؤْمِنٌ وَبِـإِيَابِكُمْ مُوقِنٌ</a:t>
             </a:r>
-            <a:endParaRPr lang="en-US" altLang="en-US" sz="8000" dirty="0">
-              <a:latin typeface="Arabic Typesetting" panose="03020402040406030203" pitchFamily="66" charset="-78"/>
-              <a:cs typeface="Arabic Typesetting" panose="03020402040406030203" pitchFamily="66" charset="-78"/>
-            </a:endParaRPr>
+            <a:endParaRPr lang="en-US" altLang="en-US" dirty="0"/>
           </a:p>
         </p:txBody>
       </p:sp>
@@ -10640,13 +10239,13 @@
             <a:spLocks noGrp="1" noChangeArrowheads="1"/>
           </p:cNvSpPr>
           <p:nvPr>
-            <p:ph type="subTitle" idx="1"/>
-          </p:nvPr>
-        </p:nvSpPr>
-        <p:spPr>
-          <a:xfrm>
-            <a:off x="1847851" y="3381375"/>
-            <a:ext cx="8424863" cy="1077218"/>
+            <p:ph type="body" sz="quarter" idx="10"/>
+          </p:nvPr>
+        </p:nvSpPr>
+        <p:spPr>
+          <a:xfrm>
+            <a:off x="2171700" y="4495801"/>
+            <a:ext cx="7848600" cy="1905000"/>
           </a:xfrm>
           <a:noFill/>
           <a:extLst>
@@ -10670,9 +10269,7 @@
           <a:lstStyle/>
           <a:p>
             <a:r>
-              <a:rPr lang="en-US" altLang="en-US" b="1" dirty="0">
-                <a:ea typeface="MS Mincho" charset="-128"/>
-              </a:rPr>
+              <a:rPr lang="en-US" altLang="en-US" dirty="0"/>
               <a:t>to witness for me that I believe in you all and in your Return,</a:t>
             </a:r>
           </a:p>
@@ -10723,13 +10320,13 @@
             <a:spLocks noGrp="1" noChangeArrowheads="1"/>
           </p:cNvSpPr>
           <p:nvPr>
-            <p:ph type="ctrTitle"/>
-          </p:nvPr>
-        </p:nvSpPr>
-        <p:spPr>
-          <a:xfrm>
-            <a:off x="1774826" y="1443306"/>
-            <a:ext cx="8569325" cy="1323439"/>
+            <p:ph type="title"/>
+          </p:nvPr>
+        </p:nvSpPr>
+        <p:spPr>
+          <a:xfrm>
+            <a:off x="0" y="1219199"/>
+            <a:ext cx="12192000" cy="1143000"/>
           </a:xfrm>
           <a:noFill/>
           <a:ln>
@@ -10775,25 +10372,15 @@
           </a:bodyPr>
           <a:lstStyle/>
           <a:p>
-            <a:pPr rtl="1"/>
-            <a:r>
-              <a:rPr lang="ar-SA" altLang="en-US" sz="8000" dirty="0">
-                <a:latin typeface="Arabic Typesetting" panose="03020402040406030203" pitchFamily="66" charset="-78"/>
-                <a:cs typeface="Arabic Typesetting" panose="03020402040406030203" pitchFamily="66" charset="-78"/>
-              </a:rPr>
+            <a:r>
+              <a:rPr lang="ar-SA" altLang="en-US" dirty="0"/>
               <a:t>اَلسَّلاَمُ عَلَيْكَ يَا وَارِثَ آدَمَ صَفْوَةِ </a:t>
             </a:r>
             <a:r>
-              <a:rPr lang="ar-SA" altLang="en-US" sz="8000" dirty="0" err="1">
-                <a:latin typeface="Arabic Typesetting" panose="03020402040406030203" pitchFamily="66" charset="-78"/>
-                <a:cs typeface="Arabic Typesetting" panose="03020402040406030203" pitchFamily="66" charset="-78"/>
-              </a:rPr>
+              <a:rPr lang="ar-SA" altLang="en-US" dirty="0" err="1"/>
               <a:t>ٱللَّهِ</a:t>
             </a:r>
-            <a:endParaRPr lang="ar-SA" altLang="en-US" sz="8000" dirty="0">
-              <a:latin typeface="Arabic Typesetting" panose="03020402040406030203" pitchFamily="66" charset="-78"/>
-              <a:cs typeface="Arabic Typesetting" panose="03020402040406030203" pitchFamily="66" charset="-78"/>
-            </a:endParaRPr>
+            <a:endParaRPr lang="ar-SA" altLang="en-US" dirty="0"/>
           </a:p>
         </p:txBody>
       </p:sp>
@@ -10804,13 +10391,13 @@
             <a:spLocks noGrp="1" noChangeArrowheads="1"/>
           </p:cNvSpPr>
           <p:nvPr>
-            <p:ph type="subTitle" idx="1"/>
-          </p:nvPr>
-        </p:nvSpPr>
-        <p:spPr>
-          <a:xfrm>
-            <a:off x="1847851" y="3381375"/>
-            <a:ext cx="8424863" cy="1066800"/>
+            <p:ph type="body" sz="quarter" idx="10"/>
+          </p:nvPr>
+        </p:nvSpPr>
+        <p:spPr>
+          <a:xfrm>
+            <a:off x="2171700" y="4495801"/>
+            <a:ext cx="7848600" cy="1905000"/>
           </a:xfrm>
           <a:noFill/>
           <a:extLst>
@@ -10834,9 +10421,7 @@
           <a:lstStyle/>
           <a:p>
             <a:r>
-              <a:rPr lang="en-US" altLang="en-US" b="1" dirty="0">
-                <a:ea typeface="MS Mincho" charset="-128"/>
-              </a:rPr>
+              <a:rPr lang="en-US" altLang="en-US" dirty="0"/>
               <a:t>Peace be upon you, O inheritor of Adam the choice of Allah.</a:t>
             </a:r>
           </a:p>
@@ -10887,13 +10472,13 @@
             <a:spLocks noGrp="1" noChangeArrowheads="1"/>
           </p:cNvSpPr>
           <p:nvPr>
-            <p:ph type="ctrTitle"/>
-          </p:nvPr>
-        </p:nvSpPr>
-        <p:spPr>
-          <a:xfrm>
-            <a:off x="623392" y="1443306"/>
-            <a:ext cx="11089926" cy="1323439"/>
+            <p:ph type="title"/>
+          </p:nvPr>
+        </p:nvSpPr>
+        <p:spPr>
+          <a:xfrm>
+            <a:off x="0" y="1219199"/>
+            <a:ext cx="12192000" cy="1143000"/>
           </a:xfrm>
           <a:noFill/>
           <a:ln>
@@ -10939,18 +10524,11 @@
           </a:bodyPr>
           <a:lstStyle/>
           <a:p>
-            <a:pPr rtl="1"/>
-            <a:r>
-              <a:rPr lang="ar-SA" altLang="en-US" sz="8000" dirty="0">
-                <a:latin typeface="Arabic Typesetting" panose="03020402040406030203" pitchFamily="66" charset="-78"/>
-                <a:cs typeface="Arabic Typesetting" panose="03020402040406030203" pitchFamily="66" charset="-78"/>
-              </a:rPr>
+            <a:r>
+              <a:rPr lang="ar-SA" altLang="en-US" dirty="0"/>
               <a:t>بِشَرَائِعِ دِينِي وَخَوَاتِيمِ عَمَلي</a:t>
             </a:r>
-            <a:endParaRPr lang="en-US" altLang="en-US" sz="8000" dirty="0">
-              <a:latin typeface="Arabic Typesetting" panose="03020402040406030203" pitchFamily="66" charset="-78"/>
-              <a:cs typeface="Arabic Typesetting" panose="03020402040406030203" pitchFamily="66" charset="-78"/>
-            </a:endParaRPr>
+            <a:endParaRPr lang="en-US" altLang="en-US" dirty="0"/>
           </a:p>
         </p:txBody>
       </p:sp>
@@ -10961,13 +10539,13 @@
             <a:spLocks noGrp="1" noChangeArrowheads="1"/>
           </p:cNvSpPr>
           <p:nvPr>
-            <p:ph type="subTitle" idx="1"/>
-          </p:nvPr>
-        </p:nvSpPr>
-        <p:spPr>
-          <a:xfrm>
-            <a:off x="1847851" y="3381375"/>
-            <a:ext cx="8424863" cy="1077218"/>
+            <p:ph type="body" sz="quarter" idx="10"/>
+          </p:nvPr>
+        </p:nvSpPr>
+        <p:spPr>
+          <a:xfrm>
+            <a:off x="2171700" y="4495801"/>
+            <a:ext cx="7848600" cy="1905000"/>
           </a:xfrm>
           <a:noFill/>
           <a:extLst>
@@ -10991,9 +10569,7 @@
           <a:lstStyle/>
           <a:p>
             <a:r>
-              <a:rPr lang="en-US" altLang="en-US" b="1" dirty="0">
-                <a:ea typeface="MS Mincho" charset="-128"/>
-              </a:rPr>
+              <a:rPr lang="en-US" altLang="en-US" dirty="0"/>
               <a:t>I have full confidence in the laws of my religion and in the seals of my deeds,</a:t>
             </a:r>
           </a:p>
@@ -11044,13 +10620,13 @@
             <a:spLocks noGrp="1" noChangeArrowheads="1"/>
           </p:cNvSpPr>
           <p:nvPr>
-            <p:ph type="ctrTitle"/>
-          </p:nvPr>
-        </p:nvSpPr>
-        <p:spPr>
-          <a:xfrm>
-            <a:off x="623392" y="1443306"/>
-            <a:ext cx="11089926" cy="1323439"/>
+            <p:ph type="title"/>
+          </p:nvPr>
+        </p:nvSpPr>
+        <p:spPr>
+          <a:xfrm>
+            <a:off x="0" y="1219199"/>
+            <a:ext cx="12192000" cy="1143000"/>
           </a:xfrm>
           <a:noFill/>
           <a:ln>
@@ -11096,18 +10672,11 @@
           </a:bodyPr>
           <a:lstStyle/>
           <a:p>
-            <a:pPr rtl="1"/>
-            <a:r>
-              <a:rPr lang="ar-SA" altLang="en-US" sz="8000" dirty="0">
-                <a:latin typeface="Arabic Typesetting" panose="03020402040406030203" pitchFamily="66" charset="-78"/>
-                <a:cs typeface="Arabic Typesetting" panose="03020402040406030203" pitchFamily="66" charset="-78"/>
-              </a:rPr>
+            <a:r>
+              <a:rPr lang="ar-SA" altLang="en-US" dirty="0"/>
               <a:t>وَقَلْبِي لِقَلْبِكُمْ سِلْمٌ</a:t>
             </a:r>
-            <a:endParaRPr lang="en-US" altLang="en-US" sz="8000" dirty="0">
-              <a:latin typeface="Arabic Typesetting" panose="03020402040406030203" pitchFamily="66" charset="-78"/>
-              <a:cs typeface="Arabic Typesetting" panose="03020402040406030203" pitchFamily="66" charset="-78"/>
-            </a:endParaRPr>
+            <a:endParaRPr lang="en-US" altLang="en-US" dirty="0"/>
           </a:p>
         </p:txBody>
       </p:sp>
@@ -11118,13 +10687,13 @@
             <a:spLocks noGrp="1" noChangeArrowheads="1"/>
           </p:cNvSpPr>
           <p:nvPr>
-            <p:ph type="subTitle" idx="1"/>
-          </p:nvPr>
-        </p:nvSpPr>
-        <p:spPr>
-          <a:xfrm>
-            <a:off x="1847851" y="3381375"/>
-            <a:ext cx="8424863" cy="584775"/>
+            <p:ph type="body" sz="quarter" idx="10"/>
+          </p:nvPr>
+        </p:nvSpPr>
+        <p:spPr>
+          <a:xfrm>
+            <a:off x="2171700" y="4495801"/>
+            <a:ext cx="7848600" cy="1905000"/>
           </a:xfrm>
           <a:noFill/>
           <a:extLst>
@@ -11148,9 +10717,7 @@
           <a:lstStyle/>
           <a:p>
             <a:r>
-              <a:rPr lang="en-US" altLang="en-US" b="1" dirty="0">
-                <a:ea typeface="MS Mincho" charset="-128"/>
-              </a:rPr>
+              <a:rPr lang="en-US" altLang="en-US" dirty="0"/>
               <a:t>my heart is at peace with you all,</a:t>
             </a:r>
           </a:p>
@@ -11201,13 +10768,13 @@
             <a:spLocks noGrp="1" noChangeArrowheads="1"/>
           </p:cNvSpPr>
           <p:nvPr>
-            <p:ph type="ctrTitle"/>
-          </p:nvPr>
-        </p:nvSpPr>
-        <p:spPr>
-          <a:xfrm>
-            <a:off x="623392" y="1443306"/>
-            <a:ext cx="11089926" cy="1323439"/>
+            <p:ph type="title"/>
+          </p:nvPr>
+        </p:nvSpPr>
+        <p:spPr>
+          <a:xfrm>
+            <a:off x="0" y="1219199"/>
+            <a:ext cx="12192000" cy="1143000"/>
           </a:xfrm>
           <a:noFill/>
           <a:ln>
@@ -11253,18 +10820,11 @@
           </a:bodyPr>
           <a:lstStyle/>
           <a:p>
-            <a:pPr rtl="1"/>
-            <a:r>
-              <a:rPr lang="ar-SA" altLang="en-US" sz="8000" dirty="0">
-                <a:latin typeface="Arabic Typesetting" panose="03020402040406030203" pitchFamily="66" charset="-78"/>
-                <a:cs typeface="Arabic Typesetting" panose="03020402040406030203" pitchFamily="66" charset="-78"/>
-              </a:rPr>
+            <a:r>
+              <a:rPr lang="ar-SA" altLang="en-US" dirty="0"/>
               <a:t>وَأَمْرِي لأَمْرِكُمْ مُتَّبِعٌ</a:t>
             </a:r>
-            <a:endParaRPr lang="en-US" altLang="en-US" sz="8000" dirty="0">
-              <a:latin typeface="Arabic Typesetting" panose="03020402040406030203" pitchFamily="66" charset="-78"/>
-              <a:cs typeface="Arabic Typesetting" panose="03020402040406030203" pitchFamily="66" charset="-78"/>
-            </a:endParaRPr>
+            <a:endParaRPr lang="en-US" altLang="en-US" dirty="0"/>
           </a:p>
         </p:txBody>
       </p:sp>
@@ -11275,13 +10835,13 @@
             <a:spLocks noGrp="1" noChangeArrowheads="1"/>
           </p:cNvSpPr>
           <p:nvPr>
-            <p:ph type="subTitle" idx="1"/>
-          </p:nvPr>
-        </p:nvSpPr>
-        <p:spPr>
-          <a:xfrm>
-            <a:off x="1847851" y="3381375"/>
-            <a:ext cx="8424863" cy="584775"/>
+            <p:ph type="body" sz="quarter" idx="10"/>
+          </p:nvPr>
+        </p:nvSpPr>
+        <p:spPr>
+          <a:xfrm>
+            <a:off x="2171700" y="4495801"/>
+            <a:ext cx="7848600" cy="1905000"/>
           </a:xfrm>
           <a:noFill/>
           <a:extLst>
@@ -11305,9 +10865,7 @@
           <a:lstStyle/>
           <a:p>
             <a:r>
-              <a:rPr lang="en-US" altLang="en-US" b="1" dirty="0">
-                <a:ea typeface="MS Mincho" charset="-128"/>
-              </a:rPr>
+              <a:rPr lang="en-US" altLang="en-US" dirty="0"/>
               <a:t>and all my affairs are based on your commands.</a:t>
             </a:r>
           </a:p>
@@ -11358,13 +10916,13 @@
             <a:spLocks noGrp="1" noChangeArrowheads="1"/>
           </p:cNvSpPr>
           <p:nvPr>
-            <p:ph type="ctrTitle"/>
-          </p:nvPr>
-        </p:nvSpPr>
-        <p:spPr>
-          <a:xfrm>
-            <a:off x="623392" y="1443306"/>
-            <a:ext cx="11089926" cy="1323439"/>
+            <p:ph type="title"/>
+          </p:nvPr>
+        </p:nvSpPr>
+        <p:spPr>
+          <a:xfrm>
+            <a:off x="0" y="1219199"/>
+            <a:ext cx="12192000" cy="1143000"/>
           </a:xfrm>
           <a:noFill/>
           <a:ln>
@@ -11410,18 +10968,11 @@
           </a:bodyPr>
           <a:lstStyle/>
           <a:p>
-            <a:pPr rtl="1"/>
-            <a:r>
-              <a:rPr lang="ar-SA" altLang="en-US" sz="8000" dirty="0">
-                <a:latin typeface="Arabic Typesetting" panose="03020402040406030203" pitchFamily="66" charset="-78"/>
-                <a:cs typeface="Arabic Typesetting" panose="03020402040406030203" pitchFamily="66" charset="-78"/>
-              </a:rPr>
+            <a:r>
+              <a:rPr lang="ar-SA" altLang="en-US" dirty="0"/>
               <a:t>صَلَوَاتُ اللَّهِ عَلَيْكُمْ وَعَلٰى أَرْوَاحِكُمْ</a:t>
             </a:r>
-            <a:endParaRPr lang="en-US" altLang="en-US" sz="8000" dirty="0">
-              <a:latin typeface="Arabic Typesetting" panose="03020402040406030203" pitchFamily="66" charset="-78"/>
-              <a:cs typeface="Arabic Typesetting" panose="03020402040406030203" pitchFamily="66" charset="-78"/>
-            </a:endParaRPr>
+            <a:endParaRPr lang="en-US" altLang="en-US" dirty="0"/>
           </a:p>
         </p:txBody>
       </p:sp>
@@ -11432,13 +10983,13 @@
             <a:spLocks noGrp="1" noChangeArrowheads="1"/>
           </p:cNvSpPr>
           <p:nvPr>
-            <p:ph type="subTitle" idx="1"/>
-          </p:nvPr>
-        </p:nvSpPr>
-        <p:spPr>
-          <a:xfrm>
-            <a:off x="1847851" y="3381375"/>
-            <a:ext cx="8424863" cy="584775"/>
+            <p:ph type="body" sz="quarter" idx="10"/>
+          </p:nvPr>
+        </p:nvSpPr>
+        <p:spPr>
+          <a:xfrm>
+            <a:off x="2171700" y="4495801"/>
+            <a:ext cx="7848600" cy="1905000"/>
           </a:xfrm>
           <a:noFill/>
           <a:extLst>
@@ -11462,9 +11013,7 @@
           <a:lstStyle/>
           <a:p>
             <a:r>
-              <a:rPr lang="en-US" altLang="en-US" b="1" dirty="0">
-                <a:ea typeface="MS Mincho" charset="-128"/>
-              </a:rPr>
+              <a:rPr lang="en-US" altLang="en-US" dirty="0"/>
               <a:t>May Allah’s benedictions be on your souls,</a:t>
             </a:r>
           </a:p>
@@ -11515,13 +11064,13 @@
             <a:spLocks noGrp="1" noChangeArrowheads="1"/>
           </p:cNvSpPr>
           <p:nvPr>
-            <p:ph type="ctrTitle"/>
-          </p:nvPr>
-        </p:nvSpPr>
-        <p:spPr>
-          <a:xfrm>
-            <a:off x="623392" y="1443306"/>
-            <a:ext cx="11089926" cy="1323439"/>
+            <p:ph type="title"/>
+          </p:nvPr>
+        </p:nvSpPr>
+        <p:spPr>
+          <a:xfrm>
+            <a:off x="0" y="1219199"/>
+            <a:ext cx="12192000" cy="1143000"/>
           </a:xfrm>
           <a:noFill/>
           <a:ln>
@@ -11567,18 +11116,11 @@
           </a:bodyPr>
           <a:lstStyle/>
           <a:p>
-            <a:pPr rtl="1"/>
-            <a:r>
-              <a:rPr lang="ar-SA" altLang="en-US" sz="8000" dirty="0">
-                <a:latin typeface="Arabic Typesetting" panose="03020402040406030203" pitchFamily="66" charset="-78"/>
-                <a:cs typeface="Arabic Typesetting" panose="03020402040406030203" pitchFamily="66" charset="-78"/>
-              </a:rPr>
+            <a:r>
+              <a:rPr lang="ar-SA" altLang="en-US" dirty="0"/>
               <a:t>وَعَلٰى أَجْسَادِكُمْ وَعَلٰى أَجْسَامِكُمْ</a:t>
             </a:r>
-            <a:endParaRPr lang="en-US" altLang="en-US" sz="8000" dirty="0">
-              <a:latin typeface="Arabic Typesetting" panose="03020402040406030203" pitchFamily="66" charset="-78"/>
-              <a:cs typeface="Arabic Typesetting" panose="03020402040406030203" pitchFamily="66" charset="-78"/>
-            </a:endParaRPr>
+            <a:endParaRPr lang="en-US" altLang="en-US" dirty="0"/>
           </a:p>
         </p:txBody>
       </p:sp>
@@ -11589,13 +11131,13 @@
             <a:spLocks noGrp="1" noChangeArrowheads="1"/>
           </p:cNvSpPr>
           <p:nvPr>
-            <p:ph type="subTitle" idx="1"/>
-          </p:nvPr>
-        </p:nvSpPr>
-        <p:spPr>
-          <a:xfrm>
-            <a:off x="1847851" y="3381375"/>
-            <a:ext cx="8424863" cy="584775"/>
+            <p:ph type="body" sz="quarter" idx="10"/>
+          </p:nvPr>
+        </p:nvSpPr>
+        <p:spPr>
+          <a:xfrm>
+            <a:off x="2171700" y="4495801"/>
+            <a:ext cx="7848600" cy="1905000"/>
           </a:xfrm>
           <a:noFill/>
           <a:extLst>
@@ -11619,9 +11161,7 @@
           <a:lstStyle/>
           <a:p>
             <a:r>
-              <a:rPr lang="en-US" altLang="en-US" b="1" dirty="0">
-                <a:ea typeface="MS Mincho" charset="-128"/>
-              </a:rPr>
+              <a:rPr lang="en-US" altLang="en-US" dirty="0"/>
               <a:t>your bodies, your forms,</a:t>
             </a:r>
           </a:p>
@@ -11672,13 +11212,13 @@
             <a:spLocks noGrp="1" noChangeArrowheads="1"/>
           </p:cNvSpPr>
           <p:nvPr>
-            <p:ph type="ctrTitle"/>
-          </p:nvPr>
-        </p:nvSpPr>
-        <p:spPr>
-          <a:xfrm>
-            <a:off x="623392" y="1443306"/>
-            <a:ext cx="11089926" cy="1323439"/>
+            <p:ph type="title"/>
+          </p:nvPr>
+        </p:nvSpPr>
+        <p:spPr>
+          <a:xfrm>
+            <a:off x="0" y="1219199"/>
+            <a:ext cx="12192000" cy="1143000"/>
           </a:xfrm>
           <a:noFill/>
           <a:ln>
@@ -11724,18 +11264,11 @@
           </a:bodyPr>
           <a:lstStyle/>
           <a:p>
-            <a:pPr rtl="1"/>
-            <a:r>
-              <a:rPr lang="ar-SA" altLang="en-US" sz="8000" dirty="0">
-                <a:latin typeface="Arabic Typesetting" panose="03020402040406030203" pitchFamily="66" charset="-78"/>
-                <a:cs typeface="Arabic Typesetting" panose="03020402040406030203" pitchFamily="66" charset="-78"/>
-              </a:rPr>
+            <a:r>
+              <a:rPr lang="ar-SA" altLang="en-US" dirty="0"/>
               <a:t>وَعَلٰى شَاهِدِكُمْ وَعَلٰى غَائِبِكُمْ</a:t>
             </a:r>
-            <a:endParaRPr lang="en-US" altLang="en-US" sz="8000" dirty="0">
-              <a:latin typeface="Arabic Typesetting" panose="03020402040406030203" pitchFamily="66" charset="-78"/>
-              <a:cs typeface="Arabic Typesetting" panose="03020402040406030203" pitchFamily="66" charset="-78"/>
-            </a:endParaRPr>
+            <a:endParaRPr lang="en-US" altLang="en-US" dirty="0"/>
           </a:p>
         </p:txBody>
       </p:sp>
@@ -11746,13 +11279,13 @@
             <a:spLocks noGrp="1" noChangeArrowheads="1"/>
           </p:cNvSpPr>
           <p:nvPr>
-            <p:ph type="subTitle" idx="1"/>
-          </p:nvPr>
-        </p:nvSpPr>
-        <p:spPr>
-          <a:xfrm>
-            <a:off x="1847851" y="3381375"/>
-            <a:ext cx="8424863" cy="584775"/>
+            <p:ph type="body" sz="quarter" idx="10"/>
+          </p:nvPr>
+        </p:nvSpPr>
+        <p:spPr>
+          <a:xfrm>
+            <a:off x="2171700" y="4495801"/>
+            <a:ext cx="7848600" cy="1905000"/>
           </a:xfrm>
           <a:noFill/>
           <a:extLst>
@@ -11776,9 +11309,7 @@
           <a:lstStyle/>
           <a:p>
             <a:r>
-              <a:rPr lang="en-US" altLang="en-US" b="1" dirty="0">
-                <a:ea typeface="MS Mincho" charset="-128"/>
-              </a:rPr>
+              <a:rPr lang="en-US" altLang="en-US" dirty="0"/>
               <a:t>the present and the absent from you,</a:t>
             </a:r>
           </a:p>
@@ -11829,13 +11360,13 @@
             <a:spLocks noGrp="1" noChangeArrowheads="1"/>
           </p:cNvSpPr>
           <p:nvPr>
-            <p:ph type="ctrTitle"/>
-          </p:nvPr>
-        </p:nvSpPr>
-        <p:spPr>
-          <a:xfrm>
-            <a:off x="623392" y="1443306"/>
-            <a:ext cx="11089926" cy="1323439"/>
+            <p:ph type="title"/>
+          </p:nvPr>
+        </p:nvSpPr>
+        <p:spPr>
+          <a:xfrm>
+            <a:off x="0" y="1219199"/>
+            <a:ext cx="12192000" cy="1143000"/>
           </a:xfrm>
           <a:noFill/>
           <a:ln>
@@ -11881,18 +11412,11 @@
           </a:bodyPr>
           <a:lstStyle/>
           <a:p>
-            <a:pPr rtl="1"/>
-            <a:r>
-              <a:rPr lang="ar-SA" altLang="en-US" sz="8000" dirty="0">
-                <a:latin typeface="Arabic Typesetting" panose="03020402040406030203" pitchFamily="66" charset="-78"/>
-                <a:cs typeface="Arabic Typesetting" panose="03020402040406030203" pitchFamily="66" charset="-78"/>
-              </a:rPr>
+            <a:r>
+              <a:rPr lang="ar-SA" altLang="en-US" dirty="0"/>
               <a:t>وَعَلٰى ظَاهِرِكُمْ وَعَلٰى بَاطِنِكُمْ</a:t>
             </a:r>
-            <a:endParaRPr lang="en-US" altLang="en-US" sz="8000" dirty="0">
-              <a:latin typeface="Arabic Typesetting" panose="03020402040406030203" pitchFamily="66" charset="-78"/>
-              <a:cs typeface="Arabic Typesetting" panose="03020402040406030203" pitchFamily="66" charset="-78"/>
-            </a:endParaRPr>
+            <a:endParaRPr lang="en-US" altLang="en-US" dirty="0"/>
           </a:p>
         </p:txBody>
       </p:sp>
@@ -11903,13 +11427,13 @@
             <a:spLocks noGrp="1" noChangeArrowheads="1"/>
           </p:cNvSpPr>
           <p:nvPr>
-            <p:ph type="subTitle" idx="1"/>
-          </p:nvPr>
-        </p:nvSpPr>
-        <p:spPr>
-          <a:xfrm>
-            <a:off x="1847851" y="3381375"/>
-            <a:ext cx="8424863" cy="584775"/>
+            <p:ph type="body" sz="quarter" idx="10"/>
+          </p:nvPr>
+        </p:nvSpPr>
+        <p:spPr>
+          <a:xfrm>
+            <a:off x="2171700" y="4495801"/>
+            <a:ext cx="7848600" cy="1905000"/>
           </a:xfrm>
           <a:noFill/>
           <a:extLst>
@@ -11933,9 +11457,7 @@
           <a:lstStyle/>
           <a:p>
             <a:r>
-              <a:rPr lang="en-US" altLang="en-US" b="1" dirty="0">
-                <a:ea typeface="MS Mincho" charset="-128"/>
-              </a:rPr>
+              <a:rPr lang="en-US" altLang="en-US" dirty="0"/>
               <a:t>and the apparent and the invisible from you.</a:t>
             </a:r>
           </a:p>
@@ -11986,13 +11508,13 @@
             <a:spLocks noGrp="1" noChangeArrowheads="1"/>
           </p:cNvSpPr>
           <p:nvPr>
-            <p:ph type="ctrTitle"/>
-          </p:nvPr>
-        </p:nvSpPr>
-        <p:spPr>
-          <a:xfrm>
-            <a:off x="623392" y="1443306"/>
-            <a:ext cx="11089926" cy="1323439"/>
+            <p:ph type="title"/>
+          </p:nvPr>
+        </p:nvSpPr>
+        <p:spPr>
+          <a:xfrm>
+            <a:off x="0" y="1219199"/>
+            <a:ext cx="12192000" cy="1143000"/>
           </a:xfrm>
           <a:noFill/>
           <a:ln>
@@ -12038,25 +11560,15 @@
           </a:bodyPr>
           <a:lstStyle/>
           <a:p>
-            <a:pPr rtl="1"/>
-            <a:r>
-              <a:rPr lang="ar-SA" altLang="en-US" sz="8000" dirty="0">
-                <a:latin typeface="Arabic Typesetting" panose="03020402040406030203" pitchFamily="66" charset="-78"/>
-                <a:cs typeface="Arabic Typesetting" panose="03020402040406030203" pitchFamily="66" charset="-78"/>
-              </a:rPr>
+            <a:r>
+              <a:rPr lang="ar-SA" altLang="en-US" dirty="0"/>
               <a:t>بِأَبِي أَنْتَ وَأُمِّي يَا بْنَ رَسُولِ </a:t>
             </a:r>
             <a:r>
-              <a:rPr lang="ar-SA" altLang="en-US" sz="8000" dirty="0" err="1">
-                <a:latin typeface="Arabic Typesetting" panose="03020402040406030203" pitchFamily="66" charset="-78"/>
-                <a:cs typeface="Arabic Typesetting" panose="03020402040406030203" pitchFamily="66" charset="-78"/>
-              </a:rPr>
+              <a:rPr lang="ar-SA" altLang="en-US" dirty="0" err="1"/>
               <a:t>ٱللَّهِ</a:t>
             </a:r>
-            <a:endParaRPr lang="en-US" altLang="en-US" sz="8000" dirty="0">
-              <a:latin typeface="Arabic Typesetting" panose="03020402040406030203" pitchFamily="66" charset="-78"/>
-              <a:cs typeface="Arabic Typesetting" panose="03020402040406030203" pitchFamily="66" charset="-78"/>
-            </a:endParaRPr>
+            <a:endParaRPr lang="en-US" altLang="en-US" dirty="0"/>
           </a:p>
         </p:txBody>
       </p:sp>
@@ -12067,13 +11579,13 @@
             <a:spLocks noGrp="1" noChangeArrowheads="1"/>
           </p:cNvSpPr>
           <p:nvPr>
-            <p:ph type="subTitle" idx="1"/>
-          </p:nvPr>
-        </p:nvSpPr>
-        <p:spPr>
-          <a:xfrm>
-            <a:off x="1847851" y="3381375"/>
-            <a:ext cx="8424863" cy="1077218"/>
+            <p:ph type="body" sz="quarter" idx="10"/>
+          </p:nvPr>
+        </p:nvSpPr>
+        <p:spPr>
+          <a:xfrm>
+            <a:off x="2171700" y="4495801"/>
+            <a:ext cx="7848600" cy="1905000"/>
           </a:xfrm>
           <a:noFill/>
           <a:extLst>
@@ -12097,9 +11609,7 @@
           <a:lstStyle/>
           <a:p>
             <a:r>
-              <a:rPr lang="en-US" altLang="en-US" b="1" dirty="0">
-                <a:ea typeface="MS Mincho" charset="-128"/>
-              </a:rPr>
+              <a:rPr lang="en-US" altLang="en-US" dirty="0"/>
               <a:t>My father and mother be sacrificed for you, O son of the Messenger of Allah!</a:t>
             </a:r>
           </a:p>
@@ -12150,13 +11660,13 @@
             <a:spLocks noGrp="1" noChangeArrowheads="1"/>
           </p:cNvSpPr>
           <p:nvPr>
-            <p:ph type="ctrTitle"/>
-          </p:nvPr>
-        </p:nvSpPr>
-        <p:spPr>
-          <a:xfrm>
-            <a:off x="623392" y="1443306"/>
-            <a:ext cx="11089926" cy="1323439"/>
+            <p:ph type="title"/>
+          </p:nvPr>
+        </p:nvSpPr>
+        <p:spPr>
+          <a:xfrm>
+            <a:off x="0" y="1219199"/>
+            <a:ext cx="12192000" cy="1143000"/>
           </a:xfrm>
           <a:noFill/>
           <a:ln>
@@ -12202,25 +11712,15 @@
           </a:bodyPr>
           <a:lstStyle/>
           <a:p>
-            <a:pPr rtl="1"/>
-            <a:r>
-              <a:rPr lang="ar-SA" altLang="en-US" sz="8000" dirty="0">
-                <a:latin typeface="Arabic Typesetting" panose="03020402040406030203" pitchFamily="66" charset="-78"/>
-                <a:cs typeface="Arabic Typesetting" panose="03020402040406030203" pitchFamily="66" charset="-78"/>
-              </a:rPr>
+            <a:r>
+              <a:rPr lang="ar-SA" altLang="en-US" dirty="0"/>
               <a:t>بِأَبِي أَنْتَ وَأُمِّي يَا أَبَا عَبْدِ </a:t>
             </a:r>
             <a:r>
-              <a:rPr lang="ar-SA" altLang="en-US" sz="8000" dirty="0" err="1">
-                <a:latin typeface="Arabic Typesetting" panose="03020402040406030203" pitchFamily="66" charset="-78"/>
-                <a:cs typeface="Arabic Typesetting" panose="03020402040406030203" pitchFamily="66" charset="-78"/>
-              </a:rPr>
+              <a:rPr lang="ar-SA" altLang="en-US" dirty="0" err="1"/>
               <a:t>ٱللَّهِ</a:t>
             </a:r>
-            <a:endParaRPr lang="en-US" altLang="en-US" sz="8000" dirty="0">
-              <a:latin typeface="Arabic Typesetting" panose="03020402040406030203" pitchFamily="66" charset="-78"/>
-              <a:cs typeface="Arabic Typesetting" panose="03020402040406030203" pitchFamily="66" charset="-78"/>
-            </a:endParaRPr>
+            <a:endParaRPr lang="en-US" altLang="en-US" dirty="0"/>
           </a:p>
         </p:txBody>
       </p:sp>
@@ -12231,13 +11731,13 @@
             <a:spLocks noGrp="1" noChangeArrowheads="1"/>
           </p:cNvSpPr>
           <p:nvPr>
-            <p:ph type="subTitle" idx="1"/>
-          </p:nvPr>
-        </p:nvSpPr>
-        <p:spPr>
-          <a:xfrm>
-            <a:off x="1847851" y="3381375"/>
-            <a:ext cx="8424863" cy="1077218"/>
+            <p:ph type="body" sz="quarter" idx="10"/>
+          </p:nvPr>
+        </p:nvSpPr>
+        <p:spPr>
+          <a:xfrm>
+            <a:off x="2171700" y="4495801"/>
+            <a:ext cx="7848600" cy="1905000"/>
           </a:xfrm>
           <a:noFill/>
           <a:extLst>
@@ -12261,9 +11761,7 @@
           <a:lstStyle/>
           <a:p>
             <a:r>
-              <a:rPr lang="en-US" altLang="en-US" b="1" dirty="0">
-                <a:ea typeface="MS Mincho" charset="-128"/>
-              </a:rPr>
+              <a:rPr lang="en-US" altLang="en-US" dirty="0"/>
               <a:t>My father and mother be sacrificed for you, O Abu `Abdullah!</a:t>
             </a:r>
           </a:p>
@@ -12314,13 +11812,13 @@
             <a:spLocks noGrp="1" noChangeArrowheads="1"/>
           </p:cNvSpPr>
           <p:nvPr>
-            <p:ph type="ctrTitle"/>
-          </p:nvPr>
-        </p:nvSpPr>
-        <p:spPr>
-          <a:xfrm>
-            <a:off x="623392" y="1443306"/>
-            <a:ext cx="11089926" cy="1323439"/>
+            <p:ph type="title"/>
+          </p:nvPr>
+        </p:nvSpPr>
+        <p:spPr>
+          <a:xfrm>
+            <a:off x="0" y="1219199"/>
+            <a:ext cx="12192000" cy="1143000"/>
           </a:xfrm>
           <a:noFill/>
           <a:ln>
@@ -12366,25 +11864,15 @@
           </a:bodyPr>
           <a:lstStyle/>
           <a:p>
-            <a:pPr rtl="1"/>
-            <a:r>
-              <a:rPr lang="ar-SA" altLang="en-US" sz="8000" dirty="0">
-                <a:latin typeface="Arabic Typesetting" panose="03020402040406030203" pitchFamily="66" charset="-78"/>
-                <a:cs typeface="Arabic Typesetting" panose="03020402040406030203" pitchFamily="66" charset="-78"/>
-              </a:rPr>
+            <a:r>
+              <a:rPr lang="ar-SA" altLang="en-US" dirty="0"/>
               <a:t>لَقَدْ عَظُمَتِ </a:t>
             </a:r>
             <a:r>
-              <a:rPr lang="ar-SA" altLang="en-US" sz="8000" dirty="0" err="1">
-                <a:latin typeface="Arabic Typesetting" panose="03020402040406030203" pitchFamily="66" charset="-78"/>
-                <a:cs typeface="Arabic Typesetting" panose="03020402040406030203" pitchFamily="66" charset="-78"/>
-              </a:rPr>
+              <a:rPr lang="ar-SA" altLang="en-US" dirty="0" err="1"/>
               <a:t>ٱلرَّزِيَّةُ</a:t>
             </a:r>
-            <a:endParaRPr lang="en-US" altLang="en-US" sz="8000" dirty="0">
-              <a:latin typeface="Arabic Typesetting" panose="03020402040406030203" pitchFamily="66" charset="-78"/>
-              <a:cs typeface="Arabic Typesetting" panose="03020402040406030203" pitchFamily="66" charset="-78"/>
-            </a:endParaRPr>
+            <a:endParaRPr lang="en-US" altLang="en-US" dirty="0"/>
           </a:p>
         </p:txBody>
       </p:sp>
@@ -12395,13 +11883,13 @@
             <a:spLocks noGrp="1" noChangeArrowheads="1"/>
           </p:cNvSpPr>
           <p:nvPr>
-            <p:ph type="subTitle" idx="1"/>
-          </p:nvPr>
-        </p:nvSpPr>
-        <p:spPr>
-          <a:xfrm>
-            <a:off x="1847851" y="3381375"/>
-            <a:ext cx="8424863" cy="584775"/>
+            <p:ph type="body" sz="quarter" idx="10"/>
+          </p:nvPr>
+        </p:nvSpPr>
+        <p:spPr>
+          <a:xfrm>
+            <a:off x="2171700" y="4495801"/>
+            <a:ext cx="7848600" cy="1905000"/>
           </a:xfrm>
           <a:noFill/>
           <a:extLst>
@@ -12425,9 +11913,7 @@
           <a:lstStyle/>
           <a:p>
             <a:r>
-              <a:rPr lang="en-US" altLang="en-US" b="1" dirty="0">
-                <a:ea typeface="MS Mincho" charset="-128"/>
-              </a:rPr>
+              <a:rPr lang="en-US" altLang="en-US" dirty="0"/>
               <a:t>Extremely terrible was the calamity</a:t>
             </a:r>
           </a:p>
@@ -12478,13 +11964,13 @@
             <a:spLocks noGrp="1" noChangeArrowheads="1"/>
           </p:cNvSpPr>
           <p:nvPr>
-            <p:ph type="ctrTitle"/>
-          </p:nvPr>
-        </p:nvSpPr>
-        <p:spPr>
-          <a:xfrm>
-            <a:off x="1774826" y="1443306"/>
-            <a:ext cx="8569325" cy="1323439"/>
+            <p:ph type="title"/>
+          </p:nvPr>
+        </p:nvSpPr>
+        <p:spPr>
+          <a:xfrm>
+            <a:off x="0" y="1219199"/>
+            <a:ext cx="12192000" cy="1143000"/>
           </a:xfrm>
           <a:noFill/>
           <a:ln>
@@ -12530,25 +12016,15 @@
           </a:bodyPr>
           <a:lstStyle/>
           <a:p>
-            <a:pPr rtl="1"/>
-            <a:r>
-              <a:rPr lang="ar-SA" altLang="en-US" sz="8000" dirty="0">
-                <a:latin typeface="Arabic Typesetting" panose="03020402040406030203" pitchFamily="66" charset="-78"/>
-                <a:cs typeface="Arabic Typesetting" panose="03020402040406030203" pitchFamily="66" charset="-78"/>
-              </a:rPr>
+            <a:r>
+              <a:rPr lang="ar-SA" altLang="en-US" dirty="0"/>
               <a:t>اَلسَّلاَمُ عَلَيْكَ يَا وَارِثَ نُوحٍ نَبِيِّ </a:t>
             </a:r>
             <a:r>
-              <a:rPr lang="ar-SA" altLang="en-US" sz="8000" dirty="0" err="1">
-                <a:latin typeface="Arabic Typesetting" panose="03020402040406030203" pitchFamily="66" charset="-78"/>
-                <a:cs typeface="Arabic Typesetting" panose="03020402040406030203" pitchFamily="66" charset="-78"/>
-              </a:rPr>
+              <a:rPr lang="ar-SA" altLang="en-US" dirty="0" err="1"/>
               <a:t>ٱللَّهِ</a:t>
             </a:r>
-            <a:endParaRPr lang="ar-SA" altLang="en-US" sz="8000" dirty="0">
-              <a:latin typeface="Arabic Typesetting" panose="03020402040406030203" pitchFamily="66" charset="-78"/>
-              <a:cs typeface="Arabic Typesetting" panose="03020402040406030203" pitchFamily="66" charset="-78"/>
-            </a:endParaRPr>
+            <a:endParaRPr lang="ar-SA" altLang="en-US" dirty="0"/>
           </a:p>
         </p:txBody>
       </p:sp>
@@ -12559,13 +12035,13 @@
             <a:spLocks noGrp="1" noChangeArrowheads="1"/>
           </p:cNvSpPr>
           <p:nvPr>
-            <p:ph type="subTitle" idx="1"/>
-          </p:nvPr>
-        </p:nvSpPr>
-        <p:spPr>
-          <a:xfrm>
-            <a:off x="1847851" y="3381375"/>
-            <a:ext cx="8424863" cy="1066800"/>
+            <p:ph type="body" sz="quarter" idx="10"/>
+          </p:nvPr>
+        </p:nvSpPr>
+        <p:spPr>
+          <a:xfrm>
+            <a:off x="2171700" y="4495801"/>
+            <a:ext cx="7848600" cy="1905000"/>
           </a:xfrm>
           <a:noFill/>
           <a:extLst>
@@ -12589,9 +12065,7 @@
           <a:lstStyle/>
           <a:p>
             <a:r>
-              <a:rPr lang="en-US" altLang="en-US" b="1" dirty="0">
-                <a:ea typeface="MS Mincho" charset="-128"/>
-              </a:rPr>
+              <a:rPr lang="en-US" altLang="en-US" dirty="0"/>
               <a:t>Peace be upon you, O inheritor of Noah the prophet of Allah.</a:t>
             </a:r>
           </a:p>
@@ -12642,13 +12116,13 @@
             <a:spLocks noGrp="1" noChangeArrowheads="1"/>
           </p:cNvSpPr>
           <p:nvPr>
-            <p:ph type="ctrTitle"/>
-          </p:nvPr>
-        </p:nvSpPr>
-        <p:spPr>
-          <a:xfrm>
-            <a:off x="623392" y="1443306"/>
-            <a:ext cx="11089926" cy="1323439"/>
+            <p:ph type="title"/>
+          </p:nvPr>
+        </p:nvSpPr>
+        <p:spPr>
+          <a:xfrm>
+            <a:off x="0" y="1219199"/>
+            <a:ext cx="12192000" cy="1143000"/>
           </a:xfrm>
           <a:noFill/>
           <a:ln>
@@ -12694,32 +12168,19 @@
           </a:bodyPr>
           <a:lstStyle/>
           <a:p>
-            <a:pPr rtl="1"/>
-            <a:r>
-              <a:rPr lang="ar-SA" altLang="en-US" sz="8000" dirty="0">
-                <a:latin typeface="Arabic Typesetting" panose="03020402040406030203" pitchFamily="66" charset="-78"/>
-                <a:cs typeface="Arabic Typesetting" panose="03020402040406030203" pitchFamily="66" charset="-78"/>
-              </a:rPr>
+            <a:r>
+              <a:rPr lang="ar-SA" altLang="en-US" dirty="0"/>
               <a:t>وَجَلَّتِ </a:t>
             </a:r>
             <a:r>
-              <a:rPr lang="ar-SA" altLang="en-US" sz="8000" dirty="0" err="1">
-                <a:latin typeface="Arabic Typesetting" panose="03020402040406030203" pitchFamily="66" charset="-78"/>
-                <a:cs typeface="Arabic Typesetting" panose="03020402040406030203" pitchFamily="66" charset="-78"/>
-              </a:rPr>
+              <a:rPr lang="ar-SA" altLang="en-US" dirty="0" err="1"/>
               <a:t>ٱلْمُصيبَةُ</a:t>
             </a:r>
             <a:r>
-              <a:rPr lang="ar-SA" altLang="en-US" sz="8000" dirty="0">
-                <a:latin typeface="Arabic Typesetting" panose="03020402040406030203" pitchFamily="66" charset="-78"/>
-                <a:cs typeface="Arabic Typesetting" panose="03020402040406030203" pitchFamily="66" charset="-78"/>
-              </a:rPr>
+              <a:rPr lang="ar-SA" altLang="en-US" dirty="0"/>
               <a:t> بِكَ عَلَيْنَا</a:t>
             </a:r>
-            <a:endParaRPr lang="en-US" altLang="en-US" sz="8000" dirty="0">
-              <a:latin typeface="Arabic Typesetting" panose="03020402040406030203" pitchFamily="66" charset="-78"/>
-              <a:cs typeface="Arabic Typesetting" panose="03020402040406030203" pitchFamily="66" charset="-78"/>
-            </a:endParaRPr>
+            <a:endParaRPr lang="en-US" altLang="en-US" dirty="0"/>
           </a:p>
         </p:txBody>
       </p:sp>
@@ -12730,13 +12191,13 @@
             <a:spLocks noGrp="1" noChangeArrowheads="1"/>
           </p:cNvSpPr>
           <p:nvPr>
-            <p:ph type="subTitle" idx="1"/>
-          </p:nvPr>
-        </p:nvSpPr>
-        <p:spPr>
-          <a:xfrm>
-            <a:off x="1847851" y="3381375"/>
-            <a:ext cx="8424863" cy="1077218"/>
+            <p:ph type="body" sz="quarter" idx="10"/>
+          </p:nvPr>
+        </p:nvSpPr>
+        <p:spPr>
+          <a:xfrm>
+            <a:off x="2171700" y="4495801"/>
+            <a:ext cx="7848600" cy="1905000"/>
           </a:xfrm>
           <a:noFill/>
           <a:extLst>
@@ -12760,9 +12221,7 @@
           <a:lstStyle/>
           <a:p>
             <a:r>
-              <a:rPr lang="en-US" altLang="en-US" b="1" dirty="0">
-                <a:ea typeface="MS Mincho" charset="-128"/>
-              </a:rPr>
+              <a:rPr lang="en-US" altLang="en-US" dirty="0"/>
               <a:t>and astounding is the misfortune that you suffered upon us</a:t>
             </a:r>
           </a:p>
@@ -12813,13 +12272,13 @@
             <a:spLocks noGrp="1" noChangeArrowheads="1"/>
           </p:cNvSpPr>
           <p:nvPr>
-            <p:ph type="ctrTitle"/>
-          </p:nvPr>
-        </p:nvSpPr>
-        <p:spPr>
-          <a:xfrm>
-            <a:off x="623392" y="1443306"/>
-            <a:ext cx="11089926" cy="1323439"/>
+            <p:ph type="title"/>
+          </p:nvPr>
+        </p:nvSpPr>
+        <p:spPr>
+          <a:xfrm>
+            <a:off x="0" y="1219199"/>
+            <a:ext cx="12192000" cy="1143000"/>
           </a:xfrm>
           <a:noFill/>
           <a:ln>
@@ -12865,39 +12324,23 @@
           </a:bodyPr>
           <a:lstStyle/>
           <a:p>
-            <a:pPr rtl="1"/>
-            <a:r>
-              <a:rPr lang="ar-SA" altLang="en-US" sz="8000" dirty="0">
-                <a:latin typeface="Arabic Typesetting" panose="03020402040406030203" pitchFamily="66" charset="-78"/>
-                <a:cs typeface="Arabic Typesetting" panose="03020402040406030203" pitchFamily="66" charset="-78"/>
-              </a:rPr>
+            <a:r>
+              <a:rPr lang="ar-SA" altLang="en-US" dirty="0"/>
               <a:t>وَعَلٰى جَمِيعِ أَهْلِ </a:t>
             </a:r>
             <a:r>
-              <a:rPr lang="ar-SA" altLang="en-US" sz="8000" dirty="0" err="1">
-                <a:latin typeface="Arabic Typesetting" panose="03020402040406030203" pitchFamily="66" charset="-78"/>
-                <a:cs typeface="Arabic Typesetting" panose="03020402040406030203" pitchFamily="66" charset="-78"/>
-              </a:rPr>
+              <a:rPr lang="ar-SA" altLang="en-US" dirty="0" err="1"/>
               <a:t>ٱلسَّمَاوَاتِ</a:t>
             </a:r>
             <a:r>
-              <a:rPr lang="ar-SA" altLang="en-US" sz="8000" dirty="0">
-                <a:latin typeface="Arabic Typesetting" panose="03020402040406030203" pitchFamily="66" charset="-78"/>
-                <a:cs typeface="Arabic Typesetting" panose="03020402040406030203" pitchFamily="66" charset="-78"/>
-              </a:rPr>
+              <a:rPr lang="ar-SA" altLang="en-US" dirty="0"/>
               <a:t> </a:t>
             </a:r>
             <a:r>
-              <a:rPr lang="ar-SA" altLang="en-US" sz="8000" dirty="0" err="1">
-                <a:latin typeface="Arabic Typesetting" panose="03020402040406030203" pitchFamily="66" charset="-78"/>
-                <a:cs typeface="Arabic Typesetting" panose="03020402040406030203" pitchFamily="66" charset="-78"/>
-              </a:rPr>
+              <a:rPr lang="ar-SA" altLang="en-US" dirty="0" err="1"/>
               <a:t>وَٱلأَرْضِ</a:t>
             </a:r>
-            <a:endParaRPr lang="en-US" altLang="en-US" sz="8000" dirty="0">
-              <a:latin typeface="Arabic Typesetting" panose="03020402040406030203" pitchFamily="66" charset="-78"/>
-              <a:cs typeface="Arabic Typesetting" panose="03020402040406030203" pitchFamily="66" charset="-78"/>
-            </a:endParaRPr>
+            <a:endParaRPr lang="en-US" altLang="en-US" dirty="0"/>
           </a:p>
         </p:txBody>
       </p:sp>
@@ -12908,13 +12351,13 @@
             <a:spLocks noGrp="1" noChangeArrowheads="1"/>
           </p:cNvSpPr>
           <p:nvPr>
-            <p:ph type="subTitle" idx="1"/>
-          </p:nvPr>
-        </p:nvSpPr>
-        <p:spPr>
-          <a:xfrm>
-            <a:off x="1847851" y="3381375"/>
-            <a:ext cx="8424863" cy="1077218"/>
+            <p:ph type="body" sz="quarter" idx="10"/>
+          </p:nvPr>
+        </p:nvSpPr>
+        <p:spPr>
+          <a:xfrm>
+            <a:off x="2171700" y="4495801"/>
+            <a:ext cx="7848600" cy="1905000"/>
           </a:xfrm>
           <a:noFill/>
           <a:extLst>
@@ -12938,9 +12381,7 @@
           <a:lstStyle/>
           <a:p>
             <a:r>
-              <a:rPr lang="en-US" altLang="en-US" b="1" dirty="0">
-                <a:ea typeface="MS Mincho" charset="-128"/>
-              </a:rPr>
+              <a:rPr lang="en-US" altLang="en-US" dirty="0"/>
               <a:t>and upon all the inhabitants of the heavens and the earth.</a:t>
             </a:r>
           </a:p>
@@ -12991,13 +12432,13 @@
             <a:spLocks noGrp="1" noChangeArrowheads="1"/>
           </p:cNvSpPr>
           <p:nvPr>
-            <p:ph type="ctrTitle"/>
-          </p:nvPr>
-        </p:nvSpPr>
-        <p:spPr>
-          <a:xfrm>
-            <a:off x="623392" y="1443306"/>
-            <a:ext cx="11089926" cy="1323439"/>
+            <p:ph type="title"/>
+          </p:nvPr>
+        </p:nvSpPr>
+        <p:spPr>
+          <a:xfrm>
+            <a:off x="0" y="1219199"/>
+            <a:ext cx="12192000" cy="1143000"/>
           </a:xfrm>
           <a:noFill/>
           <a:ln>
@@ -13043,32 +12484,19 @@
           </a:bodyPr>
           <a:lstStyle/>
           <a:p>
-            <a:pPr rtl="1"/>
-            <a:r>
-              <a:rPr lang="ar-SA" altLang="en-US" sz="8000" dirty="0">
-                <a:latin typeface="Arabic Typesetting" panose="03020402040406030203" pitchFamily="66" charset="-78"/>
-                <a:cs typeface="Arabic Typesetting" panose="03020402040406030203" pitchFamily="66" charset="-78"/>
-              </a:rPr>
+            <a:r>
+              <a:rPr lang="ar-SA" altLang="en-US" dirty="0"/>
               <a:t>فَلَعَنَ </a:t>
             </a:r>
             <a:r>
-              <a:rPr lang="ar-SA" altLang="en-US" sz="8000" dirty="0" err="1">
-                <a:latin typeface="Arabic Typesetting" panose="03020402040406030203" pitchFamily="66" charset="-78"/>
-                <a:cs typeface="Arabic Typesetting" panose="03020402040406030203" pitchFamily="66" charset="-78"/>
-              </a:rPr>
+              <a:rPr lang="ar-SA" altLang="en-US" dirty="0" err="1"/>
               <a:t>ٱللَّهُ</a:t>
             </a:r>
             <a:r>
-              <a:rPr lang="ar-SA" altLang="en-US" sz="8000" dirty="0">
-                <a:latin typeface="Arabic Typesetting" panose="03020402040406030203" pitchFamily="66" charset="-78"/>
-                <a:cs typeface="Arabic Typesetting" panose="03020402040406030203" pitchFamily="66" charset="-78"/>
-              </a:rPr>
+              <a:rPr lang="ar-SA" altLang="en-US" dirty="0"/>
               <a:t> أُمَّةً أَسْرَجَتْ وَأَلْجَمَتْ</a:t>
             </a:r>
-            <a:endParaRPr lang="en-US" altLang="en-US" sz="8000" dirty="0">
-              <a:latin typeface="Arabic Typesetting" panose="03020402040406030203" pitchFamily="66" charset="-78"/>
-              <a:cs typeface="Arabic Typesetting" panose="03020402040406030203" pitchFamily="66" charset="-78"/>
-            </a:endParaRPr>
+            <a:endParaRPr lang="en-US" altLang="en-US" dirty="0"/>
           </a:p>
         </p:txBody>
       </p:sp>
@@ -13079,13 +12507,13 @@
             <a:spLocks noGrp="1" noChangeArrowheads="1"/>
           </p:cNvSpPr>
           <p:nvPr>
-            <p:ph type="subTitle" idx="1"/>
-          </p:nvPr>
-        </p:nvSpPr>
-        <p:spPr>
-          <a:xfrm>
-            <a:off x="1847851" y="3381375"/>
-            <a:ext cx="8424863" cy="1077218"/>
+            <p:ph type="body" sz="quarter" idx="10"/>
+          </p:nvPr>
+        </p:nvSpPr>
+        <p:spPr>
+          <a:xfrm>
+            <a:off x="2171700" y="4495801"/>
+            <a:ext cx="7848600" cy="1905000"/>
           </a:xfrm>
           <a:noFill/>
           <a:extLst>
@@ -13109,9 +12537,7 @@
           <a:lstStyle/>
           <a:p>
             <a:r>
-              <a:rPr lang="en-US" altLang="en-US" b="1" dirty="0">
-                <a:ea typeface="MS Mincho" charset="-128"/>
-              </a:rPr>
+              <a:rPr lang="en-US" altLang="en-US" dirty="0"/>
               <a:t>Therefore, Allah may curse the people who saddled up, gave rein to their horses,</a:t>
             </a:r>
           </a:p>
@@ -13162,13 +12588,13 @@
             <a:spLocks noGrp="1" noChangeArrowheads="1"/>
           </p:cNvSpPr>
           <p:nvPr>
-            <p:ph type="ctrTitle"/>
-          </p:nvPr>
-        </p:nvSpPr>
-        <p:spPr>
-          <a:xfrm>
-            <a:off x="623392" y="1443306"/>
-            <a:ext cx="11089926" cy="1323439"/>
+            <p:ph type="title"/>
+          </p:nvPr>
+        </p:nvSpPr>
+        <p:spPr>
+          <a:xfrm>
+            <a:off x="0" y="1219199"/>
+            <a:ext cx="12192000" cy="1143000"/>
           </a:xfrm>
           <a:noFill/>
           <a:ln>
@@ -13214,18 +12640,11 @@
           </a:bodyPr>
           <a:lstStyle/>
           <a:p>
-            <a:pPr rtl="1"/>
-            <a:r>
-              <a:rPr lang="ar-SA" altLang="en-US" sz="8000" dirty="0">
-                <a:latin typeface="Arabic Typesetting" panose="03020402040406030203" pitchFamily="66" charset="-78"/>
-                <a:cs typeface="Arabic Typesetting" panose="03020402040406030203" pitchFamily="66" charset="-78"/>
-              </a:rPr>
+            <a:r>
+              <a:rPr lang="ar-SA" altLang="en-US" dirty="0"/>
               <a:t>وَتَهَيَّأَتْ لِقِتَالِكَ</a:t>
             </a:r>
-            <a:endParaRPr lang="en-US" altLang="en-US" sz="8000" dirty="0">
-              <a:latin typeface="Arabic Typesetting" panose="03020402040406030203" pitchFamily="66" charset="-78"/>
-              <a:cs typeface="Arabic Typesetting" panose="03020402040406030203" pitchFamily="66" charset="-78"/>
-            </a:endParaRPr>
+            <a:endParaRPr lang="en-US" altLang="en-US" dirty="0"/>
           </a:p>
         </p:txBody>
       </p:sp>
@@ -13236,13 +12655,13 @@
             <a:spLocks noGrp="1" noChangeArrowheads="1"/>
           </p:cNvSpPr>
           <p:nvPr>
-            <p:ph type="subTitle" idx="1"/>
-          </p:nvPr>
-        </p:nvSpPr>
-        <p:spPr>
-          <a:xfrm>
-            <a:off x="1847851" y="3381375"/>
-            <a:ext cx="8424863" cy="584775"/>
+            <p:ph type="body" sz="quarter" idx="10"/>
+          </p:nvPr>
+        </p:nvSpPr>
+        <p:spPr>
+          <a:xfrm>
+            <a:off x="2171700" y="4495801"/>
+            <a:ext cx="7848600" cy="1905000"/>
           </a:xfrm>
           <a:noFill/>
           <a:extLst>
@@ -13266,9 +12685,7 @@
           <a:lstStyle/>
           <a:p>
             <a:r>
-              <a:rPr lang="en-US" altLang="en-US" b="1" dirty="0">
-                <a:ea typeface="MS Mincho" charset="-128"/>
-              </a:rPr>
+              <a:rPr lang="en-US" altLang="en-US" dirty="0"/>
               <a:t>and prepared themselves to kill you.</a:t>
             </a:r>
           </a:p>
@@ -13319,13 +12736,13 @@
             <a:spLocks noGrp="1" noChangeArrowheads="1"/>
           </p:cNvSpPr>
           <p:nvPr>
-            <p:ph type="ctrTitle"/>
-          </p:nvPr>
-        </p:nvSpPr>
-        <p:spPr>
-          <a:xfrm>
-            <a:off x="623392" y="1443306"/>
-            <a:ext cx="11089926" cy="1323439"/>
+            <p:ph type="title"/>
+          </p:nvPr>
+        </p:nvSpPr>
+        <p:spPr>
+          <a:xfrm>
+            <a:off x="0" y="1219199"/>
+            <a:ext cx="12192000" cy="1143000"/>
           </a:xfrm>
           <a:noFill/>
           <a:ln>
@@ -13371,25 +12788,15 @@
           </a:bodyPr>
           <a:lstStyle/>
           <a:p>
-            <a:pPr rtl="1"/>
-            <a:r>
-              <a:rPr lang="ar-SA" altLang="en-US" sz="8000" dirty="0">
-                <a:latin typeface="Arabic Typesetting" panose="03020402040406030203" pitchFamily="66" charset="-78"/>
-                <a:cs typeface="Arabic Typesetting" panose="03020402040406030203" pitchFamily="66" charset="-78"/>
-              </a:rPr>
+            <a:r>
+              <a:rPr lang="ar-SA" altLang="en-US" dirty="0"/>
               <a:t>يَا مَوْلاَيَ يَا أَبَا عَبْدِ </a:t>
             </a:r>
             <a:r>
-              <a:rPr lang="ar-SA" altLang="en-US" sz="8000" dirty="0" err="1">
-                <a:latin typeface="Arabic Typesetting" panose="03020402040406030203" pitchFamily="66" charset="-78"/>
-                <a:cs typeface="Arabic Typesetting" panose="03020402040406030203" pitchFamily="66" charset="-78"/>
-              </a:rPr>
+              <a:rPr lang="ar-SA" altLang="en-US" dirty="0" err="1"/>
               <a:t>ٱللَّهِ</a:t>
             </a:r>
-            <a:endParaRPr lang="en-US" altLang="en-US" sz="8000" dirty="0">
-              <a:latin typeface="Arabic Typesetting" panose="03020402040406030203" pitchFamily="66" charset="-78"/>
-              <a:cs typeface="Arabic Typesetting" panose="03020402040406030203" pitchFamily="66" charset="-78"/>
-            </a:endParaRPr>
+            <a:endParaRPr lang="en-US" altLang="en-US" dirty="0"/>
           </a:p>
         </p:txBody>
       </p:sp>
@@ -13400,13 +12807,13 @@
             <a:spLocks noGrp="1" noChangeArrowheads="1"/>
           </p:cNvSpPr>
           <p:nvPr>
-            <p:ph type="subTitle" idx="1"/>
-          </p:nvPr>
-        </p:nvSpPr>
-        <p:spPr>
-          <a:xfrm>
-            <a:off x="1847851" y="3381375"/>
-            <a:ext cx="8424863" cy="584775"/>
+            <p:ph type="body" sz="quarter" idx="10"/>
+          </p:nvPr>
+        </p:nvSpPr>
+        <p:spPr>
+          <a:xfrm>
+            <a:off x="2171700" y="4495801"/>
+            <a:ext cx="7848600" cy="1905000"/>
           </a:xfrm>
           <a:noFill/>
           <a:extLst>
@@ -13430,14 +12837,10 @@
           <a:lstStyle/>
           <a:p>
             <a:r>
-              <a:rPr lang="pl-PL" altLang="en-US" b="1" dirty="0">
-                <a:ea typeface="MS Mincho" charset="-128"/>
-              </a:rPr>
+              <a:rPr lang="pl-PL" altLang="en-US" dirty="0"/>
               <a:t>O my Master, O Abu `Abdullah!</a:t>
             </a:r>
-            <a:endParaRPr lang="en-US" altLang="en-US" b="1" dirty="0">
-              <a:ea typeface="MS Mincho" charset="-128"/>
-            </a:endParaRPr>
+            <a:endParaRPr lang="en-US" altLang="en-US" dirty="0"/>
           </a:p>
         </p:txBody>
       </p:sp>
@@ -13486,13 +12889,13 @@
             <a:spLocks noGrp="1" noChangeArrowheads="1"/>
           </p:cNvSpPr>
           <p:nvPr>
-            <p:ph type="ctrTitle"/>
-          </p:nvPr>
-        </p:nvSpPr>
-        <p:spPr>
-          <a:xfrm>
-            <a:off x="623392" y="1443306"/>
-            <a:ext cx="11089926" cy="1323439"/>
+            <p:ph type="title"/>
+          </p:nvPr>
+        </p:nvSpPr>
+        <p:spPr>
+          <a:xfrm>
+            <a:off x="0" y="1219199"/>
+            <a:ext cx="12192000" cy="1143000"/>
           </a:xfrm>
           <a:noFill/>
           <a:ln>
@@ -13538,18 +12941,11 @@
           </a:bodyPr>
           <a:lstStyle/>
           <a:p>
-            <a:pPr rtl="1"/>
-            <a:r>
-              <a:rPr lang="ar-SA" altLang="en-US" sz="8000" dirty="0">
-                <a:latin typeface="Arabic Typesetting" panose="03020402040406030203" pitchFamily="66" charset="-78"/>
-                <a:cs typeface="Arabic Typesetting" panose="03020402040406030203" pitchFamily="66" charset="-78"/>
-              </a:rPr>
+            <a:r>
+              <a:rPr lang="ar-SA" altLang="en-US" dirty="0"/>
               <a:t>قَصَدْتُ حَرَمَكَ</a:t>
             </a:r>
-            <a:endParaRPr lang="en-US" altLang="en-US" sz="8000" dirty="0">
-              <a:latin typeface="Arabic Typesetting" panose="03020402040406030203" pitchFamily="66" charset="-78"/>
-              <a:cs typeface="Arabic Typesetting" panose="03020402040406030203" pitchFamily="66" charset="-78"/>
-            </a:endParaRPr>
+            <a:endParaRPr lang="en-US" altLang="en-US" dirty="0"/>
           </a:p>
         </p:txBody>
       </p:sp>
@@ -13560,13 +12956,13 @@
             <a:spLocks noGrp="1" noChangeArrowheads="1"/>
           </p:cNvSpPr>
           <p:nvPr>
-            <p:ph type="subTitle" idx="1"/>
-          </p:nvPr>
-        </p:nvSpPr>
-        <p:spPr>
-          <a:xfrm>
-            <a:off x="1847851" y="3381375"/>
-            <a:ext cx="8424863" cy="584775"/>
+            <p:ph type="body" sz="quarter" idx="10"/>
+          </p:nvPr>
+        </p:nvSpPr>
+        <p:spPr>
+          <a:xfrm>
+            <a:off x="2171700" y="4495801"/>
+            <a:ext cx="7848600" cy="1905000"/>
           </a:xfrm>
           <a:noFill/>
           <a:extLst>
@@ -13590,9 +12986,7 @@
           <a:lstStyle/>
           <a:p>
             <a:r>
-              <a:rPr lang="en-US" altLang="en-US" b="1" dirty="0">
-                <a:ea typeface="MS Mincho" charset="-128"/>
-              </a:rPr>
+              <a:rPr lang="en-US" altLang="en-US" dirty="0"/>
               <a:t>I moved towards your sanctuary</a:t>
             </a:r>
           </a:p>
@@ -13643,13 +13037,13 @@
             <a:spLocks noGrp="1" noChangeArrowheads="1"/>
           </p:cNvSpPr>
           <p:nvPr>
-            <p:ph type="ctrTitle"/>
-          </p:nvPr>
-        </p:nvSpPr>
-        <p:spPr>
-          <a:xfrm>
-            <a:off x="623392" y="1443306"/>
-            <a:ext cx="11089926" cy="1323439"/>
+            <p:ph type="title"/>
+          </p:nvPr>
+        </p:nvSpPr>
+        <p:spPr>
+          <a:xfrm>
+            <a:off x="0" y="1219199"/>
+            <a:ext cx="12192000" cy="1143000"/>
           </a:xfrm>
           <a:noFill/>
           <a:ln>
@@ -13695,18 +13089,11 @@
           </a:bodyPr>
           <a:lstStyle/>
           <a:p>
-            <a:pPr rtl="1"/>
-            <a:r>
-              <a:rPr lang="ar-SA" altLang="en-US" sz="8000" dirty="0">
-                <a:latin typeface="Arabic Typesetting" panose="03020402040406030203" pitchFamily="66" charset="-78"/>
-                <a:cs typeface="Arabic Typesetting" panose="03020402040406030203" pitchFamily="66" charset="-78"/>
-              </a:rPr>
+            <a:r>
+              <a:rPr lang="ar-SA" altLang="en-US" dirty="0"/>
               <a:t>وَأَتَيْتُ إِلٰى مَشْهَدِكَ</a:t>
             </a:r>
-            <a:endParaRPr lang="en-US" altLang="en-US" sz="8000" dirty="0">
-              <a:latin typeface="Arabic Typesetting" panose="03020402040406030203" pitchFamily="66" charset="-78"/>
-              <a:cs typeface="Arabic Typesetting" panose="03020402040406030203" pitchFamily="66" charset="-78"/>
-            </a:endParaRPr>
+            <a:endParaRPr lang="en-US" altLang="en-US" dirty="0"/>
           </a:p>
         </p:txBody>
       </p:sp>
@@ -13717,13 +13104,13 @@
             <a:spLocks noGrp="1" noChangeArrowheads="1"/>
           </p:cNvSpPr>
           <p:nvPr>
-            <p:ph type="subTitle" idx="1"/>
-          </p:nvPr>
-        </p:nvSpPr>
-        <p:spPr>
-          <a:xfrm>
-            <a:off x="1847851" y="3381375"/>
-            <a:ext cx="8424863" cy="584775"/>
+            <p:ph type="body" sz="quarter" idx="10"/>
+          </p:nvPr>
+        </p:nvSpPr>
+        <p:spPr>
+          <a:xfrm>
+            <a:off x="2171700" y="4495801"/>
+            <a:ext cx="7848600" cy="1905000"/>
           </a:xfrm>
           <a:noFill/>
           <a:extLst>
@@ -13747,9 +13134,7 @@
           <a:lstStyle/>
           <a:p>
             <a:r>
-              <a:rPr lang="en-US" altLang="en-US" b="1" dirty="0">
-                <a:ea typeface="MS Mincho" charset="-128"/>
-              </a:rPr>
+              <a:rPr lang="en-US" altLang="en-US" dirty="0"/>
               <a:t>and came to your shrine</a:t>
             </a:r>
           </a:p>
@@ -13800,13 +13185,13 @@
             <a:spLocks noGrp="1" noChangeArrowheads="1"/>
           </p:cNvSpPr>
           <p:nvPr>
-            <p:ph type="ctrTitle"/>
-          </p:nvPr>
-        </p:nvSpPr>
-        <p:spPr>
-          <a:xfrm>
-            <a:off x="623392" y="1443306"/>
-            <a:ext cx="11089926" cy="1323439"/>
+            <p:ph type="title"/>
+          </p:nvPr>
+        </p:nvSpPr>
+        <p:spPr>
+          <a:xfrm>
+            <a:off x="0" y="1219199"/>
+            <a:ext cx="12192000" cy="1143000"/>
           </a:xfrm>
           <a:noFill/>
           <a:ln>
@@ -13852,60 +13237,35 @@
           </a:bodyPr>
           <a:lstStyle/>
           <a:p>
-            <a:pPr rtl="1"/>
-            <a:r>
-              <a:rPr lang="ar-SA" altLang="en-US" sz="8000" dirty="0">
-                <a:latin typeface="Arabic Typesetting" panose="03020402040406030203" pitchFamily="66" charset="-78"/>
-                <a:cs typeface="Arabic Typesetting" panose="03020402040406030203" pitchFamily="66" charset="-78"/>
-              </a:rPr>
+            <a:r>
+              <a:rPr lang="ar-SA" altLang="en-US" dirty="0"/>
               <a:t>أَسْأَلُ </a:t>
             </a:r>
             <a:r>
-              <a:rPr lang="ar-SA" altLang="en-US" sz="8000" dirty="0" err="1">
-                <a:latin typeface="Arabic Typesetting" panose="03020402040406030203" pitchFamily="66" charset="-78"/>
-                <a:cs typeface="Arabic Typesetting" panose="03020402040406030203" pitchFamily="66" charset="-78"/>
-              </a:rPr>
+              <a:rPr lang="ar-SA" altLang="en-US" dirty="0" err="1"/>
               <a:t>ٱللَّهَ</a:t>
             </a:r>
             <a:r>
-              <a:rPr lang="ar-SA" altLang="en-US" sz="8000" dirty="0">
-                <a:latin typeface="Arabic Typesetting" panose="03020402040406030203" pitchFamily="66" charset="-78"/>
-                <a:cs typeface="Arabic Typesetting" panose="03020402040406030203" pitchFamily="66" charset="-78"/>
-              </a:rPr>
+              <a:rPr lang="ar-SA" altLang="en-US" dirty="0"/>
               <a:t> </a:t>
             </a:r>
             <a:r>
-              <a:rPr lang="ar-SA" altLang="en-US" sz="8000" dirty="0" err="1">
-                <a:latin typeface="Arabic Typesetting" panose="03020402040406030203" pitchFamily="66" charset="-78"/>
-                <a:cs typeface="Arabic Typesetting" panose="03020402040406030203" pitchFamily="66" charset="-78"/>
-              </a:rPr>
+              <a:rPr lang="ar-SA" altLang="en-US" dirty="0" err="1"/>
               <a:t>بِٱلشَّأْنِ</a:t>
             </a:r>
             <a:r>
-              <a:rPr lang="ar-SA" altLang="en-US" sz="8000" dirty="0">
-                <a:latin typeface="Arabic Typesetting" panose="03020402040406030203" pitchFamily="66" charset="-78"/>
-                <a:cs typeface="Arabic Typesetting" panose="03020402040406030203" pitchFamily="66" charset="-78"/>
-              </a:rPr>
+              <a:rPr lang="ar-SA" altLang="en-US" dirty="0"/>
               <a:t> </a:t>
             </a:r>
             <a:r>
-              <a:rPr lang="ar-SA" altLang="en-US" sz="8000" dirty="0" err="1">
-                <a:latin typeface="Arabic Typesetting" panose="03020402040406030203" pitchFamily="66" charset="-78"/>
-                <a:cs typeface="Arabic Typesetting" panose="03020402040406030203" pitchFamily="66" charset="-78"/>
-              </a:rPr>
+              <a:rPr lang="ar-SA" altLang="en-US" dirty="0" err="1"/>
               <a:t>ٱلَّذِي</a:t>
             </a:r>
             <a:r>
-              <a:rPr lang="ar-SA" altLang="en-US" sz="8000" dirty="0">
-                <a:latin typeface="Arabic Typesetting" panose="03020402040406030203" pitchFamily="66" charset="-78"/>
-                <a:cs typeface="Arabic Typesetting" panose="03020402040406030203" pitchFamily="66" charset="-78"/>
-              </a:rPr>
+              <a:rPr lang="ar-SA" altLang="en-US" dirty="0"/>
               <a:t> لَكَ عِنْدَهُ</a:t>
             </a:r>
-            <a:endParaRPr lang="en-US" altLang="en-US" sz="8000" dirty="0">
-              <a:latin typeface="Arabic Typesetting" panose="03020402040406030203" pitchFamily="66" charset="-78"/>
-              <a:cs typeface="Arabic Typesetting" panose="03020402040406030203" pitchFamily="66" charset="-78"/>
-            </a:endParaRPr>
+            <a:endParaRPr lang="en-US" altLang="en-US" dirty="0"/>
           </a:p>
         </p:txBody>
       </p:sp>
@@ -13916,13 +13276,13 @@
             <a:spLocks noGrp="1" noChangeArrowheads="1"/>
           </p:cNvSpPr>
           <p:nvPr>
-            <p:ph type="subTitle" idx="1"/>
-          </p:nvPr>
-        </p:nvSpPr>
-        <p:spPr>
-          <a:xfrm>
-            <a:off x="1847851" y="3381375"/>
-            <a:ext cx="8424863" cy="1077218"/>
+            <p:ph type="body" sz="quarter" idx="10"/>
+          </p:nvPr>
+        </p:nvSpPr>
+        <p:spPr>
+          <a:xfrm>
+            <a:off x="2171700" y="4495801"/>
+            <a:ext cx="7848600" cy="1905000"/>
           </a:xfrm>
           <a:noFill/>
           <a:extLst>
@@ -13946,9 +13306,7 @@
           <a:lstStyle/>
           <a:p>
             <a:r>
-              <a:rPr lang="en-US" altLang="en-US" b="1" dirty="0">
-                <a:ea typeface="MS Mincho" charset="-128"/>
-              </a:rPr>
+              <a:rPr lang="en-US" altLang="en-US" dirty="0"/>
               <a:t>beseeching Allah in the name of the standing that you enjoy with Him</a:t>
             </a:r>
           </a:p>
@@ -13999,13 +13357,13 @@
             <a:spLocks noGrp="1" noChangeArrowheads="1"/>
           </p:cNvSpPr>
           <p:nvPr>
-            <p:ph type="ctrTitle"/>
-          </p:nvPr>
-        </p:nvSpPr>
-        <p:spPr>
-          <a:xfrm>
-            <a:off x="623392" y="1443306"/>
-            <a:ext cx="11089926" cy="1323439"/>
+            <p:ph type="title"/>
+          </p:nvPr>
+        </p:nvSpPr>
+        <p:spPr>
+          <a:xfrm>
+            <a:off x="0" y="1219199"/>
+            <a:ext cx="12192000" cy="1143000"/>
           </a:xfrm>
           <a:noFill/>
           <a:ln>
@@ -14051,39 +13409,23 @@
           </a:bodyPr>
           <a:lstStyle/>
           <a:p>
-            <a:pPr rtl="1"/>
-            <a:r>
-              <a:rPr lang="ar-SA" altLang="en-US" sz="8000" dirty="0" err="1">
-                <a:latin typeface="Arabic Typesetting" panose="03020402040406030203" pitchFamily="66" charset="-78"/>
-                <a:cs typeface="Arabic Typesetting" panose="03020402040406030203" pitchFamily="66" charset="-78"/>
-              </a:rPr>
+            <a:r>
+              <a:rPr lang="ar-SA" altLang="en-US" dirty="0" err="1"/>
               <a:t>وَبِٱلْمَحَلِّ</a:t>
             </a:r>
             <a:r>
-              <a:rPr lang="ar-SA" altLang="en-US" sz="8000" dirty="0">
-                <a:latin typeface="Arabic Typesetting" panose="03020402040406030203" pitchFamily="66" charset="-78"/>
-                <a:cs typeface="Arabic Typesetting" panose="03020402040406030203" pitchFamily="66" charset="-78"/>
-              </a:rPr>
+              <a:rPr lang="ar-SA" altLang="en-US" dirty="0"/>
               <a:t> </a:t>
             </a:r>
             <a:r>
-              <a:rPr lang="ar-SA" altLang="en-US" sz="8000" dirty="0" err="1">
-                <a:latin typeface="Arabic Typesetting" panose="03020402040406030203" pitchFamily="66" charset="-78"/>
-                <a:cs typeface="Arabic Typesetting" panose="03020402040406030203" pitchFamily="66" charset="-78"/>
-              </a:rPr>
+              <a:rPr lang="ar-SA" altLang="en-US" dirty="0" err="1"/>
               <a:t>ٱلَّذِي</a:t>
             </a:r>
             <a:r>
-              <a:rPr lang="ar-SA" altLang="en-US" sz="8000" dirty="0">
-                <a:latin typeface="Arabic Typesetting" panose="03020402040406030203" pitchFamily="66" charset="-78"/>
-                <a:cs typeface="Arabic Typesetting" panose="03020402040406030203" pitchFamily="66" charset="-78"/>
-              </a:rPr>
+              <a:rPr lang="ar-SA" altLang="en-US" dirty="0"/>
               <a:t> لَكَ لَدَيْهِ</a:t>
             </a:r>
-            <a:endParaRPr lang="en-US" altLang="en-US" sz="8000" dirty="0">
-              <a:latin typeface="Arabic Typesetting" panose="03020402040406030203" pitchFamily="66" charset="-78"/>
-              <a:cs typeface="Arabic Typesetting" panose="03020402040406030203" pitchFamily="66" charset="-78"/>
-            </a:endParaRPr>
+            <a:endParaRPr lang="en-US" altLang="en-US" dirty="0"/>
           </a:p>
         </p:txBody>
       </p:sp>
@@ -14094,13 +13436,13 @@
             <a:spLocks noGrp="1" noChangeArrowheads="1"/>
           </p:cNvSpPr>
           <p:nvPr>
-            <p:ph type="subTitle" idx="1"/>
-          </p:nvPr>
-        </p:nvSpPr>
-        <p:spPr>
-          <a:xfrm>
-            <a:off x="1847851" y="3381375"/>
-            <a:ext cx="8424863" cy="584775"/>
+            <p:ph type="body" sz="quarter" idx="10"/>
+          </p:nvPr>
+        </p:nvSpPr>
+        <p:spPr>
+          <a:xfrm>
+            <a:off x="2171700" y="4495801"/>
+            <a:ext cx="7848600" cy="1905000"/>
           </a:xfrm>
           <a:noFill/>
           <a:extLst>
@@ -14124,9 +13466,7 @@
           <a:lstStyle/>
           <a:p>
             <a:r>
-              <a:rPr lang="en-US" altLang="en-US" b="1" dirty="0">
-                <a:ea typeface="MS Mincho" charset="-128"/>
-              </a:rPr>
+              <a:rPr lang="en-US" altLang="en-US" dirty="0"/>
               <a:t>and the position that you occupy with Him</a:t>
             </a:r>
           </a:p>
@@ -14177,13 +13517,13 @@
             <a:spLocks noGrp="1" noChangeArrowheads="1"/>
           </p:cNvSpPr>
           <p:nvPr>
-            <p:ph type="ctrTitle"/>
-          </p:nvPr>
-        </p:nvSpPr>
-        <p:spPr>
-          <a:xfrm>
-            <a:off x="623392" y="1443306"/>
-            <a:ext cx="11089926" cy="1323439"/>
+            <p:ph type="title"/>
+          </p:nvPr>
+        </p:nvSpPr>
+        <p:spPr>
+          <a:xfrm>
+            <a:off x="0" y="1219199"/>
+            <a:ext cx="12192000" cy="1143000"/>
           </a:xfrm>
           <a:noFill/>
           <a:ln>
@@ -14229,18 +13569,11 @@
           </a:bodyPr>
           <a:lstStyle/>
           <a:p>
-            <a:pPr rtl="1"/>
-            <a:r>
-              <a:rPr lang="ar-SA" altLang="en-US" sz="8000" dirty="0">
-                <a:latin typeface="Arabic Typesetting" panose="03020402040406030203" pitchFamily="66" charset="-78"/>
-                <a:cs typeface="Arabic Typesetting" panose="03020402040406030203" pitchFamily="66" charset="-78"/>
-              </a:rPr>
+            <a:r>
+              <a:rPr lang="ar-SA" altLang="en-US" dirty="0"/>
               <a:t>أَنْ يُصَلِّيَ عَلٰى مُحَمَّدٍ وَآلِ مُحَمَّدٍ</a:t>
             </a:r>
-            <a:endParaRPr lang="en-US" altLang="en-US" sz="8000" dirty="0">
-              <a:latin typeface="Arabic Typesetting" panose="03020402040406030203" pitchFamily="66" charset="-78"/>
-              <a:cs typeface="Arabic Typesetting" panose="03020402040406030203" pitchFamily="66" charset="-78"/>
-            </a:endParaRPr>
+            <a:endParaRPr lang="en-US" altLang="en-US" dirty="0"/>
           </a:p>
         </p:txBody>
       </p:sp>
@@ -14251,13 +13584,13 @@
             <a:spLocks noGrp="1" noChangeArrowheads="1"/>
           </p:cNvSpPr>
           <p:nvPr>
-            <p:ph type="subTitle" idx="1"/>
-          </p:nvPr>
-        </p:nvSpPr>
-        <p:spPr>
-          <a:xfrm>
-            <a:off x="1847851" y="3381375"/>
-            <a:ext cx="8424863" cy="1077218"/>
+            <p:ph type="body" sz="quarter" idx="10"/>
+          </p:nvPr>
+        </p:nvSpPr>
+        <p:spPr>
+          <a:xfrm>
+            <a:off x="2171700" y="4495801"/>
+            <a:ext cx="7848600" cy="1905000"/>
           </a:xfrm>
           <a:noFill/>
           <a:extLst>
@@ -14281,9 +13614,7 @@
           <a:lstStyle/>
           <a:p>
             <a:r>
-              <a:rPr lang="en-US" altLang="en-US" b="1" dirty="0">
-                <a:ea typeface="MS Mincho" charset="-128"/>
-              </a:rPr>
+              <a:rPr lang="en-US" altLang="en-US" dirty="0"/>
               <a:t>to send blessings on Muhammad and on the Household of Muhammad</a:t>
             </a:r>
           </a:p>
@@ -14334,13 +13665,13 @@
             <a:spLocks noGrp="1" noChangeArrowheads="1"/>
           </p:cNvSpPr>
           <p:nvPr>
-            <p:ph type="ctrTitle"/>
-          </p:nvPr>
-        </p:nvSpPr>
-        <p:spPr>
-          <a:xfrm>
-            <a:off x="1487488" y="1443306"/>
-            <a:ext cx="9289726" cy="1323439"/>
+            <p:ph type="title"/>
+          </p:nvPr>
+        </p:nvSpPr>
+        <p:spPr>
+          <a:xfrm>
+            <a:off x="0" y="1219199"/>
+            <a:ext cx="12192000" cy="1143000"/>
           </a:xfrm>
           <a:noFill/>
           <a:ln>
@@ -14386,25 +13717,15 @@
           </a:bodyPr>
           <a:lstStyle/>
           <a:p>
-            <a:pPr rtl="1"/>
-            <a:r>
-              <a:rPr lang="ar-SA" altLang="en-US" sz="8000" dirty="0">
-                <a:latin typeface="Arabic Typesetting" panose="03020402040406030203" pitchFamily="66" charset="-78"/>
-                <a:cs typeface="Arabic Typesetting" panose="03020402040406030203" pitchFamily="66" charset="-78"/>
-              </a:rPr>
+            <a:r>
+              <a:rPr lang="ar-SA" altLang="en-US" dirty="0"/>
               <a:t>اَلسَّلاَمُ عَلَيْكَ يَا وَارِثَ إِبْرَاهِيمَ خَلِيلِ </a:t>
             </a:r>
             <a:r>
-              <a:rPr lang="ar-SA" altLang="en-US" sz="8000" dirty="0" err="1">
-                <a:latin typeface="Arabic Typesetting" panose="03020402040406030203" pitchFamily="66" charset="-78"/>
-                <a:cs typeface="Arabic Typesetting" panose="03020402040406030203" pitchFamily="66" charset="-78"/>
-              </a:rPr>
+              <a:rPr lang="ar-SA" altLang="en-US" dirty="0" err="1"/>
               <a:t>ٱللَّهِ</a:t>
             </a:r>
-            <a:endParaRPr lang="en-US" altLang="en-US" sz="8000" dirty="0">
-              <a:latin typeface="Arabic Typesetting" panose="03020402040406030203" pitchFamily="66" charset="-78"/>
-              <a:cs typeface="Arabic Typesetting" panose="03020402040406030203" pitchFamily="66" charset="-78"/>
-            </a:endParaRPr>
+            <a:endParaRPr lang="en-US" altLang="en-US" dirty="0"/>
           </a:p>
         </p:txBody>
       </p:sp>
@@ -14415,13 +13736,13 @@
             <a:spLocks noGrp="1" noChangeArrowheads="1"/>
           </p:cNvSpPr>
           <p:nvPr>
-            <p:ph type="subTitle" idx="1"/>
-          </p:nvPr>
-        </p:nvSpPr>
-        <p:spPr>
-          <a:xfrm>
-            <a:off x="1847851" y="3381375"/>
-            <a:ext cx="8424863" cy="1066800"/>
+            <p:ph type="body" sz="quarter" idx="10"/>
+          </p:nvPr>
+        </p:nvSpPr>
+        <p:spPr>
+          <a:xfrm>
+            <a:off x="2171700" y="4495801"/>
+            <a:ext cx="7848600" cy="1905000"/>
           </a:xfrm>
           <a:noFill/>
           <a:extLst>
@@ -14445,9 +13766,7 @@
           <a:lstStyle/>
           <a:p>
             <a:r>
-              <a:rPr lang="en-US" altLang="en-US" b="1" dirty="0">
-                <a:ea typeface="MS Mincho" charset="-128"/>
-              </a:rPr>
+              <a:rPr lang="en-US" altLang="en-US" dirty="0"/>
               <a:t>Peace be upon you, O inheritor of Abraham the intimate friend of Allah.</a:t>
             </a:r>
           </a:p>
@@ -14498,13 +13817,13 @@
             <a:spLocks noGrp="1" noChangeArrowheads="1"/>
           </p:cNvSpPr>
           <p:nvPr>
-            <p:ph type="ctrTitle"/>
-          </p:nvPr>
-        </p:nvSpPr>
-        <p:spPr>
-          <a:xfrm>
-            <a:off x="623392" y="1443306"/>
-            <a:ext cx="11089926" cy="1323439"/>
+            <p:ph type="title"/>
+          </p:nvPr>
+        </p:nvSpPr>
+        <p:spPr>
+          <a:xfrm>
+            <a:off x="0" y="1219199"/>
+            <a:ext cx="12192000" cy="1143000"/>
           </a:xfrm>
           <a:noFill/>
           <a:ln>
@@ -14550,39 +13869,23 @@
           </a:bodyPr>
           <a:lstStyle/>
           <a:p>
-            <a:pPr rtl="1"/>
-            <a:r>
-              <a:rPr lang="ar-SA" altLang="en-US" sz="8000" dirty="0">
-                <a:latin typeface="Arabic Typesetting" panose="03020402040406030203" pitchFamily="66" charset="-78"/>
-                <a:cs typeface="Arabic Typesetting" panose="03020402040406030203" pitchFamily="66" charset="-78"/>
-              </a:rPr>
+            <a:r>
+              <a:rPr lang="ar-SA" altLang="en-US" dirty="0"/>
               <a:t>وَأَنْ يَجْعَلَنِي مَعَكُمْ فِي </a:t>
             </a:r>
             <a:r>
-              <a:rPr lang="ar-SA" altLang="en-US" sz="8000" dirty="0" err="1">
-                <a:latin typeface="Arabic Typesetting" panose="03020402040406030203" pitchFamily="66" charset="-78"/>
-                <a:cs typeface="Arabic Typesetting" panose="03020402040406030203" pitchFamily="66" charset="-78"/>
-              </a:rPr>
+              <a:rPr lang="ar-SA" altLang="en-US" dirty="0" err="1"/>
               <a:t>ٱلدُّنْيَا</a:t>
             </a:r>
             <a:r>
-              <a:rPr lang="ar-SA" altLang="en-US" sz="8000" dirty="0">
-                <a:latin typeface="Arabic Typesetting" panose="03020402040406030203" pitchFamily="66" charset="-78"/>
-                <a:cs typeface="Arabic Typesetting" panose="03020402040406030203" pitchFamily="66" charset="-78"/>
-              </a:rPr>
+              <a:rPr lang="ar-SA" altLang="en-US" dirty="0"/>
               <a:t> </a:t>
             </a:r>
             <a:r>
-              <a:rPr lang="ar-SA" altLang="en-US" sz="8000" dirty="0" err="1">
-                <a:latin typeface="Arabic Typesetting" panose="03020402040406030203" pitchFamily="66" charset="-78"/>
-                <a:cs typeface="Arabic Typesetting" panose="03020402040406030203" pitchFamily="66" charset="-78"/>
-              </a:rPr>
+              <a:rPr lang="ar-SA" altLang="en-US" dirty="0" err="1"/>
               <a:t>وَٱلآخِرَةِ</a:t>
             </a:r>
-            <a:endParaRPr lang="en-US" altLang="en-US" sz="8000" dirty="0">
-              <a:latin typeface="Arabic Typesetting" panose="03020402040406030203" pitchFamily="66" charset="-78"/>
-              <a:cs typeface="Arabic Typesetting" panose="03020402040406030203" pitchFamily="66" charset="-78"/>
-            </a:endParaRPr>
+            <a:endParaRPr lang="en-US" altLang="en-US" dirty="0"/>
           </a:p>
         </p:txBody>
       </p:sp>
@@ -14593,13 +13896,13 @@
             <a:spLocks noGrp="1" noChangeArrowheads="1"/>
           </p:cNvSpPr>
           <p:nvPr>
-            <p:ph type="subTitle" idx="1"/>
-          </p:nvPr>
-        </p:nvSpPr>
-        <p:spPr>
-          <a:xfrm>
-            <a:off x="1847851" y="3381375"/>
-            <a:ext cx="8424863" cy="1077218"/>
+            <p:ph type="body" sz="quarter" idx="10"/>
+          </p:nvPr>
+        </p:nvSpPr>
+        <p:spPr>
+          <a:xfrm>
+            <a:off x="2171700" y="4495801"/>
+            <a:ext cx="7848600" cy="1905000"/>
           </a:xfrm>
           <a:noFill/>
           <a:extLst>
@@ -14623,9 +13926,7 @@
           <a:lstStyle/>
           <a:p>
             <a:r>
-              <a:rPr lang="en-US" altLang="en-US" b="1" dirty="0">
-                <a:ea typeface="MS Mincho" charset="-128"/>
-              </a:rPr>
+              <a:rPr lang="en-US" altLang="en-US" dirty="0"/>
               <a:t>and to keep me with you in this world and in the Hereafter.</a:t>
             </a:r>
           </a:p>
@@ -16271,13 +15572,13 @@
             <a:spLocks noGrp="1" noChangeArrowheads="1"/>
           </p:cNvSpPr>
           <p:nvPr>
-            <p:ph type="ctrTitle"/>
-          </p:nvPr>
-        </p:nvSpPr>
-        <p:spPr>
-          <a:xfrm>
-            <a:off x="1774826" y="1443306"/>
-            <a:ext cx="8569325" cy="1323439"/>
+            <p:ph type="title"/>
+          </p:nvPr>
+        </p:nvSpPr>
+        <p:spPr>
+          <a:xfrm>
+            <a:off x="0" y="1219199"/>
+            <a:ext cx="12192000" cy="1143000"/>
           </a:xfrm>
           <a:noFill/>
           <a:ln>
@@ -16323,25 +15624,15 @@
           </a:bodyPr>
           <a:lstStyle/>
           <a:p>
-            <a:pPr rtl="1"/>
-            <a:r>
-              <a:rPr lang="ar-SA" altLang="en-US" sz="8000" dirty="0">
-                <a:latin typeface="Arabic Typesetting" panose="03020402040406030203" pitchFamily="66" charset="-78"/>
-                <a:cs typeface="Arabic Typesetting" panose="03020402040406030203" pitchFamily="66" charset="-78"/>
-              </a:rPr>
+            <a:r>
+              <a:rPr lang="ar-SA" altLang="en-US" dirty="0"/>
               <a:t>اَلسَّلاَمُ عَلَيْكَ يَا وَارِثَ مُوسٰى كَلِيمِ </a:t>
             </a:r>
             <a:r>
-              <a:rPr lang="ar-SA" altLang="en-US" sz="8000" dirty="0" err="1">
-                <a:latin typeface="Arabic Typesetting" panose="03020402040406030203" pitchFamily="66" charset="-78"/>
-                <a:cs typeface="Arabic Typesetting" panose="03020402040406030203" pitchFamily="66" charset="-78"/>
-              </a:rPr>
+              <a:rPr lang="ar-SA" altLang="en-US" dirty="0" err="1"/>
               <a:t>ٱللَّهِ</a:t>
             </a:r>
-            <a:endParaRPr lang="en-US" altLang="en-US" sz="8000" dirty="0">
-              <a:latin typeface="Arabic Typesetting" panose="03020402040406030203" pitchFamily="66" charset="-78"/>
-              <a:cs typeface="Arabic Typesetting" panose="03020402040406030203" pitchFamily="66" charset="-78"/>
-            </a:endParaRPr>
+            <a:endParaRPr lang="en-US" altLang="en-US" dirty="0"/>
           </a:p>
         </p:txBody>
       </p:sp>
@@ -16352,13 +15643,13 @@
             <a:spLocks noGrp="1" noChangeArrowheads="1"/>
           </p:cNvSpPr>
           <p:nvPr>
-            <p:ph type="subTitle" idx="1"/>
-          </p:nvPr>
-        </p:nvSpPr>
-        <p:spPr>
-          <a:xfrm>
-            <a:off x="1847851" y="3381375"/>
-            <a:ext cx="8424863" cy="1066800"/>
+            <p:ph type="body" sz="quarter" idx="10"/>
+          </p:nvPr>
+        </p:nvSpPr>
+        <p:spPr>
+          <a:xfrm>
+            <a:off x="2171700" y="4495801"/>
+            <a:ext cx="7848600" cy="1905000"/>
           </a:xfrm>
           <a:noFill/>
           <a:extLst>
@@ -16382,9 +15673,7 @@
           <a:lstStyle/>
           <a:p>
             <a:r>
-              <a:rPr lang="en-US" altLang="en-US" b="1" dirty="0">
-                <a:ea typeface="MS Mincho" charset="-128"/>
-              </a:rPr>
+              <a:rPr lang="en-US" altLang="en-US" dirty="0"/>
               <a:t>Peace be upon you, O inheritor of Moses the spoken by Allah.</a:t>
             </a:r>
           </a:p>
@@ -17475,13 +16764,13 @@
             <a:spLocks noGrp="1" noChangeArrowheads="1"/>
           </p:cNvSpPr>
           <p:nvPr>
-            <p:ph type="ctrTitle"/>
-          </p:nvPr>
-        </p:nvSpPr>
-        <p:spPr>
-          <a:xfrm>
-            <a:off x="623392" y="1443306"/>
-            <a:ext cx="11089926" cy="1323439"/>
+            <p:ph type="title"/>
+          </p:nvPr>
+        </p:nvSpPr>
+        <p:spPr>
+          <a:xfrm>
+            <a:off x="0" y="1219199"/>
+            <a:ext cx="12192000" cy="1143000"/>
           </a:xfrm>
           <a:noFill/>
           <a:ln>
@@ -17527,32 +16816,19 @@
           </a:bodyPr>
           <a:lstStyle/>
           <a:p>
-            <a:pPr rtl="1"/>
-            <a:r>
-              <a:rPr lang="ar-SA" altLang="en-US" sz="8000" dirty="0">
-                <a:latin typeface="Arabic Typesetting" panose="03020402040406030203" pitchFamily="66" charset="-78"/>
-                <a:cs typeface="Arabic Typesetting" panose="03020402040406030203" pitchFamily="66" charset="-78"/>
-              </a:rPr>
+            <a:r>
+              <a:rPr lang="ar-SA" altLang="en-US" dirty="0"/>
               <a:t>وَأَبْرَأُ إِلٰى </a:t>
             </a:r>
             <a:r>
-              <a:rPr lang="ar-SA" altLang="en-US" sz="8000" dirty="0" err="1">
-                <a:latin typeface="Arabic Typesetting" panose="03020402040406030203" pitchFamily="66" charset="-78"/>
-                <a:cs typeface="Arabic Typesetting" panose="03020402040406030203" pitchFamily="66" charset="-78"/>
-              </a:rPr>
+              <a:rPr lang="ar-SA" altLang="en-US" dirty="0" err="1"/>
               <a:t>ٱللَّهِ</a:t>
             </a:r>
             <a:r>
-              <a:rPr lang="ar-SA" altLang="en-US" sz="8000" dirty="0">
-                <a:latin typeface="Arabic Typesetting" panose="03020402040406030203" pitchFamily="66" charset="-78"/>
-                <a:cs typeface="Arabic Typesetting" panose="03020402040406030203" pitchFamily="66" charset="-78"/>
-              </a:rPr>
+              <a:rPr lang="ar-SA" altLang="en-US" dirty="0"/>
               <a:t> وَإِلَيْكَ مِنْهُمْ</a:t>
             </a:r>
-            <a:endParaRPr lang="en-US" altLang="en-US" sz="8000" dirty="0">
-              <a:latin typeface="Arabic Typesetting" panose="03020402040406030203" pitchFamily="66" charset="-78"/>
-              <a:cs typeface="Arabic Typesetting" panose="03020402040406030203" pitchFamily="66" charset="-78"/>
-            </a:endParaRPr>
+            <a:endParaRPr lang="en-US" altLang="en-US" dirty="0"/>
           </a:p>
         </p:txBody>
       </p:sp>
@@ -17563,13 +16839,13 @@
             <a:spLocks noGrp="1" noChangeArrowheads="1"/>
           </p:cNvSpPr>
           <p:nvPr>
-            <p:ph type="subTitle" idx="1"/>
-          </p:nvPr>
-        </p:nvSpPr>
-        <p:spPr>
-          <a:xfrm>
-            <a:off x="1847851" y="3381375"/>
-            <a:ext cx="8424863" cy="1077218"/>
+            <p:ph type="body" sz="quarter" idx="10"/>
+          </p:nvPr>
+        </p:nvSpPr>
+        <p:spPr>
+          <a:xfrm>
+            <a:off x="2171700" y="4495801"/>
+            <a:ext cx="7848600" cy="1905000"/>
           </a:xfrm>
           <a:noFill/>
           <a:extLst>
@@ -17593,9 +16869,7 @@
           <a:lstStyle/>
           <a:p>
             <a:r>
-              <a:rPr lang="en-US" altLang="en-US" b="1" dirty="0">
-                <a:ea typeface="MS Mincho" charset="-128"/>
-              </a:rPr>
+              <a:rPr lang="en-US" altLang="en-US" dirty="0"/>
               <a:t>and I disavow them in the presence of Allah and You.</a:t>
             </a:r>
           </a:p>
@@ -18137,13 +17411,13 @@
             <a:spLocks noGrp="1" noChangeArrowheads="1"/>
           </p:cNvSpPr>
           <p:nvPr>
-            <p:ph type="ctrTitle"/>
-          </p:nvPr>
-        </p:nvSpPr>
-        <p:spPr>
-          <a:xfrm>
-            <a:off x="1774826" y="1443306"/>
-            <a:ext cx="8569325" cy="1323439"/>
+            <p:ph type="title"/>
+          </p:nvPr>
+        </p:nvSpPr>
+        <p:spPr>
+          <a:xfrm>
+            <a:off x="0" y="1219199"/>
+            <a:ext cx="12192000" cy="1143000"/>
           </a:xfrm>
           <a:noFill/>
           <a:ln>
@@ -18189,25 +17463,15 @@
           </a:bodyPr>
           <a:lstStyle/>
           <a:p>
-            <a:pPr rtl="1"/>
-            <a:r>
-              <a:rPr lang="ar-SA" altLang="en-US" sz="8000" dirty="0">
-                <a:latin typeface="Arabic Typesetting" panose="03020402040406030203" pitchFamily="66" charset="-78"/>
-                <a:cs typeface="Arabic Typesetting" panose="03020402040406030203" pitchFamily="66" charset="-78"/>
-              </a:rPr>
+            <a:r>
+              <a:rPr lang="ar-SA" altLang="en-US" dirty="0"/>
               <a:t>اَلسَّلاَمُ عَلَيْكَ يَا وَارِثَ عِيسٰى رُوحِ </a:t>
             </a:r>
             <a:r>
-              <a:rPr lang="ar-SA" altLang="en-US" sz="8000" dirty="0" err="1">
-                <a:latin typeface="Arabic Typesetting" panose="03020402040406030203" pitchFamily="66" charset="-78"/>
-                <a:cs typeface="Arabic Typesetting" panose="03020402040406030203" pitchFamily="66" charset="-78"/>
-              </a:rPr>
+              <a:rPr lang="ar-SA" altLang="en-US" dirty="0" err="1"/>
               <a:t>ٱللَّهِ</a:t>
             </a:r>
-            <a:endParaRPr lang="en-US" altLang="en-US" sz="8000" dirty="0">
-              <a:latin typeface="Arabic Typesetting" panose="03020402040406030203" pitchFamily="66" charset="-78"/>
-              <a:cs typeface="Arabic Typesetting" panose="03020402040406030203" pitchFamily="66" charset="-78"/>
-            </a:endParaRPr>
+            <a:endParaRPr lang="en-US" altLang="en-US" dirty="0"/>
           </a:p>
         </p:txBody>
       </p:sp>
@@ -18218,13 +17482,13 @@
             <a:spLocks noGrp="1" noChangeArrowheads="1"/>
           </p:cNvSpPr>
           <p:nvPr>
-            <p:ph type="subTitle" idx="1"/>
-          </p:nvPr>
-        </p:nvSpPr>
-        <p:spPr>
-          <a:xfrm>
-            <a:off x="1847851" y="3381375"/>
-            <a:ext cx="8424863" cy="1066800"/>
+            <p:ph type="body" sz="quarter" idx="10"/>
+          </p:nvPr>
+        </p:nvSpPr>
+        <p:spPr>
+          <a:xfrm>
+            <a:off x="2171700" y="4495801"/>
+            <a:ext cx="7848600" cy="1905000"/>
           </a:xfrm>
           <a:noFill/>
           <a:extLst>
@@ -18248,9 +17512,7 @@
           <a:lstStyle/>
           <a:p>
             <a:r>
-              <a:rPr lang="en-US" altLang="en-US" b="1" dirty="0">
-                <a:ea typeface="MS Mincho" charset="-128"/>
-              </a:rPr>
+              <a:rPr lang="en-US" altLang="en-US" dirty="0"/>
               <a:t>Peace be upon you, O inheritor of Jesus the spirit of Allah.</a:t>
             </a:r>
           </a:p>
@@ -19955,13 +19217,13 @@
             <a:spLocks noGrp="1" noChangeArrowheads="1"/>
           </p:cNvSpPr>
           <p:nvPr>
-            <p:ph type="ctrTitle"/>
-          </p:nvPr>
-        </p:nvSpPr>
-        <p:spPr>
-          <a:xfrm>
-            <a:off x="1558579" y="1484784"/>
-            <a:ext cx="9217718" cy="1323439"/>
+            <p:ph type="title"/>
+          </p:nvPr>
+        </p:nvSpPr>
+        <p:spPr>
+          <a:xfrm>
+            <a:off x="0" y="1219199"/>
+            <a:ext cx="12192000" cy="1143000"/>
           </a:xfrm>
           <a:noFill/>
           <a:ln>
@@ -20007,25 +19269,15 @@
           </a:bodyPr>
           <a:lstStyle/>
           <a:p>
-            <a:pPr rtl="1"/>
-            <a:r>
-              <a:rPr lang="ar-SA" altLang="en-US" sz="8000" dirty="0">
-                <a:latin typeface="Arabic Typesetting" panose="03020402040406030203" pitchFamily="66" charset="-78"/>
-                <a:cs typeface="Arabic Typesetting" panose="03020402040406030203" pitchFamily="66" charset="-78"/>
-              </a:rPr>
+            <a:r>
+              <a:rPr lang="ar-SA" altLang="en-US" dirty="0"/>
               <a:t>اَلسَّلاَمُ عَلَيْكَ يَا وَارِثَ مُحَمَّدٍ حَبِيبِ </a:t>
             </a:r>
             <a:r>
-              <a:rPr lang="ar-SA" altLang="en-US" sz="8000" dirty="0" err="1">
-                <a:latin typeface="Arabic Typesetting" panose="03020402040406030203" pitchFamily="66" charset="-78"/>
-                <a:cs typeface="Arabic Typesetting" panose="03020402040406030203" pitchFamily="66" charset="-78"/>
-              </a:rPr>
+              <a:rPr lang="ar-SA" altLang="en-US" dirty="0" err="1"/>
               <a:t>ٱللَّهِ</a:t>
             </a:r>
-            <a:endParaRPr lang="en-US" altLang="en-US" sz="8000" dirty="0">
-              <a:latin typeface="Arabic Typesetting" panose="03020402040406030203" pitchFamily="66" charset="-78"/>
-              <a:cs typeface="Arabic Typesetting" panose="03020402040406030203" pitchFamily="66" charset="-78"/>
-            </a:endParaRPr>
+            <a:endParaRPr lang="en-US" altLang="en-US" dirty="0"/>
           </a:p>
         </p:txBody>
       </p:sp>
@@ -20036,13 +19288,13 @@
             <a:spLocks noGrp="1" noChangeArrowheads="1"/>
           </p:cNvSpPr>
           <p:nvPr>
-            <p:ph type="subTitle" idx="1"/>
-          </p:nvPr>
-        </p:nvSpPr>
-        <p:spPr>
-          <a:xfrm>
-            <a:off x="1847851" y="3381375"/>
-            <a:ext cx="8424863" cy="1066800"/>
+            <p:ph type="body" sz="quarter" idx="10"/>
+          </p:nvPr>
+        </p:nvSpPr>
+        <p:spPr>
+          <a:xfrm>
+            <a:off x="2171700" y="4495801"/>
+            <a:ext cx="7848600" cy="1905000"/>
           </a:xfrm>
           <a:noFill/>
           <a:extLst>
@@ -20066,9 +19318,7 @@
           <a:lstStyle/>
           <a:p>
             <a:r>
-              <a:rPr lang="en-US" altLang="en-US" b="1" dirty="0">
-                <a:ea typeface="MS Mincho" charset="-128"/>
-              </a:rPr>
+              <a:rPr lang="en-US" altLang="en-US" dirty="0"/>
               <a:t>Peace be upon you, O inheritor of Muhammad the most beloved by Allah.</a:t>
             </a:r>
           </a:p>
@@ -20119,13 +19369,13 @@
             <a:spLocks noGrp="1" noChangeArrowheads="1"/>
           </p:cNvSpPr>
           <p:nvPr>
-            <p:ph type="ctrTitle"/>
-          </p:nvPr>
-        </p:nvSpPr>
-        <p:spPr>
-          <a:xfrm>
-            <a:off x="623392" y="1443306"/>
-            <a:ext cx="11089926" cy="1323439"/>
+            <p:ph type="title"/>
+          </p:nvPr>
+        </p:nvSpPr>
+        <p:spPr>
+          <a:xfrm>
+            <a:off x="0" y="1219199"/>
+            <a:ext cx="12192000" cy="1143000"/>
           </a:xfrm>
           <a:noFill/>
           <a:ln>
@@ -20171,18 +19421,11 @@
           </a:bodyPr>
           <a:lstStyle/>
           <a:p>
-            <a:pPr rtl="1"/>
-            <a:r>
-              <a:rPr lang="ar-SA" altLang="en-US" sz="8000" dirty="0">
-                <a:latin typeface="Arabic Typesetting" panose="03020402040406030203" pitchFamily="66" charset="-78"/>
-                <a:cs typeface="Arabic Typesetting" panose="03020402040406030203" pitchFamily="66" charset="-78"/>
-              </a:rPr>
+            <a:r>
+              <a:rPr lang="ar-SA" altLang="en-US" dirty="0"/>
               <a:t>فَيَا لَيْتَنِي كُنْتُ مَعَكُمْ فَأَفُوزَ مَعَكُمْ</a:t>
             </a:r>
-            <a:endParaRPr lang="en-US" altLang="en-US" sz="8000" dirty="0">
-              <a:latin typeface="Arabic Typesetting" panose="03020402040406030203" pitchFamily="66" charset="-78"/>
-              <a:cs typeface="Arabic Typesetting" panose="03020402040406030203" pitchFamily="66" charset="-78"/>
-            </a:endParaRPr>
+            <a:endParaRPr lang="en-US" altLang="en-US" dirty="0"/>
           </a:p>
         </p:txBody>
       </p:sp>
@@ -20193,13 +19436,13 @@
             <a:spLocks noGrp="1" noChangeArrowheads="1"/>
           </p:cNvSpPr>
           <p:nvPr>
-            <p:ph type="subTitle" idx="1"/>
-          </p:nvPr>
-        </p:nvSpPr>
-        <p:spPr>
-          <a:xfrm>
-            <a:off x="1847851" y="3381375"/>
-            <a:ext cx="8424863" cy="1077218"/>
+            <p:ph type="body" sz="quarter" idx="10"/>
+          </p:nvPr>
+        </p:nvSpPr>
+        <p:spPr>
+          <a:xfrm>
+            <a:off x="2171700" y="4495801"/>
+            <a:ext cx="7848600" cy="1905000"/>
           </a:xfrm>
           <a:noFill/>
           <a:extLst>
@@ -20223,9 +19466,7 @@
           <a:lstStyle/>
           <a:p>
             <a:r>
-              <a:rPr lang="en-US" altLang="en-US" b="1" dirty="0">
-                <a:ea typeface="MS Mincho" charset="-128"/>
-              </a:rPr>
+              <a:rPr lang="en-US" altLang="en-US" dirty="0"/>
               <a:t>Would that I were with you so that I could also share the accomplishment with you.</a:t>
             </a:r>
           </a:p>
@@ -20469,13 +19710,13 @@
             <a:spLocks noGrp="1" noChangeArrowheads="1"/>
           </p:cNvSpPr>
           <p:nvPr>
-            <p:ph type="ctrTitle"/>
-          </p:nvPr>
-        </p:nvSpPr>
-        <p:spPr>
-          <a:xfrm>
-            <a:off x="623392" y="1443306"/>
-            <a:ext cx="11089926" cy="1323439"/>
+            <p:ph type="title"/>
+          </p:nvPr>
+        </p:nvSpPr>
+        <p:spPr>
+          <a:xfrm>
+            <a:off x="0" y="1219199"/>
+            <a:ext cx="12192000" cy="1143000"/>
           </a:xfrm>
           <a:noFill/>
           <a:ln>
@@ -20521,39 +19762,23 @@
           </a:bodyPr>
           <a:lstStyle/>
           <a:p>
-            <a:pPr rtl="1"/>
-            <a:r>
-              <a:rPr lang="ar-SA" altLang="en-US" sz="8000" dirty="0">
-                <a:latin typeface="Arabic Typesetting" panose="03020402040406030203" pitchFamily="66" charset="-78"/>
-                <a:cs typeface="Arabic Typesetting" panose="03020402040406030203" pitchFamily="66" charset="-78"/>
-              </a:rPr>
+            <a:r>
+              <a:rPr lang="ar-SA" altLang="en-US" dirty="0"/>
               <a:t>اَلسَّلاَمُ عَلَيْكَ يَا </a:t>
             </a:r>
             <a:r>
-              <a:rPr lang="ar-SA" altLang="en-US" sz="8000" dirty="0" err="1">
-                <a:latin typeface="Arabic Typesetting" panose="03020402040406030203" pitchFamily="66" charset="-78"/>
-                <a:cs typeface="Arabic Typesetting" panose="03020402040406030203" pitchFamily="66" charset="-78"/>
-              </a:rPr>
+              <a:rPr lang="ar-SA" altLang="en-US" dirty="0" err="1"/>
               <a:t>ٱبْنَ</a:t>
             </a:r>
             <a:r>
-              <a:rPr lang="ar-SA" altLang="en-US" sz="8000" dirty="0">
-                <a:latin typeface="Arabic Typesetting" panose="03020402040406030203" pitchFamily="66" charset="-78"/>
-                <a:cs typeface="Arabic Typesetting" panose="03020402040406030203" pitchFamily="66" charset="-78"/>
-              </a:rPr>
+              <a:rPr lang="ar-SA" altLang="en-US" dirty="0"/>
               <a:t> امِيرِ </a:t>
             </a:r>
             <a:r>
-              <a:rPr lang="ar-SA" altLang="en-US" sz="8000" dirty="0" err="1">
-                <a:latin typeface="Arabic Typesetting" panose="03020402040406030203" pitchFamily="66" charset="-78"/>
-                <a:cs typeface="Arabic Typesetting" panose="03020402040406030203" pitchFamily="66" charset="-78"/>
-              </a:rPr>
+              <a:rPr lang="ar-SA" altLang="en-US" dirty="0" err="1"/>
               <a:t>ٱلْمُؤْمِنِينَ</a:t>
             </a:r>
-            <a:endParaRPr lang="en-US" altLang="en-US" sz="8000" dirty="0">
-              <a:latin typeface="Arabic Typesetting" panose="03020402040406030203" pitchFamily="66" charset="-78"/>
-              <a:cs typeface="Arabic Typesetting" panose="03020402040406030203" pitchFamily="66" charset="-78"/>
-            </a:endParaRPr>
+            <a:endParaRPr lang="en-US" altLang="en-US" dirty="0"/>
           </a:p>
         </p:txBody>
       </p:sp>
@@ -20564,13 +19789,13 @@
             <a:spLocks noGrp="1" noChangeArrowheads="1"/>
           </p:cNvSpPr>
           <p:nvPr>
-            <p:ph type="subTitle" idx="1"/>
-          </p:nvPr>
-        </p:nvSpPr>
-        <p:spPr>
-          <a:xfrm>
-            <a:off x="1847851" y="3381375"/>
-            <a:ext cx="8424863" cy="1077218"/>
+            <p:ph type="body" sz="quarter" idx="10"/>
+          </p:nvPr>
+        </p:nvSpPr>
+        <p:spPr>
+          <a:xfrm>
+            <a:off x="2171700" y="4495801"/>
+            <a:ext cx="7848600" cy="1905000"/>
           </a:xfrm>
           <a:noFill/>
           <a:extLst>
@@ -20594,9 +19819,7 @@
           <a:lstStyle/>
           <a:p>
             <a:r>
-              <a:rPr lang="en-US" altLang="en-US" b="1" dirty="0">
-                <a:ea typeface="MS Mincho" charset="-128"/>
-              </a:rPr>
+              <a:rPr lang="en-US" altLang="en-US" dirty="0"/>
               <a:t>Peace be upon you, O son of the Commander of the Faithful.</a:t>
             </a:r>
           </a:p>
@@ -20647,13 +19870,13 @@
             <a:spLocks noGrp="1" noChangeArrowheads="1"/>
           </p:cNvSpPr>
           <p:nvPr>
-            <p:ph type="ctrTitle"/>
-          </p:nvPr>
-        </p:nvSpPr>
-        <p:spPr>
-          <a:xfrm>
-            <a:off x="623392" y="1443306"/>
-            <a:ext cx="11089926" cy="1323439"/>
+            <p:ph type="title"/>
+          </p:nvPr>
+        </p:nvSpPr>
+        <p:spPr>
+          <a:xfrm>
+            <a:off x="0" y="1219199"/>
+            <a:ext cx="12192000" cy="1143000"/>
           </a:xfrm>
           <a:noFill/>
           <a:ln>
@@ -20699,39 +19922,23 @@
           </a:bodyPr>
           <a:lstStyle/>
           <a:p>
-            <a:pPr rtl="1"/>
-            <a:r>
-              <a:rPr lang="ar-SA" altLang="en-US" sz="8000" dirty="0">
-                <a:latin typeface="Arabic Typesetting" panose="03020402040406030203" pitchFamily="66" charset="-78"/>
-                <a:cs typeface="Arabic Typesetting" panose="03020402040406030203" pitchFamily="66" charset="-78"/>
-              </a:rPr>
+            <a:r>
+              <a:rPr lang="ar-SA" altLang="en-US" dirty="0"/>
               <a:t>اَلسَّلاَمُ عَلَيْكَ ايُّهَا </a:t>
             </a:r>
             <a:r>
-              <a:rPr lang="ar-SA" altLang="en-US" sz="8000" dirty="0" err="1">
-                <a:latin typeface="Arabic Typesetting" panose="03020402040406030203" pitchFamily="66" charset="-78"/>
-                <a:cs typeface="Arabic Typesetting" panose="03020402040406030203" pitchFamily="66" charset="-78"/>
-              </a:rPr>
+              <a:rPr lang="ar-SA" altLang="en-US" dirty="0" err="1"/>
               <a:t>ٱلْعَبْدُ</a:t>
             </a:r>
             <a:r>
-              <a:rPr lang="ar-SA" altLang="en-US" sz="8000" dirty="0">
-                <a:latin typeface="Arabic Typesetting" panose="03020402040406030203" pitchFamily="66" charset="-78"/>
-                <a:cs typeface="Arabic Typesetting" panose="03020402040406030203" pitchFamily="66" charset="-78"/>
-              </a:rPr>
+              <a:rPr lang="ar-SA" altLang="en-US" dirty="0"/>
               <a:t> </a:t>
             </a:r>
             <a:r>
-              <a:rPr lang="ar-SA" altLang="en-US" sz="8000" dirty="0" err="1">
-                <a:latin typeface="Arabic Typesetting" panose="03020402040406030203" pitchFamily="66" charset="-78"/>
-                <a:cs typeface="Arabic Typesetting" panose="03020402040406030203" pitchFamily="66" charset="-78"/>
-              </a:rPr>
+              <a:rPr lang="ar-SA" altLang="en-US" dirty="0" err="1"/>
               <a:t>ٱلصَّالِحُ</a:t>
             </a:r>
-            <a:endParaRPr lang="en-US" altLang="en-US" sz="8000" dirty="0">
-              <a:latin typeface="Arabic Typesetting" panose="03020402040406030203" pitchFamily="66" charset="-78"/>
-              <a:cs typeface="Arabic Typesetting" panose="03020402040406030203" pitchFamily="66" charset="-78"/>
-            </a:endParaRPr>
+            <a:endParaRPr lang="en-US" altLang="en-US" dirty="0"/>
           </a:p>
         </p:txBody>
       </p:sp>
@@ -20742,13 +19949,13 @@
             <a:spLocks noGrp="1" noChangeArrowheads="1"/>
           </p:cNvSpPr>
           <p:nvPr>
-            <p:ph type="subTitle" idx="1"/>
-          </p:nvPr>
-        </p:nvSpPr>
-        <p:spPr>
-          <a:xfrm>
-            <a:off x="1847851" y="3381375"/>
-            <a:ext cx="8424863" cy="584775"/>
+            <p:ph type="body" sz="quarter" idx="10"/>
+          </p:nvPr>
+        </p:nvSpPr>
+        <p:spPr>
+          <a:xfrm>
+            <a:off x="2171700" y="4495801"/>
+            <a:ext cx="7848600" cy="1905000"/>
           </a:xfrm>
           <a:noFill/>
           <a:extLst>
@@ -20772,9 +19979,7 @@
           <a:lstStyle/>
           <a:p>
             <a:r>
-              <a:rPr lang="en-US" altLang="en-US" b="1" dirty="0">
-                <a:ea typeface="MS Mincho" charset="-128"/>
-              </a:rPr>
+              <a:rPr lang="en-US" altLang="en-US" dirty="0"/>
               <a:t>Peace be upon you, O righteous servant (of Allah)</a:t>
             </a:r>
           </a:p>
@@ -20825,13 +20030,13 @@
             <a:spLocks noGrp="1" noChangeArrowheads="1"/>
           </p:cNvSpPr>
           <p:nvPr>
-            <p:ph type="ctrTitle"/>
-          </p:nvPr>
-        </p:nvSpPr>
-        <p:spPr>
-          <a:xfrm>
-            <a:off x="623392" y="1443306"/>
-            <a:ext cx="11089926" cy="1323439"/>
+            <p:ph type="title"/>
+          </p:nvPr>
+        </p:nvSpPr>
+        <p:spPr>
+          <a:xfrm>
+            <a:off x="0" y="1219199"/>
+            <a:ext cx="12192000" cy="1143000"/>
           </a:xfrm>
           <a:noFill/>
           <a:ln>
@@ -20877,25 +20082,15 @@
           </a:bodyPr>
           <a:lstStyle/>
           <a:p>
-            <a:pPr rtl="1"/>
-            <a:r>
-              <a:rPr lang="ar-SA" altLang="en-US" sz="8000" dirty="0" err="1">
-                <a:latin typeface="Arabic Typesetting" panose="03020402040406030203" pitchFamily="66" charset="-78"/>
-                <a:cs typeface="Arabic Typesetting" panose="03020402040406030203" pitchFamily="66" charset="-78"/>
-              </a:rPr>
+            <a:r>
+              <a:rPr lang="ar-SA" altLang="en-US" dirty="0" err="1"/>
               <a:t>ٱلْمُطِيعُ</a:t>
             </a:r>
             <a:r>
-              <a:rPr lang="ar-SA" altLang="en-US" sz="8000" dirty="0">
-                <a:latin typeface="Arabic Typesetting" panose="03020402040406030203" pitchFamily="66" charset="-78"/>
-                <a:cs typeface="Arabic Typesetting" panose="03020402040406030203" pitchFamily="66" charset="-78"/>
-              </a:rPr>
+              <a:rPr lang="ar-SA" altLang="en-US" dirty="0"/>
               <a:t> لِلَّهِ وَلِرَسُولِهِ</a:t>
             </a:r>
-            <a:endParaRPr lang="en-US" altLang="en-US" sz="8000" dirty="0">
-              <a:latin typeface="Arabic Typesetting" panose="03020402040406030203" pitchFamily="66" charset="-78"/>
-              <a:cs typeface="Arabic Typesetting" panose="03020402040406030203" pitchFamily="66" charset="-78"/>
-            </a:endParaRPr>
+            <a:endParaRPr lang="en-US" altLang="en-US" dirty="0"/>
           </a:p>
         </p:txBody>
       </p:sp>
@@ -20906,13 +20101,13 @@
             <a:spLocks noGrp="1" noChangeArrowheads="1"/>
           </p:cNvSpPr>
           <p:nvPr>
-            <p:ph type="subTitle" idx="1"/>
-          </p:nvPr>
-        </p:nvSpPr>
-        <p:spPr>
-          <a:xfrm>
-            <a:off x="1847851" y="3381375"/>
-            <a:ext cx="8424863" cy="584775"/>
+            <p:ph type="body" sz="quarter" idx="10"/>
+          </p:nvPr>
+        </p:nvSpPr>
+        <p:spPr>
+          <a:xfrm>
+            <a:off x="2171700" y="4495801"/>
+            <a:ext cx="7848600" cy="1905000"/>
           </a:xfrm>
           <a:noFill/>
           <a:extLst>
@@ -20936,9 +20131,7 @@
           <a:lstStyle/>
           <a:p>
             <a:r>
-              <a:rPr lang="en-US" altLang="en-US" b="1" dirty="0">
-                <a:ea typeface="MS Mincho" charset="-128"/>
-              </a:rPr>
+              <a:rPr lang="en-US" altLang="en-US" dirty="0"/>
               <a:t>and obedient to Allah and to His Messenger.</a:t>
             </a:r>
           </a:p>
@@ -20989,13 +20182,13 @@
             <a:spLocks noGrp="1" noChangeArrowheads="1"/>
           </p:cNvSpPr>
           <p:nvPr>
-            <p:ph type="ctrTitle"/>
-          </p:nvPr>
-        </p:nvSpPr>
-        <p:spPr>
-          <a:xfrm>
-            <a:off x="623392" y="1443306"/>
-            <a:ext cx="11089926" cy="1323439"/>
+            <p:ph type="title"/>
+          </p:nvPr>
+        </p:nvSpPr>
+        <p:spPr>
+          <a:xfrm>
+            <a:off x="0" y="1219199"/>
+            <a:ext cx="12192000" cy="1143000"/>
           </a:xfrm>
           <a:noFill/>
           <a:ln>
@@ -21041,18 +20234,11 @@
           </a:bodyPr>
           <a:lstStyle/>
           <a:p>
-            <a:pPr rtl="1"/>
-            <a:r>
-              <a:rPr lang="ar-SA" altLang="en-US" sz="8000" dirty="0">
-                <a:latin typeface="Arabic Typesetting" panose="03020402040406030203" pitchFamily="66" charset="-78"/>
-                <a:cs typeface="Arabic Typesetting" panose="03020402040406030203" pitchFamily="66" charset="-78"/>
-              </a:rPr>
+            <a:r>
+              <a:rPr lang="ar-SA" altLang="en-US" dirty="0"/>
               <a:t>اشْهَدُ انَّكَ قَدْ جَاهَدْتَ وَنَصَحْتَ</a:t>
             </a:r>
-            <a:endParaRPr lang="en-US" altLang="en-US" sz="8000" dirty="0">
-              <a:latin typeface="Arabic Typesetting" panose="03020402040406030203" pitchFamily="66" charset="-78"/>
-              <a:cs typeface="Arabic Typesetting" panose="03020402040406030203" pitchFamily="66" charset="-78"/>
-            </a:endParaRPr>
+            <a:endParaRPr lang="en-US" altLang="en-US" dirty="0"/>
           </a:p>
         </p:txBody>
       </p:sp>
@@ -21063,13 +20249,13 @@
             <a:spLocks noGrp="1" noChangeArrowheads="1"/>
           </p:cNvSpPr>
           <p:nvPr>
-            <p:ph type="subTitle" idx="1"/>
-          </p:nvPr>
-        </p:nvSpPr>
-        <p:spPr>
-          <a:xfrm>
-            <a:off x="1847851" y="3381375"/>
-            <a:ext cx="8424863" cy="1077218"/>
+            <p:ph type="body" sz="quarter" idx="10"/>
+          </p:nvPr>
+        </p:nvSpPr>
+        <p:spPr>
+          <a:xfrm>
+            <a:off x="2171700" y="4495801"/>
+            <a:ext cx="7848600" cy="1905000"/>
           </a:xfrm>
           <a:noFill/>
           <a:extLst>
@@ -21093,9 +20279,7 @@
           <a:lstStyle/>
           <a:p>
             <a:r>
-              <a:rPr lang="en-US" altLang="en-US" b="1" dirty="0">
-                <a:ea typeface="MS Mincho" charset="-128"/>
-              </a:rPr>
+              <a:rPr lang="en-US" altLang="en-US" dirty="0"/>
               <a:t>I bear witness that you strove (in the way of Allah), acted sincerely,</a:t>
             </a:r>
           </a:p>
@@ -21146,13 +20330,13 @@
             <a:spLocks noGrp="1" noChangeArrowheads="1"/>
           </p:cNvSpPr>
           <p:nvPr>
-            <p:ph type="ctrTitle"/>
-          </p:nvPr>
-        </p:nvSpPr>
-        <p:spPr>
-          <a:xfrm>
-            <a:off x="623392" y="1443306"/>
-            <a:ext cx="11089926" cy="1323439"/>
+            <p:ph type="title"/>
+          </p:nvPr>
+        </p:nvSpPr>
+        <p:spPr>
+          <a:xfrm>
+            <a:off x="0" y="1219199"/>
+            <a:ext cx="12192000" cy="1143000"/>
           </a:xfrm>
           <a:noFill/>
           <a:ln>
@@ -21198,25 +20382,15 @@
           </a:bodyPr>
           <a:lstStyle/>
           <a:p>
-            <a:pPr rtl="1"/>
-            <a:r>
-              <a:rPr lang="ar-SA" altLang="en-US" sz="8000" dirty="0">
-                <a:latin typeface="Arabic Typesetting" panose="03020402040406030203" pitchFamily="66" charset="-78"/>
-                <a:cs typeface="Arabic Typesetting" panose="03020402040406030203" pitchFamily="66" charset="-78"/>
-              </a:rPr>
+            <a:r>
+              <a:rPr lang="ar-SA" altLang="en-US" dirty="0"/>
               <a:t>وَصَبَرْتَ حَتّٰى اتَاكَ </a:t>
             </a:r>
             <a:r>
-              <a:rPr lang="ar-SA" altLang="en-US" sz="8000" dirty="0" err="1">
-                <a:latin typeface="Arabic Typesetting" panose="03020402040406030203" pitchFamily="66" charset="-78"/>
-                <a:cs typeface="Arabic Typesetting" panose="03020402040406030203" pitchFamily="66" charset="-78"/>
-              </a:rPr>
+              <a:rPr lang="ar-SA" altLang="en-US" dirty="0" err="1"/>
               <a:t>ٱلْيَقِينُ</a:t>
             </a:r>
-            <a:endParaRPr lang="en-US" altLang="en-US" sz="8000" dirty="0">
-              <a:latin typeface="Arabic Typesetting" panose="03020402040406030203" pitchFamily="66" charset="-78"/>
-              <a:cs typeface="Arabic Typesetting" panose="03020402040406030203" pitchFamily="66" charset="-78"/>
-            </a:endParaRPr>
+            <a:endParaRPr lang="en-US" altLang="en-US" dirty="0"/>
           </a:p>
         </p:txBody>
       </p:sp>
@@ -21227,13 +20401,13 @@
             <a:spLocks noGrp="1" noChangeArrowheads="1"/>
           </p:cNvSpPr>
           <p:nvPr>
-            <p:ph type="subTitle" idx="1"/>
-          </p:nvPr>
-        </p:nvSpPr>
-        <p:spPr>
-          <a:xfrm>
-            <a:off x="1847851" y="3381375"/>
-            <a:ext cx="8424863" cy="584775"/>
+            <p:ph type="body" sz="quarter" idx="10"/>
+          </p:nvPr>
+        </p:nvSpPr>
+        <p:spPr>
+          <a:xfrm>
+            <a:off x="2171700" y="4495801"/>
+            <a:ext cx="7848600" cy="1905000"/>
           </a:xfrm>
           <a:noFill/>
           <a:extLst>
@@ -21257,9 +20431,7 @@
           <a:lstStyle/>
           <a:p>
             <a:r>
-              <a:rPr lang="en-US" altLang="en-US" b="1" dirty="0">
-                <a:ea typeface="MS Mincho" charset="-128"/>
-              </a:rPr>
+              <a:rPr lang="en-US" altLang="en-US" dirty="0"/>
               <a:t>and tolerated (harm) until death came upon you.</a:t>
             </a:r>
           </a:p>
@@ -21310,13 +20482,13 @@
             <a:spLocks noGrp="1" noChangeArrowheads="1"/>
           </p:cNvSpPr>
           <p:nvPr>
-            <p:ph type="ctrTitle"/>
-          </p:nvPr>
-        </p:nvSpPr>
-        <p:spPr>
-          <a:xfrm>
-            <a:off x="623392" y="1443306"/>
-            <a:ext cx="11089926" cy="1323439"/>
+            <p:ph type="title"/>
+          </p:nvPr>
+        </p:nvSpPr>
+        <p:spPr>
+          <a:xfrm>
+            <a:off x="0" y="1219199"/>
+            <a:ext cx="12192000" cy="1143000"/>
           </a:xfrm>
           <a:noFill/>
           <a:ln>
@@ -21362,67 +20534,39 @@
           </a:bodyPr>
           <a:lstStyle/>
           <a:p>
-            <a:pPr rtl="1"/>
-            <a:r>
-              <a:rPr lang="ar-SA" altLang="en-US" sz="8000" dirty="0">
-                <a:latin typeface="Arabic Typesetting" panose="03020402040406030203" pitchFamily="66" charset="-78"/>
-                <a:cs typeface="Arabic Typesetting" panose="03020402040406030203" pitchFamily="66" charset="-78"/>
-              </a:rPr>
+            <a:r>
+              <a:rPr lang="ar-SA" altLang="en-US" dirty="0"/>
               <a:t>لَعَنَ </a:t>
             </a:r>
             <a:r>
-              <a:rPr lang="ar-SA" altLang="en-US" sz="8000" dirty="0" err="1">
-                <a:latin typeface="Arabic Typesetting" panose="03020402040406030203" pitchFamily="66" charset="-78"/>
-                <a:cs typeface="Arabic Typesetting" panose="03020402040406030203" pitchFamily="66" charset="-78"/>
-              </a:rPr>
+              <a:rPr lang="ar-SA" altLang="en-US" dirty="0" err="1"/>
               <a:t>ٱللَّهُ</a:t>
             </a:r>
             <a:r>
-              <a:rPr lang="ar-SA" altLang="en-US" sz="8000" dirty="0">
-                <a:latin typeface="Arabic Typesetting" panose="03020402040406030203" pitchFamily="66" charset="-78"/>
-                <a:cs typeface="Arabic Typesetting" panose="03020402040406030203" pitchFamily="66" charset="-78"/>
-              </a:rPr>
+              <a:rPr lang="ar-SA" altLang="en-US" dirty="0"/>
               <a:t> </a:t>
             </a:r>
             <a:r>
-              <a:rPr lang="ar-SA" altLang="en-US" sz="8000" dirty="0" err="1">
-                <a:latin typeface="Arabic Typesetting" panose="03020402040406030203" pitchFamily="66" charset="-78"/>
-                <a:cs typeface="Arabic Typesetting" panose="03020402040406030203" pitchFamily="66" charset="-78"/>
-              </a:rPr>
+              <a:rPr lang="ar-SA" altLang="en-US" dirty="0" err="1"/>
               <a:t>ٱلظَّالِمِينَ</a:t>
             </a:r>
             <a:r>
-              <a:rPr lang="ar-SA" altLang="en-US" sz="8000" dirty="0">
-                <a:latin typeface="Arabic Typesetting" panose="03020402040406030203" pitchFamily="66" charset="-78"/>
-                <a:cs typeface="Arabic Typesetting" panose="03020402040406030203" pitchFamily="66" charset="-78"/>
-              </a:rPr>
+              <a:rPr lang="ar-SA" altLang="en-US" dirty="0"/>
               <a:t> لَكُمْ مِنَ </a:t>
             </a:r>
             <a:r>
-              <a:rPr lang="ar-SA" altLang="en-US" sz="8000" dirty="0" err="1">
-                <a:latin typeface="Arabic Typesetting" panose="03020402040406030203" pitchFamily="66" charset="-78"/>
-                <a:cs typeface="Arabic Typesetting" panose="03020402040406030203" pitchFamily="66" charset="-78"/>
-              </a:rPr>
+              <a:rPr lang="ar-SA" altLang="en-US" dirty="0" err="1"/>
               <a:t>ٱلاوَّلِينَ</a:t>
             </a:r>
             <a:r>
-              <a:rPr lang="ar-SA" altLang="en-US" sz="8000" dirty="0">
-                <a:latin typeface="Arabic Typesetting" panose="03020402040406030203" pitchFamily="66" charset="-78"/>
-                <a:cs typeface="Arabic Typesetting" panose="03020402040406030203" pitchFamily="66" charset="-78"/>
-              </a:rPr>
+              <a:rPr lang="ar-SA" altLang="en-US" dirty="0"/>
               <a:t> </a:t>
             </a:r>
             <a:r>
-              <a:rPr lang="ar-SA" altLang="en-US" sz="8000" dirty="0" err="1">
-                <a:latin typeface="Arabic Typesetting" panose="03020402040406030203" pitchFamily="66" charset="-78"/>
-                <a:cs typeface="Arabic Typesetting" panose="03020402040406030203" pitchFamily="66" charset="-78"/>
-              </a:rPr>
+              <a:rPr lang="ar-SA" altLang="en-US" dirty="0" err="1"/>
               <a:t>وَٱلآخِرِينَ</a:t>
             </a:r>
-            <a:endParaRPr lang="en-US" altLang="en-US" sz="8000" dirty="0">
-              <a:latin typeface="Arabic Typesetting" panose="03020402040406030203" pitchFamily="66" charset="-78"/>
-              <a:cs typeface="Arabic Typesetting" panose="03020402040406030203" pitchFamily="66" charset="-78"/>
-            </a:endParaRPr>
+            <a:endParaRPr lang="en-US" altLang="en-US" dirty="0"/>
           </a:p>
         </p:txBody>
       </p:sp>
@@ -21433,13 +20577,13 @@
             <a:spLocks noGrp="1" noChangeArrowheads="1"/>
           </p:cNvSpPr>
           <p:nvPr>
-            <p:ph type="subTitle" idx="1"/>
-          </p:nvPr>
-        </p:nvSpPr>
-        <p:spPr>
-          <a:xfrm>
-            <a:off x="1847851" y="3381375"/>
-            <a:ext cx="8424863" cy="1077218"/>
+            <p:ph type="body" sz="quarter" idx="10"/>
+          </p:nvPr>
+        </p:nvSpPr>
+        <p:spPr>
+          <a:xfrm>
+            <a:off x="2171700" y="4495801"/>
+            <a:ext cx="7848600" cy="1905000"/>
           </a:xfrm>
           <a:noFill/>
           <a:extLst>
@@ -21463,9 +20607,7 @@
           <a:lstStyle/>
           <a:p>
             <a:r>
-              <a:rPr lang="en-US" altLang="en-US" b="1" dirty="0">
-                <a:ea typeface="MS Mincho" charset="-128"/>
-              </a:rPr>
+              <a:rPr lang="en-US" altLang="en-US" dirty="0"/>
               <a:t>May Allah curse those who wronged you from the past and the present generations</a:t>
             </a:r>
           </a:p>
@@ -21516,13 +20658,13 @@
             <a:spLocks noGrp="1" noChangeArrowheads="1"/>
           </p:cNvSpPr>
           <p:nvPr>
-            <p:ph type="ctrTitle"/>
-          </p:nvPr>
-        </p:nvSpPr>
-        <p:spPr>
-          <a:xfrm>
-            <a:off x="623392" y="1443306"/>
-            <a:ext cx="11089926" cy="1323439"/>
+            <p:ph type="title"/>
+          </p:nvPr>
+        </p:nvSpPr>
+        <p:spPr>
+          <a:xfrm>
+            <a:off x="0" y="1219199"/>
+            <a:ext cx="12192000" cy="1143000"/>
           </a:xfrm>
           <a:noFill/>
           <a:ln>
@@ -21568,25 +20710,15 @@
           </a:bodyPr>
           <a:lstStyle/>
           <a:p>
-            <a:pPr rtl="1"/>
-            <a:r>
-              <a:rPr lang="ar-SA" altLang="en-US" sz="8000" dirty="0">
-                <a:latin typeface="Arabic Typesetting" panose="03020402040406030203" pitchFamily="66" charset="-78"/>
-                <a:cs typeface="Arabic Typesetting" panose="03020402040406030203" pitchFamily="66" charset="-78"/>
-              </a:rPr>
+            <a:r>
+              <a:rPr lang="ar-SA" altLang="en-US" dirty="0"/>
               <a:t>وَالْحَقَهُمْ بِدَرْكِ </a:t>
             </a:r>
             <a:r>
-              <a:rPr lang="ar-SA" altLang="en-US" sz="8000" dirty="0" err="1">
-                <a:latin typeface="Arabic Typesetting" panose="03020402040406030203" pitchFamily="66" charset="-78"/>
-                <a:cs typeface="Arabic Typesetting" panose="03020402040406030203" pitchFamily="66" charset="-78"/>
-              </a:rPr>
+              <a:rPr lang="ar-SA" altLang="en-US" dirty="0" err="1"/>
               <a:t>ٱلْجَحِيمِ</a:t>
             </a:r>
-            <a:endParaRPr lang="en-US" altLang="en-US" sz="8000" dirty="0">
-              <a:latin typeface="Arabic Typesetting" panose="03020402040406030203" pitchFamily="66" charset="-78"/>
-              <a:cs typeface="Arabic Typesetting" panose="03020402040406030203" pitchFamily="66" charset="-78"/>
-            </a:endParaRPr>
+            <a:endParaRPr lang="en-US" altLang="en-US" dirty="0"/>
           </a:p>
         </p:txBody>
       </p:sp>
@@ -21597,13 +20729,13 @@
             <a:spLocks noGrp="1" noChangeArrowheads="1"/>
           </p:cNvSpPr>
           <p:nvPr>
-            <p:ph type="subTitle" idx="1"/>
-          </p:nvPr>
-        </p:nvSpPr>
-        <p:spPr>
-          <a:xfrm>
-            <a:off x="1847851" y="3381375"/>
-            <a:ext cx="8424863" cy="1077218"/>
+            <p:ph type="body" sz="quarter" idx="10"/>
+          </p:nvPr>
+        </p:nvSpPr>
+        <p:spPr>
+          <a:xfrm>
+            <a:off x="2171700" y="4495801"/>
+            <a:ext cx="7848600" cy="1905000"/>
           </a:xfrm>
           <a:noFill/>
           <a:extLst>
@@ -21627,9 +20759,7 @@
           <a:lstStyle/>
           <a:p>
             <a:r>
-              <a:rPr lang="en-US" altLang="en-US" b="1" dirty="0">
-                <a:ea typeface="MS Mincho" charset="-128"/>
-              </a:rPr>
+              <a:rPr lang="en-US" altLang="en-US" dirty="0"/>
               <a:t>and may He send them to the lowest layer of the blazing Hell.</a:t>
             </a:r>
           </a:p>
@@ -21680,13 +20810,13 @@
             <a:spLocks noGrp="1" noChangeArrowheads="1"/>
           </p:cNvSpPr>
           <p:nvPr>
-            <p:ph type="ctrTitle"/>
-          </p:nvPr>
-        </p:nvSpPr>
-        <p:spPr>
-          <a:xfrm>
-            <a:off x="1774826" y="1443306"/>
-            <a:ext cx="8569325" cy="1323439"/>
+            <p:ph type="title"/>
+          </p:nvPr>
+        </p:nvSpPr>
+        <p:spPr>
+          <a:xfrm>
+            <a:off x="0" y="1219199"/>
+            <a:ext cx="12192000" cy="1143000"/>
           </a:xfrm>
           <a:noFill/>
           <a:ln>
@@ -21732,18 +20862,11 @@
           </a:bodyPr>
           <a:lstStyle/>
           <a:p>
-            <a:pPr rtl="1"/>
-            <a:r>
-              <a:rPr lang="ar-SA" altLang="en-US" sz="8000" dirty="0">
-                <a:latin typeface="Arabic Typesetting" panose="03020402040406030203" pitchFamily="66" charset="-78"/>
-                <a:cs typeface="Arabic Typesetting" panose="03020402040406030203" pitchFamily="66" charset="-78"/>
-              </a:rPr>
+            <a:r>
+              <a:rPr lang="ar-SA" altLang="en-US" dirty="0"/>
               <a:t>اَللَّهُمَّ صَلِّ عَلٰى مُحَمَّدٍ وَآلِ مُحَمَّدٍ</a:t>
             </a:r>
-            <a:endParaRPr lang="en-US" altLang="en-US" sz="8000" dirty="0">
-              <a:latin typeface="Arabic Typesetting" panose="03020402040406030203" pitchFamily="66" charset="-78"/>
-              <a:cs typeface="Arabic Typesetting" panose="03020402040406030203" pitchFamily="66" charset="-78"/>
-            </a:endParaRPr>
+            <a:endParaRPr lang="en-US" altLang="en-US" dirty="0"/>
           </a:p>
         </p:txBody>
       </p:sp>
@@ -21754,13 +20877,13 @@
             <a:spLocks noGrp="1" noChangeArrowheads="1"/>
           </p:cNvSpPr>
           <p:nvPr>
-            <p:ph type="subTitle" idx="1"/>
-          </p:nvPr>
-        </p:nvSpPr>
-        <p:spPr>
-          <a:xfrm>
-            <a:off x="1847851" y="3381375"/>
-            <a:ext cx="8424863" cy="1066800"/>
+            <p:ph type="body" sz="quarter" idx="10"/>
+          </p:nvPr>
+        </p:nvSpPr>
+        <p:spPr>
+          <a:xfrm>
+            <a:off x="2171700" y="4495801"/>
+            <a:ext cx="7848600" cy="1905000"/>
           </a:xfrm>
           <a:noFill/>
           <a:extLst>
@@ -21784,21 +20907,15 @@
           <a:lstStyle/>
           <a:p>
             <a:r>
-              <a:rPr lang="en-US" altLang="en-US" b="1" dirty="0">
-                <a:ea typeface="MS Mincho" charset="-128"/>
-              </a:rPr>
+              <a:rPr lang="en-US" altLang="en-US" dirty="0"/>
               <a:t>O </a:t>
             </a:r>
             <a:r>
-              <a:rPr lang="en-US" altLang="en-US" b="1" dirty="0" err="1">
-                <a:ea typeface="MS Mincho" charset="-128"/>
-              </a:rPr>
+              <a:rPr lang="en-US" altLang="en-US" dirty="0" err="1"/>
               <a:t>Alláh</a:t>
             </a:r>
             <a:r>
-              <a:rPr lang="en-US" altLang="en-US" b="1" dirty="0">
-                <a:ea typeface="MS Mincho" charset="-128"/>
-              </a:rPr>
+              <a:rPr lang="en-US" altLang="en-US" dirty="0"/>
               <a:t> bless Muhammad and the family of Muhammad.</a:t>
             </a:r>
           </a:p>

--- a/Slides/PPTs/Ziyarat Warith.pptx
+++ b/Slides/PPTs/Ziyarat Warith.pptx
@@ -14136,13 +14136,13 @@
             <a:spLocks noGrp="1" noChangeArrowheads="1"/>
           </p:cNvSpPr>
           <p:nvPr>
-            <p:ph type="ctrTitle"/>
-          </p:nvPr>
-        </p:nvSpPr>
-        <p:spPr>
-          <a:xfrm>
-            <a:off x="623392" y="1443306"/>
-            <a:ext cx="11089926" cy="1323439"/>
+            <p:ph type="title"/>
+          </p:nvPr>
+        </p:nvSpPr>
+        <p:spPr>
+          <a:xfrm>
+            <a:off x="0" y="1219199"/>
+            <a:ext cx="12192000" cy="1143000"/>
           </a:xfrm>
           <a:noFill/>
           <a:ln>
@@ -14188,39 +14188,23 @@
           </a:bodyPr>
           <a:lstStyle/>
           <a:p>
-            <a:pPr rtl="1"/>
-            <a:r>
-              <a:rPr lang="ar-SA" altLang="en-US" sz="8000" dirty="0">
-                <a:latin typeface="Arabic Typesetting" panose="03020402040406030203" pitchFamily="66" charset="-78"/>
-                <a:cs typeface="Arabic Typesetting" panose="03020402040406030203" pitchFamily="66" charset="-78"/>
-              </a:rPr>
+            <a:r>
+              <a:rPr lang="ar-SA" altLang="en-US" dirty="0"/>
               <a:t>اَلسَّلاَمُ عَلَيْكَ يَا </a:t>
             </a:r>
             <a:r>
-              <a:rPr lang="ar-SA" altLang="en-US" sz="8000" dirty="0" err="1">
-                <a:latin typeface="Arabic Typesetting" panose="03020402040406030203" pitchFamily="66" charset="-78"/>
-                <a:cs typeface="Arabic Typesetting" panose="03020402040406030203" pitchFamily="66" charset="-78"/>
-              </a:rPr>
+              <a:rPr lang="ar-SA" altLang="en-US" dirty="0" err="1"/>
               <a:t>ٱبْن</a:t>
             </a:r>
             <a:r>
-              <a:rPr lang="ar-SA" altLang="en-US" sz="8000" dirty="0">
-                <a:latin typeface="Arabic Typesetting" panose="03020402040406030203" pitchFamily="66" charset="-78"/>
-                <a:cs typeface="Arabic Typesetting" panose="03020402040406030203" pitchFamily="66" charset="-78"/>
-              </a:rPr>
+              <a:rPr lang="ar-SA" altLang="en-US" dirty="0"/>
               <a:t> رَسُولِ </a:t>
             </a:r>
             <a:r>
-              <a:rPr lang="ar-SA" altLang="en-US" sz="8000" dirty="0" err="1">
-                <a:latin typeface="Arabic Typesetting" panose="03020402040406030203" pitchFamily="66" charset="-78"/>
-                <a:cs typeface="Arabic Typesetting" panose="03020402040406030203" pitchFamily="66" charset="-78"/>
-              </a:rPr>
+              <a:rPr lang="ar-SA" altLang="en-US" dirty="0" err="1"/>
               <a:t>ٱللَّهِ</a:t>
             </a:r>
-            <a:endParaRPr lang="en-US" altLang="en-US" sz="8000" dirty="0">
-              <a:latin typeface="Arabic Typesetting" panose="03020402040406030203" pitchFamily="66" charset="-78"/>
-              <a:cs typeface="Arabic Typesetting" panose="03020402040406030203" pitchFamily="66" charset="-78"/>
-            </a:endParaRPr>
+            <a:endParaRPr lang="en-US" altLang="en-US" dirty="0"/>
           </a:p>
         </p:txBody>
       </p:sp>
@@ -14231,13 +14215,13 @@
             <a:spLocks noGrp="1" noChangeArrowheads="1"/>
           </p:cNvSpPr>
           <p:nvPr>
-            <p:ph type="subTitle" idx="1"/>
-          </p:nvPr>
-        </p:nvSpPr>
-        <p:spPr>
-          <a:xfrm>
-            <a:off x="1847851" y="3381375"/>
-            <a:ext cx="8424863" cy="1077218"/>
+            <p:ph type="body" sz="quarter" idx="10"/>
+          </p:nvPr>
+        </p:nvSpPr>
+        <p:spPr>
+          <a:xfrm>
+            <a:off x="2171700" y="4495801"/>
+            <a:ext cx="7848600" cy="1905000"/>
           </a:xfrm>
           <a:noFill/>
           <a:extLst>
@@ -14261,9 +14245,7 @@
           <a:lstStyle/>
           <a:p>
             <a:r>
-              <a:rPr lang="en-US" altLang="en-US" b="1" dirty="0">
-                <a:ea typeface="MS Mincho" charset="-128"/>
-              </a:rPr>
+              <a:rPr lang="en-US" altLang="en-US" dirty="0"/>
               <a:t>Peace be upon you, O son of the Messenger of Allah.</a:t>
             </a:r>
           </a:p>
@@ -14314,13 +14296,13 @@
             <a:spLocks noGrp="1" noChangeArrowheads="1"/>
           </p:cNvSpPr>
           <p:nvPr>
-            <p:ph type="ctrTitle"/>
-          </p:nvPr>
-        </p:nvSpPr>
-        <p:spPr>
-          <a:xfrm>
-            <a:off x="623392" y="1443306"/>
-            <a:ext cx="11089926" cy="1323439"/>
+            <p:ph type="title"/>
+          </p:nvPr>
+        </p:nvSpPr>
+        <p:spPr>
+          <a:xfrm>
+            <a:off x="0" y="1219199"/>
+            <a:ext cx="12192000" cy="1143000"/>
           </a:xfrm>
           <a:noFill/>
           <a:ln>
@@ -14366,39 +14348,23 @@
           </a:bodyPr>
           <a:lstStyle/>
           <a:p>
-            <a:pPr rtl="1"/>
-            <a:r>
-              <a:rPr lang="ar-SA" altLang="en-US" sz="8000" dirty="0">
-                <a:latin typeface="Arabic Typesetting" panose="03020402040406030203" pitchFamily="66" charset="-78"/>
-                <a:cs typeface="Arabic Typesetting" panose="03020402040406030203" pitchFamily="66" charset="-78"/>
-              </a:rPr>
+            <a:r>
+              <a:rPr lang="ar-SA" altLang="en-US" dirty="0"/>
               <a:t>اَلسَّلاَمُ عَلَيْكَ يَا </a:t>
             </a:r>
             <a:r>
-              <a:rPr lang="ar-SA" altLang="en-US" sz="8000" dirty="0" err="1">
-                <a:latin typeface="Arabic Typesetting" panose="03020402040406030203" pitchFamily="66" charset="-78"/>
-                <a:cs typeface="Arabic Typesetting" panose="03020402040406030203" pitchFamily="66" charset="-78"/>
-              </a:rPr>
+              <a:rPr lang="ar-SA" altLang="en-US" dirty="0" err="1"/>
               <a:t>ٱبْن</a:t>
             </a:r>
             <a:r>
-              <a:rPr lang="ar-SA" altLang="en-US" sz="8000" dirty="0">
-                <a:latin typeface="Arabic Typesetting" panose="03020402040406030203" pitchFamily="66" charset="-78"/>
-                <a:cs typeface="Arabic Typesetting" panose="03020402040406030203" pitchFamily="66" charset="-78"/>
-              </a:rPr>
+              <a:rPr lang="ar-SA" altLang="en-US" dirty="0"/>
               <a:t> نَبِيِّ </a:t>
             </a:r>
             <a:r>
-              <a:rPr lang="ar-SA" altLang="en-US" sz="8000" dirty="0" err="1">
-                <a:latin typeface="Arabic Typesetting" panose="03020402040406030203" pitchFamily="66" charset="-78"/>
-                <a:cs typeface="Arabic Typesetting" panose="03020402040406030203" pitchFamily="66" charset="-78"/>
-              </a:rPr>
+              <a:rPr lang="ar-SA" altLang="en-US" dirty="0" err="1"/>
               <a:t>ٱللَّهِ</a:t>
             </a:r>
-            <a:endParaRPr lang="en-US" altLang="en-US" sz="8000" dirty="0">
-              <a:latin typeface="Arabic Typesetting" panose="03020402040406030203" pitchFamily="66" charset="-78"/>
-              <a:cs typeface="Arabic Typesetting" panose="03020402040406030203" pitchFamily="66" charset="-78"/>
-            </a:endParaRPr>
+            <a:endParaRPr lang="en-US" altLang="en-US" dirty="0"/>
           </a:p>
         </p:txBody>
       </p:sp>
@@ -14409,13 +14375,13 @@
             <a:spLocks noGrp="1" noChangeArrowheads="1"/>
           </p:cNvSpPr>
           <p:nvPr>
-            <p:ph type="subTitle" idx="1"/>
-          </p:nvPr>
-        </p:nvSpPr>
-        <p:spPr>
-          <a:xfrm>
-            <a:off x="1847851" y="3381375"/>
-            <a:ext cx="8424863" cy="584775"/>
+            <p:ph type="body" sz="quarter" idx="10"/>
+          </p:nvPr>
+        </p:nvSpPr>
+        <p:spPr>
+          <a:xfrm>
+            <a:off x="2171700" y="4495801"/>
+            <a:ext cx="7848600" cy="1905000"/>
           </a:xfrm>
           <a:noFill/>
           <a:extLst>
@@ -14439,9 +14405,7 @@
           <a:lstStyle/>
           <a:p>
             <a:r>
-              <a:rPr lang="en-US" altLang="en-US" b="1" dirty="0">
-                <a:ea typeface="MS Mincho" charset="-128"/>
-              </a:rPr>
+              <a:rPr lang="en-US" altLang="en-US" dirty="0"/>
               <a:t>Peace be upon you, O son of the Prophet of Allah.</a:t>
             </a:r>
           </a:p>
@@ -14492,13 +14456,13 @@
             <a:spLocks noGrp="1" noChangeArrowheads="1"/>
           </p:cNvSpPr>
           <p:nvPr>
-            <p:ph type="ctrTitle"/>
-          </p:nvPr>
-        </p:nvSpPr>
-        <p:spPr>
-          <a:xfrm>
-            <a:off x="623392" y="1443306"/>
-            <a:ext cx="11089926" cy="1323439"/>
+            <p:ph type="title"/>
+          </p:nvPr>
+        </p:nvSpPr>
+        <p:spPr>
+          <a:xfrm>
+            <a:off x="0" y="1219199"/>
+            <a:ext cx="12192000" cy="1143000"/>
           </a:xfrm>
           <a:noFill/>
           <a:ln>
@@ -14544,39 +14508,23 @@
           </a:bodyPr>
           <a:lstStyle/>
           <a:p>
-            <a:pPr rtl="1"/>
-            <a:r>
-              <a:rPr lang="ar-SA" altLang="en-US" sz="8000" dirty="0">
-                <a:latin typeface="Arabic Typesetting" panose="03020402040406030203" pitchFamily="66" charset="-78"/>
-                <a:cs typeface="Arabic Typesetting" panose="03020402040406030203" pitchFamily="66" charset="-78"/>
-              </a:rPr>
+            <a:r>
+              <a:rPr lang="ar-SA" altLang="en-US" dirty="0"/>
               <a:t>اَلسَّلاَمُ عَلَيْكَ يَا </a:t>
             </a:r>
             <a:r>
-              <a:rPr lang="ar-SA" altLang="en-US" sz="8000" dirty="0" err="1">
-                <a:latin typeface="Arabic Typesetting" panose="03020402040406030203" pitchFamily="66" charset="-78"/>
-                <a:cs typeface="Arabic Typesetting" panose="03020402040406030203" pitchFamily="66" charset="-78"/>
-              </a:rPr>
+              <a:rPr lang="ar-SA" altLang="en-US" dirty="0" err="1"/>
               <a:t>ٱبْن</a:t>
             </a:r>
             <a:r>
-              <a:rPr lang="ar-SA" altLang="en-US" sz="8000" dirty="0">
-                <a:latin typeface="Arabic Typesetting" panose="03020402040406030203" pitchFamily="66" charset="-78"/>
-                <a:cs typeface="Arabic Typesetting" panose="03020402040406030203" pitchFamily="66" charset="-78"/>
-              </a:rPr>
+              <a:rPr lang="ar-SA" altLang="en-US" dirty="0"/>
               <a:t> أَمِيرِ </a:t>
             </a:r>
             <a:r>
-              <a:rPr lang="ar-SA" altLang="en-US" sz="8000" dirty="0" err="1">
-                <a:latin typeface="Arabic Typesetting" panose="03020402040406030203" pitchFamily="66" charset="-78"/>
-                <a:cs typeface="Arabic Typesetting" panose="03020402040406030203" pitchFamily="66" charset="-78"/>
-              </a:rPr>
+              <a:rPr lang="ar-SA" altLang="en-US" dirty="0" err="1"/>
               <a:t>ٱلْمُؤْمِنِينَ</a:t>
             </a:r>
-            <a:endParaRPr lang="en-US" altLang="en-US" sz="8000" dirty="0">
-              <a:latin typeface="Arabic Typesetting" panose="03020402040406030203" pitchFamily="66" charset="-78"/>
-              <a:cs typeface="Arabic Typesetting" panose="03020402040406030203" pitchFamily="66" charset="-78"/>
-            </a:endParaRPr>
+            <a:endParaRPr lang="en-US" altLang="en-US" dirty="0"/>
           </a:p>
         </p:txBody>
       </p:sp>
@@ -14587,13 +14535,13 @@
             <a:spLocks noGrp="1" noChangeArrowheads="1"/>
           </p:cNvSpPr>
           <p:nvPr>
-            <p:ph type="subTitle" idx="1"/>
-          </p:nvPr>
-        </p:nvSpPr>
-        <p:spPr>
-          <a:xfrm>
-            <a:off x="1847851" y="3381375"/>
-            <a:ext cx="8424863" cy="1077218"/>
+            <p:ph type="body" sz="quarter" idx="10"/>
+          </p:nvPr>
+        </p:nvSpPr>
+        <p:spPr>
+          <a:xfrm>
+            <a:off x="2171700" y="4495801"/>
+            <a:ext cx="7848600" cy="1905000"/>
           </a:xfrm>
           <a:noFill/>
           <a:extLst>
@@ -14617,9 +14565,7 @@
           <a:lstStyle/>
           <a:p>
             <a:r>
-              <a:rPr lang="en-US" altLang="en-US" b="1" dirty="0">
-                <a:ea typeface="MS Mincho" charset="-128"/>
-              </a:rPr>
+              <a:rPr lang="en-US" altLang="en-US" dirty="0"/>
               <a:t>Peace be upon you, O son of the commander of the faithful.</a:t>
             </a:r>
           </a:p>
@@ -14670,13 +14616,13 @@
             <a:spLocks noGrp="1" noChangeArrowheads="1"/>
           </p:cNvSpPr>
           <p:nvPr>
-            <p:ph type="ctrTitle"/>
-          </p:nvPr>
-        </p:nvSpPr>
-        <p:spPr>
-          <a:xfrm>
-            <a:off x="623392" y="1443306"/>
-            <a:ext cx="11089926" cy="1323439"/>
+            <p:ph type="title"/>
+          </p:nvPr>
+        </p:nvSpPr>
+        <p:spPr>
+          <a:xfrm>
+            <a:off x="0" y="1219199"/>
+            <a:ext cx="12192000" cy="1143000"/>
           </a:xfrm>
           <a:noFill/>
           <a:ln>
@@ -14722,53 +14668,31 @@
           </a:bodyPr>
           <a:lstStyle/>
           <a:p>
-            <a:pPr rtl="1"/>
-            <a:r>
-              <a:rPr lang="ar-SA" altLang="en-US" sz="8000" dirty="0">
-                <a:latin typeface="Arabic Typesetting" panose="03020402040406030203" pitchFamily="66" charset="-78"/>
-                <a:cs typeface="Arabic Typesetting" panose="03020402040406030203" pitchFamily="66" charset="-78"/>
-              </a:rPr>
+            <a:r>
+              <a:rPr lang="ar-SA" altLang="en-US" dirty="0"/>
               <a:t>اَلسَّلاَمُ عَلَيْكَ يَا </a:t>
             </a:r>
             <a:r>
-              <a:rPr lang="ar-SA" altLang="en-US" sz="8000" dirty="0" err="1">
-                <a:latin typeface="Arabic Typesetting" panose="03020402040406030203" pitchFamily="66" charset="-78"/>
-                <a:cs typeface="Arabic Typesetting" panose="03020402040406030203" pitchFamily="66" charset="-78"/>
-              </a:rPr>
+              <a:rPr lang="ar-SA" altLang="en-US" dirty="0" err="1"/>
               <a:t>ٱبْن</a:t>
             </a:r>
             <a:r>
-              <a:rPr lang="ar-SA" altLang="en-US" sz="8000" dirty="0">
-                <a:latin typeface="Arabic Typesetting" panose="03020402040406030203" pitchFamily="66" charset="-78"/>
-                <a:cs typeface="Arabic Typesetting" panose="03020402040406030203" pitchFamily="66" charset="-78"/>
-              </a:rPr>
+              <a:rPr lang="ar-SA" altLang="en-US" dirty="0"/>
               <a:t> </a:t>
             </a:r>
             <a:r>
-              <a:rPr lang="ar-SA" altLang="en-US" sz="8000" dirty="0" err="1">
-                <a:latin typeface="Arabic Typesetting" panose="03020402040406030203" pitchFamily="66" charset="-78"/>
-                <a:cs typeface="Arabic Typesetting" panose="03020402040406030203" pitchFamily="66" charset="-78"/>
-              </a:rPr>
+              <a:rPr lang="ar-SA" altLang="en-US" dirty="0" err="1"/>
               <a:t>ٱلْحُسَيْنِ</a:t>
             </a:r>
             <a:r>
-              <a:rPr lang="ar-SA" altLang="en-US" sz="8000" dirty="0">
-                <a:latin typeface="Arabic Typesetting" panose="03020402040406030203" pitchFamily="66" charset="-78"/>
-                <a:cs typeface="Arabic Typesetting" panose="03020402040406030203" pitchFamily="66" charset="-78"/>
-              </a:rPr>
+              <a:rPr lang="ar-SA" altLang="en-US" dirty="0"/>
               <a:t> </a:t>
             </a:r>
             <a:r>
-              <a:rPr lang="ar-SA" altLang="en-US" sz="8000" dirty="0" err="1">
-                <a:latin typeface="Arabic Typesetting" panose="03020402040406030203" pitchFamily="66" charset="-78"/>
-                <a:cs typeface="Arabic Typesetting" panose="03020402040406030203" pitchFamily="66" charset="-78"/>
-              </a:rPr>
+              <a:rPr lang="ar-SA" altLang="en-US" dirty="0" err="1"/>
               <a:t>ٱلشَّهِيدِ</a:t>
             </a:r>
-            <a:endParaRPr lang="en-US" altLang="en-US" sz="8000" dirty="0">
-              <a:latin typeface="Arabic Typesetting" panose="03020402040406030203" pitchFamily="66" charset="-78"/>
-              <a:cs typeface="Arabic Typesetting" panose="03020402040406030203" pitchFamily="66" charset="-78"/>
-            </a:endParaRPr>
+            <a:endParaRPr lang="en-US" altLang="en-US" dirty="0"/>
           </a:p>
         </p:txBody>
       </p:sp>
@@ -14779,13 +14703,13 @@
             <a:spLocks noGrp="1" noChangeArrowheads="1"/>
           </p:cNvSpPr>
           <p:nvPr>
-            <p:ph type="subTitle" idx="1"/>
-          </p:nvPr>
-        </p:nvSpPr>
-        <p:spPr>
-          <a:xfrm>
-            <a:off x="1847851" y="3381375"/>
-            <a:ext cx="8424863" cy="584775"/>
+            <p:ph type="body" sz="quarter" idx="10"/>
+          </p:nvPr>
+        </p:nvSpPr>
+        <p:spPr>
+          <a:xfrm>
+            <a:off x="2171700" y="4495801"/>
+            <a:ext cx="7848600" cy="1905000"/>
           </a:xfrm>
           <a:noFill/>
           <a:extLst>
@@ -14809,21 +14733,15 @@
           <a:lstStyle/>
           <a:p>
             <a:r>
-              <a:rPr lang="en-US" altLang="en-US" b="1" dirty="0">
-                <a:ea typeface="MS Mincho" charset="-128"/>
-              </a:rPr>
+              <a:rPr lang="en-US" altLang="en-US" dirty="0"/>
               <a:t>Peace be upon you, O son of al-</a:t>
             </a:r>
             <a:r>
-              <a:rPr lang="en-US" altLang="en-US" b="1" dirty="0" err="1">
-                <a:ea typeface="MS Mincho" charset="-128"/>
-              </a:rPr>
+              <a:rPr lang="en-US" altLang="en-US" dirty="0" err="1"/>
               <a:t>Husayn</a:t>
             </a:r>
             <a:r>
-              <a:rPr lang="en-US" altLang="en-US" b="1" dirty="0">
-                <a:ea typeface="MS Mincho" charset="-128"/>
-              </a:rPr>
+              <a:rPr lang="en-US" altLang="en-US" dirty="0"/>
               <a:t> the martyr.</a:t>
             </a:r>
           </a:p>
@@ -14874,13 +14792,13 @@
             <a:spLocks noGrp="1" noChangeArrowheads="1"/>
           </p:cNvSpPr>
           <p:nvPr>
-            <p:ph type="ctrTitle"/>
-          </p:nvPr>
-        </p:nvSpPr>
-        <p:spPr>
-          <a:xfrm>
-            <a:off x="623392" y="1443306"/>
-            <a:ext cx="11089926" cy="1323439"/>
+            <p:ph type="title"/>
+          </p:nvPr>
+        </p:nvSpPr>
+        <p:spPr>
+          <a:xfrm>
+            <a:off x="0" y="1219199"/>
+            <a:ext cx="12192000" cy="1143000"/>
           </a:xfrm>
           <a:noFill/>
           <a:ln>
@@ -14926,25 +14844,15 @@
           </a:bodyPr>
           <a:lstStyle/>
           <a:p>
-            <a:pPr rtl="1"/>
-            <a:r>
-              <a:rPr lang="ar-SA" altLang="en-US" sz="8000" dirty="0">
-                <a:latin typeface="Arabic Typesetting" panose="03020402040406030203" pitchFamily="66" charset="-78"/>
-                <a:cs typeface="Arabic Typesetting" panose="03020402040406030203" pitchFamily="66" charset="-78"/>
-              </a:rPr>
+            <a:r>
+              <a:rPr lang="ar-SA" altLang="en-US" dirty="0"/>
               <a:t>اَلسَّلاَمُ عَلَيْكَ أَيُّهَا </a:t>
             </a:r>
             <a:r>
-              <a:rPr lang="ar-SA" altLang="en-US" sz="8000" dirty="0" err="1">
-                <a:latin typeface="Arabic Typesetting" panose="03020402040406030203" pitchFamily="66" charset="-78"/>
-                <a:cs typeface="Arabic Typesetting" panose="03020402040406030203" pitchFamily="66" charset="-78"/>
-              </a:rPr>
+              <a:rPr lang="ar-SA" altLang="en-US" dirty="0" err="1"/>
               <a:t>ٱلشَّهِيدُ</a:t>
             </a:r>
-            <a:endParaRPr lang="en-US" altLang="en-US" sz="8000" dirty="0">
-              <a:latin typeface="Arabic Typesetting" panose="03020402040406030203" pitchFamily="66" charset="-78"/>
-              <a:cs typeface="Arabic Typesetting" panose="03020402040406030203" pitchFamily="66" charset="-78"/>
-            </a:endParaRPr>
+            <a:endParaRPr lang="en-US" altLang="en-US" dirty="0"/>
           </a:p>
         </p:txBody>
       </p:sp>
@@ -14955,13 +14863,13 @@
             <a:spLocks noGrp="1" noChangeArrowheads="1"/>
           </p:cNvSpPr>
           <p:nvPr>
-            <p:ph type="subTitle" idx="1"/>
-          </p:nvPr>
-        </p:nvSpPr>
-        <p:spPr>
-          <a:xfrm>
-            <a:off x="1847851" y="3381375"/>
-            <a:ext cx="8424863" cy="584775"/>
+            <p:ph type="body" sz="quarter" idx="10"/>
+          </p:nvPr>
+        </p:nvSpPr>
+        <p:spPr>
+          <a:xfrm>
+            <a:off x="2171700" y="4495801"/>
+            <a:ext cx="7848600" cy="1905000"/>
           </a:xfrm>
           <a:noFill/>
           <a:extLst>
@@ -14985,9 +14893,7 @@
           <a:lstStyle/>
           <a:p>
             <a:r>
-              <a:rPr lang="en-US" altLang="en-US" b="1" dirty="0">
-                <a:ea typeface="MS Mincho" charset="-128"/>
-              </a:rPr>
+              <a:rPr lang="en-US" altLang="en-US" dirty="0"/>
               <a:t>Peace be upon you, O martyr.</a:t>
             </a:r>
           </a:p>
@@ -15038,13 +14944,13 @@
             <a:spLocks noGrp="1" noChangeArrowheads="1"/>
           </p:cNvSpPr>
           <p:nvPr>
-            <p:ph type="ctrTitle"/>
-          </p:nvPr>
-        </p:nvSpPr>
-        <p:spPr>
-          <a:xfrm>
-            <a:off x="623392" y="1443306"/>
-            <a:ext cx="11089926" cy="1323439"/>
+            <p:ph type="title"/>
+          </p:nvPr>
+        </p:nvSpPr>
+        <p:spPr>
+          <a:xfrm>
+            <a:off x="0" y="1219199"/>
+            <a:ext cx="12192000" cy="1143000"/>
           </a:xfrm>
           <a:noFill/>
           <a:ln>
@@ -15090,53 +14996,31 @@
           </a:bodyPr>
           <a:lstStyle/>
           <a:p>
-            <a:pPr rtl="1"/>
-            <a:r>
-              <a:rPr lang="ar-SA" altLang="en-US" sz="8000" dirty="0">
-                <a:latin typeface="Arabic Typesetting" panose="03020402040406030203" pitchFamily="66" charset="-78"/>
-                <a:cs typeface="Arabic Typesetting" panose="03020402040406030203" pitchFamily="66" charset="-78"/>
-              </a:rPr>
+            <a:r>
+              <a:rPr lang="ar-SA" altLang="en-US" dirty="0"/>
               <a:t>اَلسَّلاَمُ عَلَيْكَ أَيُّهَا </a:t>
             </a:r>
             <a:r>
-              <a:rPr lang="ar-SA" altLang="en-US" sz="8000" dirty="0" err="1">
-                <a:latin typeface="Arabic Typesetting" panose="03020402040406030203" pitchFamily="66" charset="-78"/>
-                <a:cs typeface="Arabic Typesetting" panose="03020402040406030203" pitchFamily="66" charset="-78"/>
-              </a:rPr>
+              <a:rPr lang="ar-SA" altLang="en-US" dirty="0" err="1"/>
               <a:t>ٱلْمَظْلُومُ</a:t>
             </a:r>
             <a:r>
-              <a:rPr lang="ar-SA" altLang="en-US" sz="8000" dirty="0">
-                <a:latin typeface="Arabic Typesetting" panose="03020402040406030203" pitchFamily="66" charset="-78"/>
-                <a:cs typeface="Arabic Typesetting" panose="03020402040406030203" pitchFamily="66" charset="-78"/>
-              </a:rPr>
+              <a:rPr lang="ar-SA" altLang="en-US" dirty="0"/>
               <a:t> </a:t>
             </a:r>
             <a:r>
-              <a:rPr lang="ar-SA" altLang="en-US" sz="8000" dirty="0" err="1">
-                <a:latin typeface="Arabic Typesetting" panose="03020402040406030203" pitchFamily="66" charset="-78"/>
-                <a:cs typeface="Arabic Typesetting" panose="03020402040406030203" pitchFamily="66" charset="-78"/>
-              </a:rPr>
+              <a:rPr lang="ar-SA" altLang="en-US" dirty="0" err="1"/>
               <a:t>وَٱبْنُ</a:t>
             </a:r>
             <a:r>
-              <a:rPr lang="ar-SA" altLang="en-US" sz="8000" dirty="0">
-                <a:latin typeface="Arabic Typesetting" panose="03020402040406030203" pitchFamily="66" charset="-78"/>
-                <a:cs typeface="Arabic Typesetting" panose="03020402040406030203" pitchFamily="66" charset="-78"/>
-              </a:rPr>
+              <a:rPr lang="ar-SA" altLang="en-US" dirty="0"/>
               <a:t> </a:t>
             </a:r>
             <a:r>
-              <a:rPr lang="ar-SA" altLang="en-US" sz="8000" dirty="0" err="1">
-                <a:latin typeface="Arabic Typesetting" panose="03020402040406030203" pitchFamily="66" charset="-78"/>
-                <a:cs typeface="Arabic Typesetting" panose="03020402040406030203" pitchFamily="66" charset="-78"/>
-              </a:rPr>
+              <a:rPr lang="ar-SA" altLang="en-US" dirty="0" err="1"/>
               <a:t>ٱلْمَظْلُومِ</a:t>
             </a:r>
-            <a:endParaRPr lang="en-US" altLang="en-US" sz="8000" dirty="0">
-              <a:latin typeface="Arabic Typesetting" panose="03020402040406030203" pitchFamily="66" charset="-78"/>
-              <a:cs typeface="Arabic Typesetting" panose="03020402040406030203" pitchFamily="66" charset="-78"/>
-            </a:endParaRPr>
+            <a:endParaRPr lang="en-US" altLang="en-US" dirty="0"/>
           </a:p>
         </p:txBody>
       </p:sp>
@@ -15147,13 +15031,13 @@
             <a:spLocks noGrp="1" noChangeArrowheads="1"/>
           </p:cNvSpPr>
           <p:nvPr>
-            <p:ph type="subTitle" idx="1"/>
-          </p:nvPr>
-        </p:nvSpPr>
-        <p:spPr>
-          <a:xfrm>
-            <a:off x="1847851" y="3381375"/>
-            <a:ext cx="8424863" cy="1077218"/>
+            <p:ph type="body" sz="quarter" idx="10"/>
+          </p:nvPr>
+        </p:nvSpPr>
+        <p:spPr>
+          <a:xfrm>
+            <a:off x="2171700" y="4495801"/>
+            <a:ext cx="7848600" cy="1905000"/>
           </a:xfrm>
           <a:noFill/>
           <a:extLst>
@@ -15177,9 +15061,7 @@
           <a:lstStyle/>
           <a:p>
             <a:r>
-              <a:rPr lang="en-US" altLang="en-US" b="1" dirty="0">
-                <a:ea typeface="MS Mincho" charset="-128"/>
-              </a:rPr>
+              <a:rPr lang="en-US" altLang="en-US" dirty="0"/>
               <a:t>Peace be upon you, O wronged and harassed and the son of the wrong and harassed.</a:t>
             </a:r>
           </a:p>
@@ -15230,13 +15112,13 @@
             <a:spLocks noGrp="1" noChangeArrowheads="1"/>
           </p:cNvSpPr>
           <p:nvPr>
-            <p:ph type="ctrTitle"/>
-          </p:nvPr>
-        </p:nvSpPr>
-        <p:spPr>
-          <a:xfrm>
-            <a:off x="623392" y="1443306"/>
-            <a:ext cx="11089926" cy="1323439"/>
+            <p:ph type="title"/>
+          </p:nvPr>
+        </p:nvSpPr>
+        <p:spPr>
+          <a:xfrm>
+            <a:off x="0" y="1219199"/>
+            <a:ext cx="12192000" cy="1143000"/>
           </a:xfrm>
           <a:noFill/>
           <a:ln>
@@ -15282,32 +15164,19 @@
           </a:bodyPr>
           <a:lstStyle/>
           <a:p>
-            <a:pPr rtl="1"/>
-            <a:r>
-              <a:rPr lang="ar-SA" altLang="en-US" sz="8000" dirty="0">
-                <a:latin typeface="Arabic Typesetting" panose="03020402040406030203" pitchFamily="66" charset="-78"/>
-                <a:cs typeface="Arabic Typesetting" panose="03020402040406030203" pitchFamily="66" charset="-78"/>
-              </a:rPr>
+            <a:r>
+              <a:rPr lang="ar-SA" altLang="en-US" dirty="0"/>
               <a:t>لَعَنَ </a:t>
             </a:r>
             <a:r>
-              <a:rPr lang="ar-SA" altLang="en-US" sz="8000" dirty="0" err="1">
-                <a:latin typeface="Arabic Typesetting" panose="03020402040406030203" pitchFamily="66" charset="-78"/>
-                <a:cs typeface="Arabic Typesetting" panose="03020402040406030203" pitchFamily="66" charset="-78"/>
-              </a:rPr>
+              <a:rPr lang="ar-SA" altLang="en-US" dirty="0" err="1"/>
               <a:t>ٱللَّهُ</a:t>
             </a:r>
             <a:r>
-              <a:rPr lang="ar-SA" altLang="en-US" sz="8000" dirty="0">
-                <a:latin typeface="Arabic Typesetting" panose="03020402040406030203" pitchFamily="66" charset="-78"/>
-                <a:cs typeface="Arabic Typesetting" panose="03020402040406030203" pitchFamily="66" charset="-78"/>
-              </a:rPr>
+              <a:rPr lang="ar-SA" altLang="en-US" dirty="0"/>
               <a:t> أُمَّةً قَتَلَتْكَ</a:t>
             </a:r>
-            <a:endParaRPr lang="en-US" altLang="en-US" sz="8000" dirty="0">
-              <a:latin typeface="Arabic Typesetting" panose="03020402040406030203" pitchFamily="66" charset="-78"/>
-              <a:cs typeface="Arabic Typesetting" panose="03020402040406030203" pitchFamily="66" charset="-78"/>
-            </a:endParaRPr>
+            <a:endParaRPr lang="en-US" altLang="en-US" dirty="0"/>
           </a:p>
         </p:txBody>
       </p:sp>
@@ -15318,13 +15187,13 @@
             <a:spLocks noGrp="1" noChangeArrowheads="1"/>
           </p:cNvSpPr>
           <p:nvPr>
-            <p:ph type="subTitle" idx="1"/>
-          </p:nvPr>
-        </p:nvSpPr>
-        <p:spPr>
-          <a:xfrm>
-            <a:off x="1847851" y="3381375"/>
-            <a:ext cx="8424863" cy="584775"/>
+            <p:ph type="body" sz="quarter" idx="10"/>
+          </p:nvPr>
+        </p:nvSpPr>
+        <p:spPr>
+          <a:xfrm>
+            <a:off x="2171700" y="4495801"/>
+            <a:ext cx="7848600" cy="1905000"/>
           </a:xfrm>
           <a:noFill/>
           <a:extLst>
@@ -15348,9 +15217,7 @@
           <a:lstStyle/>
           <a:p>
             <a:r>
-              <a:rPr lang="en-US" altLang="en-US" b="1" dirty="0">
-                <a:ea typeface="MS Mincho" charset="-128"/>
-              </a:rPr>
+              <a:rPr lang="en-US" altLang="en-US" dirty="0"/>
               <a:t>Curse of Allah be on those who killed you.</a:t>
             </a:r>
           </a:p>
@@ -15401,13 +15268,13 @@
             <a:spLocks noGrp="1" noChangeArrowheads="1"/>
           </p:cNvSpPr>
           <p:nvPr>
-            <p:ph type="ctrTitle"/>
-          </p:nvPr>
-        </p:nvSpPr>
-        <p:spPr>
-          <a:xfrm>
-            <a:off x="623392" y="1443306"/>
-            <a:ext cx="11089926" cy="1323439"/>
+            <p:ph type="title"/>
+          </p:nvPr>
+        </p:nvSpPr>
+        <p:spPr>
+          <a:xfrm>
+            <a:off x="0" y="1219199"/>
+            <a:ext cx="12192000" cy="1143000"/>
           </a:xfrm>
           <a:noFill/>
           <a:ln>
@@ -15453,32 +15320,19 @@
           </a:bodyPr>
           <a:lstStyle/>
           <a:p>
-            <a:pPr rtl="1"/>
-            <a:r>
-              <a:rPr lang="ar-SA" altLang="en-US" sz="8000" dirty="0">
-                <a:latin typeface="Arabic Typesetting" panose="03020402040406030203" pitchFamily="66" charset="-78"/>
-                <a:cs typeface="Arabic Typesetting" panose="03020402040406030203" pitchFamily="66" charset="-78"/>
-              </a:rPr>
+            <a:r>
+              <a:rPr lang="ar-SA" altLang="en-US" dirty="0"/>
               <a:t>وَلَعَنَ </a:t>
             </a:r>
             <a:r>
-              <a:rPr lang="ar-SA" altLang="en-US" sz="8000" dirty="0" err="1">
-                <a:latin typeface="Arabic Typesetting" panose="03020402040406030203" pitchFamily="66" charset="-78"/>
-                <a:cs typeface="Arabic Typesetting" panose="03020402040406030203" pitchFamily="66" charset="-78"/>
-              </a:rPr>
+              <a:rPr lang="ar-SA" altLang="en-US" dirty="0" err="1"/>
               <a:t>ٱللَّهُ</a:t>
             </a:r>
             <a:r>
-              <a:rPr lang="ar-SA" altLang="en-US" sz="8000" dirty="0">
-                <a:latin typeface="Arabic Typesetting" panose="03020402040406030203" pitchFamily="66" charset="-78"/>
-                <a:cs typeface="Arabic Typesetting" panose="03020402040406030203" pitchFamily="66" charset="-78"/>
-              </a:rPr>
+              <a:rPr lang="ar-SA" altLang="en-US" dirty="0"/>
               <a:t> أُمَّةً ظَلَمَتْكَ</a:t>
             </a:r>
-            <a:endParaRPr lang="en-US" altLang="en-US" sz="8000" dirty="0">
-              <a:latin typeface="Arabic Typesetting" panose="03020402040406030203" pitchFamily="66" charset="-78"/>
-              <a:cs typeface="Arabic Typesetting" panose="03020402040406030203" pitchFamily="66" charset="-78"/>
-            </a:endParaRPr>
+            <a:endParaRPr lang="en-US" altLang="en-US" dirty="0"/>
           </a:p>
         </p:txBody>
       </p:sp>
@@ -15489,13 +15343,13 @@
             <a:spLocks noGrp="1" noChangeArrowheads="1"/>
           </p:cNvSpPr>
           <p:nvPr>
-            <p:ph type="subTitle" idx="1"/>
-          </p:nvPr>
-        </p:nvSpPr>
-        <p:spPr>
-          <a:xfrm>
-            <a:off x="1847851" y="3381375"/>
-            <a:ext cx="8424863" cy="584775"/>
+            <p:ph type="body" sz="quarter" idx="10"/>
+          </p:nvPr>
+        </p:nvSpPr>
+        <p:spPr>
+          <a:xfrm>
+            <a:off x="2171700" y="4495801"/>
+            <a:ext cx="7848600" cy="1905000"/>
           </a:xfrm>
           <a:noFill/>
           <a:extLst>
@@ -15519,9 +15373,7 @@
           <a:lstStyle/>
           <a:p>
             <a:r>
-              <a:rPr lang="en-US" altLang="en-US" b="1" dirty="0">
-                <a:ea typeface="MS Mincho" charset="-128"/>
-              </a:rPr>
+              <a:rPr lang="en-US" altLang="en-US" dirty="0"/>
               <a:t>Curse of Allah be on those who persecuted you.</a:t>
             </a:r>
           </a:p>
@@ -15724,13 +15576,13 @@
             <a:spLocks noGrp="1" noChangeArrowheads="1"/>
           </p:cNvSpPr>
           <p:nvPr>
-            <p:ph type="ctrTitle"/>
-          </p:nvPr>
-        </p:nvSpPr>
-        <p:spPr>
-          <a:xfrm>
-            <a:off x="623392" y="1443306"/>
-            <a:ext cx="11089926" cy="1323439"/>
+            <p:ph type="title"/>
+          </p:nvPr>
+        </p:nvSpPr>
+        <p:spPr>
+          <a:xfrm>
+            <a:off x="0" y="1219199"/>
+            <a:ext cx="12192000" cy="1143000"/>
           </a:xfrm>
           <a:noFill/>
           <a:ln>
@@ -15776,46 +15628,27 @@
           </a:bodyPr>
           <a:lstStyle/>
           <a:p>
-            <a:pPr rtl="1"/>
-            <a:r>
-              <a:rPr lang="ar-SA" altLang="en-US" sz="8000" dirty="0">
-                <a:latin typeface="Arabic Typesetting" panose="03020402040406030203" pitchFamily="66" charset="-78"/>
-                <a:cs typeface="Arabic Typesetting" panose="03020402040406030203" pitchFamily="66" charset="-78"/>
-              </a:rPr>
+            <a:r>
+              <a:rPr lang="ar-SA" altLang="en-US" dirty="0"/>
               <a:t>وَلَعَنَ </a:t>
             </a:r>
             <a:r>
-              <a:rPr lang="ar-SA" altLang="en-US" sz="8000" dirty="0" err="1">
-                <a:latin typeface="Arabic Typesetting" panose="03020402040406030203" pitchFamily="66" charset="-78"/>
-                <a:cs typeface="Arabic Typesetting" panose="03020402040406030203" pitchFamily="66" charset="-78"/>
-              </a:rPr>
+              <a:rPr lang="ar-SA" altLang="en-US" dirty="0" err="1"/>
               <a:t>ٱللَّهُ</a:t>
             </a:r>
             <a:r>
-              <a:rPr lang="ar-SA" altLang="en-US" sz="8000" dirty="0">
-                <a:latin typeface="Arabic Typesetting" panose="03020402040406030203" pitchFamily="66" charset="-78"/>
-                <a:cs typeface="Arabic Typesetting" panose="03020402040406030203" pitchFamily="66" charset="-78"/>
-              </a:rPr>
+              <a:rPr lang="ar-SA" altLang="en-US" dirty="0"/>
               <a:t> أُمَّةً سَمِعَتْ </a:t>
             </a:r>
             <a:r>
-              <a:rPr lang="ar-SA" altLang="en-US" sz="8000">
-                <a:latin typeface="Arabic Typesetting" panose="03020402040406030203" pitchFamily="66" charset="-78"/>
-                <a:cs typeface="Arabic Typesetting" panose="03020402040406030203" pitchFamily="66" charset="-78"/>
-              </a:rPr>
+              <a:rPr lang="ar-SA" altLang="en-US"/>
               <a:t>بِذٰلِكَ فَرَضِيَتْ </a:t>
             </a:r>
             <a:r>
-              <a:rPr lang="ar-SA" altLang="en-US" sz="8000" dirty="0">
-                <a:latin typeface="Arabic Typesetting" panose="03020402040406030203" pitchFamily="66" charset="-78"/>
-                <a:cs typeface="Arabic Typesetting" panose="03020402040406030203" pitchFamily="66" charset="-78"/>
-              </a:rPr>
+              <a:rPr lang="ar-SA" altLang="en-US" dirty="0"/>
               <a:t>بِهِ</a:t>
             </a:r>
-            <a:endParaRPr lang="en-US" altLang="en-US" sz="8000" dirty="0">
-              <a:latin typeface="Arabic Typesetting" panose="03020402040406030203" pitchFamily="66" charset="-78"/>
-              <a:cs typeface="Arabic Typesetting" panose="03020402040406030203" pitchFamily="66" charset="-78"/>
-            </a:endParaRPr>
+            <a:endParaRPr lang="en-US" altLang="en-US" dirty="0"/>
           </a:p>
         </p:txBody>
       </p:sp>
@@ -15826,13 +15659,13 @@
             <a:spLocks noGrp="1" noChangeArrowheads="1"/>
           </p:cNvSpPr>
           <p:nvPr>
-            <p:ph type="subTitle" idx="1"/>
-          </p:nvPr>
-        </p:nvSpPr>
-        <p:spPr>
-          <a:xfrm>
-            <a:off x="1847851" y="3381375"/>
-            <a:ext cx="8424863" cy="1077218"/>
+            <p:ph type="body" sz="quarter" idx="10"/>
+          </p:nvPr>
+        </p:nvSpPr>
+        <p:spPr>
+          <a:xfrm>
+            <a:off x="2171700" y="4495801"/>
+            <a:ext cx="7848600" cy="1905000"/>
           </a:xfrm>
           <a:noFill/>
           <a:extLst>
@@ -15856,9 +15689,7 @@
           <a:lstStyle/>
           <a:p>
             <a:r>
-              <a:rPr lang="en-US" altLang="en-US" b="1" dirty="0">
-                <a:ea typeface="MS Mincho" charset="-128"/>
-              </a:rPr>
+              <a:rPr lang="en-US" altLang="en-US" dirty="0"/>
               <a:t>Curse of Allah be on those who heard this even but rested satisfied.</a:t>
             </a:r>
           </a:p>
@@ -15909,13 +15740,13 @@
             <a:spLocks noGrp="1" noChangeArrowheads="1"/>
           </p:cNvSpPr>
           <p:nvPr>
-            <p:ph type="ctrTitle"/>
-          </p:nvPr>
-        </p:nvSpPr>
-        <p:spPr>
-          <a:xfrm>
-            <a:off x="623392" y="1443306"/>
-            <a:ext cx="11089926" cy="1323439"/>
+            <p:ph type="title"/>
+          </p:nvPr>
+        </p:nvSpPr>
+        <p:spPr>
+          <a:xfrm>
+            <a:off x="0" y="1219199"/>
+            <a:ext cx="12192000" cy="1143000"/>
           </a:xfrm>
           <a:noFill/>
           <a:ln>
@@ -15961,46 +15792,27 @@
           </a:bodyPr>
           <a:lstStyle/>
           <a:p>
-            <a:pPr rtl="1"/>
-            <a:r>
-              <a:rPr lang="ar-SA" altLang="en-US" sz="8000" dirty="0">
-                <a:latin typeface="Arabic Typesetting" panose="03020402040406030203" pitchFamily="66" charset="-78"/>
-                <a:cs typeface="Arabic Typesetting" panose="03020402040406030203" pitchFamily="66" charset="-78"/>
-              </a:rPr>
+            <a:r>
+              <a:rPr lang="ar-SA" altLang="en-US" dirty="0"/>
               <a:t>اَلسَّلاَمُ عَلَيْكَ يَا وَلِيَّ </a:t>
             </a:r>
             <a:r>
-              <a:rPr lang="ar-SA" altLang="en-US" sz="8000" dirty="0" err="1">
-                <a:latin typeface="Arabic Typesetting" panose="03020402040406030203" pitchFamily="66" charset="-78"/>
-                <a:cs typeface="Arabic Typesetting" panose="03020402040406030203" pitchFamily="66" charset="-78"/>
-              </a:rPr>
+              <a:rPr lang="ar-SA" altLang="en-US" dirty="0" err="1"/>
               <a:t>ٱللَّهِ</a:t>
             </a:r>
             <a:r>
-              <a:rPr lang="ar-SA" altLang="en-US" sz="8000" dirty="0">
-                <a:latin typeface="Arabic Typesetting" panose="03020402040406030203" pitchFamily="66" charset="-78"/>
-                <a:cs typeface="Arabic Typesetting" panose="03020402040406030203" pitchFamily="66" charset="-78"/>
-              </a:rPr>
+              <a:rPr lang="ar-SA" altLang="en-US" dirty="0"/>
               <a:t> </a:t>
             </a:r>
             <a:r>
-              <a:rPr lang="ar-SA" altLang="en-US" sz="8000" dirty="0" err="1">
-                <a:latin typeface="Arabic Typesetting" panose="03020402040406030203" pitchFamily="66" charset="-78"/>
-                <a:cs typeface="Arabic Typesetting" panose="03020402040406030203" pitchFamily="66" charset="-78"/>
-              </a:rPr>
+              <a:rPr lang="ar-SA" altLang="en-US" dirty="0" err="1"/>
               <a:t>وَٱبْنَ</a:t>
             </a:r>
             <a:r>
-              <a:rPr lang="ar-SA" altLang="en-US" sz="8000" dirty="0">
-                <a:latin typeface="Arabic Typesetting" panose="03020402040406030203" pitchFamily="66" charset="-78"/>
-                <a:cs typeface="Arabic Typesetting" panose="03020402040406030203" pitchFamily="66" charset="-78"/>
-              </a:rPr>
+              <a:rPr lang="ar-SA" altLang="en-US" dirty="0"/>
               <a:t> وَلِيِّهِ</a:t>
             </a:r>
-            <a:endParaRPr lang="en-US" altLang="en-US" sz="8000" dirty="0">
-              <a:latin typeface="Arabic Typesetting" panose="03020402040406030203" pitchFamily="66" charset="-78"/>
-              <a:cs typeface="Arabic Typesetting" panose="03020402040406030203" pitchFamily="66" charset="-78"/>
-            </a:endParaRPr>
+            <a:endParaRPr lang="en-US" altLang="en-US" dirty="0"/>
           </a:p>
         </p:txBody>
       </p:sp>
@@ -16011,13 +15823,13 @@
             <a:spLocks noGrp="1" noChangeArrowheads="1"/>
           </p:cNvSpPr>
           <p:nvPr>
-            <p:ph type="subTitle" idx="1"/>
-          </p:nvPr>
-        </p:nvSpPr>
-        <p:spPr>
-          <a:xfrm>
-            <a:off x="1847851" y="3381375"/>
-            <a:ext cx="8424863" cy="1077218"/>
+            <p:ph type="body" sz="quarter" idx="10"/>
+          </p:nvPr>
+        </p:nvSpPr>
+        <p:spPr>
+          <a:xfrm>
+            <a:off x="2171700" y="4495801"/>
+            <a:ext cx="7848600" cy="1905000"/>
           </a:xfrm>
           <a:noFill/>
           <a:extLst>
@@ -16041,9 +15853,7 @@
           <a:lstStyle/>
           <a:p>
             <a:r>
-              <a:rPr lang="en-US" altLang="en-US" b="1" dirty="0">
-                <a:ea typeface="MS Mincho" charset="-128"/>
-              </a:rPr>
+              <a:rPr lang="en-US" altLang="en-US" dirty="0"/>
               <a:t>Peace be upon you, O intimate servant of Allah and the son of His intimate servant.</a:t>
             </a:r>
           </a:p>
@@ -16094,13 +15904,13 @@
             <a:spLocks noGrp="1" noChangeArrowheads="1"/>
           </p:cNvSpPr>
           <p:nvPr>
-            <p:ph type="ctrTitle"/>
-          </p:nvPr>
-        </p:nvSpPr>
-        <p:spPr>
-          <a:xfrm>
-            <a:off x="623392" y="1443306"/>
-            <a:ext cx="11089926" cy="1323439"/>
+            <p:ph type="title"/>
+          </p:nvPr>
+        </p:nvSpPr>
+        <p:spPr>
+          <a:xfrm>
+            <a:off x="0" y="1219199"/>
+            <a:ext cx="12192000" cy="1143000"/>
           </a:xfrm>
           <a:noFill/>
           <a:ln>
@@ -16146,25 +15956,15 @@
           </a:bodyPr>
           <a:lstStyle/>
           <a:p>
-            <a:pPr rtl="1"/>
-            <a:r>
-              <a:rPr lang="ar-SA" altLang="en-US" sz="8000" dirty="0">
-                <a:latin typeface="Arabic Typesetting" panose="03020402040406030203" pitchFamily="66" charset="-78"/>
-                <a:cs typeface="Arabic Typesetting" panose="03020402040406030203" pitchFamily="66" charset="-78"/>
-              </a:rPr>
+            <a:r>
+              <a:rPr lang="ar-SA" altLang="en-US" dirty="0"/>
               <a:t>لَقَدْ عَظُمَتِ </a:t>
             </a:r>
             <a:r>
-              <a:rPr lang="ar-SA" altLang="en-US" sz="8000" dirty="0" err="1">
-                <a:latin typeface="Arabic Typesetting" panose="03020402040406030203" pitchFamily="66" charset="-78"/>
-                <a:cs typeface="Arabic Typesetting" panose="03020402040406030203" pitchFamily="66" charset="-78"/>
-              </a:rPr>
+              <a:rPr lang="ar-SA" altLang="en-US" dirty="0" err="1"/>
               <a:t>ٱلْمُصيبَةُ</a:t>
             </a:r>
-            <a:endParaRPr lang="en-US" altLang="en-US" sz="8000" dirty="0">
-              <a:latin typeface="Arabic Typesetting" panose="03020402040406030203" pitchFamily="66" charset="-78"/>
-              <a:cs typeface="Arabic Typesetting" panose="03020402040406030203" pitchFamily="66" charset="-78"/>
-            </a:endParaRPr>
+            <a:endParaRPr lang="en-US" altLang="en-US" dirty="0"/>
           </a:p>
         </p:txBody>
       </p:sp>
@@ -16175,13 +15975,13 @@
             <a:spLocks noGrp="1" noChangeArrowheads="1"/>
           </p:cNvSpPr>
           <p:nvPr>
-            <p:ph type="subTitle" idx="1"/>
-          </p:nvPr>
-        </p:nvSpPr>
-        <p:spPr>
-          <a:xfrm>
-            <a:off x="1847851" y="3381375"/>
-            <a:ext cx="8424863" cy="584775"/>
+            <p:ph type="body" sz="quarter" idx="10"/>
+          </p:nvPr>
+        </p:nvSpPr>
+        <p:spPr>
+          <a:xfrm>
+            <a:off x="2171700" y="4495801"/>
+            <a:ext cx="7848600" cy="1905000"/>
           </a:xfrm>
           <a:noFill/>
           <a:extLst>
@@ -16205,9 +16005,7 @@
           <a:lstStyle/>
           <a:p>
             <a:r>
-              <a:rPr lang="en-US" altLang="en-US" b="1" dirty="0">
-                <a:ea typeface="MS Mincho" charset="-128"/>
-              </a:rPr>
+              <a:rPr lang="en-US" altLang="en-US" dirty="0"/>
               <a:t>Extremely terrible was the calamity</a:t>
             </a:r>
           </a:p>
@@ -16258,13 +16056,13 @@
             <a:spLocks noGrp="1" noChangeArrowheads="1"/>
           </p:cNvSpPr>
           <p:nvPr>
-            <p:ph type="ctrTitle"/>
-          </p:nvPr>
-        </p:nvSpPr>
-        <p:spPr>
-          <a:xfrm>
-            <a:off x="623392" y="1443306"/>
-            <a:ext cx="11089926" cy="1323439"/>
+            <p:ph type="title"/>
+          </p:nvPr>
+        </p:nvSpPr>
+        <p:spPr>
+          <a:xfrm>
+            <a:off x="0" y="1219199"/>
+            <a:ext cx="12192000" cy="1143000"/>
           </a:xfrm>
           <a:noFill/>
           <a:ln>
@@ -16310,32 +16108,19 @@
           </a:bodyPr>
           <a:lstStyle/>
           <a:p>
-            <a:pPr rtl="1"/>
-            <a:r>
-              <a:rPr lang="ar-SA" altLang="en-US" sz="8000" dirty="0">
-                <a:latin typeface="Arabic Typesetting" panose="03020402040406030203" pitchFamily="66" charset="-78"/>
-                <a:cs typeface="Arabic Typesetting" panose="03020402040406030203" pitchFamily="66" charset="-78"/>
-              </a:rPr>
+            <a:r>
+              <a:rPr lang="ar-SA" altLang="en-US" dirty="0"/>
               <a:t>وَجَلَّتِ </a:t>
             </a:r>
             <a:r>
-              <a:rPr lang="ar-SA" altLang="en-US" sz="8000" dirty="0" err="1">
-                <a:latin typeface="Arabic Typesetting" panose="03020402040406030203" pitchFamily="66" charset="-78"/>
-                <a:cs typeface="Arabic Typesetting" panose="03020402040406030203" pitchFamily="66" charset="-78"/>
-              </a:rPr>
+              <a:rPr lang="ar-SA" altLang="en-US" dirty="0" err="1"/>
               <a:t>ٱلرَّزِيَّةُ</a:t>
             </a:r>
             <a:r>
-              <a:rPr lang="ar-SA" altLang="en-US" sz="8000" dirty="0">
-                <a:latin typeface="Arabic Typesetting" panose="03020402040406030203" pitchFamily="66" charset="-78"/>
-                <a:cs typeface="Arabic Typesetting" panose="03020402040406030203" pitchFamily="66" charset="-78"/>
-              </a:rPr>
+              <a:rPr lang="ar-SA" altLang="en-US" dirty="0"/>
               <a:t> بِكَ عَلَيْنَا</a:t>
             </a:r>
-            <a:endParaRPr lang="en-US" altLang="en-US" sz="8000" dirty="0">
-              <a:latin typeface="Arabic Typesetting" panose="03020402040406030203" pitchFamily="66" charset="-78"/>
-              <a:cs typeface="Arabic Typesetting" panose="03020402040406030203" pitchFamily="66" charset="-78"/>
-            </a:endParaRPr>
+            <a:endParaRPr lang="en-US" altLang="en-US" dirty="0"/>
           </a:p>
         </p:txBody>
       </p:sp>
@@ -16346,13 +16131,13 @@
             <a:spLocks noGrp="1" noChangeArrowheads="1"/>
           </p:cNvSpPr>
           <p:nvPr>
-            <p:ph type="subTitle" idx="1"/>
-          </p:nvPr>
-        </p:nvSpPr>
-        <p:spPr>
-          <a:xfrm>
-            <a:off x="1847851" y="3381375"/>
-            <a:ext cx="8424863" cy="1077218"/>
+            <p:ph type="body" sz="quarter" idx="10"/>
+          </p:nvPr>
+        </p:nvSpPr>
+        <p:spPr>
+          <a:xfrm>
+            <a:off x="2171700" y="4495801"/>
+            <a:ext cx="7848600" cy="1905000"/>
           </a:xfrm>
           <a:noFill/>
           <a:extLst>
@@ -16376,9 +16161,7 @@
           <a:lstStyle/>
           <a:p>
             <a:r>
-              <a:rPr lang="en-US" altLang="en-US" b="1" dirty="0">
-                <a:ea typeface="MS Mincho" charset="-128"/>
-              </a:rPr>
+              <a:rPr lang="en-US" altLang="en-US" dirty="0"/>
               <a:t>and astounding is the misfortune that you suffered, upon us</a:t>
             </a:r>
           </a:p>
@@ -16429,13 +16212,13 @@
             <a:spLocks noGrp="1" noChangeArrowheads="1"/>
           </p:cNvSpPr>
           <p:nvPr>
-            <p:ph type="ctrTitle"/>
-          </p:nvPr>
-        </p:nvSpPr>
-        <p:spPr>
-          <a:xfrm>
-            <a:off x="623392" y="1443306"/>
-            <a:ext cx="11089926" cy="1323439"/>
+            <p:ph type="title"/>
+          </p:nvPr>
+        </p:nvSpPr>
+        <p:spPr>
+          <a:xfrm>
+            <a:off x="0" y="1219199"/>
+            <a:ext cx="12192000" cy="1143000"/>
           </a:xfrm>
           <a:noFill/>
           <a:ln>
@@ -16481,25 +16264,15 @@
           </a:bodyPr>
           <a:lstStyle/>
           <a:p>
-            <a:pPr rtl="1"/>
-            <a:r>
-              <a:rPr lang="ar-SA" altLang="en-US" sz="8000" dirty="0">
-                <a:latin typeface="Arabic Typesetting" panose="03020402040406030203" pitchFamily="66" charset="-78"/>
-                <a:cs typeface="Arabic Typesetting" panose="03020402040406030203" pitchFamily="66" charset="-78"/>
-              </a:rPr>
+            <a:r>
+              <a:rPr lang="ar-SA" altLang="en-US" dirty="0"/>
               <a:t>وَعَلٰى جَمِيعِ </a:t>
             </a:r>
             <a:r>
-              <a:rPr lang="ar-SA" altLang="en-US" sz="8000" dirty="0" err="1">
-                <a:latin typeface="Arabic Typesetting" panose="03020402040406030203" pitchFamily="66" charset="-78"/>
-                <a:cs typeface="Arabic Typesetting" panose="03020402040406030203" pitchFamily="66" charset="-78"/>
-              </a:rPr>
+              <a:rPr lang="ar-SA" altLang="en-US" dirty="0" err="1"/>
               <a:t>ٱلْمُسْلِمينَ</a:t>
             </a:r>
-            <a:endParaRPr lang="en-US" altLang="en-US" sz="8000" dirty="0">
-              <a:latin typeface="Arabic Typesetting" panose="03020402040406030203" pitchFamily="66" charset="-78"/>
-              <a:cs typeface="Arabic Typesetting" panose="03020402040406030203" pitchFamily="66" charset="-78"/>
-            </a:endParaRPr>
+            <a:endParaRPr lang="en-US" altLang="en-US" dirty="0"/>
           </a:p>
         </p:txBody>
       </p:sp>
@@ -16510,13 +16283,13 @@
             <a:spLocks noGrp="1" noChangeArrowheads="1"/>
           </p:cNvSpPr>
           <p:nvPr>
-            <p:ph type="subTitle" idx="1"/>
-          </p:nvPr>
-        </p:nvSpPr>
-        <p:spPr>
-          <a:xfrm>
-            <a:off x="1847851" y="3381375"/>
-            <a:ext cx="8424863" cy="584775"/>
+            <p:ph type="body" sz="quarter" idx="10"/>
+          </p:nvPr>
+        </p:nvSpPr>
+        <p:spPr>
+          <a:xfrm>
+            <a:off x="2171700" y="4495801"/>
+            <a:ext cx="7848600" cy="1905000"/>
           </a:xfrm>
           <a:noFill/>
           <a:extLst>
@@ -16540,9 +16313,7 @@
           <a:lstStyle/>
           <a:p>
             <a:r>
-              <a:rPr lang="en-US" altLang="en-US" b="1" dirty="0">
-                <a:ea typeface="MS Mincho" charset="-128"/>
-              </a:rPr>
+              <a:rPr lang="en-US" altLang="en-US" dirty="0"/>
               <a:t>and upon all Muslims.</a:t>
             </a:r>
           </a:p>
@@ -16593,13 +16364,13 @@
             <a:spLocks noGrp="1" noChangeArrowheads="1"/>
           </p:cNvSpPr>
           <p:nvPr>
-            <p:ph type="ctrTitle"/>
-          </p:nvPr>
-        </p:nvSpPr>
-        <p:spPr>
-          <a:xfrm>
-            <a:off x="623392" y="1443306"/>
-            <a:ext cx="11089926" cy="1323439"/>
+            <p:ph type="title"/>
+          </p:nvPr>
+        </p:nvSpPr>
+        <p:spPr>
+          <a:xfrm>
+            <a:off x="0" y="1219199"/>
+            <a:ext cx="12192000" cy="1143000"/>
           </a:xfrm>
           <a:noFill/>
           <a:ln>
@@ -16645,32 +16416,19 @@
           </a:bodyPr>
           <a:lstStyle/>
           <a:p>
-            <a:pPr rtl="1"/>
-            <a:r>
-              <a:rPr lang="ar-SA" altLang="en-US" sz="8000" dirty="0">
-                <a:latin typeface="Arabic Typesetting" panose="03020402040406030203" pitchFamily="66" charset="-78"/>
-                <a:cs typeface="Arabic Typesetting" panose="03020402040406030203" pitchFamily="66" charset="-78"/>
-              </a:rPr>
+            <a:r>
+              <a:rPr lang="ar-SA" altLang="en-US" dirty="0"/>
               <a:t>فَلَعَنَ </a:t>
             </a:r>
             <a:r>
-              <a:rPr lang="ar-SA" altLang="en-US" sz="8000" dirty="0" err="1">
-                <a:latin typeface="Arabic Typesetting" panose="03020402040406030203" pitchFamily="66" charset="-78"/>
-                <a:cs typeface="Arabic Typesetting" panose="03020402040406030203" pitchFamily="66" charset="-78"/>
-              </a:rPr>
+              <a:rPr lang="ar-SA" altLang="en-US" dirty="0" err="1"/>
               <a:t>ٱللَّهُ</a:t>
             </a:r>
             <a:r>
-              <a:rPr lang="ar-SA" altLang="en-US" sz="8000" dirty="0">
-                <a:latin typeface="Arabic Typesetting" panose="03020402040406030203" pitchFamily="66" charset="-78"/>
-                <a:cs typeface="Arabic Typesetting" panose="03020402040406030203" pitchFamily="66" charset="-78"/>
-              </a:rPr>
+              <a:rPr lang="ar-SA" altLang="en-US" dirty="0"/>
               <a:t> أُمَّةً قَتَلَتْكَ</a:t>
             </a:r>
-            <a:endParaRPr lang="en-US" altLang="en-US" sz="8000" dirty="0">
-              <a:latin typeface="Arabic Typesetting" panose="03020402040406030203" pitchFamily="66" charset="-78"/>
-              <a:cs typeface="Arabic Typesetting" panose="03020402040406030203" pitchFamily="66" charset="-78"/>
-            </a:endParaRPr>
+            <a:endParaRPr lang="en-US" altLang="en-US" dirty="0"/>
           </a:p>
         </p:txBody>
       </p:sp>
@@ -16681,13 +16439,13 @@
             <a:spLocks noGrp="1" noChangeArrowheads="1"/>
           </p:cNvSpPr>
           <p:nvPr>
-            <p:ph type="subTitle" idx="1"/>
-          </p:nvPr>
-        </p:nvSpPr>
-        <p:spPr>
-          <a:xfrm>
-            <a:off x="1847851" y="3381375"/>
-            <a:ext cx="8424863" cy="584775"/>
+            <p:ph type="body" sz="quarter" idx="10"/>
+          </p:nvPr>
+        </p:nvSpPr>
+        <p:spPr>
+          <a:xfrm>
+            <a:off x="2171700" y="4495801"/>
+            <a:ext cx="7848600" cy="1905000"/>
           </a:xfrm>
           <a:noFill/>
           <a:extLst>
@@ -16711,9 +16469,7 @@
           <a:lstStyle/>
           <a:p>
             <a:r>
-              <a:rPr lang="en-US" altLang="en-US" b="1" dirty="0">
-                <a:ea typeface="MS Mincho" charset="-128"/>
-              </a:rPr>
+              <a:rPr lang="en-US" altLang="en-US" dirty="0"/>
               <a:t>So, curse of Allah be on those who killed you</a:t>
             </a:r>
           </a:p>
@@ -17062,13 +16818,13 @@
             <a:spLocks noGrp="1" noChangeArrowheads="1"/>
           </p:cNvSpPr>
           <p:nvPr>
-            <p:ph type="ctrTitle"/>
-          </p:nvPr>
-        </p:nvSpPr>
-        <p:spPr>
-          <a:xfrm>
-            <a:off x="623392" y="1443306"/>
-            <a:ext cx="11089926" cy="1323439"/>
+            <p:ph type="title"/>
+          </p:nvPr>
+        </p:nvSpPr>
+        <p:spPr>
+          <a:xfrm>
+            <a:off x="0" y="1219199"/>
+            <a:ext cx="12192000" cy="1143000"/>
           </a:xfrm>
           <a:noFill/>
           <a:ln>
@@ -17114,32 +16870,19 @@
           </a:bodyPr>
           <a:lstStyle/>
           <a:p>
-            <a:pPr rtl="1"/>
-            <a:r>
-              <a:rPr lang="ar-SA" altLang="en-US" sz="8000" dirty="0">
-                <a:latin typeface="Arabic Typesetting" panose="03020402040406030203" pitchFamily="66" charset="-78"/>
-                <a:cs typeface="Arabic Typesetting" panose="03020402040406030203" pitchFamily="66" charset="-78"/>
-              </a:rPr>
+            <a:r>
+              <a:rPr lang="ar-SA" altLang="en-US" dirty="0"/>
               <a:t>اَلسَّلاَمُ عَلَيْكُمْ يَا أَوْلِيَاءَ </a:t>
             </a:r>
             <a:r>
-              <a:rPr lang="ar-SA" altLang="en-US" sz="8000" dirty="0" err="1">
-                <a:latin typeface="Arabic Typesetting" panose="03020402040406030203" pitchFamily="66" charset="-78"/>
-                <a:cs typeface="Arabic Typesetting" panose="03020402040406030203" pitchFamily="66" charset="-78"/>
-              </a:rPr>
+              <a:rPr lang="ar-SA" altLang="en-US" dirty="0" err="1"/>
               <a:t>ٱللَّهِ</a:t>
             </a:r>
             <a:r>
-              <a:rPr lang="ar-SA" altLang="en-US" sz="8000" dirty="0">
-                <a:latin typeface="Arabic Typesetting" panose="03020402040406030203" pitchFamily="66" charset="-78"/>
-                <a:cs typeface="Arabic Typesetting" panose="03020402040406030203" pitchFamily="66" charset="-78"/>
-              </a:rPr>
+              <a:rPr lang="ar-SA" altLang="en-US" dirty="0"/>
               <a:t> وَأَحِبَّائَهُ</a:t>
             </a:r>
-            <a:endParaRPr lang="en-US" altLang="en-US" sz="8000" dirty="0">
-              <a:latin typeface="Arabic Typesetting" panose="03020402040406030203" pitchFamily="66" charset="-78"/>
-              <a:cs typeface="Arabic Typesetting" panose="03020402040406030203" pitchFamily="66" charset="-78"/>
-            </a:endParaRPr>
+            <a:endParaRPr lang="en-US" altLang="en-US" dirty="0"/>
           </a:p>
         </p:txBody>
       </p:sp>
@@ -17150,13 +16893,13 @@
             <a:spLocks noGrp="1" noChangeArrowheads="1"/>
           </p:cNvSpPr>
           <p:nvPr>
-            <p:ph type="subTitle" idx="1"/>
-          </p:nvPr>
-        </p:nvSpPr>
-        <p:spPr>
-          <a:xfrm>
-            <a:off x="1847851" y="3381375"/>
-            <a:ext cx="8424863" cy="1077218"/>
+            <p:ph type="body" sz="quarter" idx="10"/>
+          </p:nvPr>
+        </p:nvSpPr>
+        <p:spPr>
+          <a:xfrm>
+            <a:off x="2171700" y="4495801"/>
+            <a:ext cx="7848600" cy="1905000"/>
           </a:xfrm>
           <a:noFill/>
           <a:extLst>
@@ -17180,9 +16923,7 @@
           <a:lstStyle/>
           <a:p>
             <a:r>
-              <a:rPr lang="en-US" altLang="en-US" b="1" dirty="0">
-                <a:ea typeface="MS Mincho" charset="-128"/>
-              </a:rPr>
+              <a:rPr lang="en-US" altLang="en-US" dirty="0"/>
               <a:t>Peace be upon all of you, O friends and dears of Allah.</a:t>
             </a:r>
           </a:p>
@@ -17233,13 +16974,13 @@
             <a:spLocks noGrp="1" noChangeArrowheads="1"/>
           </p:cNvSpPr>
           <p:nvPr>
-            <p:ph type="ctrTitle"/>
-          </p:nvPr>
-        </p:nvSpPr>
-        <p:spPr>
-          <a:xfrm>
-            <a:off x="623392" y="1443306"/>
-            <a:ext cx="11089926" cy="1323439"/>
+            <p:ph type="title"/>
+          </p:nvPr>
+        </p:nvSpPr>
+        <p:spPr>
+          <a:xfrm>
+            <a:off x="0" y="1219199"/>
+            <a:ext cx="12192000" cy="1143000"/>
           </a:xfrm>
           <a:noFill/>
           <a:ln>
@@ -17285,39 +17026,23 @@
           </a:bodyPr>
           <a:lstStyle/>
           <a:p>
-            <a:pPr rtl="1"/>
-            <a:r>
-              <a:rPr lang="ar-SA" altLang="en-US" sz="8000" dirty="0">
-                <a:latin typeface="Arabic Typesetting" panose="03020402040406030203" pitchFamily="66" charset="-78"/>
-                <a:cs typeface="Arabic Typesetting" panose="03020402040406030203" pitchFamily="66" charset="-78"/>
-              </a:rPr>
+            <a:r>
+              <a:rPr lang="ar-SA" altLang="en-US" dirty="0"/>
               <a:t>اَلسَّلاَمُ عَلَيْكُمْ يَا أَصْفِيَاءَ </a:t>
             </a:r>
             <a:r>
-              <a:rPr lang="ar-SA" altLang="en-US" sz="8000" dirty="0" err="1">
-                <a:latin typeface="Arabic Typesetting" panose="03020402040406030203" pitchFamily="66" charset="-78"/>
-                <a:cs typeface="Arabic Typesetting" panose="03020402040406030203" pitchFamily="66" charset="-78"/>
-              </a:rPr>
+              <a:rPr lang="ar-SA" altLang="en-US" dirty="0" err="1"/>
               <a:t>ٱللَّهِ</a:t>
             </a:r>
             <a:r>
-              <a:rPr lang="ar-SA" altLang="en-US" sz="8000" dirty="0">
-                <a:latin typeface="Arabic Typesetting" panose="03020402040406030203" pitchFamily="66" charset="-78"/>
-                <a:cs typeface="Arabic Typesetting" panose="03020402040406030203" pitchFamily="66" charset="-78"/>
-              </a:rPr>
+              <a:rPr lang="ar-SA" altLang="en-US" dirty="0"/>
               <a:t> </a:t>
             </a:r>
             <a:r>
-              <a:rPr lang="ar-SA" altLang="en-US" sz="8000" dirty="0" err="1">
-                <a:latin typeface="Arabic Typesetting" panose="03020402040406030203" pitchFamily="66" charset="-78"/>
-                <a:cs typeface="Arabic Typesetting" panose="03020402040406030203" pitchFamily="66" charset="-78"/>
-              </a:rPr>
+              <a:rPr lang="ar-SA" altLang="en-US" dirty="0" err="1"/>
               <a:t>وَأَوِدَّاءَهُ</a:t>
             </a:r>
-            <a:endParaRPr lang="en-US" altLang="en-US" sz="8000" dirty="0">
-              <a:latin typeface="Arabic Typesetting" panose="03020402040406030203" pitchFamily="66" charset="-78"/>
-              <a:cs typeface="Arabic Typesetting" panose="03020402040406030203" pitchFamily="66" charset="-78"/>
-            </a:endParaRPr>
+            <a:endParaRPr lang="en-US" altLang="en-US" dirty="0"/>
           </a:p>
         </p:txBody>
       </p:sp>
@@ -17328,13 +17053,13 @@
             <a:spLocks noGrp="1" noChangeArrowheads="1"/>
           </p:cNvSpPr>
           <p:nvPr>
-            <p:ph type="subTitle" idx="1"/>
-          </p:nvPr>
-        </p:nvSpPr>
-        <p:spPr>
-          <a:xfrm>
-            <a:off x="1847851" y="3381375"/>
-            <a:ext cx="8424863" cy="1077218"/>
+            <p:ph type="body" sz="quarter" idx="10"/>
+          </p:nvPr>
+        </p:nvSpPr>
+        <p:spPr>
+          <a:xfrm>
+            <a:off x="2171700" y="4495801"/>
+            <a:ext cx="7848600" cy="1905000"/>
           </a:xfrm>
           <a:noFill/>
           <a:extLst>
@@ -17358,9 +17083,7 @@
           <a:lstStyle/>
           <a:p>
             <a:r>
-              <a:rPr lang="en-US" altLang="en-US" b="1" dirty="0">
-                <a:ea typeface="MS Mincho" charset="-128"/>
-              </a:rPr>
+              <a:rPr lang="en-US" altLang="en-US" dirty="0"/>
               <a:t>Peace be upon all of you, O choice of Allah and sincerely attached to Him.</a:t>
             </a:r>
           </a:p>
@@ -17563,13 +17286,13 @@
             <a:spLocks noGrp="1" noChangeArrowheads="1"/>
           </p:cNvSpPr>
           <p:nvPr>
-            <p:ph type="ctrTitle"/>
-          </p:nvPr>
-        </p:nvSpPr>
-        <p:spPr>
-          <a:xfrm>
-            <a:off x="623392" y="1443306"/>
-            <a:ext cx="11089926" cy="1323439"/>
+            <p:ph type="title"/>
+          </p:nvPr>
+        </p:nvSpPr>
+        <p:spPr>
+          <a:xfrm>
+            <a:off x="0" y="1219199"/>
+            <a:ext cx="12192000" cy="1143000"/>
           </a:xfrm>
           <a:noFill/>
           <a:ln>
@@ -17615,25 +17338,15 @@
           </a:bodyPr>
           <a:lstStyle/>
           <a:p>
-            <a:pPr rtl="1"/>
-            <a:r>
-              <a:rPr lang="ar-SA" altLang="en-US" sz="8000" dirty="0">
-                <a:latin typeface="Arabic Typesetting" panose="03020402040406030203" pitchFamily="66" charset="-78"/>
-                <a:cs typeface="Arabic Typesetting" panose="03020402040406030203" pitchFamily="66" charset="-78"/>
-              </a:rPr>
+            <a:r>
+              <a:rPr lang="ar-SA" altLang="en-US" dirty="0"/>
               <a:t>اَلسَّلاَمُ عَلَيْكُمْ يَا أَنْصَارَ دِينِ </a:t>
             </a:r>
             <a:r>
-              <a:rPr lang="ar-SA" altLang="en-US" sz="8000" dirty="0" err="1">
-                <a:latin typeface="Arabic Typesetting" panose="03020402040406030203" pitchFamily="66" charset="-78"/>
-                <a:cs typeface="Arabic Typesetting" panose="03020402040406030203" pitchFamily="66" charset="-78"/>
-              </a:rPr>
+              <a:rPr lang="ar-SA" altLang="en-US" dirty="0" err="1"/>
               <a:t>ٱللَّهِ</a:t>
             </a:r>
-            <a:endParaRPr lang="en-US" altLang="en-US" sz="8000" dirty="0">
-              <a:latin typeface="Arabic Typesetting" panose="03020402040406030203" pitchFamily="66" charset="-78"/>
-              <a:cs typeface="Arabic Typesetting" panose="03020402040406030203" pitchFamily="66" charset="-78"/>
-            </a:endParaRPr>
+            <a:endParaRPr lang="en-US" altLang="en-US" dirty="0"/>
           </a:p>
         </p:txBody>
       </p:sp>
@@ -17644,13 +17357,13 @@
             <a:spLocks noGrp="1" noChangeArrowheads="1"/>
           </p:cNvSpPr>
           <p:nvPr>
-            <p:ph type="subTitle" idx="1"/>
-          </p:nvPr>
-        </p:nvSpPr>
-        <p:spPr>
-          <a:xfrm>
-            <a:off x="1847851" y="3381375"/>
-            <a:ext cx="8424863" cy="1077218"/>
+            <p:ph type="body" sz="quarter" idx="10"/>
+          </p:nvPr>
+        </p:nvSpPr>
+        <p:spPr>
+          <a:xfrm>
+            <a:off x="2171700" y="4495801"/>
+            <a:ext cx="7848600" cy="1905000"/>
           </a:xfrm>
           <a:noFill/>
           <a:extLst>
@@ -17674,9 +17387,7 @@
           <a:lstStyle/>
           <a:p>
             <a:r>
-              <a:rPr lang="en-US" altLang="en-US" b="1" dirty="0">
-                <a:ea typeface="MS Mincho" charset="-128"/>
-              </a:rPr>
+              <a:rPr lang="en-US" altLang="en-US" dirty="0"/>
               <a:t>Peace be upon all of you, O supporters of Allah’s religion.</a:t>
             </a:r>
           </a:p>
@@ -17727,13 +17438,13 @@
             <a:spLocks noGrp="1" noChangeArrowheads="1"/>
           </p:cNvSpPr>
           <p:nvPr>
-            <p:ph type="ctrTitle"/>
-          </p:nvPr>
-        </p:nvSpPr>
-        <p:spPr>
-          <a:xfrm>
-            <a:off x="623392" y="1443306"/>
-            <a:ext cx="11089926" cy="1323439"/>
+            <p:ph type="title"/>
+          </p:nvPr>
+        </p:nvSpPr>
+        <p:spPr>
+          <a:xfrm>
+            <a:off x="0" y="1219199"/>
+            <a:ext cx="12192000" cy="1143000"/>
           </a:xfrm>
           <a:noFill/>
           <a:ln>
@@ -17779,25 +17490,15 @@
           </a:bodyPr>
           <a:lstStyle/>
           <a:p>
-            <a:pPr rtl="1"/>
-            <a:r>
-              <a:rPr lang="ar-SA" altLang="en-US" sz="8000" dirty="0">
-                <a:latin typeface="Arabic Typesetting" panose="03020402040406030203" pitchFamily="66" charset="-78"/>
-                <a:cs typeface="Arabic Typesetting" panose="03020402040406030203" pitchFamily="66" charset="-78"/>
-              </a:rPr>
+            <a:r>
+              <a:rPr lang="ar-SA" altLang="en-US" dirty="0"/>
               <a:t>اَلسَّلاَمُ عَلَيْكُمْ يَا أَنْصَارَ رَسُولِ </a:t>
             </a:r>
             <a:r>
-              <a:rPr lang="ar-SA" altLang="en-US" sz="8000" dirty="0" err="1">
-                <a:latin typeface="Arabic Typesetting" panose="03020402040406030203" pitchFamily="66" charset="-78"/>
-                <a:cs typeface="Arabic Typesetting" panose="03020402040406030203" pitchFamily="66" charset="-78"/>
-              </a:rPr>
+              <a:rPr lang="ar-SA" altLang="en-US" dirty="0" err="1"/>
               <a:t>ٱللَّهِ</a:t>
             </a:r>
-            <a:endParaRPr lang="en-US" altLang="en-US" sz="8000" dirty="0">
-              <a:latin typeface="Arabic Typesetting" panose="03020402040406030203" pitchFamily="66" charset="-78"/>
-              <a:cs typeface="Arabic Typesetting" panose="03020402040406030203" pitchFamily="66" charset="-78"/>
-            </a:endParaRPr>
+            <a:endParaRPr lang="en-US" altLang="en-US" dirty="0"/>
           </a:p>
         </p:txBody>
       </p:sp>
@@ -17808,13 +17509,13 @@
             <a:spLocks noGrp="1" noChangeArrowheads="1"/>
           </p:cNvSpPr>
           <p:nvPr>
-            <p:ph type="subTitle" idx="1"/>
-          </p:nvPr>
-        </p:nvSpPr>
-        <p:spPr>
-          <a:xfrm>
-            <a:off x="1847851" y="3381375"/>
-            <a:ext cx="8424863" cy="1077218"/>
+            <p:ph type="body" sz="quarter" idx="10"/>
+          </p:nvPr>
+        </p:nvSpPr>
+        <p:spPr>
+          <a:xfrm>
+            <a:off x="2171700" y="4495801"/>
+            <a:ext cx="7848600" cy="1905000"/>
           </a:xfrm>
           <a:noFill/>
           <a:extLst>
@@ -17838,9 +17539,7 @@
           <a:lstStyle/>
           <a:p>
             <a:r>
-              <a:rPr lang="en-US" altLang="en-US" b="1" dirty="0">
-                <a:ea typeface="MS Mincho" charset="-128"/>
-              </a:rPr>
+              <a:rPr lang="en-US" altLang="en-US" dirty="0"/>
               <a:t>Peace be upon all of you, O supporters of the Messenger of Allah.</a:t>
             </a:r>
           </a:p>
@@ -17891,13 +17590,13 @@
             <a:spLocks noGrp="1" noChangeArrowheads="1"/>
           </p:cNvSpPr>
           <p:nvPr>
-            <p:ph type="ctrTitle"/>
-          </p:nvPr>
-        </p:nvSpPr>
-        <p:spPr>
-          <a:xfrm>
-            <a:off x="623392" y="1443306"/>
-            <a:ext cx="11089926" cy="1323439"/>
+            <p:ph type="title"/>
+          </p:nvPr>
+        </p:nvSpPr>
+        <p:spPr>
+          <a:xfrm>
+            <a:off x="0" y="1219199"/>
+            <a:ext cx="12192000" cy="1143000"/>
           </a:xfrm>
           <a:noFill/>
           <a:ln>
@@ -17943,25 +17642,15 @@
           </a:bodyPr>
           <a:lstStyle/>
           <a:p>
-            <a:pPr rtl="1"/>
-            <a:r>
-              <a:rPr lang="ar-SA" altLang="en-US" sz="8000" dirty="0">
-                <a:latin typeface="Arabic Typesetting" panose="03020402040406030203" pitchFamily="66" charset="-78"/>
-                <a:cs typeface="Arabic Typesetting" panose="03020402040406030203" pitchFamily="66" charset="-78"/>
-              </a:rPr>
+            <a:r>
+              <a:rPr lang="ar-SA" altLang="en-US" dirty="0"/>
               <a:t>اَلسَّلاَمُ عَلَيْكُمْ يَا أَنْصَارَ أَمِيرِ </a:t>
             </a:r>
             <a:r>
-              <a:rPr lang="ar-SA" altLang="en-US" sz="8000" dirty="0" err="1">
-                <a:latin typeface="Arabic Typesetting" panose="03020402040406030203" pitchFamily="66" charset="-78"/>
-                <a:cs typeface="Arabic Typesetting" panose="03020402040406030203" pitchFamily="66" charset="-78"/>
-              </a:rPr>
+              <a:rPr lang="ar-SA" altLang="en-US" dirty="0" err="1"/>
               <a:t>ٱلْمُؤْمِنِينَ</a:t>
             </a:r>
-            <a:endParaRPr lang="en-US" altLang="en-US" sz="8000" dirty="0">
-              <a:latin typeface="Arabic Typesetting" panose="03020402040406030203" pitchFamily="66" charset="-78"/>
-              <a:cs typeface="Arabic Typesetting" panose="03020402040406030203" pitchFamily="66" charset="-78"/>
-            </a:endParaRPr>
+            <a:endParaRPr lang="en-US" altLang="en-US" dirty="0"/>
           </a:p>
         </p:txBody>
       </p:sp>
@@ -17972,13 +17661,13 @@
             <a:spLocks noGrp="1" noChangeArrowheads="1"/>
           </p:cNvSpPr>
           <p:nvPr>
-            <p:ph type="subTitle" idx="1"/>
-          </p:nvPr>
-        </p:nvSpPr>
-        <p:spPr>
-          <a:xfrm>
-            <a:off x="1847851" y="3381375"/>
-            <a:ext cx="8424863" cy="1077218"/>
+            <p:ph type="body" sz="quarter" idx="10"/>
+          </p:nvPr>
+        </p:nvSpPr>
+        <p:spPr>
+          <a:xfrm>
+            <a:off x="2171700" y="4495801"/>
+            <a:ext cx="7848600" cy="1905000"/>
           </a:xfrm>
           <a:noFill/>
           <a:extLst>
@@ -18002,9 +17691,7 @@
           <a:lstStyle/>
           <a:p>
             <a:r>
-              <a:rPr lang="en-US" altLang="en-US" b="1" dirty="0">
-                <a:ea typeface="MS Mincho" charset="-128"/>
-              </a:rPr>
+              <a:rPr lang="en-US" altLang="en-US" dirty="0"/>
               <a:t>Peace be upon all of you, O supporters of the Commander of the Faithful.</a:t>
             </a:r>
           </a:p>
@@ -18055,13 +17742,13 @@
             <a:spLocks noGrp="1" noChangeArrowheads="1"/>
           </p:cNvSpPr>
           <p:nvPr>
-            <p:ph type="ctrTitle"/>
-          </p:nvPr>
-        </p:nvSpPr>
-        <p:spPr>
-          <a:xfrm>
-            <a:off x="623392" y="1443306"/>
-            <a:ext cx="11089926" cy="1323439"/>
+            <p:ph type="title"/>
+          </p:nvPr>
+        </p:nvSpPr>
+        <p:spPr>
+          <a:xfrm>
+            <a:off x="0" y="1219199"/>
+            <a:ext cx="12192000" cy="1143000"/>
           </a:xfrm>
           <a:noFill/>
           <a:ln>
@@ -18107,25 +17794,15 @@
           </a:bodyPr>
           <a:lstStyle/>
           <a:p>
-            <a:pPr rtl="1"/>
-            <a:r>
-              <a:rPr lang="ar-SA" altLang="en-US" sz="8000" dirty="0">
-                <a:latin typeface="Arabic Typesetting" panose="03020402040406030203" pitchFamily="66" charset="-78"/>
-                <a:cs typeface="Arabic Typesetting" panose="03020402040406030203" pitchFamily="66" charset="-78"/>
-              </a:rPr>
+            <a:r>
+              <a:rPr lang="ar-SA" altLang="en-US" dirty="0"/>
               <a:t>اَلسَّلاَمُ عَلَيْكُمْ يَا أَنْصَارَ فَاطِمَةَ سَيِّدَةِ نِسَاءِ </a:t>
             </a:r>
             <a:r>
-              <a:rPr lang="ar-SA" altLang="en-US" sz="8000" dirty="0" err="1">
-                <a:latin typeface="Arabic Typesetting" panose="03020402040406030203" pitchFamily="66" charset="-78"/>
-                <a:cs typeface="Arabic Typesetting" panose="03020402040406030203" pitchFamily="66" charset="-78"/>
-              </a:rPr>
+              <a:rPr lang="ar-SA" altLang="en-US" dirty="0" err="1"/>
               <a:t>ٱلْعَالَمِينَ</a:t>
             </a:r>
-            <a:endParaRPr lang="en-US" altLang="en-US" sz="8000" dirty="0">
-              <a:latin typeface="Arabic Typesetting" panose="03020402040406030203" pitchFamily="66" charset="-78"/>
-              <a:cs typeface="Arabic Typesetting" panose="03020402040406030203" pitchFamily="66" charset="-78"/>
-            </a:endParaRPr>
+            <a:endParaRPr lang="en-US" altLang="en-US" dirty="0"/>
           </a:p>
         </p:txBody>
       </p:sp>
@@ -18136,13 +17813,13 @@
             <a:spLocks noGrp="1" noChangeArrowheads="1"/>
           </p:cNvSpPr>
           <p:nvPr>
-            <p:ph type="subTitle" idx="1"/>
-          </p:nvPr>
-        </p:nvSpPr>
-        <p:spPr>
-          <a:xfrm>
-            <a:off x="1847851" y="3381375"/>
-            <a:ext cx="8424863" cy="1077218"/>
+            <p:ph type="body" sz="quarter" idx="10"/>
+          </p:nvPr>
+        </p:nvSpPr>
+        <p:spPr>
+          <a:xfrm>
+            <a:off x="2171700" y="4495801"/>
+            <a:ext cx="7848600" cy="1905000"/>
           </a:xfrm>
           <a:noFill/>
           <a:extLst>
@@ -18166,9 +17843,7 @@
           <a:lstStyle/>
           <a:p>
             <a:r>
-              <a:rPr lang="en-US" altLang="en-US" b="1" dirty="0">
-                <a:ea typeface="MS Mincho" charset="-128"/>
-              </a:rPr>
+              <a:rPr lang="en-US" altLang="en-US" dirty="0"/>
               <a:t>Peace be upon all of you, O supporters of Fatimah the doyenne of the women of this world.</a:t>
             </a:r>
           </a:p>
@@ -18219,13 +17894,13 @@
             <a:spLocks noGrp="1" noChangeArrowheads="1"/>
           </p:cNvSpPr>
           <p:nvPr>
-            <p:ph type="ctrTitle"/>
-          </p:nvPr>
-        </p:nvSpPr>
-        <p:spPr>
-          <a:xfrm>
-            <a:off x="623392" y="1443306"/>
-            <a:ext cx="11089926" cy="1323439"/>
+            <p:ph type="title"/>
+          </p:nvPr>
+        </p:nvSpPr>
+        <p:spPr>
+          <a:xfrm>
+            <a:off x="0" y="1219199"/>
+            <a:ext cx="12192000" cy="1143000"/>
           </a:xfrm>
           <a:noFill/>
           <a:ln>
@@ -18271,18 +17946,11 @@
           </a:bodyPr>
           <a:lstStyle/>
           <a:p>
-            <a:pPr rtl="1"/>
-            <a:r>
-              <a:rPr lang="ar-SA" altLang="en-US" sz="8000" dirty="0">
-                <a:latin typeface="Arabic Typesetting" panose="03020402040406030203" pitchFamily="66" charset="-78"/>
-                <a:cs typeface="Arabic Typesetting" panose="03020402040406030203" pitchFamily="66" charset="-78"/>
-              </a:rPr>
+            <a:r>
+              <a:rPr lang="ar-SA" altLang="en-US" dirty="0"/>
               <a:t>اَلسَّلاَمُ عَلَيْكُمْ يَا أَنْصَارَ أَبِي مُحَمَّدٍ</a:t>
             </a:r>
-            <a:endParaRPr lang="en-US" altLang="en-US" sz="8000" dirty="0">
-              <a:latin typeface="Arabic Typesetting" panose="03020402040406030203" pitchFamily="66" charset="-78"/>
-              <a:cs typeface="Arabic Typesetting" panose="03020402040406030203" pitchFamily="66" charset="-78"/>
-            </a:endParaRPr>
+            <a:endParaRPr lang="en-US" altLang="en-US" dirty="0"/>
           </a:p>
         </p:txBody>
       </p:sp>
@@ -18293,13 +17961,13 @@
             <a:spLocks noGrp="1" noChangeArrowheads="1"/>
           </p:cNvSpPr>
           <p:nvPr>
-            <p:ph type="subTitle" idx="1"/>
-          </p:nvPr>
-        </p:nvSpPr>
-        <p:spPr>
-          <a:xfrm>
-            <a:off x="1847851" y="3381375"/>
-            <a:ext cx="8424863" cy="1077218"/>
+            <p:ph type="body" sz="quarter" idx="10"/>
+          </p:nvPr>
+        </p:nvSpPr>
+        <p:spPr>
+          <a:xfrm>
+            <a:off x="2171700" y="4495801"/>
+            <a:ext cx="7848600" cy="1905000"/>
           </a:xfrm>
           <a:noFill/>
           <a:extLst>
@@ -18323,9 +17991,7 @@
           <a:lstStyle/>
           <a:p>
             <a:r>
-              <a:rPr lang="en-US" altLang="en-US" b="1" dirty="0">
-                <a:ea typeface="MS Mincho" charset="-128"/>
-              </a:rPr>
+              <a:rPr lang="en-US" altLang="en-US" dirty="0"/>
               <a:t>Peace be upon all of you, O supporters of Abu Muhammad,</a:t>
             </a:r>
           </a:p>
@@ -18376,13 +18042,13 @@
             <a:spLocks noGrp="1" noChangeArrowheads="1"/>
           </p:cNvSpPr>
           <p:nvPr>
-            <p:ph type="ctrTitle"/>
-          </p:nvPr>
-        </p:nvSpPr>
-        <p:spPr>
-          <a:xfrm>
-            <a:off x="623392" y="1443306"/>
-            <a:ext cx="11089926" cy="1323439"/>
+            <p:ph type="title"/>
+          </p:nvPr>
+        </p:nvSpPr>
+        <p:spPr>
+          <a:xfrm>
+            <a:off x="0" y="1219199"/>
+            <a:ext cx="12192000" cy="1143000"/>
           </a:xfrm>
           <a:noFill/>
           <a:ln>
@@ -18428,39 +18094,23 @@
           </a:bodyPr>
           <a:lstStyle/>
           <a:p>
-            <a:pPr rtl="1"/>
-            <a:r>
-              <a:rPr lang="ar-SA" altLang="en-US" sz="8000" dirty="0" err="1">
-                <a:latin typeface="Arabic Typesetting" panose="03020402040406030203" pitchFamily="66" charset="-78"/>
-                <a:cs typeface="Arabic Typesetting" panose="03020402040406030203" pitchFamily="66" charset="-78"/>
-              </a:rPr>
+            <a:r>
+              <a:rPr lang="ar-SA" altLang="en-US" dirty="0" err="1"/>
               <a:t>ٱلْحَسَنِ</a:t>
             </a:r>
             <a:r>
-              <a:rPr lang="ar-SA" altLang="en-US" sz="8000" dirty="0">
-                <a:latin typeface="Arabic Typesetting" panose="03020402040406030203" pitchFamily="66" charset="-78"/>
-                <a:cs typeface="Arabic Typesetting" panose="03020402040406030203" pitchFamily="66" charset="-78"/>
-              </a:rPr>
+              <a:rPr lang="ar-SA" altLang="en-US" dirty="0"/>
               <a:t> </a:t>
             </a:r>
             <a:r>
-              <a:rPr lang="ar-SA" altLang="en-US" sz="8000" dirty="0" err="1">
-                <a:latin typeface="Arabic Typesetting" panose="03020402040406030203" pitchFamily="66" charset="-78"/>
-                <a:cs typeface="Arabic Typesetting" panose="03020402040406030203" pitchFamily="66" charset="-78"/>
-              </a:rPr>
+              <a:rPr lang="ar-SA" altLang="en-US" dirty="0" err="1"/>
               <a:t>ٱبْنِ</a:t>
             </a:r>
             <a:r>
-              <a:rPr lang="ar-SA" altLang="en-US" sz="8000" dirty="0">
-                <a:latin typeface="Arabic Typesetting" panose="03020402040406030203" pitchFamily="66" charset="-78"/>
-                <a:cs typeface="Arabic Typesetting" panose="03020402040406030203" pitchFamily="66" charset="-78"/>
-              </a:rPr>
+              <a:rPr lang="ar-SA" altLang="en-US" dirty="0"/>
               <a:t> عَلِيٍّ الْوَلِيِّ [الزَّكِيِ‏] النَّاصِحِ</a:t>
             </a:r>
-            <a:endParaRPr lang="en-US" altLang="en-US" sz="8000" dirty="0">
-              <a:latin typeface="Arabic Typesetting" panose="03020402040406030203" pitchFamily="66" charset="-78"/>
-              <a:cs typeface="Arabic Typesetting" panose="03020402040406030203" pitchFamily="66" charset="-78"/>
-            </a:endParaRPr>
+            <a:endParaRPr lang="en-US" altLang="en-US" dirty="0"/>
           </a:p>
         </p:txBody>
       </p:sp>
@@ -18471,13 +18121,13 @@
             <a:spLocks noGrp="1" noChangeArrowheads="1"/>
           </p:cNvSpPr>
           <p:nvPr>
-            <p:ph type="subTitle" idx="1"/>
-          </p:nvPr>
-        </p:nvSpPr>
-        <p:spPr>
-          <a:xfrm>
-            <a:off x="1847851" y="3381375"/>
-            <a:ext cx="8424863" cy="584775"/>
+            <p:ph type="body" sz="quarter" idx="10"/>
+          </p:nvPr>
+        </p:nvSpPr>
+        <p:spPr>
+          <a:xfrm>
+            <a:off x="2171700" y="4495801"/>
+            <a:ext cx="7848600" cy="1905000"/>
           </a:xfrm>
           <a:noFill/>
           <a:extLst>
@@ -18501,9 +18151,7 @@
           <a:lstStyle/>
           <a:p>
             <a:r>
-              <a:rPr lang="en-US" altLang="en-US" b="1" dirty="0">
-                <a:ea typeface="MS Mincho" charset="-128"/>
-              </a:rPr>
+              <a:rPr lang="en-US" altLang="en-US" dirty="0"/>
               <a:t>al-Hasan the son of `Ali, the saintly and sincere.</a:t>
             </a:r>
           </a:p>
@@ -18554,13 +18202,13 @@
             <a:spLocks noGrp="1" noChangeArrowheads="1"/>
           </p:cNvSpPr>
           <p:nvPr>
-            <p:ph type="ctrTitle"/>
-          </p:nvPr>
-        </p:nvSpPr>
-        <p:spPr>
-          <a:xfrm>
-            <a:off x="623392" y="1443306"/>
-            <a:ext cx="11089926" cy="1323439"/>
+            <p:ph type="title"/>
+          </p:nvPr>
+        </p:nvSpPr>
+        <p:spPr>
+          <a:xfrm>
+            <a:off x="0" y="1219199"/>
+            <a:ext cx="12192000" cy="1143000"/>
           </a:xfrm>
           <a:noFill/>
           <a:ln>
@@ -18606,25 +18254,15 @@
           </a:bodyPr>
           <a:lstStyle/>
           <a:p>
-            <a:pPr rtl="1"/>
-            <a:r>
-              <a:rPr lang="ar-SA" altLang="en-US" sz="8000" dirty="0">
-                <a:latin typeface="Arabic Typesetting" panose="03020402040406030203" pitchFamily="66" charset="-78"/>
-                <a:cs typeface="Arabic Typesetting" panose="03020402040406030203" pitchFamily="66" charset="-78"/>
-              </a:rPr>
+            <a:r>
+              <a:rPr lang="ar-SA" altLang="en-US" dirty="0"/>
               <a:t>اَلسَّلاَمُ عَلَيْكُمْ يَا أَنْصَارَ أَبِي عَبْدِ </a:t>
             </a:r>
             <a:r>
-              <a:rPr lang="ar-SA" altLang="en-US" sz="8000" dirty="0" err="1">
-                <a:latin typeface="Arabic Typesetting" panose="03020402040406030203" pitchFamily="66" charset="-78"/>
-                <a:cs typeface="Arabic Typesetting" panose="03020402040406030203" pitchFamily="66" charset="-78"/>
-              </a:rPr>
+              <a:rPr lang="ar-SA" altLang="en-US" dirty="0" err="1"/>
               <a:t>ٱللَّهِ</a:t>
             </a:r>
-            <a:endParaRPr lang="en-US" altLang="en-US" sz="8000" dirty="0">
-              <a:latin typeface="Arabic Typesetting" panose="03020402040406030203" pitchFamily="66" charset="-78"/>
-              <a:cs typeface="Arabic Typesetting" panose="03020402040406030203" pitchFamily="66" charset="-78"/>
-            </a:endParaRPr>
+            <a:endParaRPr lang="en-US" altLang="en-US" dirty="0"/>
           </a:p>
         </p:txBody>
       </p:sp>
@@ -18635,13 +18273,13 @@
             <a:spLocks noGrp="1" noChangeArrowheads="1"/>
           </p:cNvSpPr>
           <p:nvPr>
-            <p:ph type="subTitle" idx="1"/>
-          </p:nvPr>
-        </p:nvSpPr>
-        <p:spPr>
-          <a:xfrm>
-            <a:off x="1847851" y="3381375"/>
-            <a:ext cx="8424863" cy="1077218"/>
+            <p:ph type="body" sz="quarter" idx="10"/>
+          </p:nvPr>
+        </p:nvSpPr>
+        <p:spPr>
+          <a:xfrm>
+            <a:off x="2171700" y="4495801"/>
+            <a:ext cx="7848600" cy="1905000"/>
           </a:xfrm>
           <a:noFill/>
           <a:extLst>
@@ -18665,9 +18303,7 @@
           <a:lstStyle/>
           <a:p>
             <a:r>
-              <a:rPr lang="en-US" altLang="en-US" b="1" dirty="0">
-                <a:ea typeface="MS Mincho" charset="-128"/>
-              </a:rPr>
+              <a:rPr lang="en-US" altLang="en-US" dirty="0"/>
               <a:t>Peace be upon all of you, O supporters of Abu-`Abdullah.</a:t>
             </a:r>
           </a:p>
@@ -18718,13 +18354,13 @@
             <a:spLocks noGrp="1" noChangeArrowheads="1"/>
           </p:cNvSpPr>
           <p:nvPr>
-            <p:ph type="ctrTitle"/>
-          </p:nvPr>
-        </p:nvSpPr>
-        <p:spPr>
-          <a:xfrm>
-            <a:off x="623392" y="1443306"/>
-            <a:ext cx="11089926" cy="1323439"/>
+            <p:ph type="title"/>
+          </p:nvPr>
+        </p:nvSpPr>
+        <p:spPr>
+          <a:xfrm>
+            <a:off x="0" y="1219199"/>
+            <a:ext cx="12192000" cy="1143000"/>
           </a:xfrm>
           <a:noFill/>
           <a:ln>
@@ -18770,18 +18406,11 @@
           </a:bodyPr>
           <a:lstStyle/>
           <a:p>
-            <a:pPr rtl="1"/>
-            <a:r>
-              <a:rPr lang="ar-SA" altLang="en-US" sz="8000" dirty="0">
-                <a:latin typeface="Arabic Typesetting" panose="03020402040406030203" pitchFamily="66" charset="-78"/>
-                <a:cs typeface="Arabic Typesetting" panose="03020402040406030203" pitchFamily="66" charset="-78"/>
-              </a:rPr>
+            <a:r>
+              <a:rPr lang="ar-SA" altLang="en-US" dirty="0"/>
               <a:t>بِأَبِي أَنْتُمْ وَأُمِّي</a:t>
             </a:r>
-            <a:endParaRPr lang="en-US" altLang="en-US" sz="8000" dirty="0">
-              <a:latin typeface="Arabic Typesetting" panose="03020402040406030203" pitchFamily="66" charset="-78"/>
-              <a:cs typeface="Arabic Typesetting" panose="03020402040406030203" pitchFamily="66" charset="-78"/>
-            </a:endParaRPr>
+            <a:endParaRPr lang="en-US" altLang="en-US" dirty="0"/>
           </a:p>
         </p:txBody>
       </p:sp>
@@ -18792,13 +18421,13 @@
             <a:spLocks noGrp="1" noChangeArrowheads="1"/>
           </p:cNvSpPr>
           <p:nvPr>
-            <p:ph type="subTitle" idx="1"/>
-          </p:nvPr>
-        </p:nvSpPr>
-        <p:spPr>
-          <a:xfrm>
-            <a:off x="1847851" y="3381375"/>
-            <a:ext cx="8424863" cy="584775"/>
+            <p:ph type="body" sz="quarter" idx="10"/>
+          </p:nvPr>
+        </p:nvSpPr>
+        <p:spPr>
+          <a:xfrm>
+            <a:off x="2171700" y="4495801"/>
+            <a:ext cx="7848600" cy="1905000"/>
           </a:xfrm>
           <a:noFill/>
           <a:extLst>
@@ -18822,9 +18451,7 @@
           <a:lstStyle/>
           <a:p>
             <a:r>
-              <a:rPr lang="en-US" altLang="en-US" b="1" dirty="0">
-                <a:ea typeface="MS Mincho" charset="-128"/>
-              </a:rPr>
+              <a:rPr lang="en-US" altLang="en-US" dirty="0"/>
               <a:t>My father and mother be sacrificed for you.</a:t>
             </a:r>
           </a:p>
@@ -18875,13 +18502,13 @@
             <a:spLocks noGrp="1" noChangeArrowheads="1"/>
           </p:cNvSpPr>
           <p:nvPr>
-            <p:ph type="ctrTitle"/>
-          </p:nvPr>
-        </p:nvSpPr>
-        <p:spPr>
-          <a:xfrm>
-            <a:off x="623392" y="1443306"/>
-            <a:ext cx="11089926" cy="1323439"/>
+            <p:ph type="title"/>
+          </p:nvPr>
+        </p:nvSpPr>
+        <p:spPr>
+          <a:xfrm>
+            <a:off x="0" y="1219199"/>
+            <a:ext cx="12192000" cy="1143000"/>
           </a:xfrm>
           <a:noFill/>
           <a:ln>
@@ -18927,46 +18554,27 @@
           </a:bodyPr>
           <a:lstStyle/>
           <a:p>
-            <a:pPr rtl="1"/>
-            <a:r>
-              <a:rPr lang="ar-SA" altLang="en-US" sz="8000" dirty="0">
-                <a:latin typeface="Arabic Typesetting" panose="03020402040406030203" pitchFamily="66" charset="-78"/>
-                <a:cs typeface="Arabic Typesetting" panose="03020402040406030203" pitchFamily="66" charset="-78"/>
-              </a:rPr>
+            <a:r>
+              <a:rPr lang="ar-SA" altLang="en-US" dirty="0"/>
               <a:t>طِبْتُمْ وَطَابَتِ </a:t>
             </a:r>
             <a:r>
-              <a:rPr lang="ar-SA" altLang="en-US" sz="8000" dirty="0" err="1">
-                <a:latin typeface="Arabic Typesetting" panose="03020402040406030203" pitchFamily="66" charset="-78"/>
-                <a:cs typeface="Arabic Typesetting" panose="03020402040406030203" pitchFamily="66" charset="-78"/>
-              </a:rPr>
+              <a:rPr lang="ar-SA" altLang="en-US" dirty="0" err="1"/>
               <a:t>ٱلأَرْضُ</a:t>
             </a:r>
             <a:r>
-              <a:rPr lang="ar-SA" altLang="en-US" sz="8000" dirty="0">
-                <a:latin typeface="Arabic Typesetting" panose="03020402040406030203" pitchFamily="66" charset="-78"/>
-                <a:cs typeface="Arabic Typesetting" panose="03020402040406030203" pitchFamily="66" charset="-78"/>
-              </a:rPr>
+              <a:rPr lang="ar-SA" altLang="en-US" dirty="0"/>
               <a:t> </a:t>
             </a:r>
             <a:r>
-              <a:rPr lang="ar-SA" altLang="en-US" sz="8000" dirty="0" err="1">
-                <a:latin typeface="Arabic Typesetting" panose="03020402040406030203" pitchFamily="66" charset="-78"/>
-                <a:cs typeface="Arabic Typesetting" panose="03020402040406030203" pitchFamily="66" charset="-78"/>
-              </a:rPr>
+              <a:rPr lang="ar-SA" altLang="en-US" dirty="0" err="1"/>
               <a:t>ٱلَّتِي</a:t>
             </a:r>
             <a:r>
-              <a:rPr lang="ar-SA" altLang="en-US" sz="8000" dirty="0">
-                <a:latin typeface="Arabic Typesetting" panose="03020402040406030203" pitchFamily="66" charset="-78"/>
-                <a:cs typeface="Arabic Typesetting" panose="03020402040406030203" pitchFamily="66" charset="-78"/>
-              </a:rPr>
+              <a:rPr lang="ar-SA" altLang="en-US" dirty="0"/>
               <a:t> فِيهَا دُفِنْتُمْ</a:t>
             </a:r>
-            <a:endParaRPr lang="en-US" altLang="en-US" sz="8000" dirty="0">
-              <a:latin typeface="Arabic Typesetting" panose="03020402040406030203" pitchFamily="66" charset="-78"/>
-              <a:cs typeface="Arabic Typesetting" panose="03020402040406030203" pitchFamily="66" charset="-78"/>
-            </a:endParaRPr>
+            <a:endParaRPr lang="en-US" altLang="en-US" dirty="0"/>
           </a:p>
         </p:txBody>
       </p:sp>
@@ -18977,13 +18585,13 @@
             <a:spLocks noGrp="1" noChangeArrowheads="1"/>
           </p:cNvSpPr>
           <p:nvPr>
-            <p:ph type="subTitle" idx="1"/>
-          </p:nvPr>
-        </p:nvSpPr>
-        <p:spPr>
-          <a:xfrm>
-            <a:off x="1847851" y="3381375"/>
-            <a:ext cx="8424863" cy="1077218"/>
+            <p:ph type="body" sz="quarter" idx="10"/>
+          </p:nvPr>
+        </p:nvSpPr>
+        <p:spPr>
+          <a:xfrm>
+            <a:off x="2171700" y="4495801"/>
+            <a:ext cx="7848600" cy="1905000"/>
           </a:xfrm>
           <a:noFill/>
           <a:extLst>
@@ -19007,9 +18615,7 @@
           <a:lstStyle/>
           <a:p>
             <a:r>
-              <a:rPr lang="en-US" altLang="en-US" b="1" dirty="0">
-                <a:ea typeface="MS Mincho" charset="-128"/>
-              </a:rPr>
+              <a:rPr lang="en-US" altLang="en-US" dirty="0"/>
               <a:t>Verily, pure be you and pure be the soil in which you were buried.</a:t>
             </a:r>
           </a:p>
@@ -19060,13 +18666,13 @@
             <a:spLocks noGrp="1" noChangeArrowheads="1"/>
           </p:cNvSpPr>
           <p:nvPr>
-            <p:ph type="ctrTitle"/>
-          </p:nvPr>
-        </p:nvSpPr>
-        <p:spPr>
-          <a:xfrm>
-            <a:off x="623392" y="1443306"/>
-            <a:ext cx="11089926" cy="1323439"/>
+            <p:ph type="title"/>
+          </p:nvPr>
+        </p:nvSpPr>
+        <p:spPr>
+          <a:xfrm>
+            <a:off x="0" y="1219199"/>
+            <a:ext cx="12192000" cy="1143000"/>
           </a:xfrm>
           <a:noFill/>
           <a:ln>
@@ -19112,18 +18718,11 @@
           </a:bodyPr>
           <a:lstStyle/>
           <a:p>
-            <a:pPr rtl="1"/>
-            <a:r>
-              <a:rPr lang="ar-SA" altLang="en-US" sz="8000" dirty="0">
-                <a:latin typeface="Arabic Typesetting" panose="03020402040406030203" pitchFamily="66" charset="-78"/>
-                <a:cs typeface="Arabic Typesetting" panose="03020402040406030203" pitchFamily="66" charset="-78"/>
-              </a:rPr>
+            <a:r>
+              <a:rPr lang="ar-SA" altLang="en-US" dirty="0"/>
               <a:t>وَفُزْتُمْ فَوْزاً عَظيماً</a:t>
             </a:r>
-            <a:endParaRPr lang="en-US" altLang="en-US" sz="8000" dirty="0">
-              <a:latin typeface="Arabic Typesetting" panose="03020402040406030203" pitchFamily="66" charset="-78"/>
-              <a:cs typeface="Arabic Typesetting" panose="03020402040406030203" pitchFamily="66" charset="-78"/>
-            </a:endParaRPr>
+            <a:endParaRPr lang="en-US" altLang="en-US" dirty="0"/>
           </a:p>
         </p:txBody>
       </p:sp>
@@ -19134,13 +18733,13 @@
             <a:spLocks noGrp="1" noChangeArrowheads="1"/>
           </p:cNvSpPr>
           <p:nvPr>
-            <p:ph type="subTitle" idx="1"/>
-          </p:nvPr>
-        </p:nvSpPr>
-        <p:spPr>
-          <a:xfrm>
-            <a:off x="1847851" y="3381375"/>
-            <a:ext cx="8424863" cy="584775"/>
+            <p:ph type="body" sz="quarter" idx="10"/>
+          </p:nvPr>
+        </p:nvSpPr>
+        <p:spPr>
+          <a:xfrm>
+            <a:off x="2171700" y="4495801"/>
+            <a:ext cx="7848600" cy="1905000"/>
           </a:xfrm>
           <a:noFill/>
           <a:extLst>
@@ -19164,9 +18763,7 @@
           <a:lstStyle/>
           <a:p>
             <a:r>
-              <a:rPr lang="en-US" altLang="en-US" b="1" dirty="0">
-                <a:ea typeface="MS Mincho" charset="-128"/>
-              </a:rPr>
+              <a:rPr lang="en-US" altLang="en-US" dirty="0"/>
               <a:t>You attained great success.</a:t>
             </a:r>
           </a:p>
